--- a/W3/1. W3S1 final/W3S1.pptx
+++ b/W3/1. W3S1 final/W3S1.pptx
@@ -5,56 +5,53 @@
     <p:sldMasterId id="2147483648" r:id="rId1"/>
   </p:sldMasterIdLst>
   <p:notesMasterIdLst>
-    <p:notesMasterId r:id="rId49"/>
+    <p:notesMasterId r:id="rId46"/>
   </p:notesMasterIdLst>
   <p:sldIdLst>
     <p:sldId id="377" r:id="rId2"/>
     <p:sldId id="760" r:id="rId3"/>
     <p:sldId id="783" r:id="rId4"/>
     <p:sldId id="784" r:id="rId5"/>
-    <p:sldId id="608" r:id="rId6"/>
-    <p:sldId id="757" r:id="rId7"/>
-    <p:sldId id="758" r:id="rId8"/>
-    <p:sldId id="759" r:id="rId9"/>
-    <p:sldId id="405" r:id="rId10"/>
-    <p:sldId id="378" r:id="rId11"/>
-    <p:sldId id="406" r:id="rId12"/>
-    <p:sldId id="379" r:id="rId13"/>
-    <p:sldId id="407" r:id="rId14"/>
-    <p:sldId id="408" r:id="rId15"/>
-    <p:sldId id="409" r:id="rId16"/>
-    <p:sldId id="410" r:id="rId17"/>
-    <p:sldId id="411" r:id="rId18"/>
-    <p:sldId id="413" r:id="rId19"/>
-    <p:sldId id="412" r:id="rId20"/>
-    <p:sldId id="414" r:id="rId21"/>
-    <p:sldId id="415" r:id="rId22"/>
-    <p:sldId id="416" r:id="rId23"/>
-    <p:sldId id="417" r:id="rId24"/>
-    <p:sldId id="380" r:id="rId25"/>
-    <p:sldId id="418" r:id="rId26"/>
-    <p:sldId id="419" r:id="rId27"/>
-    <p:sldId id="420" r:id="rId28"/>
-    <p:sldId id="381" r:id="rId29"/>
-    <p:sldId id="421" r:id="rId30"/>
-    <p:sldId id="422" r:id="rId31"/>
-    <p:sldId id="382" r:id="rId32"/>
-    <p:sldId id="423" r:id="rId33"/>
-    <p:sldId id="425" r:id="rId34"/>
-    <p:sldId id="424" r:id="rId35"/>
-    <p:sldId id="426" r:id="rId36"/>
-    <p:sldId id="404" r:id="rId37"/>
-    <p:sldId id="646" r:id="rId38"/>
-    <p:sldId id="383" r:id="rId39"/>
-    <p:sldId id="647" r:id="rId40"/>
-    <p:sldId id="648" r:id="rId41"/>
-    <p:sldId id="649" r:id="rId42"/>
-    <p:sldId id="384" r:id="rId43"/>
-    <p:sldId id="385" r:id="rId44"/>
-    <p:sldId id="650" r:id="rId45"/>
-    <p:sldId id="651" r:id="rId46"/>
-    <p:sldId id="386" r:id="rId47"/>
-    <p:sldId id="652" r:id="rId48"/>
+    <p:sldId id="405" r:id="rId6"/>
+    <p:sldId id="378" r:id="rId7"/>
+    <p:sldId id="785" r:id="rId8"/>
+    <p:sldId id="406" r:id="rId9"/>
+    <p:sldId id="379" r:id="rId10"/>
+    <p:sldId id="407" r:id="rId11"/>
+    <p:sldId id="408" r:id="rId12"/>
+    <p:sldId id="409" r:id="rId13"/>
+    <p:sldId id="410" r:id="rId14"/>
+    <p:sldId id="411" r:id="rId15"/>
+    <p:sldId id="413" r:id="rId16"/>
+    <p:sldId id="412" r:id="rId17"/>
+    <p:sldId id="414" r:id="rId18"/>
+    <p:sldId id="415" r:id="rId19"/>
+    <p:sldId id="416" r:id="rId20"/>
+    <p:sldId id="417" r:id="rId21"/>
+    <p:sldId id="380" r:id="rId22"/>
+    <p:sldId id="418" r:id="rId23"/>
+    <p:sldId id="419" r:id="rId24"/>
+    <p:sldId id="420" r:id="rId25"/>
+    <p:sldId id="381" r:id="rId26"/>
+    <p:sldId id="421" r:id="rId27"/>
+    <p:sldId id="422" r:id="rId28"/>
+    <p:sldId id="382" r:id="rId29"/>
+    <p:sldId id="423" r:id="rId30"/>
+    <p:sldId id="425" r:id="rId31"/>
+    <p:sldId id="424" r:id="rId32"/>
+    <p:sldId id="426" r:id="rId33"/>
+    <p:sldId id="646" r:id="rId34"/>
+    <p:sldId id="383" r:id="rId35"/>
+    <p:sldId id="647" r:id="rId36"/>
+    <p:sldId id="648" r:id="rId37"/>
+    <p:sldId id="649" r:id="rId38"/>
+    <p:sldId id="384" r:id="rId39"/>
+    <p:sldId id="385" r:id="rId40"/>
+    <p:sldId id="650" r:id="rId41"/>
+    <p:sldId id="651" r:id="rId42"/>
+    <p:sldId id="386" r:id="rId43"/>
+    <p:sldId id="652" r:id="rId44"/>
+    <p:sldId id="404" r:id="rId45"/>
   </p:sldIdLst>
   <p:sldSz cx="12192000" cy="6858000"/>
   <p:notesSz cx="6858000" cy="9144000"/>
@@ -168,18 +165,11 @@
             <p14:sldId id="784"/>
           </p14:sldIdLst>
         </p14:section>
-        <p14:section name="0. Hyperparameter searching" id="{9DF854B9-B1FF-4998-A2D8-9E9AEA42D2D4}">
-          <p14:sldIdLst>
-            <p14:sldId id="608"/>
-            <p14:sldId id="757"/>
-            <p14:sldId id="758"/>
-            <p14:sldId id="759"/>
-          </p14:sldIdLst>
-        </p14:section>
         <p14:section name="I.1. The PyTorch framework and its benefits" id="{3DB4E890-7E90-4FB2-B232-A4CA3E58405F}">
           <p14:sldIdLst>
             <p14:sldId id="405"/>
             <p14:sldId id="378"/>
+            <p14:sldId id="785"/>
             <p14:sldId id="406"/>
           </p14:sldIdLst>
         </p14:section>
@@ -223,11 +213,6 @@
             <p14:sldId id="426"/>
           </p14:sldIdLst>
         </p14:section>
-        <p14:section name="I.6. A bit of practice" id="{7E6DFD35-08C1-4CD1-A069-3CEB97555F1B}">
-          <p14:sldIdLst>
-            <p14:sldId id="404"/>
-          </p14:sldIdLst>
-        </p14:section>
         <p14:section name="II.1. Converting our model into PyTorch" id="{A7F7FB4A-93A3-4669-8DFC-6DF59244797C}">
           <p14:sldIdLst>
             <p14:sldId id="646"/>
@@ -255,6 +240,11 @@
             <p14:sldId id="652"/>
           </p14:sldIdLst>
         </p14:section>
+        <p14:section name="II.5. A bit of practice" id="{7E6DFD35-08C1-4CD1-A069-3CEB97555F1B}">
+          <p14:sldIdLst>
+            <p14:sldId id="404"/>
+          </p14:sldIdLst>
+        </p14:section>
       </p14:sectionLst>
     </p:ext>
     <p:ext uri="{EFAFB233-063F-42B5-8137-9DF3F51BA10A}">
@@ -4343,6 +4333,172 @@
           </ac:spMkLst>
         </pc:spChg>
       </pc:sldMasterChg>
+    </pc:docChg>
+  </pc:docChgLst>
+  <pc:docChgLst>
+    <pc:chgData name="Matthieu De Mari" userId="dfb708c9-d8dc-439f-9a3b-c772bf4a311c" providerId="ADAL" clId="{44ABFB41-BEA6-4DBA-BBB4-11FE1C0F0B9A}"/>
+    <pc:docChg chg="custSel addSld delSld modSld sldOrd delSection modSection">
+      <pc:chgData name="Matthieu De Mari" userId="dfb708c9-d8dc-439f-9a3b-c772bf4a311c" providerId="ADAL" clId="{44ABFB41-BEA6-4DBA-BBB4-11FE1C0F0B9A}" dt="2023-06-16T07:18:49.946" v="49" actId="17846"/>
+      <pc:docMkLst>
+        <pc:docMk/>
+      </pc:docMkLst>
+      <pc:sldChg chg="delSp modSp mod modClrScheme chgLayout">
+        <pc:chgData name="Matthieu De Mari" userId="dfb708c9-d8dc-439f-9a3b-c772bf4a311c" providerId="ADAL" clId="{44ABFB41-BEA6-4DBA-BBB4-11FE1C0F0B9A}" dt="2023-06-16T07:10:47.411" v="15" actId="14100"/>
+        <pc:sldMkLst>
+          <pc:docMk/>
+          <pc:sldMk cId="380766058" sldId="378"/>
+        </pc:sldMkLst>
+        <pc:spChg chg="mod ord">
+          <ac:chgData name="Matthieu De Mari" userId="dfb708c9-d8dc-439f-9a3b-c772bf4a311c" providerId="ADAL" clId="{44ABFB41-BEA6-4DBA-BBB4-11FE1C0F0B9A}" dt="2023-06-16T07:10:47.411" v="15" actId="14100"/>
+          <ac:spMkLst>
+            <pc:docMk/>
+            <pc:sldMk cId="380766058" sldId="378"/>
+            <ac:spMk id="3" creationId="{65399E50-9E84-8D67-B55F-073C06C3D10E}"/>
+          </ac:spMkLst>
+        </pc:spChg>
+        <pc:spChg chg="mod ord">
+          <ac:chgData name="Matthieu De Mari" userId="dfb708c9-d8dc-439f-9a3b-c772bf4a311c" providerId="ADAL" clId="{44ABFB41-BEA6-4DBA-BBB4-11FE1C0F0B9A}" dt="2023-06-16T07:10:19.722" v="2" actId="700"/>
+          <ac:spMkLst>
+            <pc:docMk/>
+            <pc:sldMk cId="380766058" sldId="378"/>
+            <ac:spMk id="4" creationId="{0DC6A3F0-334F-9B7D-CECA-321756F77DD7}"/>
+          </ac:spMkLst>
+        </pc:spChg>
+        <pc:spChg chg="del mod ord">
+          <ac:chgData name="Matthieu De Mari" userId="dfb708c9-d8dc-439f-9a3b-c772bf4a311c" providerId="ADAL" clId="{44ABFB41-BEA6-4DBA-BBB4-11FE1C0F0B9A}" dt="2023-06-16T07:10:22.139" v="4" actId="478"/>
+          <ac:spMkLst>
+            <pc:docMk/>
+            <pc:sldMk cId="380766058" sldId="378"/>
+            <ac:spMk id="5" creationId="{E85979EA-F014-A9DE-13D1-EA9A2099FCA3}"/>
+          </ac:spMkLst>
+        </pc:spChg>
+      </pc:sldChg>
+      <pc:sldChg chg="ord">
+        <pc:chgData name="Matthieu De Mari" userId="dfb708c9-d8dc-439f-9a3b-c772bf4a311c" providerId="ADAL" clId="{44ABFB41-BEA6-4DBA-BBB4-11FE1C0F0B9A}" dt="2023-06-16T07:18:42.810" v="48"/>
+        <pc:sldMkLst>
+          <pc:docMk/>
+          <pc:sldMk cId="3140288791" sldId="404"/>
+        </pc:sldMkLst>
+      </pc:sldChg>
+      <pc:sldChg chg="modSp mod">
+        <pc:chgData name="Matthieu De Mari" userId="dfb708c9-d8dc-439f-9a3b-c772bf4a311c" providerId="ADAL" clId="{44ABFB41-BEA6-4DBA-BBB4-11FE1C0F0B9A}" dt="2023-06-16T07:11:42.352" v="44" actId="20577"/>
+        <pc:sldMkLst>
+          <pc:docMk/>
+          <pc:sldMk cId="1178350440" sldId="410"/>
+        </pc:sldMkLst>
+        <pc:spChg chg="mod">
+          <ac:chgData name="Matthieu De Mari" userId="dfb708c9-d8dc-439f-9a3b-c772bf4a311c" providerId="ADAL" clId="{44ABFB41-BEA6-4DBA-BBB4-11FE1C0F0B9A}" dt="2023-06-16T07:11:42.352" v="44" actId="20577"/>
+          <ac:spMkLst>
+            <pc:docMk/>
+            <pc:sldMk cId="1178350440" sldId="410"/>
+            <ac:spMk id="3" creationId="{A2C1AD02-2B23-3037-9908-FF09B3499297}"/>
+          </ac:spMkLst>
+        </pc:spChg>
+      </pc:sldChg>
+      <pc:sldChg chg="modSp mod">
+        <pc:chgData name="Matthieu De Mari" userId="dfb708c9-d8dc-439f-9a3b-c772bf4a311c" providerId="ADAL" clId="{44ABFB41-BEA6-4DBA-BBB4-11FE1C0F0B9A}" dt="2023-06-16T07:11:40.732" v="43" actId="20577"/>
+        <pc:sldMkLst>
+          <pc:docMk/>
+          <pc:sldMk cId="2149409242" sldId="411"/>
+        </pc:sldMkLst>
+        <pc:spChg chg="mod">
+          <ac:chgData name="Matthieu De Mari" userId="dfb708c9-d8dc-439f-9a3b-c772bf4a311c" providerId="ADAL" clId="{44ABFB41-BEA6-4DBA-BBB4-11FE1C0F0B9A}" dt="2023-06-16T07:11:40.732" v="43" actId="20577"/>
+          <ac:spMkLst>
+            <pc:docMk/>
+            <pc:sldMk cId="2149409242" sldId="411"/>
+            <ac:spMk id="3" creationId="{A2C1AD02-2B23-3037-9908-FF09B3499297}"/>
+          </ac:spMkLst>
+        </pc:spChg>
+      </pc:sldChg>
+      <pc:sldChg chg="modSp mod">
+        <pc:chgData name="Matthieu De Mari" userId="dfb708c9-d8dc-439f-9a3b-c772bf4a311c" providerId="ADAL" clId="{44ABFB41-BEA6-4DBA-BBB4-11FE1C0F0B9A}" dt="2023-06-16T07:12:22.808" v="46" actId="20577"/>
+        <pc:sldMkLst>
+          <pc:docMk/>
+          <pc:sldMk cId="1513778887" sldId="424"/>
+        </pc:sldMkLst>
+        <pc:spChg chg="mod">
+          <ac:chgData name="Matthieu De Mari" userId="dfb708c9-d8dc-439f-9a3b-c772bf4a311c" providerId="ADAL" clId="{44ABFB41-BEA6-4DBA-BBB4-11FE1C0F0B9A}" dt="2023-06-16T07:12:22.808" v="46" actId="20577"/>
+          <ac:spMkLst>
+            <pc:docMk/>
+            <pc:sldMk cId="1513778887" sldId="424"/>
+            <ac:spMk id="3" creationId="{FA1F1CE6-06FF-6DD6-265C-39A26CC7DB57}"/>
+          </ac:spMkLst>
+        </pc:spChg>
+      </pc:sldChg>
+      <pc:sldChg chg="modSp mod">
+        <pc:chgData name="Matthieu De Mari" userId="dfb708c9-d8dc-439f-9a3b-c772bf4a311c" providerId="ADAL" clId="{44ABFB41-BEA6-4DBA-BBB4-11FE1C0F0B9A}" dt="2023-06-16T07:12:20.322" v="45" actId="20577"/>
+        <pc:sldMkLst>
+          <pc:docMk/>
+          <pc:sldMk cId="548772636" sldId="425"/>
+        </pc:sldMkLst>
+        <pc:spChg chg="mod">
+          <ac:chgData name="Matthieu De Mari" userId="dfb708c9-d8dc-439f-9a3b-c772bf4a311c" providerId="ADAL" clId="{44ABFB41-BEA6-4DBA-BBB4-11FE1C0F0B9A}" dt="2023-06-16T07:12:20.322" v="45" actId="20577"/>
+          <ac:spMkLst>
+            <pc:docMk/>
+            <pc:sldMk cId="548772636" sldId="425"/>
+            <ac:spMk id="3" creationId="{FA1F1CE6-06FF-6DD6-265C-39A26CC7DB57}"/>
+          </ac:spMkLst>
+        </pc:spChg>
+      </pc:sldChg>
+      <pc:sldChg chg="del">
+        <pc:chgData name="Matthieu De Mari" userId="dfb708c9-d8dc-439f-9a3b-c772bf4a311c" providerId="ADAL" clId="{44ABFB41-BEA6-4DBA-BBB4-11FE1C0F0B9A}" dt="2023-06-16T07:10:04.549" v="0" actId="47"/>
+        <pc:sldMkLst>
+          <pc:docMk/>
+          <pc:sldMk cId="1567954153" sldId="608"/>
+        </pc:sldMkLst>
+      </pc:sldChg>
+      <pc:sldChg chg="del">
+        <pc:chgData name="Matthieu De Mari" userId="dfb708c9-d8dc-439f-9a3b-c772bf4a311c" providerId="ADAL" clId="{44ABFB41-BEA6-4DBA-BBB4-11FE1C0F0B9A}" dt="2023-06-16T07:10:04.549" v="0" actId="47"/>
+        <pc:sldMkLst>
+          <pc:docMk/>
+          <pc:sldMk cId="2525469962" sldId="757"/>
+        </pc:sldMkLst>
+      </pc:sldChg>
+      <pc:sldChg chg="del">
+        <pc:chgData name="Matthieu De Mari" userId="dfb708c9-d8dc-439f-9a3b-c772bf4a311c" providerId="ADAL" clId="{44ABFB41-BEA6-4DBA-BBB4-11FE1C0F0B9A}" dt="2023-06-16T07:10:04.549" v="0" actId="47"/>
+        <pc:sldMkLst>
+          <pc:docMk/>
+          <pc:sldMk cId="571242276" sldId="758"/>
+        </pc:sldMkLst>
+      </pc:sldChg>
+      <pc:sldChg chg="del">
+        <pc:chgData name="Matthieu De Mari" userId="dfb708c9-d8dc-439f-9a3b-c772bf4a311c" providerId="ADAL" clId="{44ABFB41-BEA6-4DBA-BBB4-11FE1C0F0B9A}" dt="2023-06-16T07:10:04.549" v="0" actId="47"/>
+        <pc:sldMkLst>
+          <pc:docMk/>
+          <pc:sldMk cId="1598131875" sldId="759"/>
+        </pc:sldMkLst>
+      </pc:sldChg>
+      <pc:sldChg chg="delSp modSp add mod modClrScheme chgLayout">
+        <pc:chgData name="Matthieu De Mari" userId="dfb708c9-d8dc-439f-9a3b-c772bf4a311c" providerId="ADAL" clId="{44ABFB41-BEA6-4DBA-BBB4-11FE1C0F0B9A}" dt="2023-06-16T07:11:14.835" v="42" actId="20577"/>
+        <pc:sldMkLst>
+          <pc:docMk/>
+          <pc:sldMk cId="557429466" sldId="785"/>
+        </pc:sldMkLst>
+        <pc:spChg chg="mod ord">
+          <ac:chgData name="Matthieu De Mari" userId="dfb708c9-d8dc-439f-9a3b-c772bf4a311c" providerId="ADAL" clId="{44ABFB41-BEA6-4DBA-BBB4-11FE1C0F0B9A}" dt="2023-06-16T07:11:14.835" v="42" actId="20577"/>
+          <ac:spMkLst>
+            <pc:docMk/>
+            <pc:sldMk cId="557429466" sldId="785"/>
+            <ac:spMk id="3" creationId="{65399E50-9E84-8D67-B55F-073C06C3D10E}"/>
+          </ac:spMkLst>
+        </pc:spChg>
+        <pc:spChg chg="mod ord">
+          <ac:chgData name="Matthieu De Mari" userId="dfb708c9-d8dc-439f-9a3b-c772bf4a311c" providerId="ADAL" clId="{44ABFB41-BEA6-4DBA-BBB4-11FE1C0F0B9A}" dt="2023-06-16T07:10:32.764" v="8" actId="700"/>
+          <ac:spMkLst>
+            <pc:docMk/>
+            <pc:sldMk cId="557429466" sldId="785"/>
+            <ac:spMk id="4" creationId="{0DC6A3F0-334F-9B7D-CECA-321756F77DD7}"/>
+          </ac:spMkLst>
+        </pc:spChg>
+        <pc:spChg chg="del mod">
+          <ac:chgData name="Matthieu De Mari" userId="dfb708c9-d8dc-439f-9a3b-c772bf4a311c" providerId="ADAL" clId="{44ABFB41-BEA6-4DBA-BBB4-11FE1C0F0B9A}" dt="2023-06-16T07:10:29.587" v="7" actId="478"/>
+          <ac:spMkLst>
+            <pc:docMk/>
+            <pc:sldMk cId="557429466" sldId="785"/>
+            <ac:spMk id="5" creationId="{E85979EA-F014-A9DE-13D1-EA9A2099FCA3}"/>
+          </ac:spMkLst>
+        </pc:spChg>
+      </pc:sldChg>
     </pc:docChg>
   </pc:docChgLst>
 </pc:chgInfo>
@@ -4430,7 +4586,7 @@
           <a:p>
             <a:fld id="{61478373-EB31-4867-8CF0-FA31364748A5}" type="datetimeFigureOut">
               <a:rPr lang="en-GB" smtClean="0"/>
-              <a:t>06/02/2023</a:t>
+              <a:t>16/06/2023</a:t>
             </a:fld>
             <a:endParaRPr lang="en-GB"/>
           </a:p>
@@ -4847,7 +5003,7 @@
           <a:p>
             <a:fld id="{E85DF616-B21E-4EF6-A6A5-95E2FB3EB1A1}" type="datetimeFigureOut">
               <a:rPr lang="en-GB" smtClean="0"/>
-              <a:t>06/02/2023</a:t>
+              <a:t>16/06/2023</a:t>
             </a:fld>
             <a:endParaRPr lang="en-GB"/>
           </a:p>
@@ -5047,7 +5203,7 @@
           <a:p>
             <a:fld id="{E85DF616-B21E-4EF6-A6A5-95E2FB3EB1A1}" type="datetimeFigureOut">
               <a:rPr lang="en-GB" smtClean="0"/>
-              <a:t>06/02/2023</a:t>
+              <a:t>16/06/2023</a:t>
             </a:fld>
             <a:endParaRPr lang="en-GB"/>
           </a:p>
@@ -5257,7 +5413,7 @@
           <a:p>
             <a:fld id="{E85DF616-B21E-4EF6-A6A5-95E2FB3EB1A1}" type="datetimeFigureOut">
               <a:rPr lang="en-GB" smtClean="0"/>
-              <a:t>06/02/2023</a:t>
+              <a:t>16/06/2023</a:t>
             </a:fld>
             <a:endParaRPr lang="en-GB"/>
           </a:p>
@@ -5457,7 +5613,7 @@
           <a:p>
             <a:fld id="{E85DF616-B21E-4EF6-A6A5-95E2FB3EB1A1}" type="datetimeFigureOut">
               <a:rPr lang="en-GB" smtClean="0"/>
-              <a:t>06/02/2023</a:t>
+              <a:t>16/06/2023</a:t>
             </a:fld>
             <a:endParaRPr lang="en-GB"/>
           </a:p>
@@ -5733,7 +5889,7 @@
           <a:p>
             <a:fld id="{E85DF616-B21E-4EF6-A6A5-95E2FB3EB1A1}" type="datetimeFigureOut">
               <a:rPr lang="en-GB" smtClean="0"/>
-              <a:t>06/02/2023</a:t>
+              <a:t>16/06/2023</a:t>
             </a:fld>
             <a:endParaRPr lang="en-GB"/>
           </a:p>
@@ -6001,7 +6157,7 @@
           <a:p>
             <a:fld id="{E85DF616-B21E-4EF6-A6A5-95E2FB3EB1A1}" type="datetimeFigureOut">
               <a:rPr lang="en-GB" smtClean="0"/>
-              <a:t>06/02/2023</a:t>
+              <a:t>16/06/2023</a:t>
             </a:fld>
             <a:endParaRPr lang="en-GB"/>
           </a:p>
@@ -6416,7 +6572,7 @@
           <a:p>
             <a:fld id="{E85DF616-B21E-4EF6-A6A5-95E2FB3EB1A1}" type="datetimeFigureOut">
               <a:rPr lang="en-GB" smtClean="0"/>
-              <a:t>06/02/2023</a:t>
+              <a:t>16/06/2023</a:t>
             </a:fld>
             <a:endParaRPr lang="en-GB"/>
           </a:p>
@@ -6558,7 +6714,7 @@
           <a:p>
             <a:fld id="{E85DF616-B21E-4EF6-A6A5-95E2FB3EB1A1}" type="datetimeFigureOut">
               <a:rPr lang="en-GB" smtClean="0"/>
-              <a:t>06/02/2023</a:t>
+              <a:t>16/06/2023</a:t>
             </a:fld>
             <a:endParaRPr lang="en-GB"/>
           </a:p>
@@ -6671,7 +6827,7 @@
           <a:p>
             <a:fld id="{E85DF616-B21E-4EF6-A6A5-95E2FB3EB1A1}" type="datetimeFigureOut">
               <a:rPr lang="en-GB" smtClean="0"/>
-              <a:t>06/02/2023</a:t>
+              <a:t>16/06/2023</a:t>
             </a:fld>
             <a:endParaRPr lang="en-GB"/>
           </a:p>
@@ -6984,7 +7140,7 @@
           <a:p>
             <a:fld id="{E85DF616-B21E-4EF6-A6A5-95E2FB3EB1A1}" type="datetimeFigureOut">
               <a:rPr lang="en-GB" smtClean="0"/>
-              <a:t>06/02/2023</a:t>
+              <a:t>16/06/2023</a:t>
             </a:fld>
             <a:endParaRPr lang="en-GB"/>
           </a:p>
@@ -7273,7 +7429,7 @@
           <a:p>
             <a:fld id="{E85DF616-B21E-4EF6-A6A5-95E2FB3EB1A1}" type="datetimeFigureOut">
               <a:rPr lang="en-GB" smtClean="0"/>
-              <a:t>06/02/2023</a:t>
+              <a:t>16/06/2023</a:t>
             </a:fld>
             <a:endParaRPr lang="en-GB"/>
           </a:p>
@@ -7516,7 +7672,7 @@
           <a:p>
             <a:fld id="{E85DF616-B21E-4EF6-A6A5-95E2FB3EB1A1}" type="datetimeFigureOut">
               <a:rPr lang="en-GB" smtClean="0"/>
-              <a:t>06/02/2023</a:t>
+              <a:t>16/06/2023</a:t>
             </a:fld>
             <a:endParaRPr lang="en-GB"/>
           </a:p>
@@ -8186,796 +8342,6 @@
       </p:grpSpPr>
       <p:sp>
         <p:nvSpPr>
-          <p:cNvPr id="4" name="Title 3">
-            <a:extLst>
-              <a:ext uri="{FF2B5EF4-FFF2-40B4-BE49-F238E27FC236}">
-                <a16:creationId xmlns:a16="http://schemas.microsoft.com/office/drawing/2014/main" id="{0DC6A3F0-334F-9B7D-CECA-321756F77DD7}"/>
-              </a:ext>
-            </a:extLst>
-          </p:cNvPr>
-          <p:cNvSpPr>
-            <a:spLocks noGrp="1"/>
-          </p:cNvSpPr>
-          <p:nvPr>
-            <p:ph type="title"/>
-          </p:nvPr>
-        </p:nvSpPr>
-        <p:spPr/>
-        <p:txBody>
-          <a:bodyPr/>
-          <a:lstStyle/>
-          <a:p>
-            <a:r>
-              <a:rPr lang="en-GB" dirty="0"/>
-              <a:t>On the benefits of using </a:t>
-            </a:r>
-            <a:r>
-              <a:rPr lang="en-GB" dirty="0" err="1"/>
-              <a:t>PyTorch</a:t>
-            </a:r>
-            <a:endParaRPr lang="en-SG" dirty="0"/>
-          </a:p>
-        </p:txBody>
-      </p:sp>
-      <p:sp>
-        <p:nvSpPr>
-          <p:cNvPr id="3" name="Content Placeholder 2">
-            <a:extLst>
-              <a:ext uri="{FF2B5EF4-FFF2-40B4-BE49-F238E27FC236}">
-                <a16:creationId xmlns:a16="http://schemas.microsoft.com/office/drawing/2014/main" id="{65399E50-9E84-8D67-B55F-073C06C3D10E}"/>
-              </a:ext>
-            </a:extLst>
-          </p:cNvPr>
-          <p:cNvSpPr>
-            <a:spLocks noGrp="1"/>
-          </p:cNvSpPr>
-          <p:nvPr>
-            <p:ph sz="half" idx="1"/>
-          </p:nvPr>
-        </p:nvSpPr>
-        <p:spPr>
-          <a:xfrm>
-            <a:off x="838200" y="1825624"/>
-            <a:ext cx="5181600" cy="5032375"/>
-          </a:xfrm>
-        </p:spPr>
-        <p:txBody>
-          <a:bodyPr>
-            <a:normAutofit fontScale="92500" lnSpcReduction="20000"/>
-          </a:bodyPr>
-          <a:lstStyle/>
-          <a:p>
-            <a:pPr marL="0" indent="0">
-              <a:buNone/>
-            </a:pPr>
-            <a:r>
-              <a:rPr lang="en-GB" dirty="0"/>
-              <a:t>There are several benefits to using </a:t>
-            </a:r>
-            <a:r>
-              <a:rPr lang="en-GB" dirty="0" err="1"/>
-              <a:t>PyTorch</a:t>
-            </a:r>
-            <a:r>
-              <a:rPr lang="en-GB" dirty="0"/>
-              <a:t> over NumPy for implementing neural networks:</a:t>
-            </a:r>
-          </a:p>
-          <a:p>
-            <a:pPr>
-              <a:buFont typeface="Arial" panose="020B0604020202020204" pitchFamily="34" charset="0"/>
-              <a:buChar char="•"/>
-            </a:pPr>
-            <a:r>
-              <a:rPr lang="en-GB" b="1" dirty="0"/>
-              <a:t>More</a:t>
-            </a:r>
-            <a:r>
-              <a:rPr lang="en-GB" dirty="0"/>
-              <a:t> </a:t>
-            </a:r>
-            <a:r>
-              <a:rPr lang="en-GB" b="1" dirty="0"/>
-              <a:t>intuitive</a:t>
-            </a:r>
-            <a:r>
-              <a:rPr lang="en-GB" dirty="0"/>
-              <a:t> </a:t>
-            </a:r>
-            <a:r>
-              <a:rPr lang="en-GB" b="1" dirty="0"/>
-              <a:t>interface</a:t>
-            </a:r>
-            <a:r>
-              <a:rPr lang="en-GB" dirty="0"/>
-              <a:t> for working with tensors and neural networks.</a:t>
-            </a:r>
-          </a:p>
-          <a:p>
-            <a:pPr lvl="1"/>
-            <a:r>
-              <a:rPr lang="en-GB" dirty="0"/>
-              <a:t>NumPy is primarily a numerical computing library.</a:t>
-            </a:r>
-          </a:p>
-          <a:p>
-            <a:pPr lvl="1"/>
-            <a:r>
-              <a:rPr lang="en-GB" dirty="0" err="1"/>
-              <a:t>PyTorch</a:t>
-            </a:r>
-            <a:r>
-              <a:rPr lang="en-GB" dirty="0"/>
-              <a:t> is specifically designed with deep learning, and provides a more natural and convenient interface.</a:t>
-            </a:r>
-          </a:p>
-          <a:p>
-            <a:r>
-              <a:rPr lang="en-GB" b="1" dirty="0"/>
-              <a:t>Large</a:t>
-            </a:r>
-            <a:r>
-              <a:rPr lang="en-GB" dirty="0"/>
-              <a:t> </a:t>
-            </a:r>
-            <a:r>
-              <a:rPr lang="en-GB" b="1" dirty="0"/>
-              <a:t>active</a:t>
-            </a:r>
-            <a:r>
-              <a:rPr lang="en-GB" dirty="0"/>
-              <a:t> </a:t>
-            </a:r>
-            <a:r>
-              <a:rPr lang="en-GB" b="1" dirty="0"/>
-              <a:t>community</a:t>
-            </a:r>
-            <a:r>
-              <a:rPr lang="en-GB" dirty="0"/>
-              <a:t> of users.</a:t>
-            </a:r>
-          </a:p>
-          <a:p>
-            <a:pPr lvl="1"/>
-            <a:r>
-              <a:rPr lang="en-GB" dirty="0"/>
-              <a:t>Many tutorials, detailed documentations and implementations on </a:t>
-            </a:r>
-            <a:r>
-              <a:rPr lang="en-GB" dirty="0" err="1"/>
-              <a:t>Github</a:t>
-            </a:r>
-            <a:r>
-              <a:rPr lang="en-GB" dirty="0"/>
-              <a:t>.</a:t>
-            </a:r>
-          </a:p>
-          <a:p>
-            <a:pPr lvl="1"/>
-            <a:r>
-              <a:rPr lang="en-GB" dirty="0"/>
-              <a:t>Stack overflow equivalent.</a:t>
-            </a:r>
-          </a:p>
-          <a:p>
-            <a:pPr lvl="1"/>
-            <a:endParaRPr lang="en-GB" dirty="0"/>
-          </a:p>
-          <a:p>
-            <a:pPr lvl="1"/>
-            <a:endParaRPr lang="en-GB" dirty="0"/>
-          </a:p>
-        </p:txBody>
-      </p:sp>
-      <p:sp>
-        <p:nvSpPr>
-          <p:cNvPr id="5" name="Content Placeholder 4">
-            <a:extLst>
-              <a:ext uri="{FF2B5EF4-FFF2-40B4-BE49-F238E27FC236}">
-                <a16:creationId xmlns:a16="http://schemas.microsoft.com/office/drawing/2014/main" id="{E85979EA-F014-A9DE-13D1-EA9A2099FCA3}"/>
-              </a:ext>
-            </a:extLst>
-          </p:cNvPr>
-          <p:cNvSpPr>
-            <a:spLocks noGrp="1"/>
-          </p:cNvSpPr>
-          <p:nvPr>
-            <p:ph sz="half" idx="2"/>
-          </p:nvPr>
-        </p:nvSpPr>
-        <p:spPr>
-          <a:xfrm>
-            <a:off x="6172200" y="1825624"/>
-            <a:ext cx="5181600" cy="5032375"/>
-          </a:xfrm>
-        </p:spPr>
-        <p:txBody>
-          <a:bodyPr>
-            <a:normAutofit fontScale="92500" lnSpcReduction="20000"/>
-          </a:bodyPr>
-          <a:lstStyle/>
-          <a:p>
-            <a:pPr>
-              <a:buFont typeface="Arial" panose="020B0604020202020204" pitchFamily="34" charset="0"/>
-              <a:buChar char="•"/>
-            </a:pPr>
-            <a:r>
-              <a:rPr lang="en-GB" dirty="0" err="1"/>
-              <a:t>PyTorch</a:t>
-            </a:r>
-            <a:r>
-              <a:rPr lang="en-GB" dirty="0"/>
-              <a:t> has </a:t>
-            </a:r>
-            <a:r>
-              <a:rPr lang="en-GB" b="1" dirty="0"/>
-              <a:t>better</a:t>
-            </a:r>
-            <a:r>
-              <a:rPr lang="en-GB" dirty="0"/>
-              <a:t> </a:t>
-            </a:r>
-            <a:r>
-              <a:rPr lang="en-GB" b="1" dirty="0"/>
-              <a:t>support</a:t>
-            </a:r>
-            <a:r>
-              <a:rPr lang="en-GB" dirty="0"/>
-              <a:t> </a:t>
-            </a:r>
-            <a:r>
-              <a:rPr lang="en-GB" b="1" dirty="0"/>
-              <a:t>for</a:t>
-            </a:r>
-            <a:r>
-              <a:rPr lang="en-GB" dirty="0"/>
-              <a:t> </a:t>
-            </a:r>
-            <a:r>
-              <a:rPr lang="en-GB" b="1" dirty="0"/>
-              <a:t>GPU</a:t>
-            </a:r>
-            <a:r>
-              <a:rPr lang="en-GB" dirty="0"/>
-              <a:t> </a:t>
-            </a:r>
-            <a:r>
-              <a:rPr lang="en-GB" b="1" dirty="0"/>
-              <a:t>acceleration</a:t>
-            </a:r>
-            <a:r>
-              <a:rPr lang="en-GB" dirty="0"/>
-              <a:t> than NumPy.</a:t>
-            </a:r>
-          </a:p>
-          <a:p>
-            <a:pPr lvl="1"/>
-            <a:r>
-              <a:rPr lang="en-GB" dirty="0"/>
-              <a:t>If a GPU is available, significantly </a:t>
-            </a:r>
-            <a:r>
-              <a:rPr lang="en-GB" b="1" dirty="0"/>
-              <a:t>speed</a:t>
-            </a:r>
-            <a:r>
-              <a:rPr lang="en-GB" dirty="0"/>
-              <a:t> </a:t>
-            </a:r>
-            <a:r>
-              <a:rPr lang="en-GB" b="1" dirty="0"/>
-              <a:t>up</a:t>
-            </a:r>
-            <a:r>
-              <a:rPr lang="en-GB" dirty="0"/>
-              <a:t> </a:t>
-            </a:r>
-            <a:r>
-              <a:rPr lang="en-GB" b="1" dirty="0"/>
-              <a:t>the</a:t>
-            </a:r>
-            <a:r>
-              <a:rPr lang="en-GB" dirty="0"/>
-              <a:t> </a:t>
-            </a:r>
-            <a:r>
-              <a:rPr lang="en-GB" b="1" dirty="0"/>
-              <a:t>training</a:t>
-            </a:r>
-            <a:r>
-              <a:rPr lang="en-GB" dirty="0"/>
-              <a:t> of our neural network by performing the computations on the GPU using </a:t>
-            </a:r>
-            <a:r>
-              <a:rPr lang="en-GB" dirty="0" err="1"/>
-              <a:t>PyTorch</a:t>
-            </a:r>
-            <a:r>
-              <a:rPr lang="en-GB" dirty="0"/>
-              <a:t>.</a:t>
-            </a:r>
-          </a:p>
-          <a:p>
-            <a:pPr lvl="1"/>
-            <a:r>
-              <a:rPr lang="en-GB" dirty="0"/>
-              <a:t>Especially useful for </a:t>
-            </a:r>
-            <a:r>
-              <a:rPr lang="en-GB" b="1" dirty="0"/>
-              <a:t>training</a:t>
-            </a:r>
-            <a:r>
-              <a:rPr lang="en-GB" dirty="0"/>
-              <a:t> </a:t>
-            </a:r>
-            <a:r>
-              <a:rPr lang="en-GB" b="1" dirty="0"/>
-              <a:t>large</a:t>
-            </a:r>
-            <a:r>
-              <a:rPr lang="en-GB" dirty="0"/>
-              <a:t> </a:t>
-            </a:r>
-            <a:r>
-              <a:rPr lang="en-GB" b="1" dirty="0"/>
-              <a:t>and</a:t>
-            </a:r>
-            <a:r>
-              <a:rPr lang="en-GB" dirty="0"/>
-              <a:t> </a:t>
-            </a:r>
-            <a:r>
-              <a:rPr lang="en-GB" b="1" dirty="0"/>
-              <a:t>complex</a:t>
-            </a:r>
-            <a:r>
-              <a:rPr lang="en-GB" dirty="0"/>
-              <a:t> </a:t>
-            </a:r>
-            <a:r>
-              <a:rPr lang="en-GB" b="1" dirty="0"/>
-              <a:t>models</a:t>
-            </a:r>
-            <a:r>
-              <a:rPr lang="en-GB" dirty="0"/>
-              <a:t>.</a:t>
-            </a:r>
-          </a:p>
-          <a:p>
-            <a:pPr>
-              <a:buFont typeface="Arial" panose="020B0604020202020204" pitchFamily="34" charset="0"/>
-              <a:buChar char="•"/>
-            </a:pPr>
-            <a:r>
-              <a:rPr lang="en-GB" b="1" dirty="0"/>
-              <a:t>High-level</a:t>
-            </a:r>
-            <a:r>
-              <a:rPr lang="en-GB" dirty="0"/>
-              <a:t> </a:t>
-            </a:r>
-            <a:r>
-              <a:rPr lang="en-GB" b="1" dirty="0"/>
-              <a:t>abstractions</a:t>
-            </a:r>
-            <a:r>
-              <a:rPr lang="en-GB" dirty="0"/>
-              <a:t> for building and training neural networks.</a:t>
-            </a:r>
-          </a:p>
-          <a:p>
-            <a:pPr lvl="1"/>
-            <a:r>
-              <a:rPr lang="en-GB" dirty="0"/>
-              <a:t>Easier to write and debug code, </a:t>
-            </a:r>
-          </a:p>
-          <a:p>
-            <a:pPr lvl="1"/>
-            <a:r>
-              <a:rPr lang="en-GB" dirty="0"/>
-              <a:t>Improve the performance of our model by allowing </a:t>
-            </a:r>
-            <a:r>
-              <a:rPr lang="en-GB" dirty="0" err="1"/>
-              <a:t>PyTorch</a:t>
-            </a:r>
-            <a:r>
-              <a:rPr lang="en-GB" dirty="0"/>
-              <a:t> to apply optimization techniques</a:t>
-            </a:r>
-          </a:p>
-          <a:p>
-            <a:pPr lvl="1"/>
-            <a:r>
-              <a:rPr lang="en-GB" dirty="0"/>
-              <a:t>More specifically, </a:t>
-            </a:r>
-            <a:r>
-              <a:rPr lang="en-GB" b="1" dirty="0">
-                <a:solidFill>
-                  <a:srgbClr val="FF0000"/>
-                </a:solidFill>
-              </a:rPr>
-              <a:t>automatic</a:t>
-            </a:r>
-            <a:r>
-              <a:rPr lang="en-GB" dirty="0"/>
-              <a:t> </a:t>
-            </a:r>
-            <a:r>
-              <a:rPr lang="en-GB" b="1" dirty="0">
-                <a:solidFill>
-                  <a:srgbClr val="FF0000"/>
-                </a:solidFill>
-              </a:rPr>
-              <a:t>differentiation</a:t>
-            </a:r>
-            <a:r>
-              <a:rPr lang="en-GB" dirty="0"/>
-              <a:t>!</a:t>
-            </a:r>
-          </a:p>
-          <a:p>
-            <a:endParaRPr lang="en-SG" dirty="0"/>
-          </a:p>
-        </p:txBody>
-      </p:sp>
-    </p:spTree>
-    <p:extLst>
-      <p:ext uri="{BB962C8B-B14F-4D97-AF65-F5344CB8AC3E}">
-        <p14:creationId xmlns:p14="http://schemas.microsoft.com/office/powerpoint/2010/main" val="380766058"/>
-      </p:ext>
-    </p:extLst>
-  </p:cSld>
-  <p:clrMapOvr>
-    <a:masterClrMapping/>
-  </p:clrMapOvr>
-</p:sld>
-</file>
-
-<file path=ppt/slides/slide11.xml><?xml version="1.0" encoding="utf-8"?>
-<p:sld xmlns:a="http://schemas.openxmlformats.org/drawingml/2006/main" xmlns:r="http://schemas.openxmlformats.org/officeDocument/2006/relationships" xmlns:p="http://schemas.openxmlformats.org/presentationml/2006/main">
-  <p:cSld>
-    <p:spTree>
-      <p:nvGrpSpPr>
-        <p:cNvPr id="1" name=""/>
-        <p:cNvGrpSpPr/>
-        <p:nvPr/>
-      </p:nvGrpSpPr>
-      <p:grpSpPr>
-        <a:xfrm>
-          <a:off x="0" y="0"/>
-          <a:ext cx="0" cy="0"/>
-          <a:chOff x="0" y="0"/>
-          <a:chExt cx="0" cy="0"/>
-        </a:xfrm>
-      </p:grpSpPr>
-      <p:sp>
-        <p:nvSpPr>
-          <p:cNvPr id="2" name="Title 1">
-            <a:extLst>
-              <a:ext uri="{FF2B5EF4-FFF2-40B4-BE49-F238E27FC236}">
-                <a16:creationId xmlns:a16="http://schemas.microsoft.com/office/drawing/2014/main" id="{28C8E2B8-16B2-DFEB-21E8-D5EA9B09A62A}"/>
-              </a:ext>
-            </a:extLst>
-          </p:cNvPr>
-          <p:cNvSpPr>
-            <a:spLocks noGrp="1"/>
-          </p:cNvSpPr>
-          <p:nvPr>
-            <p:ph type="title"/>
-          </p:nvPr>
-        </p:nvSpPr>
-        <p:spPr/>
-        <p:txBody>
-          <a:bodyPr/>
-          <a:lstStyle/>
-          <a:p>
-            <a:r>
-              <a:rPr lang="en-GB" dirty="0"/>
-              <a:t>At this point, you should have installed </a:t>
-            </a:r>
-            <a:r>
-              <a:rPr lang="en-GB" dirty="0" err="1"/>
-              <a:t>PyTorch</a:t>
-            </a:r>
-            <a:r>
-              <a:rPr lang="en-GB" dirty="0"/>
-              <a:t>, and if possible, CUDA</a:t>
-            </a:r>
-            <a:endParaRPr lang="en-SG" dirty="0"/>
-          </a:p>
-        </p:txBody>
-      </p:sp>
-      <p:sp>
-        <p:nvSpPr>
-          <p:cNvPr id="3" name="Content Placeholder 2">
-            <a:extLst>
-              <a:ext uri="{FF2B5EF4-FFF2-40B4-BE49-F238E27FC236}">
-                <a16:creationId xmlns:a16="http://schemas.microsoft.com/office/drawing/2014/main" id="{40B01D2C-4BE4-C6CD-31D7-3F2E182779DF}"/>
-              </a:ext>
-            </a:extLst>
-          </p:cNvPr>
-          <p:cNvSpPr>
-            <a:spLocks noGrp="1"/>
-          </p:cNvSpPr>
-          <p:nvPr>
-            <p:ph idx="1"/>
-          </p:nvPr>
-        </p:nvSpPr>
-        <p:spPr/>
-        <p:txBody>
-          <a:bodyPr/>
-          <a:lstStyle/>
-          <a:p>
-            <a:r>
-              <a:rPr lang="en-GB" dirty="0"/>
-              <a:t>You can check for CUDA/GPU capabilities, using the line below. If the CUDA has not been properly installed or the GPU is not compatible, you will be using a CPU instead.</a:t>
-            </a:r>
-          </a:p>
-          <a:p>
-            <a:r>
-              <a:rPr lang="en-GB" dirty="0"/>
-              <a:t>We strongly advise to take a moment to make sure your machine is CUDA enabled, assuming your GPU is compatible. When CUDA is properly installed on a compatible GPU, the line below should display </a:t>
-            </a:r>
-            <a:r>
-              <a:rPr lang="en-GB" i="1" dirty="0" err="1"/>
-              <a:t>cuda</a:t>
-            </a:r>
-            <a:r>
-              <a:rPr lang="en-GB" dirty="0"/>
-              <a:t>, otherwise it will print </a:t>
-            </a:r>
-            <a:r>
-              <a:rPr lang="en-GB" i="1" dirty="0" err="1"/>
-              <a:t>cpu</a:t>
-            </a:r>
-            <a:r>
-              <a:rPr lang="en-GB" dirty="0"/>
-              <a:t>.</a:t>
-            </a:r>
-          </a:p>
-        </p:txBody>
-      </p:sp>
-      <p:pic>
-        <p:nvPicPr>
-          <p:cNvPr id="7" name="Picture 6">
-            <a:extLst>
-              <a:ext uri="{FF2B5EF4-FFF2-40B4-BE49-F238E27FC236}">
-                <a16:creationId xmlns:a16="http://schemas.microsoft.com/office/drawing/2014/main" id="{442DA575-615D-9EA0-0B63-D1F67373C130}"/>
-              </a:ext>
-            </a:extLst>
-          </p:cNvPr>
-          <p:cNvPicPr>
-            <a:picLocks noChangeAspect="1"/>
-          </p:cNvPicPr>
-          <p:nvPr/>
-        </p:nvPicPr>
-        <p:blipFill>
-          <a:blip r:embed="rId2"/>
-          <a:stretch>
-            <a:fillRect/>
-          </a:stretch>
-        </p:blipFill>
-        <p:spPr>
-          <a:xfrm>
-            <a:off x="1312342" y="4925814"/>
-            <a:ext cx="9567315" cy="1567061"/>
-          </a:xfrm>
-          <a:prstGeom prst="rect">
-            <a:avLst/>
-          </a:prstGeom>
-        </p:spPr>
-      </p:pic>
-    </p:spTree>
-    <p:extLst>
-      <p:ext uri="{BB962C8B-B14F-4D97-AF65-F5344CB8AC3E}">
-        <p14:creationId xmlns:p14="http://schemas.microsoft.com/office/powerpoint/2010/main" val="3358927626"/>
-      </p:ext>
-    </p:extLst>
-  </p:cSld>
-  <p:clrMapOvr>
-    <a:masterClrMapping/>
-  </p:clrMapOvr>
-</p:sld>
-</file>
-
-<file path=ppt/slides/slide12.xml><?xml version="1.0" encoding="utf-8"?>
-<p:sld xmlns:a="http://schemas.openxmlformats.org/drawingml/2006/main" xmlns:r="http://schemas.openxmlformats.org/officeDocument/2006/relationships" xmlns:p="http://schemas.openxmlformats.org/presentationml/2006/main">
-  <p:cSld>
-    <p:spTree>
-      <p:nvGrpSpPr>
-        <p:cNvPr id="1" name=""/>
-        <p:cNvGrpSpPr/>
-        <p:nvPr/>
-      </p:nvGrpSpPr>
-      <p:grpSpPr>
-        <a:xfrm>
-          <a:off x="0" y="0"/>
-          <a:ext cx="0" cy="0"/>
-          <a:chOff x="0" y="0"/>
-          <a:chExt cx="0" cy="0"/>
-        </a:xfrm>
-      </p:grpSpPr>
-      <p:sp>
-        <p:nvSpPr>
-          <p:cNvPr id="4" name="Title 3">
-            <a:extLst>
-              <a:ext uri="{FF2B5EF4-FFF2-40B4-BE49-F238E27FC236}">
-                <a16:creationId xmlns:a16="http://schemas.microsoft.com/office/drawing/2014/main" id="{35AF26F8-A3EF-1DA4-0F08-821904720C49}"/>
-              </a:ext>
-            </a:extLst>
-          </p:cNvPr>
-          <p:cNvSpPr>
-            <a:spLocks noGrp="1"/>
-          </p:cNvSpPr>
-          <p:nvPr>
-            <p:ph type="title"/>
-          </p:nvPr>
-        </p:nvSpPr>
-        <p:spPr/>
-        <p:txBody>
-          <a:bodyPr/>
-          <a:lstStyle/>
-          <a:p>
-            <a:r>
-              <a:rPr lang="en-GB" dirty="0"/>
-              <a:t>The Tensor object</a:t>
-            </a:r>
-            <a:endParaRPr lang="en-SG" dirty="0"/>
-          </a:p>
-        </p:txBody>
-      </p:sp>
-      <p:sp>
-        <p:nvSpPr>
-          <p:cNvPr id="5" name="Content Placeholder 4">
-            <a:extLst>
-              <a:ext uri="{FF2B5EF4-FFF2-40B4-BE49-F238E27FC236}">
-                <a16:creationId xmlns:a16="http://schemas.microsoft.com/office/drawing/2014/main" id="{DF664FFA-9452-2803-1619-F2562904679D}"/>
-              </a:ext>
-            </a:extLst>
-          </p:cNvPr>
-          <p:cNvSpPr>
-            <a:spLocks noGrp="1"/>
-          </p:cNvSpPr>
-          <p:nvPr>
-            <p:ph sz="half" idx="1"/>
-          </p:nvPr>
-        </p:nvSpPr>
-        <p:spPr>
-          <a:xfrm>
-            <a:off x="838200" y="1825624"/>
-            <a:ext cx="5181600" cy="5032375"/>
-          </a:xfrm>
-        </p:spPr>
-        <p:txBody>
-          <a:bodyPr>
-            <a:normAutofit/>
-          </a:bodyPr>
-          <a:lstStyle/>
-          <a:p>
-            <a:pPr marL="0" indent="0">
-              <a:buNone/>
-            </a:pPr>
-            <a:r>
-              <a:rPr lang="en-GB" b="1" dirty="0"/>
-              <a:t>Definition (</a:t>
-            </a:r>
-            <a:r>
-              <a:rPr lang="en-GB" b="1" dirty="0">
-                <a:solidFill>
-                  <a:srgbClr val="00B050"/>
-                </a:solidFill>
-              </a:rPr>
-              <a:t>Tensor</a:t>
-            </a:r>
-            <a:r>
-              <a:rPr lang="en-GB" b="1" dirty="0"/>
-              <a:t>): </a:t>
-            </a:r>
-          </a:p>
-          <a:p>
-            <a:pPr marL="0" indent="0">
-              <a:buNone/>
-            </a:pPr>
-            <a:r>
-              <a:rPr lang="en-GB" dirty="0"/>
-              <a:t>The tensor is </a:t>
-            </a:r>
-            <a:r>
-              <a:rPr lang="en-GB" dirty="0" err="1"/>
-              <a:t>PyTorch's</a:t>
-            </a:r>
-            <a:r>
-              <a:rPr lang="en-GB" dirty="0"/>
-              <a:t> basic building block and is similar to NumPy arrays.</a:t>
-            </a:r>
-          </a:p>
-          <a:p>
-            <a:pPr marL="0" indent="0">
-              <a:buNone/>
-            </a:pPr>
-            <a:r>
-              <a:rPr lang="en-GB" dirty="0"/>
-              <a:t>This is why most of the concepts and methods will look similar</a:t>
-            </a:r>
-          </a:p>
-          <a:p>
-            <a:pPr marL="0" indent="0">
-              <a:buNone/>
-            </a:pPr>
-            <a:r>
-              <a:rPr lang="en-GB" dirty="0"/>
-              <a:t> However, these come with additional features, which will be useful later on when building Neural Networks with these tensors.</a:t>
-            </a:r>
-            <a:endParaRPr lang="en-SG" dirty="0"/>
-          </a:p>
-        </p:txBody>
-      </p:sp>
-      <p:pic>
-        <p:nvPicPr>
-          <p:cNvPr id="8" name="Picture 7">
-            <a:extLst>
-              <a:ext uri="{FF2B5EF4-FFF2-40B4-BE49-F238E27FC236}">
-                <a16:creationId xmlns:a16="http://schemas.microsoft.com/office/drawing/2014/main" id="{38396DA0-ACDE-2CF1-5318-A812A302B91F}"/>
-              </a:ext>
-            </a:extLst>
-          </p:cNvPr>
-          <p:cNvPicPr>
-            <a:picLocks noChangeAspect="1"/>
-          </p:cNvPicPr>
-          <p:nvPr/>
-        </p:nvPicPr>
-        <p:blipFill>
-          <a:blip r:embed="rId2"/>
-          <a:stretch>
-            <a:fillRect/>
-          </a:stretch>
-        </p:blipFill>
-        <p:spPr>
-          <a:xfrm>
-            <a:off x="6912019" y="2674898"/>
-            <a:ext cx="4620270" cy="2305372"/>
-          </a:xfrm>
-          <a:prstGeom prst="rect">
-            <a:avLst/>
-          </a:prstGeom>
-        </p:spPr>
-      </p:pic>
-    </p:spTree>
-    <p:extLst>
-      <p:ext uri="{BB962C8B-B14F-4D97-AF65-F5344CB8AC3E}">
-        <p14:creationId xmlns:p14="http://schemas.microsoft.com/office/powerpoint/2010/main" val="1970187575"/>
-      </p:ext>
-    </p:extLst>
-  </p:cSld>
-  <p:clrMapOvr>
-    <a:masterClrMapping/>
-  </p:clrMapOvr>
-</p:sld>
-</file>
-
-<file path=ppt/slides/slide13.xml><?xml version="1.0" encoding="utf-8"?>
-<p:sld xmlns:a="http://schemas.openxmlformats.org/drawingml/2006/main" xmlns:r="http://schemas.openxmlformats.org/officeDocument/2006/relationships" xmlns:p="http://schemas.openxmlformats.org/presentationml/2006/main">
-  <p:cSld>
-    <p:spTree>
-      <p:nvGrpSpPr>
-        <p:cNvPr id="1" name=""/>
-        <p:cNvGrpSpPr/>
-        <p:nvPr/>
-      </p:nvGrpSpPr>
-      <p:grpSpPr>
-        <a:xfrm>
-          <a:off x="0" y="0"/>
-          <a:ext cx="0" cy="0"/>
-          <a:chOff x="0" y="0"/>
-          <a:chExt cx="0" cy="0"/>
-        </a:xfrm>
-      </p:grpSpPr>
-      <p:sp>
-        <p:nvSpPr>
           <p:cNvPr id="2" name="Title 1">
             <a:extLst>
               <a:ext uri="{FF2B5EF4-FFF2-40B4-BE49-F238E27FC236}">
@@ -9228,7 +8594,7 @@
 </p:sld>
 </file>
 
-<file path=ppt/slides/slide14.xml><?xml version="1.0" encoding="utf-8"?>
+<file path=ppt/slides/slide11.xml><?xml version="1.0" encoding="utf-8"?>
 <p:sld xmlns:a="http://schemas.openxmlformats.org/drawingml/2006/main" xmlns:r="http://schemas.openxmlformats.org/officeDocument/2006/relationships" xmlns:p="http://schemas.openxmlformats.org/presentationml/2006/main">
   <p:cSld>
     <p:spTree>
@@ -9492,7 +8858,7 @@
 </p:sld>
 </file>
 
-<file path=ppt/slides/slide15.xml><?xml version="1.0" encoding="utf-8"?>
+<file path=ppt/slides/slide12.xml><?xml version="1.0" encoding="utf-8"?>
 <p:sld xmlns:a="http://schemas.openxmlformats.org/drawingml/2006/main" xmlns:r="http://schemas.openxmlformats.org/officeDocument/2006/relationships" xmlns:p="http://schemas.openxmlformats.org/presentationml/2006/main">
   <p:cSld>
     <p:spTree>
@@ -9852,7 +9218,7 @@
 </p:sld>
 </file>
 
-<file path=ppt/slides/slide16.xml><?xml version="1.0" encoding="utf-8"?>
+<file path=ppt/slides/slide13.xml><?xml version="1.0" encoding="utf-8"?>
 <p:sld xmlns:a="http://schemas.openxmlformats.org/drawingml/2006/main" xmlns:r="http://schemas.openxmlformats.org/officeDocument/2006/relationships" xmlns:p="http://schemas.openxmlformats.org/presentationml/2006/main">
   <p:cSld>
     <p:spTree>
@@ -9974,7 +9340,7 @@
                 </a:pPr>
                 <a:r>
                   <a:rPr lang="en-GB" dirty="0"/>
-                  <a:t>For instance we can:</a:t>
+                  <a:t>For instance, we can:</a:t>
                 </a:r>
               </a:p>
               <a:p>
@@ -10268,7 +9634,7 @@
 </p:sld>
 </file>
 
-<file path=ppt/slides/slide17.xml><?xml version="1.0" encoding="utf-8"?>
+<file path=ppt/slides/slide14.xml><?xml version="1.0" encoding="utf-8"?>
 <p:sld xmlns:a="http://schemas.openxmlformats.org/drawingml/2006/main" xmlns:r="http://schemas.openxmlformats.org/officeDocument/2006/relationships" xmlns:p="http://schemas.openxmlformats.org/presentationml/2006/main">
   <p:cSld>
     <p:spTree>
@@ -10390,7 +9756,7 @@
                 </a:pPr>
                 <a:r>
                   <a:rPr lang="en-GB" dirty="0"/>
-                  <a:t>For instance we can:</a:t>
+                  <a:t>For instance, we can:</a:t>
                 </a:r>
               </a:p>
               <a:p>
@@ -10684,7 +10050,7 @@
 </p:sld>
 </file>
 
-<file path=ppt/slides/slide18.xml><?xml version="1.0" encoding="utf-8"?>
+<file path=ppt/slides/slide15.xml><?xml version="1.0" encoding="utf-8"?>
 <p:sld xmlns:a="http://schemas.openxmlformats.org/drawingml/2006/main" xmlns:r="http://schemas.openxmlformats.org/officeDocument/2006/relationships" xmlns:p="http://schemas.openxmlformats.org/presentationml/2006/main">
   <p:cSld>
     <p:spTree>
@@ -10809,7 +10175,7 @@
 </p:sld>
 </file>
 
-<file path=ppt/slides/slide19.xml><?xml version="1.0" encoding="utf-8"?>
+<file path=ppt/slides/slide16.xml><?xml version="1.0" encoding="utf-8"?>
 <p:sld xmlns:a="http://schemas.openxmlformats.org/drawingml/2006/main" xmlns:r="http://schemas.openxmlformats.org/officeDocument/2006/relationships" xmlns:p="http://schemas.openxmlformats.org/presentationml/2006/main">
   <p:cSld>
     <p:spTree>
@@ -10939,6 +10305,687 @@
     <p:extLst>
       <p:ext uri="{BB962C8B-B14F-4D97-AF65-F5344CB8AC3E}">
         <p14:creationId xmlns:p14="http://schemas.microsoft.com/office/powerpoint/2010/main" val="1857929555"/>
+      </p:ext>
+    </p:extLst>
+  </p:cSld>
+  <p:clrMapOvr>
+    <a:masterClrMapping/>
+  </p:clrMapOvr>
+</p:sld>
+</file>
+
+<file path=ppt/slides/slide17.xml><?xml version="1.0" encoding="utf-8"?>
+<p:sld xmlns:a="http://schemas.openxmlformats.org/drawingml/2006/main" xmlns:r="http://schemas.openxmlformats.org/officeDocument/2006/relationships" xmlns:p="http://schemas.openxmlformats.org/presentationml/2006/main">
+  <p:cSld>
+    <p:spTree>
+      <p:nvGrpSpPr>
+        <p:cNvPr id="1" name=""/>
+        <p:cNvGrpSpPr/>
+        <p:nvPr/>
+      </p:nvGrpSpPr>
+      <p:grpSpPr>
+        <a:xfrm>
+          <a:off x="0" y="0"/>
+          <a:ext cx="0" cy="0"/>
+          <a:chOff x="0" y="0"/>
+          <a:chExt cx="0" cy="0"/>
+        </a:xfrm>
+      </p:grpSpPr>
+      <p:sp>
+        <p:nvSpPr>
+          <p:cNvPr id="4" name="Title 3">
+            <a:extLst>
+              <a:ext uri="{FF2B5EF4-FFF2-40B4-BE49-F238E27FC236}">
+                <a16:creationId xmlns:a16="http://schemas.microsoft.com/office/drawing/2014/main" id="{705EEE8A-9864-C894-ADC1-D56F795F9E62}"/>
+              </a:ext>
+            </a:extLst>
+          </p:cNvPr>
+          <p:cNvSpPr>
+            <a:spLocks noGrp="1"/>
+          </p:cNvSpPr>
+          <p:nvPr>
+            <p:ph type="title"/>
+          </p:nvPr>
+        </p:nvSpPr>
+        <p:spPr/>
+        <p:txBody>
+          <a:bodyPr/>
+          <a:lstStyle/>
+          <a:p>
+            <a:r>
+              <a:rPr lang="en-GB" dirty="0"/>
+              <a:t>Basic operations</a:t>
+            </a:r>
+            <a:br>
+              <a:rPr lang="en-GB" dirty="0"/>
+            </a:br>
+            <a:r>
+              <a:rPr lang="en-GB" dirty="0"/>
+              <a:t>on Tensors</a:t>
+            </a:r>
+            <a:endParaRPr lang="en-SG" dirty="0"/>
+          </a:p>
+        </p:txBody>
+      </p:sp>
+      <p:sp>
+        <p:nvSpPr>
+          <p:cNvPr id="5" name="Content Placeholder 4">
+            <a:extLst>
+              <a:ext uri="{FF2B5EF4-FFF2-40B4-BE49-F238E27FC236}">
+                <a16:creationId xmlns:a16="http://schemas.microsoft.com/office/drawing/2014/main" id="{60D93335-8A92-D60B-8902-7A5CD0AD4E90}"/>
+              </a:ext>
+            </a:extLst>
+          </p:cNvPr>
+          <p:cNvSpPr>
+            <a:spLocks noGrp="1"/>
+          </p:cNvSpPr>
+          <p:nvPr>
+            <p:ph sz="half" idx="1"/>
+          </p:nvPr>
+        </p:nvSpPr>
+        <p:spPr>
+          <a:xfrm>
+            <a:off x="838200" y="1825624"/>
+            <a:ext cx="5181600" cy="5032375"/>
+          </a:xfrm>
+        </p:spPr>
+        <p:txBody>
+          <a:bodyPr>
+            <a:normAutofit fontScale="92500" lnSpcReduction="10000"/>
+          </a:bodyPr>
+          <a:lstStyle/>
+          <a:p>
+            <a:pPr marL="0" indent="0">
+              <a:buNone/>
+            </a:pPr>
+            <a:r>
+              <a:rPr lang="en-GB" dirty="0"/>
+              <a:t>All the typical element-wise operations work on tensors. For instance, we can:</a:t>
+            </a:r>
+          </a:p>
+          <a:p>
+            <a:r>
+              <a:rPr lang="en-GB" b="1" dirty="0"/>
+              <a:t>access elements using the square bracket notation</a:t>
+            </a:r>
+            <a:r>
+              <a:rPr lang="en-GB" dirty="0"/>
+              <a:t>, multiple square bracket notations and multiple indexes in a single square bracket;</a:t>
+            </a:r>
+          </a:p>
+          <a:p>
+            <a:r>
+              <a:rPr lang="en-GB" b="1" dirty="0">
+                <a:solidFill>
+                  <a:schemeClr val="bg1"/>
+                </a:solidFill>
+              </a:rPr>
+              <a:t>slice a tensor</a:t>
+            </a:r>
+            <a:r>
+              <a:rPr lang="en-GB" dirty="0">
+                <a:solidFill>
+                  <a:schemeClr val="bg1"/>
+                </a:solidFill>
+              </a:rPr>
+              <a:t> using the square bracket notation and colon symbol;</a:t>
+            </a:r>
+          </a:p>
+          <a:p>
+            <a:r>
+              <a:rPr lang="en-GB" b="1" dirty="0">
+                <a:solidFill>
+                  <a:schemeClr val="bg1"/>
+                </a:solidFill>
+              </a:rPr>
+              <a:t>update elements </a:t>
+            </a:r>
+            <a:r>
+              <a:rPr lang="en-GB" dirty="0">
+                <a:solidFill>
+                  <a:schemeClr val="bg1"/>
+                </a:solidFill>
+              </a:rPr>
+              <a:t>of a tensor using the square bracket notation;</a:t>
+            </a:r>
+          </a:p>
+          <a:p>
+            <a:r>
+              <a:rPr lang="en-GB" b="1" dirty="0">
+                <a:solidFill>
+                  <a:schemeClr val="bg1"/>
+                </a:solidFill>
+              </a:rPr>
+              <a:t>browse through elements of a tensor </a:t>
+            </a:r>
+            <a:r>
+              <a:rPr lang="en-GB" dirty="0">
+                <a:solidFill>
+                  <a:schemeClr val="bg1"/>
+                </a:solidFill>
+              </a:rPr>
+              <a:t>using a </a:t>
+            </a:r>
+            <a:r>
+              <a:rPr lang="en-GB" b="1" dirty="0">
+                <a:solidFill>
+                  <a:schemeClr val="bg1"/>
+                </a:solidFill>
+              </a:rPr>
+              <a:t>for</a:t>
+            </a:r>
+            <a:r>
+              <a:rPr lang="en-GB" dirty="0">
+                <a:solidFill>
+                  <a:schemeClr val="bg1"/>
+                </a:solidFill>
+              </a:rPr>
+              <a:t> </a:t>
+            </a:r>
+            <a:r>
+              <a:rPr lang="en-GB" b="1" dirty="0">
+                <a:solidFill>
+                  <a:schemeClr val="bg1"/>
+                </a:solidFill>
+              </a:rPr>
+              <a:t>loop</a:t>
+            </a:r>
+            <a:r>
+              <a:rPr lang="en-GB" dirty="0">
+                <a:solidFill>
+                  <a:schemeClr val="bg1"/>
+                </a:solidFill>
+              </a:rPr>
+              <a:t>.</a:t>
+            </a:r>
+            <a:endParaRPr lang="en-SG" dirty="0">
+              <a:solidFill>
+                <a:schemeClr val="bg1"/>
+              </a:solidFill>
+            </a:endParaRPr>
+          </a:p>
+        </p:txBody>
+      </p:sp>
+      <p:pic>
+        <p:nvPicPr>
+          <p:cNvPr id="8" name="Picture 7">
+            <a:extLst>
+              <a:ext uri="{FF2B5EF4-FFF2-40B4-BE49-F238E27FC236}">
+                <a16:creationId xmlns:a16="http://schemas.microsoft.com/office/drawing/2014/main" id="{E8F9878A-DE25-3093-AE99-5BACE4EEE502}"/>
+              </a:ext>
+            </a:extLst>
+          </p:cNvPr>
+          <p:cNvPicPr>
+            <a:picLocks noChangeAspect="1"/>
+          </p:cNvPicPr>
+          <p:nvPr/>
+        </p:nvPicPr>
+        <p:blipFill>
+          <a:blip r:embed="rId2"/>
+          <a:stretch>
+            <a:fillRect/>
+          </a:stretch>
+        </p:blipFill>
+        <p:spPr>
+          <a:xfrm>
+            <a:off x="6248870" y="1509713"/>
+            <a:ext cx="5810598" cy="4667250"/>
+          </a:xfrm>
+          <a:prstGeom prst="rect">
+            <a:avLst/>
+          </a:prstGeom>
+        </p:spPr>
+      </p:pic>
+    </p:spTree>
+    <p:extLst>
+      <p:ext uri="{BB962C8B-B14F-4D97-AF65-F5344CB8AC3E}">
+        <p14:creationId xmlns:p14="http://schemas.microsoft.com/office/powerpoint/2010/main" val="1324969895"/>
+      </p:ext>
+    </p:extLst>
+  </p:cSld>
+  <p:clrMapOvr>
+    <a:masterClrMapping/>
+  </p:clrMapOvr>
+</p:sld>
+</file>
+
+<file path=ppt/slides/slide18.xml><?xml version="1.0" encoding="utf-8"?>
+<p:sld xmlns:a="http://schemas.openxmlformats.org/drawingml/2006/main" xmlns:r="http://schemas.openxmlformats.org/officeDocument/2006/relationships" xmlns:p="http://schemas.openxmlformats.org/presentationml/2006/main">
+  <p:cSld>
+    <p:spTree>
+      <p:nvGrpSpPr>
+        <p:cNvPr id="1" name=""/>
+        <p:cNvGrpSpPr/>
+        <p:nvPr/>
+      </p:nvGrpSpPr>
+      <p:grpSpPr>
+        <a:xfrm>
+          <a:off x="0" y="0"/>
+          <a:ext cx="0" cy="0"/>
+          <a:chOff x="0" y="0"/>
+          <a:chExt cx="0" cy="0"/>
+        </a:xfrm>
+      </p:grpSpPr>
+      <p:sp>
+        <p:nvSpPr>
+          <p:cNvPr id="4" name="Title 3">
+            <a:extLst>
+              <a:ext uri="{FF2B5EF4-FFF2-40B4-BE49-F238E27FC236}">
+                <a16:creationId xmlns:a16="http://schemas.microsoft.com/office/drawing/2014/main" id="{705EEE8A-9864-C894-ADC1-D56F795F9E62}"/>
+              </a:ext>
+            </a:extLst>
+          </p:cNvPr>
+          <p:cNvSpPr>
+            <a:spLocks noGrp="1"/>
+          </p:cNvSpPr>
+          <p:nvPr>
+            <p:ph type="title"/>
+          </p:nvPr>
+        </p:nvSpPr>
+        <p:spPr/>
+        <p:txBody>
+          <a:bodyPr/>
+          <a:lstStyle/>
+          <a:p>
+            <a:r>
+              <a:rPr lang="en-GB" dirty="0"/>
+              <a:t>Basic operations</a:t>
+            </a:r>
+            <a:br>
+              <a:rPr lang="en-GB" dirty="0"/>
+            </a:br>
+            <a:r>
+              <a:rPr lang="en-GB" dirty="0"/>
+              <a:t>on Tensors</a:t>
+            </a:r>
+            <a:endParaRPr lang="en-SG" dirty="0"/>
+          </a:p>
+        </p:txBody>
+      </p:sp>
+      <p:sp>
+        <p:nvSpPr>
+          <p:cNvPr id="5" name="Content Placeholder 4">
+            <a:extLst>
+              <a:ext uri="{FF2B5EF4-FFF2-40B4-BE49-F238E27FC236}">
+                <a16:creationId xmlns:a16="http://schemas.microsoft.com/office/drawing/2014/main" id="{60D93335-8A92-D60B-8902-7A5CD0AD4E90}"/>
+              </a:ext>
+            </a:extLst>
+          </p:cNvPr>
+          <p:cNvSpPr>
+            <a:spLocks noGrp="1"/>
+          </p:cNvSpPr>
+          <p:nvPr>
+            <p:ph sz="half" idx="1"/>
+          </p:nvPr>
+        </p:nvSpPr>
+        <p:spPr>
+          <a:xfrm>
+            <a:off x="838200" y="1825624"/>
+            <a:ext cx="5181600" cy="5032375"/>
+          </a:xfrm>
+        </p:spPr>
+        <p:txBody>
+          <a:bodyPr>
+            <a:normAutofit fontScale="92500" lnSpcReduction="10000"/>
+          </a:bodyPr>
+          <a:lstStyle/>
+          <a:p>
+            <a:pPr marL="0" indent="0">
+              <a:buNone/>
+            </a:pPr>
+            <a:r>
+              <a:rPr lang="en-GB" dirty="0"/>
+              <a:t>All the typical element-wise operations work on tensors. For instance, we can:</a:t>
+            </a:r>
+          </a:p>
+          <a:p>
+            <a:r>
+              <a:rPr lang="en-GB" b="1" dirty="0"/>
+              <a:t>access elements using the square bracket notation</a:t>
+            </a:r>
+            <a:r>
+              <a:rPr lang="en-GB" dirty="0"/>
+              <a:t>, multiple square bracket notations and multiple indexes in a single square bracket;</a:t>
+            </a:r>
+          </a:p>
+          <a:p>
+            <a:r>
+              <a:rPr lang="en-GB" b="1" dirty="0"/>
+              <a:t>slice a tensor</a:t>
+            </a:r>
+            <a:r>
+              <a:rPr lang="en-GB" dirty="0"/>
+              <a:t> using the square bracket notation and colon symbol;</a:t>
+            </a:r>
+          </a:p>
+          <a:p>
+            <a:r>
+              <a:rPr lang="en-GB" b="1" dirty="0">
+                <a:solidFill>
+                  <a:schemeClr val="bg1"/>
+                </a:solidFill>
+              </a:rPr>
+              <a:t>update elements </a:t>
+            </a:r>
+            <a:r>
+              <a:rPr lang="en-GB" dirty="0">
+                <a:solidFill>
+                  <a:schemeClr val="bg1"/>
+                </a:solidFill>
+              </a:rPr>
+              <a:t>of a tensor using the square bracket notation;</a:t>
+            </a:r>
+          </a:p>
+          <a:p>
+            <a:r>
+              <a:rPr lang="en-GB" b="1" dirty="0">
+                <a:solidFill>
+                  <a:schemeClr val="bg1"/>
+                </a:solidFill>
+              </a:rPr>
+              <a:t>browse through elements of a tensor </a:t>
+            </a:r>
+            <a:r>
+              <a:rPr lang="en-GB" dirty="0">
+                <a:solidFill>
+                  <a:schemeClr val="bg1"/>
+                </a:solidFill>
+              </a:rPr>
+              <a:t>using a </a:t>
+            </a:r>
+            <a:r>
+              <a:rPr lang="en-GB" b="1" dirty="0">
+                <a:solidFill>
+                  <a:schemeClr val="bg1"/>
+                </a:solidFill>
+              </a:rPr>
+              <a:t>for</a:t>
+            </a:r>
+            <a:r>
+              <a:rPr lang="en-GB" dirty="0">
+                <a:solidFill>
+                  <a:schemeClr val="bg1"/>
+                </a:solidFill>
+              </a:rPr>
+              <a:t> </a:t>
+            </a:r>
+            <a:r>
+              <a:rPr lang="en-GB" b="1" dirty="0">
+                <a:solidFill>
+                  <a:schemeClr val="bg1"/>
+                </a:solidFill>
+              </a:rPr>
+              <a:t>loop</a:t>
+            </a:r>
+            <a:r>
+              <a:rPr lang="en-GB" dirty="0">
+                <a:solidFill>
+                  <a:schemeClr val="bg1"/>
+                </a:solidFill>
+              </a:rPr>
+              <a:t>.</a:t>
+            </a:r>
+            <a:endParaRPr lang="en-SG" dirty="0">
+              <a:solidFill>
+                <a:schemeClr val="bg1"/>
+              </a:solidFill>
+            </a:endParaRPr>
+          </a:p>
+        </p:txBody>
+      </p:sp>
+      <p:pic>
+        <p:nvPicPr>
+          <p:cNvPr id="3" name="Picture 2">
+            <a:extLst>
+              <a:ext uri="{FF2B5EF4-FFF2-40B4-BE49-F238E27FC236}">
+                <a16:creationId xmlns:a16="http://schemas.microsoft.com/office/drawing/2014/main" id="{E82D5729-698A-A7DC-C629-2FC57EFE14AD}"/>
+              </a:ext>
+            </a:extLst>
+          </p:cNvPr>
+          <p:cNvPicPr>
+            <a:picLocks noChangeAspect="1"/>
+          </p:cNvPicPr>
+          <p:nvPr/>
+        </p:nvPicPr>
+        <p:blipFill>
+          <a:blip r:embed="rId2"/>
+          <a:stretch>
+            <a:fillRect/>
+          </a:stretch>
+        </p:blipFill>
+        <p:spPr>
+          <a:xfrm>
+            <a:off x="6511375" y="-1"/>
+            <a:ext cx="5515344" cy="6858000"/>
+          </a:xfrm>
+          <a:prstGeom prst="rect">
+            <a:avLst/>
+          </a:prstGeom>
+        </p:spPr>
+      </p:pic>
+    </p:spTree>
+    <p:extLst>
+      <p:ext uri="{BB962C8B-B14F-4D97-AF65-F5344CB8AC3E}">
+        <p14:creationId xmlns:p14="http://schemas.microsoft.com/office/powerpoint/2010/main" val="481166971"/>
+      </p:ext>
+    </p:extLst>
+  </p:cSld>
+  <p:clrMapOvr>
+    <a:masterClrMapping/>
+  </p:clrMapOvr>
+</p:sld>
+</file>
+
+<file path=ppt/slides/slide19.xml><?xml version="1.0" encoding="utf-8"?>
+<p:sld xmlns:a="http://schemas.openxmlformats.org/drawingml/2006/main" xmlns:r="http://schemas.openxmlformats.org/officeDocument/2006/relationships" xmlns:p="http://schemas.openxmlformats.org/presentationml/2006/main">
+  <p:cSld>
+    <p:spTree>
+      <p:nvGrpSpPr>
+        <p:cNvPr id="1" name=""/>
+        <p:cNvGrpSpPr/>
+        <p:nvPr/>
+      </p:nvGrpSpPr>
+      <p:grpSpPr>
+        <a:xfrm>
+          <a:off x="0" y="0"/>
+          <a:ext cx="0" cy="0"/>
+          <a:chOff x="0" y="0"/>
+          <a:chExt cx="0" cy="0"/>
+        </a:xfrm>
+      </p:grpSpPr>
+      <p:sp>
+        <p:nvSpPr>
+          <p:cNvPr id="4" name="Title 3">
+            <a:extLst>
+              <a:ext uri="{FF2B5EF4-FFF2-40B4-BE49-F238E27FC236}">
+                <a16:creationId xmlns:a16="http://schemas.microsoft.com/office/drawing/2014/main" id="{705EEE8A-9864-C894-ADC1-D56F795F9E62}"/>
+              </a:ext>
+            </a:extLst>
+          </p:cNvPr>
+          <p:cNvSpPr>
+            <a:spLocks noGrp="1"/>
+          </p:cNvSpPr>
+          <p:nvPr>
+            <p:ph type="title"/>
+          </p:nvPr>
+        </p:nvSpPr>
+        <p:spPr/>
+        <p:txBody>
+          <a:bodyPr/>
+          <a:lstStyle/>
+          <a:p>
+            <a:r>
+              <a:rPr lang="en-GB" dirty="0"/>
+              <a:t>Basic operations</a:t>
+            </a:r>
+            <a:br>
+              <a:rPr lang="en-GB" dirty="0"/>
+            </a:br>
+            <a:r>
+              <a:rPr lang="en-GB" dirty="0"/>
+              <a:t>on Tensors</a:t>
+            </a:r>
+            <a:endParaRPr lang="en-SG" dirty="0"/>
+          </a:p>
+        </p:txBody>
+      </p:sp>
+      <p:sp>
+        <p:nvSpPr>
+          <p:cNvPr id="5" name="Content Placeholder 4">
+            <a:extLst>
+              <a:ext uri="{FF2B5EF4-FFF2-40B4-BE49-F238E27FC236}">
+                <a16:creationId xmlns:a16="http://schemas.microsoft.com/office/drawing/2014/main" id="{60D93335-8A92-D60B-8902-7A5CD0AD4E90}"/>
+              </a:ext>
+            </a:extLst>
+          </p:cNvPr>
+          <p:cNvSpPr>
+            <a:spLocks noGrp="1"/>
+          </p:cNvSpPr>
+          <p:nvPr>
+            <p:ph sz="half" idx="1"/>
+          </p:nvPr>
+        </p:nvSpPr>
+        <p:spPr>
+          <a:xfrm>
+            <a:off x="838200" y="1825624"/>
+            <a:ext cx="5181600" cy="5032375"/>
+          </a:xfrm>
+        </p:spPr>
+        <p:txBody>
+          <a:bodyPr>
+            <a:normAutofit fontScale="92500" lnSpcReduction="10000"/>
+          </a:bodyPr>
+          <a:lstStyle/>
+          <a:p>
+            <a:pPr marL="0" indent="0">
+              <a:buNone/>
+            </a:pPr>
+            <a:r>
+              <a:rPr lang="en-GB" dirty="0"/>
+              <a:t>All the typical element-wise operations work on tensors. For instance, we can:</a:t>
+            </a:r>
+          </a:p>
+          <a:p>
+            <a:r>
+              <a:rPr lang="en-GB" b="1" dirty="0"/>
+              <a:t>access elements using the square bracket notation</a:t>
+            </a:r>
+            <a:r>
+              <a:rPr lang="en-GB" dirty="0"/>
+              <a:t>, multiple square bracket notations and multiple indexes in a single square bracket;</a:t>
+            </a:r>
+          </a:p>
+          <a:p>
+            <a:r>
+              <a:rPr lang="en-GB" b="1" dirty="0"/>
+              <a:t>slice a tensor</a:t>
+            </a:r>
+            <a:r>
+              <a:rPr lang="en-GB" dirty="0"/>
+              <a:t> using the square bracket notation and colon symbol;</a:t>
+            </a:r>
+          </a:p>
+          <a:p>
+            <a:r>
+              <a:rPr lang="en-GB" b="1" dirty="0"/>
+              <a:t>update elements </a:t>
+            </a:r>
+            <a:r>
+              <a:rPr lang="en-GB" dirty="0"/>
+              <a:t>of a tensor using the square bracket notation;</a:t>
+            </a:r>
+          </a:p>
+          <a:p>
+            <a:r>
+              <a:rPr lang="en-GB" b="1" dirty="0">
+                <a:solidFill>
+                  <a:schemeClr val="bg1"/>
+                </a:solidFill>
+              </a:rPr>
+              <a:t>browse through elements of a tensor </a:t>
+            </a:r>
+            <a:r>
+              <a:rPr lang="en-GB" dirty="0">
+                <a:solidFill>
+                  <a:schemeClr val="bg1"/>
+                </a:solidFill>
+              </a:rPr>
+              <a:t>using a </a:t>
+            </a:r>
+            <a:r>
+              <a:rPr lang="en-GB" b="1" dirty="0">
+                <a:solidFill>
+                  <a:schemeClr val="bg1"/>
+                </a:solidFill>
+              </a:rPr>
+              <a:t>for</a:t>
+            </a:r>
+            <a:r>
+              <a:rPr lang="en-GB" dirty="0">
+                <a:solidFill>
+                  <a:schemeClr val="bg1"/>
+                </a:solidFill>
+              </a:rPr>
+              <a:t> </a:t>
+            </a:r>
+            <a:r>
+              <a:rPr lang="en-GB" b="1" dirty="0">
+                <a:solidFill>
+                  <a:schemeClr val="bg1"/>
+                </a:solidFill>
+              </a:rPr>
+              <a:t>loop</a:t>
+            </a:r>
+            <a:r>
+              <a:rPr lang="en-GB" dirty="0">
+                <a:solidFill>
+                  <a:schemeClr val="bg1"/>
+                </a:solidFill>
+              </a:rPr>
+              <a:t>.</a:t>
+            </a:r>
+            <a:endParaRPr lang="en-SG" dirty="0">
+              <a:solidFill>
+                <a:schemeClr val="bg1"/>
+              </a:solidFill>
+            </a:endParaRPr>
+          </a:p>
+        </p:txBody>
+      </p:sp>
+      <p:pic>
+        <p:nvPicPr>
+          <p:cNvPr id="3" name="Picture 2">
+            <a:extLst>
+              <a:ext uri="{FF2B5EF4-FFF2-40B4-BE49-F238E27FC236}">
+                <a16:creationId xmlns:a16="http://schemas.microsoft.com/office/drawing/2014/main" id="{08F2A61E-8AF7-2870-14E3-5A5BC11E7310}"/>
+              </a:ext>
+            </a:extLst>
+          </p:cNvPr>
+          <p:cNvPicPr>
+            <a:picLocks noChangeAspect="1"/>
+          </p:cNvPicPr>
+          <p:nvPr/>
+        </p:nvPicPr>
+        <p:blipFill>
+          <a:blip r:embed="rId2"/>
+          <a:stretch>
+            <a:fillRect/>
+          </a:stretch>
+        </p:blipFill>
+        <p:spPr>
+          <a:xfrm>
+            <a:off x="6081058" y="1258276"/>
+            <a:ext cx="6110942" cy="4680911"/>
+          </a:xfrm>
+          <a:prstGeom prst="rect">
+            <a:avLst/>
+          </a:prstGeom>
+        </p:spPr>
+      </p:pic>
+    </p:spTree>
+    <p:extLst>
+      <p:ext uri="{BB962C8B-B14F-4D97-AF65-F5344CB8AC3E}">
+        <p14:creationId xmlns:p14="http://schemas.microsoft.com/office/powerpoint/2010/main" val="4050702309"/>
       </p:ext>
     </p:extLst>
   </p:cSld>
@@ -11446,687 +11493,6 @@
           </a:p>
           <a:p>
             <a:r>
-              <a:rPr lang="en-GB" b="1" dirty="0">
-                <a:solidFill>
-                  <a:schemeClr val="bg1"/>
-                </a:solidFill>
-              </a:rPr>
-              <a:t>slice a tensor</a:t>
-            </a:r>
-            <a:r>
-              <a:rPr lang="en-GB" dirty="0">
-                <a:solidFill>
-                  <a:schemeClr val="bg1"/>
-                </a:solidFill>
-              </a:rPr>
-              <a:t> using the square bracket notation and colon symbol;</a:t>
-            </a:r>
-          </a:p>
-          <a:p>
-            <a:r>
-              <a:rPr lang="en-GB" b="1" dirty="0">
-                <a:solidFill>
-                  <a:schemeClr val="bg1"/>
-                </a:solidFill>
-              </a:rPr>
-              <a:t>update elements </a:t>
-            </a:r>
-            <a:r>
-              <a:rPr lang="en-GB" dirty="0">
-                <a:solidFill>
-                  <a:schemeClr val="bg1"/>
-                </a:solidFill>
-              </a:rPr>
-              <a:t>of a tensor using the square bracket notation;</a:t>
-            </a:r>
-          </a:p>
-          <a:p>
-            <a:r>
-              <a:rPr lang="en-GB" b="1" dirty="0">
-                <a:solidFill>
-                  <a:schemeClr val="bg1"/>
-                </a:solidFill>
-              </a:rPr>
-              <a:t>browse through elements of a tensor </a:t>
-            </a:r>
-            <a:r>
-              <a:rPr lang="en-GB" dirty="0">
-                <a:solidFill>
-                  <a:schemeClr val="bg1"/>
-                </a:solidFill>
-              </a:rPr>
-              <a:t>using a </a:t>
-            </a:r>
-            <a:r>
-              <a:rPr lang="en-GB" b="1" dirty="0">
-                <a:solidFill>
-                  <a:schemeClr val="bg1"/>
-                </a:solidFill>
-              </a:rPr>
-              <a:t>for</a:t>
-            </a:r>
-            <a:r>
-              <a:rPr lang="en-GB" dirty="0">
-                <a:solidFill>
-                  <a:schemeClr val="bg1"/>
-                </a:solidFill>
-              </a:rPr>
-              <a:t> </a:t>
-            </a:r>
-            <a:r>
-              <a:rPr lang="en-GB" b="1" dirty="0">
-                <a:solidFill>
-                  <a:schemeClr val="bg1"/>
-                </a:solidFill>
-              </a:rPr>
-              <a:t>loop</a:t>
-            </a:r>
-            <a:r>
-              <a:rPr lang="en-GB" dirty="0">
-                <a:solidFill>
-                  <a:schemeClr val="bg1"/>
-                </a:solidFill>
-              </a:rPr>
-              <a:t>.</a:t>
-            </a:r>
-            <a:endParaRPr lang="en-SG" dirty="0">
-              <a:solidFill>
-                <a:schemeClr val="bg1"/>
-              </a:solidFill>
-            </a:endParaRPr>
-          </a:p>
-        </p:txBody>
-      </p:sp>
-      <p:pic>
-        <p:nvPicPr>
-          <p:cNvPr id="8" name="Picture 7">
-            <a:extLst>
-              <a:ext uri="{FF2B5EF4-FFF2-40B4-BE49-F238E27FC236}">
-                <a16:creationId xmlns:a16="http://schemas.microsoft.com/office/drawing/2014/main" id="{E8F9878A-DE25-3093-AE99-5BACE4EEE502}"/>
-              </a:ext>
-            </a:extLst>
-          </p:cNvPr>
-          <p:cNvPicPr>
-            <a:picLocks noChangeAspect="1"/>
-          </p:cNvPicPr>
-          <p:nvPr/>
-        </p:nvPicPr>
-        <p:blipFill>
-          <a:blip r:embed="rId2"/>
-          <a:stretch>
-            <a:fillRect/>
-          </a:stretch>
-        </p:blipFill>
-        <p:spPr>
-          <a:xfrm>
-            <a:off x="6248870" y="1509713"/>
-            <a:ext cx="5810598" cy="4667250"/>
-          </a:xfrm>
-          <a:prstGeom prst="rect">
-            <a:avLst/>
-          </a:prstGeom>
-        </p:spPr>
-      </p:pic>
-    </p:spTree>
-    <p:extLst>
-      <p:ext uri="{BB962C8B-B14F-4D97-AF65-F5344CB8AC3E}">
-        <p14:creationId xmlns:p14="http://schemas.microsoft.com/office/powerpoint/2010/main" val="1324969895"/>
-      </p:ext>
-    </p:extLst>
-  </p:cSld>
-  <p:clrMapOvr>
-    <a:masterClrMapping/>
-  </p:clrMapOvr>
-</p:sld>
-</file>
-
-<file path=ppt/slides/slide21.xml><?xml version="1.0" encoding="utf-8"?>
-<p:sld xmlns:a="http://schemas.openxmlformats.org/drawingml/2006/main" xmlns:r="http://schemas.openxmlformats.org/officeDocument/2006/relationships" xmlns:p="http://schemas.openxmlformats.org/presentationml/2006/main">
-  <p:cSld>
-    <p:spTree>
-      <p:nvGrpSpPr>
-        <p:cNvPr id="1" name=""/>
-        <p:cNvGrpSpPr/>
-        <p:nvPr/>
-      </p:nvGrpSpPr>
-      <p:grpSpPr>
-        <a:xfrm>
-          <a:off x="0" y="0"/>
-          <a:ext cx="0" cy="0"/>
-          <a:chOff x="0" y="0"/>
-          <a:chExt cx="0" cy="0"/>
-        </a:xfrm>
-      </p:grpSpPr>
-      <p:sp>
-        <p:nvSpPr>
-          <p:cNvPr id="4" name="Title 3">
-            <a:extLst>
-              <a:ext uri="{FF2B5EF4-FFF2-40B4-BE49-F238E27FC236}">
-                <a16:creationId xmlns:a16="http://schemas.microsoft.com/office/drawing/2014/main" id="{705EEE8A-9864-C894-ADC1-D56F795F9E62}"/>
-              </a:ext>
-            </a:extLst>
-          </p:cNvPr>
-          <p:cNvSpPr>
-            <a:spLocks noGrp="1"/>
-          </p:cNvSpPr>
-          <p:nvPr>
-            <p:ph type="title"/>
-          </p:nvPr>
-        </p:nvSpPr>
-        <p:spPr/>
-        <p:txBody>
-          <a:bodyPr/>
-          <a:lstStyle/>
-          <a:p>
-            <a:r>
-              <a:rPr lang="en-GB" dirty="0"/>
-              <a:t>Basic operations</a:t>
-            </a:r>
-            <a:br>
-              <a:rPr lang="en-GB" dirty="0"/>
-            </a:br>
-            <a:r>
-              <a:rPr lang="en-GB" dirty="0"/>
-              <a:t>on Tensors</a:t>
-            </a:r>
-            <a:endParaRPr lang="en-SG" dirty="0"/>
-          </a:p>
-        </p:txBody>
-      </p:sp>
-      <p:sp>
-        <p:nvSpPr>
-          <p:cNvPr id="5" name="Content Placeholder 4">
-            <a:extLst>
-              <a:ext uri="{FF2B5EF4-FFF2-40B4-BE49-F238E27FC236}">
-                <a16:creationId xmlns:a16="http://schemas.microsoft.com/office/drawing/2014/main" id="{60D93335-8A92-D60B-8902-7A5CD0AD4E90}"/>
-              </a:ext>
-            </a:extLst>
-          </p:cNvPr>
-          <p:cNvSpPr>
-            <a:spLocks noGrp="1"/>
-          </p:cNvSpPr>
-          <p:nvPr>
-            <p:ph sz="half" idx="1"/>
-          </p:nvPr>
-        </p:nvSpPr>
-        <p:spPr>
-          <a:xfrm>
-            <a:off x="838200" y="1825624"/>
-            <a:ext cx="5181600" cy="5032375"/>
-          </a:xfrm>
-        </p:spPr>
-        <p:txBody>
-          <a:bodyPr>
-            <a:normAutofit fontScale="92500" lnSpcReduction="10000"/>
-          </a:bodyPr>
-          <a:lstStyle/>
-          <a:p>
-            <a:pPr marL="0" indent="0">
-              <a:buNone/>
-            </a:pPr>
-            <a:r>
-              <a:rPr lang="en-GB" dirty="0"/>
-              <a:t>All the typical element-wise operations work on tensors. For instance, we can:</a:t>
-            </a:r>
-          </a:p>
-          <a:p>
-            <a:r>
-              <a:rPr lang="en-GB" b="1" dirty="0"/>
-              <a:t>access elements using the square bracket notation</a:t>
-            </a:r>
-            <a:r>
-              <a:rPr lang="en-GB" dirty="0"/>
-              <a:t>, multiple square bracket notations and multiple indexes in a single square bracket;</a:t>
-            </a:r>
-          </a:p>
-          <a:p>
-            <a:r>
-              <a:rPr lang="en-GB" b="1" dirty="0"/>
-              <a:t>slice a tensor</a:t>
-            </a:r>
-            <a:r>
-              <a:rPr lang="en-GB" dirty="0"/>
-              <a:t> using the square bracket notation and colon symbol;</a:t>
-            </a:r>
-          </a:p>
-          <a:p>
-            <a:r>
-              <a:rPr lang="en-GB" b="1" dirty="0">
-                <a:solidFill>
-                  <a:schemeClr val="bg1"/>
-                </a:solidFill>
-              </a:rPr>
-              <a:t>update elements </a:t>
-            </a:r>
-            <a:r>
-              <a:rPr lang="en-GB" dirty="0">
-                <a:solidFill>
-                  <a:schemeClr val="bg1"/>
-                </a:solidFill>
-              </a:rPr>
-              <a:t>of a tensor using the square bracket notation;</a:t>
-            </a:r>
-          </a:p>
-          <a:p>
-            <a:r>
-              <a:rPr lang="en-GB" b="1" dirty="0">
-                <a:solidFill>
-                  <a:schemeClr val="bg1"/>
-                </a:solidFill>
-              </a:rPr>
-              <a:t>browse through elements of a tensor </a:t>
-            </a:r>
-            <a:r>
-              <a:rPr lang="en-GB" dirty="0">
-                <a:solidFill>
-                  <a:schemeClr val="bg1"/>
-                </a:solidFill>
-              </a:rPr>
-              <a:t>using a </a:t>
-            </a:r>
-            <a:r>
-              <a:rPr lang="en-GB" b="1" dirty="0">
-                <a:solidFill>
-                  <a:schemeClr val="bg1"/>
-                </a:solidFill>
-              </a:rPr>
-              <a:t>for</a:t>
-            </a:r>
-            <a:r>
-              <a:rPr lang="en-GB" dirty="0">
-                <a:solidFill>
-                  <a:schemeClr val="bg1"/>
-                </a:solidFill>
-              </a:rPr>
-              <a:t> </a:t>
-            </a:r>
-            <a:r>
-              <a:rPr lang="en-GB" b="1" dirty="0">
-                <a:solidFill>
-                  <a:schemeClr val="bg1"/>
-                </a:solidFill>
-              </a:rPr>
-              <a:t>loop</a:t>
-            </a:r>
-            <a:r>
-              <a:rPr lang="en-GB" dirty="0">
-                <a:solidFill>
-                  <a:schemeClr val="bg1"/>
-                </a:solidFill>
-              </a:rPr>
-              <a:t>.</a:t>
-            </a:r>
-            <a:endParaRPr lang="en-SG" dirty="0">
-              <a:solidFill>
-                <a:schemeClr val="bg1"/>
-              </a:solidFill>
-            </a:endParaRPr>
-          </a:p>
-        </p:txBody>
-      </p:sp>
-      <p:pic>
-        <p:nvPicPr>
-          <p:cNvPr id="3" name="Picture 2">
-            <a:extLst>
-              <a:ext uri="{FF2B5EF4-FFF2-40B4-BE49-F238E27FC236}">
-                <a16:creationId xmlns:a16="http://schemas.microsoft.com/office/drawing/2014/main" id="{E82D5729-698A-A7DC-C629-2FC57EFE14AD}"/>
-              </a:ext>
-            </a:extLst>
-          </p:cNvPr>
-          <p:cNvPicPr>
-            <a:picLocks noChangeAspect="1"/>
-          </p:cNvPicPr>
-          <p:nvPr/>
-        </p:nvPicPr>
-        <p:blipFill>
-          <a:blip r:embed="rId2"/>
-          <a:stretch>
-            <a:fillRect/>
-          </a:stretch>
-        </p:blipFill>
-        <p:spPr>
-          <a:xfrm>
-            <a:off x="6511375" y="-1"/>
-            <a:ext cx="5515344" cy="6858000"/>
-          </a:xfrm>
-          <a:prstGeom prst="rect">
-            <a:avLst/>
-          </a:prstGeom>
-        </p:spPr>
-      </p:pic>
-    </p:spTree>
-    <p:extLst>
-      <p:ext uri="{BB962C8B-B14F-4D97-AF65-F5344CB8AC3E}">
-        <p14:creationId xmlns:p14="http://schemas.microsoft.com/office/powerpoint/2010/main" val="481166971"/>
-      </p:ext>
-    </p:extLst>
-  </p:cSld>
-  <p:clrMapOvr>
-    <a:masterClrMapping/>
-  </p:clrMapOvr>
-</p:sld>
-</file>
-
-<file path=ppt/slides/slide22.xml><?xml version="1.0" encoding="utf-8"?>
-<p:sld xmlns:a="http://schemas.openxmlformats.org/drawingml/2006/main" xmlns:r="http://schemas.openxmlformats.org/officeDocument/2006/relationships" xmlns:p="http://schemas.openxmlformats.org/presentationml/2006/main">
-  <p:cSld>
-    <p:spTree>
-      <p:nvGrpSpPr>
-        <p:cNvPr id="1" name=""/>
-        <p:cNvGrpSpPr/>
-        <p:nvPr/>
-      </p:nvGrpSpPr>
-      <p:grpSpPr>
-        <a:xfrm>
-          <a:off x="0" y="0"/>
-          <a:ext cx="0" cy="0"/>
-          <a:chOff x="0" y="0"/>
-          <a:chExt cx="0" cy="0"/>
-        </a:xfrm>
-      </p:grpSpPr>
-      <p:sp>
-        <p:nvSpPr>
-          <p:cNvPr id="4" name="Title 3">
-            <a:extLst>
-              <a:ext uri="{FF2B5EF4-FFF2-40B4-BE49-F238E27FC236}">
-                <a16:creationId xmlns:a16="http://schemas.microsoft.com/office/drawing/2014/main" id="{705EEE8A-9864-C894-ADC1-D56F795F9E62}"/>
-              </a:ext>
-            </a:extLst>
-          </p:cNvPr>
-          <p:cNvSpPr>
-            <a:spLocks noGrp="1"/>
-          </p:cNvSpPr>
-          <p:nvPr>
-            <p:ph type="title"/>
-          </p:nvPr>
-        </p:nvSpPr>
-        <p:spPr/>
-        <p:txBody>
-          <a:bodyPr/>
-          <a:lstStyle/>
-          <a:p>
-            <a:r>
-              <a:rPr lang="en-GB" dirty="0"/>
-              <a:t>Basic operations</a:t>
-            </a:r>
-            <a:br>
-              <a:rPr lang="en-GB" dirty="0"/>
-            </a:br>
-            <a:r>
-              <a:rPr lang="en-GB" dirty="0"/>
-              <a:t>on Tensors</a:t>
-            </a:r>
-            <a:endParaRPr lang="en-SG" dirty="0"/>
-          </a:p>
-        </p:txBody>
-      </p:sp>
-      <p:sp>
-        <p:nvSpPr>
-          <p:cNvPr id="5" name="Content Placeholder 4">
-            <a:extLst>
-              <a:ext uri="{FF2B5EF4-FFF2-40B4-BE49-F238E27FC236}">
-                <a16:creationId xmlns:a16="http://schemas.microsoft.com/office/drawing/2014/main" id="{60D93335-8A92-D60B-8902-7A5CD0AD4E90}"/>
-              </a:ext>
-            </a:extLst>
-          </p:cNvPr>
-          <p:cNvSpPr>
-            <a:spLocks noGrp="1"/>
-          </p:cNvSpPr>
-          <p:nvPr>
-            <p:ph sz="half" idx="1"/>
-          </p:nvPr>
-        </p:nvSpPr>
-        <p:spPr>
-          <a:xfrm>
-            <a:off x="838200" y="1825624"/>
-            <a:ext cx="5181600" cy="5032375"/>
-          </a:xfrm>
-        </p:spPr>
-        <p:txBody>
-          <a:bodyPr>
-            <a:normAutofit fontScale="92500" lnSpcReduction="10000"/>
-          </a:bodyPr>
-          <a:lstStyle/>
-          <a:p>
-            <a:pPr marL="0" indent="0">
-              <a:buNone/>
-            </a:pPr>
-            <a:r>
-              <a:rPr lang="en-GB" dirty="0"/>
-              <a:t>All the typical element-wise operations work on tensors. For instance, we can:</a:t>
-            </a:r>
-          </a:p>
-          <a:p>
-            <a:r>
-              <a:rPr lang="en-GB" b="1" dirty="0"/>
-              <a:t>access elements using the square bracket notation</a:t>
-            </a:r>
-            <a:r>
-              <a:rPr lang="en-GB" dirty="0"/>
-              <a:t>, multiple square bracket notations and multiple indexes in a single square bracket;</a:t>
-            </a:r>
-          </a:p>
-          <a:p>
-            <a:r>
-              <a:rPr lang="en-GB" b="1" dirty="0"/>
-              <a:t>slice a tensor</a:t>
-            </a:r>
-            <a:r>
-              <a:rPr lang="en-GB" dirty="0"/>
-              <a:t> using the square bracket notation and colon symbol;</a:t>
-            </a:r>
-          </a:p>
-          <a:p>
-            <a:r>
-              <a:rPr lang="en-GB" b="1" dirty="0"/>
-              <a:t>update elements </a:t>
-            </a:r>
-            <a:r>
-              <a:rPr lang="en-GB" dirty="0"/>
-              <a:t>of a tensor using the square bracket notation;</a:t>
-            </a:r>
-          </a:p>
-          <a:p>
-            <a:r>
-              <a:rPr lang="en-GB" b="1" dirty="0">
-                <a:solidFill>
-                  <a:schemeClr val="bg1"/>
-                </a:solidFill>
-              </a:rPr>
-              <a:t>browse through elements of a tensor </a:t>
-            </a:r>
-            <a:r>
-              <a:rPr lang="en-GB" dirty="0">
-                <a:solidFill>
-                  <a:schemeClr val="bg1"/>
-                </a:solidFill>
-              </a:rPr>
-              <a:t>using a </a:t>
-            </a:r>
-            <a:r>
-              <a:rPr lang="en-GB" b="1" dirty="0">
-                <a:solidFill>
-                  <a:schemeClr val="bg1"/>
-                </a:solidFill>
-              </a:rPr>
-              <a:t>for</a:t>
-            </a:r>
-            <a:r>
-              <a:rPr lang="en-GB" dirty="0">
-                <a:solidFill>
-                  <a:schemeClr val="bg1"/>
-                </a:solidFill>
-              </a:rPr>
-              <a:t> </a:t>
-            </a:r>
-            <a:r>
-              <a:rPr lang="en-GB" b="1" dirty="0">
-                <a:solidFill>
-                  <a:schemeClr val="bg1"/>
-                </a:solidFill>
-              </a:rPr>
-              <a:t>loop</a:t>
-            </a:r>
-            <a:r>
-              <a:rPr lang="en-GB" dirty="0">
-                <a:solidFill>
-                  <a:schemeClr val="bg1"/>
-                </a:solidFill>
-              </a:rPr>
-              <a:t>.</a:t>
-            </a:r>
-            <a:endParaRPr lang="en-SG" dirty="0">
-              <a:solidFill>
-                <a:schemeClr val="bg1"/>
-              </a:solidFill>
-            </a:endParaRPr>
-          </a:p>
-        </p:txBody>
-      </p:sp>
-      <p:pic>
-        <p:nvPicPr>
-          <p:cNvPr id="3" name="Picture 2">
-            <a:extLst>
-              <a:ext uri="{FF2B5EF4-FFF2-40B4-BE49-F238E27FC236}">
-                <a16:creationId xmlns:a16="http://schemas.microsoft.com/office/drawing/2014/main" id="{08F2A61E-8AF7-2870-14E3-5A5BC11E7310}"/>
-              </a:ext>
-            </a:extLst>
-          </p:cNvPr>
-          <p:cNvPicPr>
-            <a:picLocks noChangeAspect="1"/>
-          </p:cNvPicPr>
-          <p:nvPr/>
-        </p:nvPicPr>
-        <p:blipFill>
-          <a:blip r:embed="rId2"/>
-          <a:stretch>
-            <a:fillRect/>
-          </a:stretch>
-        </p:blipFill>
-        <p:spPr>
-          <a:xfrm>
-            <a:off x="6081058" y="1258276"/>
-            <a:ext cx="6110942" cy="4680911"/>
-          </a:xfrm>
-          <a:prstGeom prst="rect">
-            <a:avLst/>
-          </a:prstGeom>
-        </p:spPr>
-      </p:pic>
-    </p:spTree>
-    <p:extLst>
-      <p:ext uri="{BB962C8B-B14F-4D97-AF65-F5344CB8AC3E}">
-        <p14:creationId xmlns:p14="http://schemas.microsoft.com/office/powerpoint/2010/main" val="4050702309"/>
-      </p:ext>
-    </p:extLst>
-  </p:cSld>
-  <p:clrMapOvr>
-    <a:masterClrMapping/>
-  </p:clrMapOvr>
-</p:sld>
-</file>
-
-<file path=ppt/slides/slide23.xml><?xml version="1.0" encoding="utf-8"?>
-<p:sld xmlns:a="http://schemas.openxmlformats.org/drawingml/2006/main" xmlns:r="http://schemas.openxmlformats.org/officeDocument/2006/relationships" xmlns:p="http://schemas.openxmlformats.org/presentationml/2006/main">
-  <p:cSld>
-    <p:spTree>
-      <p:nvGrpSpPr>
-        <p:cNvPr id="1" name=""/>
-        <p:cNvGrpSpPr/>
-        <p:nvPr/>
-      </p:nvGrpSpPr>
-      <p:grpSpPr>
-        <a:xfrm>
-          <a:off x="0" y="0"/>
-          <a:ext cx="0" cy="0"/>
-          <a:chOff x="0" y="0"/>
-          <a:chExt cx="0" cy="0"/>
-        </a:xfrm>
-      </p:grpSpPr>
-      <p:sp>
-        <p:nvSpPr>
-          <p:cNvPr id="4" name="Title 3">
-            <a:extLst>
-              <a:ext uri="{FF2B5EF4-FFF2-40B4-BE49-F238E27FC236}">
-                <a16:creationId xmlns:a16="http://schemas.microsoft.com/office/drawing/2014/main" id="{705EEE8A-9864-C894-ADC1-D56F795F9E62}"/>
-              </a:ext>
-            </a:extLst>
-          </p:cNvPr>
-          <p:cNvSpPr>
-            <a:spLocks noGrp="1"/>
-          </p:cNvSpPr>
-          <p:nvPr>
-            <p:ph type="title"/>
-          </p:nvPr>
-        </p:nvSpPr>
-        <p:spPr/>
-        <p:txBody>
-          <a:bodyPr/>
-          <a:lstStyle/>
-          <a:p>
-            <a:r>
-              <a:rPr lang="en-GB" dirty="0"/>
-              <a:t>Basic operations</a:t>
-            </a:r>
-            <a:br>
-              <a:rPr lang="en-GB" dirty="0"/>
-            </a:br>
-            <a:r>
-              <a:rPr lang="en-GB" dirty="0"/>
-              <a:t>on Tensors</a:t>
-            </a:r>
-            <a:endParaRPr lang="en-SG" dirty="0"/>
-          </a:p>
-        </p:txBody>
-      </p:sp>
-      <p:sp>
-        <p:nvSpPr>
-          <p:cNvPr id="5" name="Content Placeholder 4">
-            <a:extLst>
-              <a:ext uri="{FF2B5EF4-FFF2-40B4-BE49-F238E27FC236}">
-                <a16:creationId xmlns:a16="http://schemas.microsoft.com/office/drawing/2014/main" id="{60D93335-8A92-D60B-8902-7A5CD0AD4E90}"/>
-              </a:ext>
-            </a:extLst>
-          </p:cNvPr>
-          <p:cNvSpPr>
-            <a:spLocks noGrp="1"/>
-          </p:cNvSpPr>
-          <p:nvPr>
-            <p:ph sz="half" idx="1"/>
-          </p:nvPr>
-        </p:nvSpPr>
-        <p:spPr>
-          <a:xfrm>
-            <a:off x="838200" y="1825624"/>
-            <a:ext cx="5181600" cy="5032375"/>
-          </a:xfrm>
-        </p:spPr>
-        <p:txBody>
-          <a:bodyPr>
-            <a:normAutofit fontScale="92500" lnSpcReduction="10000"/>
-          </a:bodyPr>
-          <a:lstStyle/>
-          <a:p>
-            <a:pPr marL="0" indent="0">
-              <a:buNone/>
-            </a:pPr>
-            <a:r>
-              <a:rPr lang="en-GB" dirty="0"/>
-              <a:t>All the typical element-wise operations work on tensors. For instance, we can:</a:t>
-            </a:r>
-          </a:p>
-          <a:p>
-            <a:r>
-              <a:rPr lang="en-GB" b="1" dirty="0"/>
-              <a:t>access elements using the square bracket notation</a:t>
-            </a:r>
-            <a:r>
-              <a:rPr lang="en-GB" dirty="0"/>
-              <a:t>, multiple square bracket notations and multiple indexes in a single square bracket;</a:t>
-            </a:r>
-          </a:p>
-          <a:p>
-            <a:r>
               <a:rPr lang="en-GB" b="1" dirty="0"/>
               <a:t>slice a tensor</a:t>
             </a:r>
@@ -12217,7 +11583,7 @@
 </p:sld>
 </file>
 
-<file path=ppt/slides/slide24.xml><?xml version="1.0" encoding="utf-8"?>
+<file path=ppt/slides/slide21.xml><?xml version="1.0" encoding="utf-8"?>
 <p:sld xmlns:a="http://schemas.openxmlformats.org/drawingml/2006/main" xmlns:r="http://schemas.openxmlformats.org/officeDocument/2006/relationships" xmlns:p="http://schemas.openxmlformats.org/presentationml/2006/main">
   <p:cSld>
     <p:spTree>
@@ -12429,7 +11795,7 @@
 </p:sld>
 </file>
 
-<file path=ppt/slides/slide25.xml><?xml version="1.0" encoding="utf-8"?>
+<file path=ppt/slides/slide22.xml><?xml version="1.0" encoding="utf-8"?>
 <p:sld xmlns:a="http://schemas.openxmlformats.org/drawingml/2006/main" xmlns:r="http://schemas.openxmlformats.org/officeDocument/2006/relationships" xmlns:p="http://schemas.openxmlformats.org/presentationml/2006/main">
   <p:cSld>
     <p:spTree>
@@ -12638,7 +12004,7 @@
 </p:sld>
 </file>
 
-<file path=ppt/slides/slide26.xml><?xml version="1.0" encoding="utf-8"?>
+<file path=ppt/slides/slide23.xml><?xml version="1.0" encoding="utf-8"?>
 <p:sld xmlns:a="http://schemas.openxmlformats.org/drawingml/2006/main" xmlns:r="http://schemas.openxmlformats.org/officeDocument/2006/relationships" xmlns:p="http://schemas.openxmlformats.org/presentationml/2006/main">
   <p:cSld>
     <p:spTree>
@@ -12843,7 +12209,7 @@
 </p:sld>
 </file>
 
-<file path=ppt/slides/slide27.xml><?xml version="1.0" encoding="utf-8"?>
+<file path=ppt/slides/slide24.xml><?xml version="1.0" encoding="utf-8"?>
 <p:sld xmlns:a="http://schemas.openxmlformats.org/drawingml/2006/main" xmlns:r="http://schemas.openxmlformats.org/officeDocument/2006/relationships" xmlns:p="http://schemas.openxmlformats.org/presentationml/2006/main">
   <p:cSld>
     <p:spTree>
@@ -13070,6 +12436,375 @@
 </p:sld>
 </file>
 
+<file path=ppt/slides/slide25.xml><?xml version="1.0" encoding="utf-8"?>
+<p:sld xmlns:a="http://schemas.openxmlformats.org/drawingml/2006/main" xmlns:r="http://schemas.openxmlformats.org/officeDocument/2006/relationships" xmlns:p="http://schemas.openxmlformats.org/presentationml/2006/main">
+  <p:cSld>
+    <p:spTree>
+      <p:nvGrpSpPr>
+        <p:cNvPr id="1" name=""/>
+        <p:cNvGrpSpPr/>
+        <p:nvPr/>
+      </p:nvGrpSpPr>
+      <p:grpSpPr>
+        <a:xfrm>
+          <a:off x="0" y="0"/>
+          <a:ext cx="0" cy="0"/>
+          <a:chOff x="0" y="0"/>
+          <a:chExt cx="0" cy="0"/>
+        </a:xfrm>
+      </p:grpSpPr>
+      <p:sp>
+        <p:nvSpPr>
+          <p:cNvPr id="2" name="Title 1">
+            <a:extLst>
+              <a:ext uri="{FF2B5EF4-FFF2-40B4-BE49-F238E27FC236}">
+                <a16:creationId xmlns:a16="http://schemas.microsoft.com/office/drawing/2014/main" id="{D5C2C212-E261-A521-5A07-4F79BEE7D615}"/>
+              </a:ext>
+            </a:extLst>
+          </p:cNvPr>
+          <p:cNvSpPr>
+            <a:spLocks noGrp="1"/>
+          </p:cNvSpPr>
+          <p:nvPr>
+            <p:ph type="title"/>
+          </p:nvPr>
+        </p:nvSpPr>
+        <p:spPr/>
+        <p:txBody>
+          <a:bodyPr/>
+          <a:lstStyle/>
+          <a:p>
+            <a:r>
+              <a:rPr lang="en-GB" dirty="0"/>
+              <a:t>A quick note on broadcasting</a:t>
+            </a:r>
+            <a:endParaRPr lang="en-SG" dirty="0"/>
+          </a:p>
+        </p:txBody>
+      </p:sp>
+      <p:sp>
+        <p:nvSpPr>
+          <p:cNvPr id="3" name="Content Placeholder 2">
+            <a:extLst>
+              <a:ext uri="{FF2B5EF4-FFF2-40B4-BE49-F238E27FC236}">
+                <a16:creationId xmlns:a16="http://schemas.microsoft.com/office/drawing/2014/main" id="{EB875A09-F649-0453-782D-77AD08503234}"/>
+              </a:ext>
+            </a:extLst>
+          </p:cNvPr>
+          <p:cNvSpPr>
+            <a:spLocks noGrp="1"/>
+          </p:cNvSpPr>
+          <p:nvPr>
+            <p:ph sz="half" idx="1"/>
+          </p:nvPr>
+        </p:nvSpPr>
+        <p:spPr>
+          <a:xfrm>
+            <a:off x="838200" y="1825624"/>
+            <a:ext cx="5181600" cy="5032375"/>
+          </a:xfrm>
+        </p:spPr>
+        <p:txBody>
+          <a:bodyPr>
+            <a:normAutofit lnSpcReduction="10000"/>
+          </a:bodyPr>
+          <a:lstStyle/>
+          <a:p>
+            <a:pPr marL="0" indent="0">
+              <a:buNone/>
+            </a:pPr>
+            <a:r>
+              <a:rPr lang="en-GB" dirty="0"/>
+              <a:t>Tensors, just like NumPy arrays, support broadcasting.</a:t>
+            </a:r>
+          </a:p>
+          <a:p>
+            <a:pPr marL="0" indent="0">
+              <a:buNone/>
+            </a:pPr>
+            <a:r>
+              <a:rPr lang="en-GB" dirty="0"/>
+              <a:t>Two tensors are “</a:t>
+            </a:r>
+            <a:r>
+              <a:rPr lang="en-GB" dirty="0" err="1"/>
+              <a:t>broadcastable</a:t>
+            </a:r>
+            <a:r>
+              <a:rPr lang="en-GB" dirty="0"/>
+              <a:t>” if the following rules hold:</a:t>
+            </a:r>
+          </a:p>
+          <a:p>
+            <a:r>
+              <a:rPr lang="en-GB" dirty="0"/>
+              <a:t>Each tensor has at least one dimension.</a:t>
+            </a:r>
+          </a:p>
+          <a:p>
+            <a:r>
+              <a:rPr lang="en-GB" dirty="0"/>
+              <a:t>When iterating over the dimension sizes, starting at the trailing dimension, the dimension sizes must either be equal, one of them is 1, or one of them does not exist.</a:t>
+            </a:r>
+          </a:p>
+          <a:p>
+            <a:pPr marL="0" indent="0">
+              <a:buNone/>
+            </a:pPr>
+            <a:endParaRPr lang="en-GB" dirty="0"/>
+          </a:p>
+        </p:txBody>
+      </p:sp>
+      <p:sp>
+        <p:nvSpPr>
+          <p:cNvPr id="4" name="Content Placeholder 3">
+            <a:extLst>
+              <a:ext uri="{FF2B5EF4-FFF2-40B4-BE49-F238E27FC236}">
+                <a16:creationId xmlns:a16="http://schemas.microsoft.com/office/drawing/2014/main" id="{953DB814-D545-5828-A2A0-FEEF73BDC2D8}"/>
+              </a:ext>
+            </a:extLst>
+          </p:cNvPr>
+          <p:cNvSpPr>
+            <a:spLocks noGrp="1"/>
+          </p:cNvSpPr>
+          <p:nvPr>
+            <p:ph sz="half" idx="2"/>
+          </p:nvPr>
+        </p:nvSpPr>
+        <p:spPr>
+          <a:xfrm>
+            <a:off x="6172200" y="1825624"/>
+            <a:ext cx="5181600" cy="5032375"/>
+          </a:xfrm>
+        </p:spPr>
+        <p:txBody>
+          <a:bodyPr>
+            <a:normAutofit lnSpcReduction="10000"/>
+          </a:bodyPr>
+          <a:lstStyle/>
+          <a:p>
+            <a:r>
+              <a:rPr lang="en-GB" dirty="0"/>
+              <a:t>If two tensors x, y are “</a:t>
+            </a:r>
+            <a:r>
+              <a:rPr lang="en-GB" dirty="0" err="1"/>
+              <a:t>broadcastable</a:t>
+            </a:r>
+            <a:r>
+              <a:rPr lang="en-GB" dirty="0"/>
+              <a:t>”, the resulting tensor size is calculated as follows:</a:t>
+            </a:r>
+          </a:p>
+          <a:p>
+            <a:r>
+              <a:rPr lang="en-GB" dirty="0"/>
+              <a:t>If the number of dimensions of x and y are not equal, prepend 1 to the dimensions of the tensor with fewer dimensions to make them equal length.</a:t>
+            </a:r>
+          </a:p>
+          <a:p>
+            <a:r>
+              <a:rPr lang="en-GB" dirty="0"/>
+              <a:t>Then, for each dimension size, the resulting dimension size is the max of the sizes of x and y along that dimension.</a:t>
+            </a:r>
+            <a:endParaRPr lang="en-SG" dirty="0"/>
+          </a:p>
+          <a:p>
+            <a:endParaRPr lang="en-SG" dirty="0"/>
+          </a:p>
+        </p:txBody>
+      </p:sp>
+    </p:spTree>
+    <p:extLst>
+      <p:ext uri="{BB962C8B-B14F-4D97-AF65-F5344CB8AC3E}">
+        <p14:creationId xmlns:p14="http://schemas.microsoft.com/office/powerpoint/2010/main" val="3251402422"/>
+      </p:ext>
+    </p:extLst>
+  </p:cSld>
+  <p:clrMapOvr>
+    <a:masterClrMapping/>
+  </p:clrMapOvr>
+</p:sld>
+</file>
+
+<file path=ppt/slides/slide26.xml><?xml version="1.0" encoding="utf-8"?>
+<p:sld xmlns:a="http://schemas.openxmlformats.org/drawingml/2006/main" xmlns:r="http://schemas.openxmlformats.org/officeDocument/2006/relationships" xmlns:p="http://schemas.openxmlformats.org/presentationml/2006/main">
+  <p:cSld>
+    <p:spTree>
+      <p:nvGrpSpPr>
+        <p:cNvPr id="1" name=""/>
+        <p:cNvGrpSpPr/>
+        <p:nvPr/>
+      </p:nvGrpSpPr>
+      <p:grpSpPr>
+        <a:xfrm>
+          <a:off x="0" y="0"/>
+          <a:ext cx="0" cy="0"/>
+          <a:chOff x="0" y="0"/>
+          <a:chExt cx="0" cy="0"/>
+        </a:xfrm>
+      </p:grpSpPr>
+      <p:sp>
+        <p:nvSpPr>
+          <p:cNvPr id="2" name="Title 1">
+            <a:extLst>
+              <a:ext uri="{FF2B5EF4-FFF2-40B4-BE49-F238E27FC236}">
+                <a16:creationId xmlns:a16="http://schemas.microsoft.com/office/drawing/2014/main" id="{D5C2C212-E261-A521-5A07-4F79BEE7D615}"/>
+              </a:ext>
+            </a:extLst>
+          </p:cNvPr>
+          <p:cNvSpPr>
+            <a:spLocks noGrp="1"/>
+          </p:cNvSpPr>
+          <p:nvPr>
+            <p:ph type="title"/>
+          </p:nvPr>
+        </p:nvSpPr>
+        <p:spPr/>
+        <p:txBody>
+          <a:bodyPr/>
+          <a:lstStyle/>
+          <a:p>
+            <a:r>
+              <a:rPr lang="en-GB" dirty="0"/>
+              <a:t>A quick note on broadcasting</a:t>
+            </a:r>
+            <a:endParaRPr lang="en-SG" dirty="0"/>
+          </a:p>
+        </p:txBody>
+      </p:sp>
+      <p:pic>
+        <p:nvPicPr>
+          <p:cNvPr id="10" name="Picture 9">
+            <a:extLst>
+              <a:ext uri="{FF2B5EF4-FFF2-40B4-BE49-F238E27FC236}">
+                <a16:creationId xmlns:a16="http://schemas.microsoft.com/office/drawing/2014/main" id="{B0491ECF-EDBF-3CF4-5952-E94FBAFD0638}"/>
+              </a:ext>
+            </a:extLst>
+          </p:cNvPr>
+          <p:cNvPicPr>
+            <a:picLocks noChangeAspect="1"/>
+          </p:cNvPicPr>
+          <p:nvPr/>
+        </p:nvPicPr>
+        <p:blipFill>
+          <a:blip r:embed="rId2"/>
+          <a:stretch>
+            <a:fillRect/>
+          </a:stretch>
+        </p:blipFill>
+        <p:spPr>
+          <a:xfrm>
+            <a:off x="1490019" y="1526701"/>
+            <a:ext cx="9211961" cy="5039428"/>
+          </a:xfrm>
+          <a:prstGeom prst="rect">
+            <a:avLst/>
+          </a:prstGeom>
+        </p:spPr>
+      </p:pic>
+    </p:spTree>
+    <p:extLst>
+      <p:ext uri="{BB962C8B-B14F-4D97-AF65-F5344CB8AC3E}">
+        <p14:creationId xmlns:p14="http://schemas.microsoft.com/office/powerpoint/2010/main" val="346749718"/>
+      </p:ext>
+    </p:extLst>
+  </p:cSld>
+  <p:clrMapOvr>
+    <a:masterClrMapping/>
+  </p:clrMapOvr>
+</p:sld>
+</file>
+
+<file path=ppt/slides/slide27.xml><?xml version="1.0" encoding="utf-8"?>
+<p:sld xmlns:a="http://schemas.openxmlformats.org/drawingml/2006/main" xmlns:r="http://schemas.openxmlformats.org/officeDocument/2006/relationships" xmlns:p="http://schemas.openxmlformats.org/presentationml/2006/main">
+  <p:cSld>
+    <p:spTree>
+      <p:nvGrpSpPr>
+        <p:cNvPr id="1" name=""/>
+        <p:cNvGrpSpPr/>
+        <p:nvPr/>
+      </p:nvGrpSpPr>
+      <p:grpSpPr>
+        <a:xfrm>
+          <a:off x="0" y="0"/>
+          <a:ext cx="0" cy="0"/>
+          <a:chOff x="0" y="0"/>
+          <a:chExt cx="0" cy="0"/>
+        </a:xfrm>
+      </p:grpSpPr>
+      <p:sp>
+        <p:nvSpPr>
+          <p:cNvPr id="2" name="Title 1">
+            <a:extLst>
+              <a:ext uri="{FF2B5EF4-FFF2-40B4-BE49-F238E27FC236}">
+                <a16:creationId xmlns:a16="http://schemas.microsoft.com/office/drawing/2014/main" id="{D5C2C212-E261-A521-5A07-4F79BEE7D615}"/>
+              </a:ext>
+            </a:extLst>
+          </p:cNvPr>
+          <p:cNvSpPr>
+            <a:spLocks noGrp="1"/>
+          </p:cNvSpPr>
+          <p:nvPr>
+            <p:ph type="title"/>
+          </p:nvPr>
+        </p:nvSpPr>
+        <p:spPr/>
+        <p:txBody>
+          <a:bodyPr/>
+          <a:lstStyle/>
+          <a:p>
+            <a:r>
+              <a:rPr lang="en-GB" dirty="0"/>
+              <a:t>A quick note on broadcasting</a:t>
+            </a:r>
+            <a:endParaRPr lang="en-SG" dirty="0"/>
+          </a:p>
+        </p:txBody>
+      </p:sp>
+      <p:pic>
+        <p:nvPicPr>
+          <p:cNvPr id="4" name="Picture 3">
+            <a:extLst>
+              <a:ext uri="{FF2B5EF4-FFF2-40B4-BE49-F238E27FC236}">
+                <a16:creationId xmlns:a16="http://schemas.microsoft.com/office/drawing/2014/main" id="{FB2C1911-B846-8662-232B-3361BF75D4FD}"/>
+              </a:ext>
+            </a:extLst>
+          </p:cNvPr>
+          <p:cNvPicPr>
+            <a:picLocks noChangeAspect="1"/>
+          </p:cNvPicPr>
+          <p:nvPr/>
+        </p:nvPicPr>
+        <p:blipFill>
+          <a:blip r:embed="rId2"/>
+          <a:stretch>
+            <a:fillRect/>
+          </a:stretch>
+        </p:blipFill>
+        <p:spPr>
+          <a:xfrm>
+            <a:off x="1779508" y="1433579"/>
+            <a:ext cx="8632984" cy="5424421"/>
+          </a:xfrm>
+          <a:prstGeom prst="rect">
+            <a:avLst/>
+          </a:prstGeom>
+        </p:spPr>
+      </p:pic>
+    </p:spTree>
+    <p:extLst>
+      <p:ext uri="{BB962C8B-B14F-4D97-AF65-F5344CB8AC3E}">
+        <p14:creationId xmlns:p14="http://schemas.microsoft.com/office/powerpoint/2010/main" val="2747530419"/>
+      </p:ext>
+    </p:extLst>
+  </p:cSld>
+  <p:clrMapOvr>
+    <a:masterClrMapping/>
+  </p:clrMapOvr>
+</p:sld>
+</file>
+
 <file path=ppt/slides/slide28.xml><?xml version="1.0" encoding="utf-8"?>
 <p:sld xmlns:a="http://schemas.openxmlformats.org/drawingml/2006/main" xmlns:r="http://schemas.openxmlformats.org/officeDocument/2006/relationships" xmlns:p="http://schemas.openxmlformats.org/presentationml/2006/main">
   <p:cSld>
@@ -13092,7 +12827,7 @@
           <p:cNvPr id="2" name="Title 1">
             <a:extLst>
               <a:ext uri="{FF2B5EF4-FFF2-40B4-BE49-F238E27FC236}">
-                <a16:creationId xmlns:a16="http://schemas.microsoft.com/office/drawing/2014/main" id="{D5C2C212-E261-A521-5A07-4F79BEE7D615}"/>
+                <a16:creationId xmlns:a16="http://schemas.microsoft.com/office/drawing/2014/main" id="{C3F2713C-FE07-816E-6FFD-E2674D11721D}"/>
               </a:ext>
             </a:extLst>
           </p:cNvPr>
@@ -13110,7 +12845,7 @@
           <a:p>
             <a:r>
               <a:rPr lang="en-GB" dirty="0"/>
-              <a:t>A quick note on broadcasting</a:t>
+              <a:t>Tensor locations</a:t>
             </a:r>
             <a:endParaRPr lang="en-SG" dirty="0"/>
           </a:p>
@@ -13121,7 +12856,7 @@
           <p:cNvPr id="3" name="Content Placeholder 2">
             <a:extLst>
               <a:ext uri="{FF2B5EF4-FFF2-40B4-BE49-F238E27FC236}">
-                <a16:creationId xmlns:a16="http://schemas.microsoft.com/office/drawing/2014/main" id="{EB875A09-F649-0453-782D-77AD08503234}"/>
+                <a16:creationId xmlns:a16="http://schemas.microsoft.com/office/drawing/2014/main" id="{FA1F1CE6-06FF-6DD6-265C-39A26CC7DB57}"/>
               </a:ext>
             </a:extLst>
           </p:cNvPr>
@@ -13132,15 +12867,10 @@
             <p:ph sz="half" idx="1"/>
           </p:nvPr>
         </p:nvSpPr>
-        <p:spPr>
-          <a:xfrm>
-            <a:off x="838200" y="1825624"/>
-            <a:ext cx="5181600" cy="5032375"/>
-          </a:xfrm>
-        </p:spPr>
+        <p:spPr/>
         <p:txBody>
           <a:bodyPr>
-            <a:normAutofit lnSpcReduction="10000"/>
+            <a:normAutofit/>
           </a:bodyPr>
           <a:lstStyle/>
           <a:p>
@@ -13148,110 +12878,202 @@
               <a:buNone/>
             </a:pPr>
             <a:r>
-              <a:rPr lang="en-GB" dirty="0"/>
-              <a:t>Tensors, just like NumPy arrays, support broadcasting.</a:t>
-            </a:r>
-          </a:p>
-          <a:p>
-            <a:pPr marL="0" indent="0">
-              <a:buNone/>
-            </a:pPr>
-            <a:r>
-              <a:rPr lang="en-GB" dirty="0"/>
-              <a:t>Two tensors are “</a:t>
+              <a:rPr lang="en-GB" b="1" u="sng" dirty="0"/>
+              <a:t>Recall:</a:t>
+            </a:r>
+            <a:r>
+              <a:rPr lang="en-GB" b="1" dirty="0"/>
+              <a:t> </a:t>
             </a:r>
             <a:r>
               <a:rPr lang="en-GB" dirty="0" err="1"/>
-              <a:t>broadcastable</a:t>
-            </a:r>
-            <a:r>
-              <a:rPr lang="en-GB" dirty="0"/>
-              <a:t>” if the following rules hold:</a:t>
-            </a:r>
-          </a:p>
-          <a:p>
-            <a:r>
-              <a:rPr lang="en-GB" dirty="0"/>
-              <a:t>Each tensor has at least one dimension.</a:t>
-            </a:r>
-          </a:p>
-          <a:p>
-            <a:r>
-              <a:rPr lang="en-GB" dirty="0"/>
-              <a:t>When iterating over the dimension sizes, starting at the trailing dimension, the dimension sizes must either be equal, one of them is 1, or one of them does not exist.</a:t>
-            </a:r>
-          </a:p>
-          <a:p>
-            <a:pPr marL="0" indent="0">
-              <a:buNone/>
-            </a:pPr>
+              <a:t>PyTorch</a:t>
+            </a:r>
+            <a:r>
+              <a:rPr lang="en-GB" dirty="0"/>
+              <a:t> has </a:t>
+            </a:r>
+            <a:r>
+              <a:rPr lang="en-GB" b="1" dirty="0"/>
+              <a:t>better</a:t>
+            </a:r>
+            <a:r>
+              <a:rPr lang="en-GB" dirty="0"/>
+              <a:t> </a:t>
+            </a:r>
+            <a:r>
+              <a:rPr lang="en-GB" b="1" dirty="0"/>
+              <a:t>support</a:t>
+            </a:r>
+            <a:r>
+              <a:rPr lang="en-GB" dirty="0"/>
+              <a:t> </a:t>
+            </a:r>
+            <a:r>
+              <a:rPr lang="en-GB" b="1" dirty="0"/>
+              <a:t>for</a:t>
+            </a:r>
+            <a:r>
+              <a:rPr lang="en-GB" dirty="0"/>
+              <a:t> </a:t>
+            </a:r>
+            <a:r>
+              <a:rPr lang="en-GB" b="1" dirty="0"/>
+              <a:t>GPU</a:t>
+            </a:r>
+            <a:r>
+              <a:rPr lang="en-GB" dirty="0"/>
+              <a:t> </a:t>
+            </a:r>
+            <a:r>
+              <a:rPr lang="en-GB" b="1" dirty="0"/>
+              <a:t>acceleration</a:t>
+            </a:r>
+            <a:r>
+              <a:rPr lang="en-GB" dirty="0"/>
+              <a:t> than NumPy.</a:t>
+            </a:r>
+          </a:p>
+          <a:p>
+            <a:r>
+              <a:rPr lang="en-GB" dirty="0"/>
+              <a:t>If a GPU is available, significantly </a:t>
+            </a:r>
+            <a:r>
+              <a:rPr lang="en-GB" b="1" dirty="0"/>
+              <a:t>speed</a:t>
+            </a:r>
+            <a:r>
+              <a:rPr lang="en-GB" dirty="0"/>
+              <a:t> </a:t>
+            </a:r>
+            <a:r>
+              <a:rPr lang="en-GB" b="1" dirty="0"/>
+              <a:t>up</a:t>
+            </a:r>
+            <a:r>
+              <a:rPr lang="en-GB" dirty="0"/>
+              <a:t> </a:t>
+            </a:r>
+            <a:r>
+              <a:rPr lang="en-GB" b="1" dirty="0"/>
+              <a:t>the</a:t>
+            </a:r>
+            <a:r>
+              <a:rPr lang="en-GB" dirty="0"/>
+              <a:t> </a:t>
+            </a:r>
+            <a:r>
+              <a:rPr lang="en-GB" b="1" dirty="0"/>
+              <a:t>training</a:t>
+            </a:r>
+            <a:r>
+              <a:rPr lang="en-GB" dirty="0"/>
+              <a:t> of our neural network by performing the computations on the GPU using </a:t>
+            </a:r>
+            <a:r>
+              <a:rPr lang="en-GB" dirty="0" err="1"/>
+              <a:t>PyTorch</a:t>
+            </a:r>
+            <a:r>
+              <a:rPr lang="en-GB" dirty="0"/>
+              <a:t>.</a:t>
+            </a:r>
+          </a:p>
+          <a:p>
+            <a:r>
+              <a:rPr lang="en-GB" dirty="0"/>
+              <a:t>Especially useful for </a:t>
+            </a:r>
+            <a:r>
+              <a:rPr lang="en-GB" b="1" dirty="0"/>
+              <a:t>training</a:t>
+            </a:r>
+            <a:r>
+              <a:rPr lang="en-GB" dirty="0"/>
+              <a:t> </a:t>
+            </a:r>
+            <a:r>
+              <a:rPr lang="en-GB" b="1" dirty="0"/>
+              <a:t>large</a:t>
+            </a:r>
+            <a:r>
+              <a:rPr lang="en-GB" dirty="0"/>
+              <a:t> </a:t>
+            </a:r>
+            <a:r>
+              <a:rPr lang="en-GB" b="1" dirty="0"/>
+              <a:t>and</a:t>
+            </a:r>
+            <a:r>
+              <a:rPr lang="en-GB" dirty="0"/>
+              <a:t> </a:t>
+            </a:r>
+            <a:r>
+              <a:rPr lang="en-GB" b="1" dirty="0"/>
+              <a:t>complex</a:t>
+            </a:r>
+            <a:r>
+              <a:rPr lang="en-GB" dirty="0"/>
+              <a:t> </a:t>
+            </a:r>
+            <a:r>
+              <a:rPr lang="en-GB" b="1" dirty="0"/>
+              <a:t>models</a:t>
+            </a:r>
+            <a:r>
+              <a:rPr lang="en-GB" dirty="0"/>
+              <a:t>.</a:t>
+            </a:r>
+          </a:p>
+          <a:p>
             <a:endParaRPr lang="en-GB" dirty="0"/>
+          </a:p>
+          <a:p>
+            <a:endParaRPr lang="en-SG" dirty="0"/>
           </a:p>
         </p:txBody>
       </p:sp>
-      <p:sp>
-        <p:nvSpPr>
-          <p:cNvPr id="4" name="Content Placeholder 3">
-            <a:extLst>
-              <a:ext uri="{FF2B5EF4-FFF2-40B4-BE49-F238E27FC236}">
-                <a16:creationId xmlns:a16="http://schemas.microsoft.com/office/drawing/2014/main" id="{953DB814-D545-5828-A2A0-FEEF73BDC2D8}"/>
-              </a:ext>
-            </a:extLst>
-          </p:cNvPr>
-          <p:cNvSpPr>
-            <a:spLocks noGrp="1"/>
-          </p:cNvSpPr>
-          <p:nvPr>
-            <p:ph sz="half" idx="2"/>
-          </p:nvPr>
-        </p:nvSpPr>
+      <p:pic>
+        <p:nvPicPr>
+          <p:cNvPr id="7" name="Picture 6" descr="Logo, company name&#10;&#10;Description automatically generated">
+            <a:extLst>
+              <a:ext uri="{FF2B5EF4-FFF2-40B4-BE49-F238E27FC236}">
+                <a16:creationId xmlns:a16="http://schemas.microsoft.com/office/drawing/2014/main" id="{6AF5739C-A62C-69DB-A2FB-542D29AC8C09}"/>
+              </a:ext>
+            </a:extLst>
+          </p:cNvPr>
+          <p:cNvPicPr>
+            <a:picLocks noChangeAspect="1"/>
+          </p:cNvPicPr>
+          <p:nvPr/>
+        </p:nvPicPr>
+        <p:blipFill>
+          <a:blip r:embed="rId2">
+            <a:extLst>
+              <a:ext uri="{28A0092B-C50C-407E-A947-70E740481C1C}">
+                <a14:useLocalDpi xmlns:a14="http://schemas.microsoft.com/office/drawing/2010/main" val="0"/>
+              </a:ext>
+            </a:extLst>
+          </a:blip>
+          <a:stretch>
+            <a:fillRect/>
+          </a:stretch>
+        </p:blipFill>
         <p:spPr>
           <a:xfrm>
-            <a:off x="6172200" y="1825624"/>
-            <a:ext cx="5181600" cy="5032375"/>
+            <a:off x="6666523" y="2571984"/>
+            <a:ext cx="5293115" cy="2281370"/>
           </a:xfrm>
+          <a:prstGeom prst="rect">
+            <a:avLst/>
+          </a:prstGeom>
         </p:spPr>
-        <p:txBody>
-          <a:bodyPr>
-            <a:normAutofit lnSpcReduction="10000"/>
-          </a:bodyPr>
-          <a:lstStyle/>
-          <a:p>
-            <a:r>
-              <a:rPr lang="en-GB" dirty="0"/>
-              <a:t>If two tensors x, y are “</a:t>
-            </a:r>
-            <a:r>
-              <a:rPr lang="en-GB" dirty="0" err="1"/>
-              <a:t>broadcastable</a:t>
-            </a:r>
-            <a:r>
-              <a:rPr lang="en-GB" dirty="0"/>
-              <a:t>”, the resulting tensor size is calculated as follows:</a:t>
-            </a:r>
-          </a:p>
-          <a:p>
-            <a:r>
-              <a:rPr lang="en-GB" dirty="0"/>
-              <a:t>If the number of dimensions of x and y are not equal, prepend 1 to the dimensions of the tensor with fewer dimensions to make them equal length.</a:t>
-            </a:r>
-          </a:p>
-          <a:p>
-            <a:r>
-              <a:rPr lang="en-GB" dirty="0"/>
-              <a:t>Then, for each dimension size, the resulting dimension size is the max of the sizes of x and y along that dimension.</a:t>
-            </a:r>
-            <a:endParaRPr lang="en-SG" dirty="0"/>
-          </a:p>
-          <a:p>
-            <a:endParaRPr lang="en-SG" dirty="0"/>
-          </a:p>
-        </p:txBody>
-      </p:sp>
+      </p:pic>
     </p:spTree>
     <p:extLst>
       <p:ext uri="{BB962C8B-B14F-4D97-AF65-F5344CB8AC3E}">
-        <p14:creationId xmlns:p14="http://schemas.microsoft.com/office/powerpoint/2010/main" val="3251402422"/>
+        <p14:creationId xmlns:p14="http://schemas.microsoft.com/office/powerpoint/2010/main" val="1017635827"/>
       </p:ext>
     </p:extLst>
   </p:cSld>
@@ -13283,7 +13105,7 @@
           <p:cNvPr id="2" name="Title 1">
             <a:extLst>
               <a:ext uri="{FF2B5EF4-FFF2-40B4-BE49-F238E27FC236}">
-                <a16:creationId xmlns:a16="http://schemas.microsoft.com/office/drawing/2014/main" id="{D5C2C212-E261-A521-5A07-4F79BEE7D615}"/>
+                <a16:creationId xmlns:a16="http://schemas.microsoft.com/office/drawing/2014/main" id="{C3F2713C-FE07-816E-6FFD-E2674D11721D}"/>
               </a:ext>
             </a:extLst>
           </p:cNvPr>
@@ -13301,18 +13123,212 @@
           <a:p>
             <a:r>
               <a:rPr lang="en-GB" dirty="0"/>
-              <a:t>A quick note on broadcasting</a:t>
-            </a:r>
+              <a:t>Tensor locations</a:t>
+            </a:r>
+            <a:endParaRPr lang="en-SG" dirty="0"/>
+          </a:p>
+        </p:txBody>
+      </p:sp>
+      <p:sp>
+        <p:nvSpPr>
+          <p:cNvPr id="3" name="Content Placeholder 2">
+            <a:extLst>
+              <a:ext uri="{FF2B5EF4-FFF2-40B4-BE49-F238E27FC236}">
+                <a16:creationId xmlns:a16="http://schemas.microsoft.com/office/drawing/2014/main" id="{FA1F1CE6-06FF-6DD6-265C-39A26CC7DB57}"/>
+              </a:ext>
+            </a:extLst>
+          </p:cNvPr>
+          <p:cNvSpPr>
+            <a:spLocks noGrp="1"/>
+          </p:cNvSpPr>
+          <p:nvPr>
+            <p:ph sz="half" idx="1"/>
+          </p:nvPr>
+        </p:nvSpPr>
+        <p:spPr>
+          <a:xfrm>
+            <a:off x="838200" y="1825624"/>
+            <a:ext cx="5181600" cy="5032375"/>
+          </a:xfrm>
+        </p:spPr>
+        <p:txBody>
+          <a:bodyPr>
+            <a:normAutofit fontScale="92500" lnSpcReduction="20000"/>
+          </a:bodyPr>
+          <a:lstStyle/>
+          <a:p>
+            <a:pPr marL="0" indent="0">
+              <a:buNone/>
+            </a:pPr>
+            <a:r>
+              <a:rPr lang="en-GB" dirty="0"/>
+              <a:t>By default, all tensors are used by the CPU. If device enabled for GPU/CUDA computation, transfer the tensor to the GPU for faster computation.</a:t>
+            </a:r>
+          </a:p>
+          <a:p>
+            <a:pPr marL="0" indent="0">
+              <a:buNone/>
+            </a:pPr>
+            <a:r>
+              <a:rPr lang="en-GB" dirty="0"/>
+              <a:t>This is done in three ways:</a:t>
+            </a:r>
+          </a:p>
+          <a:p>
+            <a:pPr>
+              <a:buFont typeface="Arial" panose="020B0604020202020204" pitchFamily="34" charset="0"/>
+              <a:buChar char="•"/>
+            </a:pPr>
+            <a:r>
+              <a:rPr lang="en-GB" dirty="0"/>
+              <a:t>Using </a:t>
+            </a:r>
+            <a:r>
+              <a:rPr lang="en-GB" b="1" dirty="0"/>
+              <a:t>.to(device)</a:t>
+            </a:r>
+            <a:r>
+              <a:rPr lang="en-GB" dirty="0"/>
+              <a:t> method will transfer to the best device available for computation (device variable defined earlier, when we checked for </a:t>
+            </a:r>
+            <a:r>
+              <a:rPr lang="en-GB" dirty="0" err="1"/>
+              <a:t>cuda</a:t>
+            </a:r>
+            <a:r>
+              <a:rPr lang="en-GB" dirty="0"/>
+              <a:t>/</a:t>
+            </a:r>
+            <a:r>
+              <a:rPr lang="en-GB" dirty="0" err="1"/>
+              <a:t>cpu</a:t>
+            </a:r>
+            <a:r>
+              <a:rPr lang="en-GB" dirty="0"/>
+              <a:t>).</a:t>
+            </a:r>
+          </a:p>
+          <a:p>
+            <a:pPr>
+              <a:buFont typeface="Arial" panose="020B0604020202020204" pitchFamily="34" charset="0"/>
+              <a:buChar char="•"/>
+            </a:pPr>
+            <a:r>
+              <a:rPr lang="en-GB" dirty="0">
+                <a:solidFill>
+                  <a:schemeClr val="bg1"/>
+                </a:solidFill>
+              </a:rPr>
+              <a:t>Using </a:t>
+            </a:r>
+            <a:r>
+              <a:rPr lang="en-GB" b="1" dirty="0">
+                <a:solidFill>
+                  <a:schemeClr val="bg1"/>
+                </a:solidFill>
+              </a:rPr>
+              <a:t>.</a:t>
+            </a:r>
+            <a:r>
+              <a:rPr lang="en-GB" b="1" dirty="0" err="1">
+                <a:solidFill>
+                  <a:schemeClr val="bg1"/>
+                </a:solidFill>
+              </a:rPr>
+              <a:t>cpu</a:t>
+            </a:r>
+            <a:r>
+              <a:rPr lang="en-GB" b="1" dirty="0">
+                <a:solidFill>
+                  <a:schemeClr val="bg1"/>
+                </a:solidFill>
+              </a:rPr>
+              <a:t>()</a:t>
+            </a:r>
+            <a:r>
+              <a:rPr lang="en-GB" dirty="0">
+                <a:solidFill>
+                  <a:schemeClr val="bg1"/>
+                </a:solidFill>
+              </a:rPr>
+              <a:t> or </a:t>
+            </a:r>
+            <a:r>
+              <a:rPr lang="en-GB" b="1" dirty="0">
+                <a:solidFill>
+                  <a:schemeClr val="bg1"/>
+                </a:solidFill>
+              </a:rPr>
+              <a:t>.</a:t>
+            </a:r>
+            <a:r>
+              <a:rPr lang="en-GB" b="1" dirty="0" err="1">
+                <a:solidFill>
+                  <a:schemeClr val="bg1"/>
+                </a:solidFill>
+              </a:rPr>
+              <a:t>cuda</a:t>
+            </a:r>
+            <a:r>
+              <a:rPr lang="en-GB" b="1" dirty="0">
+                <a:solidFill>
+                  <a:schemeClr val="bg1"/>
+                </a:solidFill>
+              </a:rPr>
+              <a:t>()</a:t>
+            </a:r>
+            <a:r>
+              <a:rPr lang="en-GB" dirty="0">
+                <a:solidFill>
+                  <a:schemeClr val="bg1"/>
+                </a:solidFill>
+              </a:rPr>
+              <a:t> will force transfer to the </a:t>
+            </a:r>
+            <a:r>
+              <a:rPr lang="en-GB" dirty="0" err="1">
+                <a:solidFill>
+                  <a:schemeClr val="bg1"/>
+                </a:solidFill>
+              </a:rPr>
+              <a:t>cpu</a:t>
+            </a:r>
+            <a:r>
+              <a:rPr lang="en-GB" dirty="0">
+                <a:solidFill>
+                  <a:schemeClr val="bg1"/>
+                </a:solidFill>
+              </a:rPr>
+              <a:t> or </a:t>
+            </a:r>
+            <a:r>
+              <a:rPr lang="en-GB" dirty="0" err="1">
+                <a:solidFill>
+                  <a:schemeClr val="bg1"/>
+                </a:solidFill>
+              </a:rPr>
+              <a:t>cuda</a:t>
+            </a:r>
+            <a:r>
+              <a:rPr lang="en-GB" dirty="0">
+                <a:solidFill>
+                  <a:schemeClr val="bg1"/>
+                </a:solidFill>
+              </a:rPr>
+              <a:t> respectively. Note that it might fail if you machine is not CUDA compatible.</a:t>
+            </a:r>
+          </a:p>
+          <a:p>
             <a:endParaRPr lang="en-SG" dirty="0"/>
           </a:p>
         </p:txBody>
       </p:sp>
       <p:pic>
         <p:nvPicPr>
-          <p:cNvPr id="10" name="Picture 9">
-            <a:extLst>
-              <a:ext uri="{FF2B5EF4-FFF2-40B4-BE49-F238E27FC236}">
-                <a16:creationId xmlns:a16="http://schemas.microsoft.com/office/drawing/2014/main" id="{B0491ECF-EDBF-3CF4-5952-E94FBAFD0638}"/>
+          <p:cNvPr id="5" name="Picture 4">
+            <a:extLst>
+              <a:ext uri="{FF2B5EF4-FFF2-40B4-BE49-F238E27FC236}">
+                <a16:creationId xmlns:a16="http://schemas.microsoft.com/office/drawing/2014/main" id="{F6D4CA45-334A-7101-22BC-2B329A4C4387}"/>
               </a:ext>
             </a:extLst>
           </p:cNvPr>
@@ -13329,8 +13345,8 @@
         </p:blipFill>
         <p:spPr>
           <a:xfrm>
-            <a:off x="1490019" y="1526701"/>
-            <a:ext cx="9211961" cy="5039428"/>
+            <a:off x="6019799" y="1626580"/>
+            <a:ext cx="6148339" cy="3891082"/>
           </a:xfrm>
           <a:prstGeom prst="rect">
             <a:avLst/>
@@ -13340,7 +13356,7 @@
     </p:spTree>
     <p:extLst>
       <p:ext uri="{BB962C8B-B14F-4D97-AF65-F5344CB8AC3E}">
-        <p14:creationId xmlns:p14="http://schemas.microsoft.com/office/powerpoint/2010/main" val="346749718"/>
+        <p14:creationId xmlns:p14="http://schemas.microsoft.com/office/powerpoint/2010/main" val="4145254973"/>
       </p:ext>
     </p:extLst>
   </p:cSld>
@@ -13761,373 +13777,6 @@
           <p:cNvPr id="2" name="Title 1">
             <a:extLst>
               <a:ext uri="{FF2B5EF4-FFF2-40B4-BE49-F238E27FC236}">
-                <a16:creationId xmlns:a16="http://schemas.microsoft.com/office/drawing/2014/main" id="{D5C2C212-E261-A521-5A07-4F79BEE7D615}"/>
-              </a:ext>
-            </a:extLst>
-          </p:cNvPr>
-          <p:cNvSpPr>
-            <a:spLocks noGrp="1"/>
-          </p:cNvSpPr>
-          <p:nvPr>
-            <p:ph type="title"/>
-          </p:nvPr>
-        </p:nvSpPr>
-        <p:spPr/>
-        <p:txBody>
-          <a:bodyPr/>
-          <a:lstStyle/>
-          <a:p>
-            <a:r>
-              <a:rPr lang="en-GB" dirty="0"/>
-              <a:t>A quick note on broadcasting</a:t>
-            </a:r>
-            <a:endParaRPr lang="en-SG" dirty="0"/>
-          </a:p>
-        </p:txBody>
-      </p:sp>
-      <p:pic>
-        <p:nvPicPr>
-          <p:cNvPr id="4" name="Picture 3">
-            <a:extLst>
-              <a:ext uri="{FF2B5EF4-FFF2-40B4-BE49-F238E27FC236}">
-                <a16:creationId xmlns:a16="http://schemas.microsoft.com/office/drawing/2014/main" id="{FB2C1911-B846-8662-232B-3361BF75D4FD}"/>
-              </a:ext>
-            </a:extLst>
-          </p:cNvPr>
-          <p:cNvPicPr>
-            <a:picLocks noChangeAspect="1"/>
-          </p:cNvPicPr>
-          <p:nvPr/>
-        </p:nvPicPr>
-        <p:blipFill>
-          <a:blip r:embed="rId2"/>
-          <a:stretch>
-            <a:fillRect/>
-          </a:stretch>
-        </p:blipFill>
-        <p:spPr>
-          <a:xfrm>
-            <a:off x="1779508" y="1433579"/>
-            <a:ext cx="8632984" cy="5424421"/>
-          </a:xfrm>
-          <a:prstGeom prst="rect">
-            <a:avLst/>
-          </a:prstGeom>
-        </p:spPr>
-      </p:pic>
-    </p:spTree>
-    <p:extLst>
-      <p:ext uri="{BB962C8B-B14F-4D97-AF65-F5344CB8AC3E}">
-        <p14:creationId xmlns:p14="http://schemas.microsoft.com/office/powerpoint/2010/main" val="2747530419"/>
-      </p:ext>
-    </p:extLst>
-  </p:cSld>
-  <p:clrMapOvr>
-    <a:masterClrMapping/>
-  </p:clrMapOvr>
-</p:sld>
-</file>
-
-<file path=ppt/slides/slide31.xml><?xml version="1.0" encoding="utf-8"?>
-<p:sld xmlns:a="http://schemas.openxmlformats.org/drawingml/2006/main" xmlns:r="http://schemas.openxmlformats.org/officeDocument/2006/relationships" xmlns:p="http://schemas.openxmlformats.org/presentationml/2006/main">
-  <p:cSld>
-    <p:spTree>
-      <p:nvGrpSpPr>
-        <p:cNvPr id="1" name=""/>
-        <p:cNvGrpSpPr/>
-        <p:nvPr/>
-      </p:nvGrpSpPr>
-      <p:grpSpPr>
-        <a:xfrm>
-          <a:off x="0" y="0"/>
-          <a:ext cx="0" cy="0"/>
-          <a:chOff x="0" y="0"/>
-          <a:chExt cx="0" cy="0"/>
-        </a:xfrm>
-      </p:grpSpPr>
-      <p:sp>
-        <p:nvSpPr>
-          <p:cNvPr id="2" name="Title 1">
-            <a:extLst>
-              <a:ext uri="{FF2B5EF4-FFF2-40B4-BE49-F238E27FC236}">
-                <a16:creationId xmlns:a16="http://schemas.microsoft.com/office/drawing/2014/main" id="{C3F2713C-FE07-816E-6FFD-E2674D11721D}"/>
-              </a:ext>
-            </a:extLst>
-          </p:cNvPr>
-          <p:cNvSpPr>
-            <a:spLocks noGrp="1"/>
-          </p:cNvSpPr>
-          <p:nvPr>
-            <p:ph type="title"/>
-          </p:nvPr>
-        </p:nvSpPr>
-        <p:spPr/>
-        <p:txBody>
-          <a:bodyPr/>
-          <a:lstStyle/>
-          <a:p>
-            <a:r>
-              <a:rPr lang="en-GB" dirty="0"/>
-              <a:t>Tensor locations</a:t>
-            </a:r>
-            <a:endParaRPr lang="en-SG" dirty="0"/>
-          </a:p>
-        </p:txBody>
-      </p:sp>
-      <p:sp>
-        <p:nvSpPr>
-          <p:cNvPr id="3" name="Content Placeholder 2">
-            <a:extLst>
-              <a:ext uri="{FF2B5EF4-FFF2-40B4-BE49-F238E27FC236}">
-                <a16:creationId xmlns:a16="http://schemas.microsoft.com/office/drawing/2014/main" id="{FA1F1CE6-06FF-6DD6-265C-39A26CC7DB57}"/>
-              </a:ext>
-            </a:extLst>
-          </p:cNvPr>
-          <p:cNvSpPr>
-            <a:spLocks noGrp="1"/>
-          </p:cNvSpPr>
-          <p:nvPr>
-            <p:ph sz="half" idx="1"/>
-          </p:nvPr>
-        </p:nvSpPr>
-        <p:spPr/>
-        <p:txBody>
-          <a:bodyPr>
-            <a:normAutofit/>
-          </a:bodyPr>
-          <a:lstStyle/>
-          <a:p>
-            <a:pPr marL="0" indent="0">
-              <a:buNone/>
-            </a:pPr>
-            <a:r>
-              <a:rPr lang="en-GB" b="1" u="sng" dirty="0"/>
-              <a:t>Recall:</a:t>
-            </a:r>
-            <a:r>
-              <a:rPr lang="en-GB" b="1" dirty="0"/>
-              <a:t> </a:t>
-            </a:r>
-            <a:r>
-              <a:rPr lang="en-GB" dirty="0" err="1"/>
-              <a:t>PyTorch</a:t>
-            </a:r>
-            <a:r>
-              <a:rPr lang="en-GB" dirty="0"/>
-              <a:t> has </a:t>
-            </a:r>
-            <a:r>
-              <a:rPr lang="en-GB" b="1" dirty="0"/>
-              <a:t>better</a:t>
-            </a:r>
-            <a:r>
-              <a:rPr lang="en-GB" dirty="0"/>
-              <a:t> </a:t>
-            </a:r>
-            <a:r>
-              <a:rPr lang="en-GB" b="1" dirty="0"/>
-              <a:t>support</a:t>
-            </a:r>
-            <a:r>
-              <a:rPr lang="en-GB" dirty="0"/>
-              <a:t> </a:t>
-            </a:r>
-            <a:r>
-              <a:rPr lang="en-GB" b="1" dirty="0"/>
-              <a:t>for</a:t>
-            </a:r>
-            <a:r>
-              <a:rPr lang="en-GB" dirty="0"/>
-              <a:t> </a:t>
-            </a:r>
-            <a:r>
-              <a:rPr lang="en-GB" b="1" dirty="0"/>
-              <a:t>GPU</a:t>
-            </a:r>
-            <a:r>
-              <a:rPr lang="en-GB" dirty="0"/>
-              <a:t> </a:t>
-            </a:r>
-            <a:r>
-              <a:rPr lang="en-GB" b="1" dirty="0"/>
-              <a:t>acceleration</a:t>
-            </a:r>
-            <a:r>
-              <a:rPr lang="en-GB" dirty="0"/>
-              <a:t> than NumPy.</a:t>
-            </a:r>
-          </a:p>
-          <a:p>
-            <a:r>
-              <a:rPr lang="en-GB" dirty="0"/>
-              <a:t>If a GPU is available, significantly </a:t>
-            </a:r>
-            <a:r>
-              <a:rPr lang="en-GB" b="1" dirty="0"/>
-              <a:t>speed</a:t>
-            </a:r>
-            <a:r>
-              <a:rPr lang="en-GB" dirty="0"/>
-              <a:t> </a:t>
-            </a:r>
-            <a:r>
-              <a:rPr lang="en-GB" b="1" dirty="0"/>
-              <a:t>up</a:t>
-            </a:r>
-            <a:r>
-              <a:rPr lang="en-GB" dirty="0"/>
-              <a:t> </a:t>
-            </a:r>
-            <a:r>
-              <a:rPr lang="en-GB" b="1" dirty="0"/>
-              <a:t>the</a:t>
-            </a:r>
-            <a:r>
-              <a:rPr lang="en-GB" dirty="0"/>
-              <a:t> </a:t>
-            </a:r>
-            <a:r>
-              <a:rPr lang="en-GB" b="1" dirty="0"/>
-              <a:t>training</a:t>
-            </a:r>
-            <a:r>
-              <a:rPr lang="en-GB" dirty="0"/>
-              <a:t> of our neural network by performing the computations on the GPU using </a:t>
-            </a:r>
-            <a:r>
-              <a:rPr lang="en-GB" dirty="0" err="1"/>
-              <a:t>PyTorch</a:t>
-            </a:r>
-            <a:r>
-              <a:rPr lang="en-GB" dirty="0"/>
-              <a:t>.</a:t>
-            </a:r>
-          </a:p>
-          <a:p>
-            <a:r>
-              <a:rPr lang="en-GB" dirty="0"/>
-              <a:t>Especially useful for </a:t>
-            </a:r>
-            <a:r>
-              <a:rPr lang="en-GB" b="1" dirty="0"/>
-              <a:t>training</a:t>
-            </a:r>
-            <a:r>
-              <a:rPr lang="en-GB" dirty="0"/>
-              <a:t> </a:t>
-            </a:r>
-            <a:r>
-              <a:rPr lang="en-GB" b="1" dirty="0"/>
-              <a:t>large</a:t>
-            </a:r>
-            <a:r>
-              <a:rPr lang="en-GB" dirty="0"/>
-              <a:t> </a:t>
-            </a:r>
-            <a:r>
-              <a:rPr lang="en-GB" b="1" dirty="0"/>
-              <a:t>and</a:t>
-            </a:r>
-            <a:r>
-              <a:rPr lang="en-GB" dirty="0"/>
-              <a:t> </a:t>
-            </a:r>
-            <a:r>
-              <a:rPr lang="en-GB" b="1" dirty="0"/>
-              <a:t>complex</a:t>
-            </a:r>
-            <a:r>
-              <a:rPr lang="en-GB" dirty="0"/>
-              <a:t> </a:t>
-            </a:r>
-            <a:r>
-              <a:rPr lang="en-GB" b="1" dirty="0"/>
-              <a:t>models</a:t>
-            </a:r>
-            <a:r>
-              <a:rPr lang="en-GB" dirty="0"/>
-              <a:t>.</a:t>
-            </a:r>
-          </a:p>
-          <a:p>
-            <a:endParaRPr lang="en-GB" dirty="0"/>
-          </a:p>
-          <a:p>
-            <a:endParaRPr lang="en-SG" dirty="0"/>
-          </a:p>
-        </p:txBody>
-      </p:sp>
-      <p:pic>
-        <p:nvPicPr>
-          <p:cNvPr id="7" name="Picture 6" descr="Logo, company name&#10;&#10;Description automatically generated">
-            <a:extLst>
-              <a:ext uri="{FF2B5EF4-FFF2-40B4-BE49-F238E27FC236}">
-                <a16:creationId xmlns:a16="http://schemas.microsoft.com/office/drawing/2014/main" id="{6AF5739C-A62C-69DB-A2FB-542D29AC8C09}"/>
-              </a:ext>
-            </a:extLst>
-          </p:cNvPr>
-          <p:cNvPicPr>
-            <a:picLocks noChangeAspect="1"/>
-          </p:cNvPicPr>
-          <p:nvPr/>
-        </p:nvPicPr>
-        <p:blipFill>
-          <a:blip r:embed="rId2">
-            <a:extLst>
-              <a:ext uri="{28A0092B-C50C-407E-A947-70E740481C1C}">
-                <a14:useLocalDpi xmlns:a14="http://schemas.microsoft.com/office/drawing/2010/main" val="0"/>
-              </a:ext>
-            </a:extLst>
-          </a:blip>
-          <a:stretch>
-            <a:fillRect/>
-          </a:stretch>
-        </p:blipFill>
-        <p:spPr>
-          <a:xfrm>
-            <a:off x="6666523" y="2571984"/>
-            <a:ext cx="5293115" cy="2281370"/>
-          </a:xfrm>
-          <a:prstGeom prst="rect">
-            <a:avLst/>
-          </a:prstGeom>
-        </p:spPr>
-      </p:pic>
-    </p:spTree>
-    <p:extLst>
-      <p:ext uri="{BB962C8B-B14F-4D97-AF65-F5344CB8AC3E}">
-        <p14:creationId xmlns:p14="http://schemas.microsoft.com/office/powerpoint/2010/main" val="1017635827"/>
-      </p:ext>
-    </p:extLst>
-  </p:cSld>
-  <p:clrMapOvr>
-    <a:masterClrMapping/>
-  </p:clrMapOvr>
-</p:sld>
-</file>
-
-<file path=ppt/slides/slide32.xml><?xml version="1.0" encoding="utf-8"?>
-<p:sld xmlns:a="http://schemas.openxmlformats.org/drawingml/2006/main" xmlns:r="http://schemas.openxmlformats.org/officeDocument/2006/relationships" xmlns:p="http://schemas.openxmlformats.org/presentationml/2006/main">
-  <p:cSld>
-    <p:spTree>
-      <p:nvGrpSpPr>
-        <p:cNvPr id="1" name=""/>
-        <p:cNvGrpSpPr/>
-        <p:nvPr/>
-      </p:nvGrpSpPr>
-      <p:grpSpPr>
-        <a:xfrm>
-          <a:off x="0" y="0"/>
-          <a:ext cx="0" cy="0"/>
-          <a:chOff x="0" y="0"/>
-          <a:chExt cx="0" cy="0"/>
-        </a:xfrm>
-      </p:grpSpPr>
-      <p:sp>
-        <p:nvSpPr>
-          <p:cNvPr id="2" name="Title 1">
-            <a:extLst>
-              <a:ext uri="{FF2B5EF4-FFF2-40B4-BE49-F238E27FC236}">
                 <a16:creationId xmlns:a16="http://schemas.microsoft.com/office/drawing/2014/main" id="{C3F2713C-FE07-816E-6FFD-E2674D11721D}"/>
               </a:ext>
             </a:extLst>
@@ -14237,265 +13886,48 @@
               <a:buChar char="•"/>
             </a:pPr>
             <a:r>
-              <a:rPr lang="en-GB" dirty="0">
-                <a:solidFill>
-                  <a:schemeClr val="bg1"/>
-                </a:solidFill>
-              </a:rPr>
+              <a:rPr lang="en-GB" dirty="0"/>
               <a:t>Using </a:t>
             </a:r>
             <a:r>
-              <a:rPr lang="en-GB" b="1" dirty="0">
-                <a:solidFill>
-                  <a:schemeClr val="bg1"/>
-                </a:solidFill>
-              </a:rPr>
+              <a:rPr lang="en-GB" b="1" dirty="0"/>
               <a:t>.</a:t>
             </a:r>
             <a:r>
-              <a:rPr lang="en-GB" b="1" dirty="0" err="1">
-                <a:solidFill>
-                  <a:schemeClr val="bg1"/>
-                </a:solidFill>
-              </a:rPr>
+              <a:rPr lang="en-GB" b="1" dirty="0" err="1"/>
               <a:t>cpu</a:t>
             </a:r>
             <a:r>
-              <a:rPr lang="en-GB" b="1" dirty="0">
-                <a:solidFill>
-                  <a:schemeClr val="bg1"/>
-                </a:solidFill>
-              </a:rPr>
+              <a:rPr lang="en-GB" b="1" dirty="0"/>
               <a:t>()</a:t>
             </a:r>
             <a:r>
-              <a:rPr lang="en-GB" dirty="0">
-                <a:solidFill>
-                  <a:schemeClr val="bg1"/>
-                </a:solidFill>
-              </a:rPr>
+              <a:rPr lang="en-GB" dirty="0"/>
               <a:t> or </a:t>
             </a:r>
             <a:r>
-              <a:rPr lang="en-GB" b="1" dirty="0">
-                <a:solidFill>
-                  <a:schemeClr val="bg1"/>
-                </a:solidFill>
-              </a:rPr>
+              <a:rPr lang="en-GB" b="1" dirty="0"/>
               <a:t>.</a:t>
             </a:r>
             <a:r>
-              <a:rPr lang="en-GB" b="1" dirty="0" err="1">
-                <a:solidFill>
-                  <a:schemeClr val="bg1"/>
-                </a:solidFill>
-              </a:rPr>
+              <a:rPr lang="en-GB" b="1" dirty="0" err="1"/>
               <a:t>cuda</a:t>
             </a:r>
             <a:r>
-              <a:rPr lang="en-GB" b="1" dirty="0">
-                <a:solidFill>
-                  <a:schemeClr val="bg1"/>
-                </a:solidFill>
-              </a:rPr>
+              <a:rPr lang="en-GB" b="1" dirty="0"/>
               <a:t>()</a:t>
             </a:r>
             <a:r>
-              <a:rPr lang="en-GB" dirty="0">
-                <a:solidFill>
-                  <a:schemeClr val="bg1"/>
-                </a:solidFill>
-              </a:rPr>
+              <a:rPr lang="en-GB" dirty="0"/>
               <a:t> will force transfer to the </a:t>
             </a:r>
             <a:r>
-              <a:rPr lang="en-GB" dirty="0" err="1">
-                <a:solidFill>
-                  <a:schemeClr val="bg1"/>
-                </a:solidFill>
-              </a:rPr>
+              <a:rPr lang="en-GB" dirty="0" err="1"/>
               <a:t>cpu</a:t>
             </a:r>
             <a:r>
-              <a:rPr lang="en-GB" dirty="0">
-                <a:solidFill>
-                  <a:schemeClr val="bg1"/>
-                </a:solidFill>
-              </a:rPr>
+              <a:rPr lang="en-GB" dirty="0"/>
               <a:t> or </a:t>
-            </a:r>
-            <a:r>
-              <a:rPr lang="en-GB" dirty="0" err="1">
-                <a:solidFill>
-                  <a:schemeClr val="bg1"/>
-                </a:solidFill>
-              </a:rPr>
-              <a:t>cuda</a:t>
-            </a:r>
-            <a:r>
-              <a:rPr lang="en-GB" dirty="0">
-                <a:solidFill>
-                  <a:schemeClr val="bg1"/>
-                </a:solidFill>
-              </a:rPr>
-              <a:t> respectively. Note that it might fail if you machine is not CUDA compatible.</a:t>
-            </a:r>
-          </a:p>
-          <a:p>
-            <a:endParaRPr lang="en-SG" dirty="0"/>
-          </a:p>
-        </p:txBody>
-      </p:sp>
-      <p:pic>
-        <p:nvPicPr>
-          <p:cNvPr id="5" name="Picture 4">
-            <a:extLst>
-              <a:ext uri="{FF2B5EF4-FFF2-40B4-BE49-F238E27FC236}">
-                <a16:creationId xmlns:a16="http://schemas.microsoft.com/office/drawing/2014/main" id="{F6D4CA45-334A-7101-22BC-2B329A4C4387}"/>
-              </a:ext>
-            </a:extLst>
-          </p:cNvPr>
-          <p:cNvPicPr>
-            <a:picLocks noChangeAspect="1"/>
-          </p:cNvPicPr>
-          <p:nvPr/>
-        </p:nvPicPr>
-        <p:blipFill>
-          <a:blip r:embed="rId2"/>
-          <a:stretch>
-            <a:fillRect/>
-          </a:stretch>
-        </p:blipFill>
-        <p:spPr>
-          <a:xfrm>
-            <a:off x="6019799" y="1626580"/>
-            <a:ext cx="6148339" cy="3891082"/>
-          </a:xfrm>
-          <a:prstGeom prst="rect">
-            <a:avLst/>
-          </a:prstGeom>
-        </p:spPr>
-      </p:pic>
-    </p:spTree>
-    <p:extLst>
-      <p:ext uri="{BB962C8B-B14F-4D97-AF65-F5344CB8AC3E}">
-        <p14:creationId xmlns:p14="http://schemas.microsoft.com/office/powerpoint/2010/main" val="4145254973"/>
-      </p:ext>
-    </p:extLst>
-  </p:cSld>
-  <p:clrMapOvr>
-    <a:masterClrMapping/>
-  </p:clrMapOvr>
-</p:sld>
-</file>
-
-<file path=ppt/slides/slide33.xml><?xml version="1.0" encoding="utf-8"?>
-<p:sld xmlns:a="http://schemas.openxmlformats.org/drawingml/2006/main" xmlns:r="http://schemas.openxmlformats.org/officeDocument/2006/relationships" xmlns:p="http://schemas.openxmlformats.org/presentationml/2006/main">
-  <p:cSld>
-    <p:spTree>
-      <p:nvGrpSpPr>
-        <p:cNvPr id="1" name=""/>
-        <p:cNvGrpSpPr/>
-        <p:nvPr/>
-      </p:nvGrpSpPr>
-      <p:grpSpPr>
-        <a:xfrm>
-          <a:off x="0" y="0"/>
-          <a:ext cx="0" cy="0"/>
-          <a:chOff x="0" y="0"/>
-          <a:chExt cx="0" cy="0"/>
-        </a:xfrm>
-      </p:grpSpPr>
-      <p:sp>
-        <p:nvSpPr>
-          <p:cNvPr id="2" name="Title 1">
-            <a:extLst>
-              <a:ext uri="{FF2B5EF4-FFF2-40B4-BE49-F238E27FC236}">
-                <a16:creationId xmlns:a16="http://schemas.microsoft.com/office/drawing/2014/main" id="{C3F2713C-FE07-816E-6FFD-E2674D11721D}"/>
-              </a:ext>
-            </a:extLst>
-          </p:cNvPr>
-          <p:cNvSpPr>
-            <a:spLocks noGrp="1"/>
-          </p:cNvSpPr>
-          <p:nvPr>
-            <p:ph type="title"/>
-          </p:nvPr>
-        </p:nvSpPr>
-        <p:spPr/>
-        <p:txBody>
-          <a:bodyPr/>
-          <a:lstStyle/>
-          <a:p>
-            <a:r>
-              <a:rPr lang="en-GB" dirty="0"/>
-              <a:t>Tensor locations</a:t>
-            </a:r>
-            <a:endParaRPr lang="en-SG" dirty="0"/>
-          </a:p>
-        </p:txBody>
-      </p:sp>
-      <p:sp>
-        <p:nvSpPr>
-          <p:cNvPr id="3" name="Content Placeholder 2">
-            <a:extLst>
-              <a:ext uri="{FF2B5EF4-FFF2-40B4-BE49-F238E27FC236}">
-                <a16:creationId xmlns:a16="http://schemas.microsoft.com/office/drawing/2014/main" id="{FA1F1CE6-06FF-6DD6-265C-39A26CC7DB57}"/>
-              </a:ext>
-            </a:extLst>
-          </p:cNvPr>
-          <p:cNvSpPr>
-            <a:spLocks noGrp="1"/>
-          </p:cNvSpPr>
-          <p:nvPr>
-            <p:ph sz="half" idx="1"/>
-          </p:nvPr>
-        </p:nvSpPr>
-        <p:spPr>
-          <a:xfrm>
-            <a:off x="838200" y="1825624"/>
-            <a:ext cx="5181600" cy="5032375"/>
-          </a:xfrm>
-        </p:spPr>
-        <p:txBody>
-          <a:bodyPr>
-            <a:normAutofit fontScale="92500" lnSpcReduction="20000"/>
-          </a:bodyPr>
-          <a:lstStyle/>
-          <a:p>
-            <a:pPr marL="0" indent="0">
-              <a:buNone/>
-            </a:pPr>
-            <a:r>
-              <a:rPr lang="en-GB" dirty="0"/>
-              <a:t>By default, all tensors are used by the CPU. If device enabled for GPU/CUDA computation, transfer the tensor to the GPU for faster computation.</a:t>
-            </a:r>
-          </a:p>
-          <a:p>
-            <a:pPr marL="0" indent="0">
-              <a:buNone/>
-            </a:pPr>
-            <a:r>
-              <a:rPr lang="en-GB" dirty="0"/>
-              <a:t>This is done in three ways:</a:t>
-            </a:r>
-          </a:p>
-          <a:p>
-            <a:pPr>
-              <a:buFont typeface="Arial" panose="020B0604020202020204" pitchFamily="34" charset="0"/>
-              <a:buChar char="•"/>
-            </a:pPr>
-            <a:r>
-              <a:rPr lang="en-GB" dirty="0"/>
-              <a:t>Using </a:t>
-            </a:r>
-            <a:r>
-              <a:rPr lang="en-GB" b="1" dirty="0"/>
-              <a:t>.to(device)</a:t>
-            </a:r>
-            <a:r>
-              <a:rPr lang="en-GB" dirty="0"/>
-              <a:t> method will transfer to the best device available for computation (device variable defined earlier, when we checked for </a:t>
             </a:r>
             <a:r>
               <a:rPr lang="en-GB" dirty="0" err="1"/>
@@ -14503,73 +13935,7 @@
             </a:r>
             <a:r>
               <a:rPr lang="en-GB" dirty="0"/>
-              <a:t>/</a:t>
-            </a:r>
-            <a:r>
-              <a:rPr lang="en-GB" dirty="0" err="1"/>
-              <a:t>cpu</a:t>
-            </a:r>
-            <a:r>
-              <a:rPr lang="en-GB" dirty="0"/>
-              <a:t>).</a:t>
-            </a:r>
-          </a:p>
-          <a:p>
-            <a:pPr>
-              <a:buFont typeface="Arial" panose="020B0604020202020204" pitchFamily="34" charset="0"/>
-              <a:buChar char="•"/>
-            </a:pPr>
-            <a:r>
-              <a:rPr lang="en-GB" dirty="0"/>
-              <a:t>Using </a:t>
-            </a:r>
-            <a:r>
-              <a:rPr lang="en-GB" b="1" dirty="0"/>
-              <a:t>.</a:t>
-            </a:r>
-            <a:r>
-              <a:rPr lang="en-GB" b="1" dirty="0" err="1"/>
-              <a:t>cpu</a:t>
-            </a:r>
-            <a:r>
-              <a:rPr lang="en-GB" b="1" dirty="0"/>
-              <a:t>()</a:t>
-            </a:r>
-            <a:r>
-              <a:rPr lang="en-GB" dirty="0"/>
-              <a:t> or </a:t>
-            </a:r>
-            <a:r>
-              <a:rPr lang="en-GB" b="1" dirty="0"/>
-              <a:t>.</a:t>
-            </a:r>
-            <a:r>
-              <a:rPr lang="en-GB" b="1" dirty="0" err="1"/>
-              <a:t>cuda</a:t>
-            </a:r>
-            <a:r>
-              <a:rPr lang="en-GB" b="1" dirty="0"/>
-              <a:t>()</a:t>
-            </a:r>
-            <a:r>
-              <a:rPr lang="en-GB" dirty="0"/>
-              <a:t> will force transfer to the </a:t>
-            </a:r>
-            <a:r>
-              <a:rPr lang="en-GB" dirty="0" err="1"/>
-              <a:t>cpu</a:t>
-            </a:r>
-            <a:r>
-              <a:rPr lang="en-GB" dirty="0"/>
-              <a:t> or </a:t>
-            </a:r>
-            <a:r>
-              <a:rPr lang="en-GB" dirty="0" err="1"/>
-              <a:t>cuda</a:t>
-            </a:r>
-            <a:r>
-              <a:rPr lang="en-GB" dirty="0"/>
-              <a:t> respectively. Note that it might fail if you machine is not CUDA compatible.</a:t>
+              <a:t> respectively. Note that it might fail if your machine is not CUDA compatible.</a:t>
             </a:r>
           </a:p>
           <a:p>
@@ -14620,7 +13986,7 @@
 </p:sld>
 </file>
 
-<file path=ppt/slides/slide34.xml><?xml version="1.0" encoding="utf-8"?>
+<file path=ppt/slides/slide31.xml><?xml version="1.0" encoding="utf-8"?>
 <p:sld xmlns:a="http://schemas.openxmlformats.org/drawingml/2006/main" xmlns:r="http://schemas.openxmlformats.org/officeDocument/2006/relationships" xmlns:p="http://schemas.openxmlformats.org/presentationml/2006/main">
   <p:cSld>
     <p:spTree>
@@ -14800,7 +14166,7 @@
             </a:r>
             <a:r>
               <a:rPr lang="en-GB" dirty="0"/>
-              <a:t> respectively. Note that it might fail if you machine is not CUDA compatible.</a:t>
+              <a:t> respectively. Note that it might fail if your machine is not CUDA compatible.</a:t>
             </a:r>
           </a:p>
           <a:p>
@@ -14894,7 +14260,7 @@
 </p:sld>
 </file>
 
-<file path=ppt/slides/slide35.xml><?xml version="1.0" encoding="utf-8"?>
+<file path=ppt/slides/slide32.xml><?xml version="1.0" encoding="utf-8"?>
 <p:sld xmlns:a="http://schemas.openxmlformats.org/drawingml/2006/main" xmlns:r="http://schemas.openxmlformats.org/officeDocument/2006/relationships" xmlns:p="http://schemas.openxmlformats.org/presentationml/2006/main">
   <p:cSld>
     <p:spTree>
@@ -15025,206 +14391,7 @@
 </p:sld>
 </file>
 
-<file path=ppt/slides/slide36.xml><?xml version="1.0" encoding="utf-8"?>
-<p:sld xmlns:a="http://schemas.openxmlformats.org/drawingml/2006/main" xmlns:r="http://schemas.openxmlformats.org/officeDocument/2006/relationships" xmlns:p="http://schemas.openxmlformats.org/presentationml/2006/main">
-  <p:cSld>
-    <p:spTree>
-      <p:nvGrpSpPr>
-        <p:cNvPr id="1" name=""/>
-        <p:cNvGrpSpPr/>
-        <p:nvPr/>
-      </p:nvGrpSpPr>
-      <p:grpSpPr>
-        <a:xfrm>
-          <a:off x="0" y="0"/>
-          <a:ext cx="0" cy="0"/>
-          <a:chOff x="0" y="0"/>
-          <a:chExt cx="0" cy="0"/>
-        </a:xfrm>
-      </p:grpSpPr>
-      <p:sp>
-        <p:nvSpPr>
-          <p:cNvPr id="2" name="Title 1">
-            <a:extLst>
-              <a:ext uri="{FF2B5EF4-FFF2-40B4-BE49-F238E27FC236}">
-                <a16:creationId xmlns:a16="http://schemas.microsoft.com/office/drawing/2014/main" id="{581B7E6E-252F-1AB6-6445-27D0020E0280}"/>
-              </a:ext>
-            </a:extLst>
-          </p:cNvPr>
-          <p:cNvSpPr>
-            <a:spLocks noGrp="1"/>
-          </p:cNvSpPr>
-          <p:nvPr>
-            <p:ph type="title"/>
-          </p:nvPr>
-        </p:nvSpPr>
-        <p:spPr/>
-        <p:txBody>
-          <a:bodyPr/>
-          <a:lstStyle/>
-          <a:p>
-            <a:r>
-              <a:rPr lang="en-GB" dirty="0"/>
-              <a:t>A bit of practice for you to try </a:t>
-            </a:r>
-            <a:r>
-              <a:rPr lang="en-GB"/>
-              <a:t>at home</a:t>
-            </a:r>
-            <a:endParaRPr lang="en-SG" dirty="0"/>
-          </a:p>
-        </p:txBody>
-      </p:sp>
-      <p:sp>
-        <p:nvSpPr>
-          <p:cNvPr id="3" name="Content Placeholder 2">
-            <a:extLst>
-              <a:ext uri="{FF2B5EF4-FFF2-40B4-BE49-F238E27FC236}">
-                <a16:creationId xmlns:a16="http://schemas.microsoft.com/office/drawing/2014/main" id="{088657BF-BB53-D488-1F2B-77F25EDE3A56}"/>
-              </a:ext>
-            </a:extLst>
-          </p:cNvPr>
-          <p:cNvSpPr>
-            <a:spLocks noGrp="1"/>
-          </p:cNvSpPr>
-          <p:nvPr>
-            <p:ph idx="1"/>
-          </p:nvPr>
-        </p:nvSpPr>
-        <p:spPr>
-          <a:xfrm>
-            <a:off x="838200" y="1825624"/>
-            <a:ext cx="10515600" cy="5032375"/>
-          </a:xfrm>
-        </p:spPr>
-        <p:txBody>
-          <a:bodyPr>
-            <a:normAutofit fontScale="85000" lnSpcReduction="10000"/>
-          </a:bodyPr>
-          <a:lstStyle/>
-          <a:p>
-            <a:pPr marL="0" indent="0">
-              <a:buNone/>
-            </a:pPr>
-            <a:r>
-              <a:rPr lang="en-GB" dirty="0"/>
-              <a:t>In order to practice your </a:t>
-            </a:r>
-            <a:r>
-              <a:rPr lang="en-GB" dirty="0" err="1"/>
-              <a:t>PyTorch</a:t>
-            </a:r>
-            <a:r>
-              <a:rPr lang="en-GB" dirty="0"/>
-              <a:t> Tensor skills, you may try to manually implement your own version of typical algorithms we ran on lists/</a:t>
-            </a:r>
-            <a:r>
-              <a:rPr lang="en-GB" dirty="0" err="1"/>
-              <a:t>Numpy</a:t>
-            </a:r>
-            <a:r>
-              <a:rPr lang="en-GB" dirty="0"/>
-              <a:t> arrays in previous classes, using the basic operations on </a:t>
-            </a:r>
-            <a:r>
-              <a:rPr lang="en-GB" dirty="0" err="1"/>
-              <a:t>PyTorch</a:t>
-            </a:r>
-            <a:r>
-              <a:rPr lang="en-GB" dirty="0"/>
-              <a:t> tensors.</a:t>
-            </a:r>
-          </a:p>
-          <a:p>
-            <a:pPr marL="0" indent="0">
-              <a:buNone/>
-            </a:pPr>
-            <a:r>
-              <a:rPr lang="en-GB" dirty="0"/>
-              <a:t>For instance, try writing algorithms:</a:t>
-            </a:r>
-          </a:p>
-          <a:p>
-            <a:r>
-              <a:rPr lang="en-GB" dirty="0"/>
-              <a:t>Finding the maximum, minimum, average, median values of a given 1D tensor,</a:t>
-            </a:r>
-          </a:p>
-          <a:p>
-            <a:r>
-              <a:rPr lang="en-GB" dirty="0"/>
-              <a:t>Transposing a given 2D tensor,</a:t>
-            </a:r>
-          </a:p>
-          <a:p>
-            <a:r>
-              <a:rPr lang="en-GB" dirty="0"/>
-              <a:t>Sorting a given 1D tensor (bubble sort, insertion sort, selection sort, quick sort, merge sort),</a:t>
-            </a:r>
-          </a:p>
-          <a:p>
-            <a:r>
-              <a:rPr lang="en-GB" dirty="0"/>
-              <a:t>Generating a 1D array containing the first K Fibonacci numbers with K given,</a:t>
-            </a:r>
-          </a:p>
-          <a:p>
-            <a:r>
-              <a:rPr lang="en-GB" dirty="0"/>
-              <a:t>Etc.</a:t>
-            </a:r>
-          </a:p>
-          <a:p>
-            <a:pPr marL="0" indent="0">
-              <a:buNone/>
-            </a:pPr>
-            <a:r>
-              <a:rPr lang="en-GB" dirty="0"/>
-              <a:t>Later, you can check their performance times compared to their </a:t>
-            </a:r>
-            <a:r>
-              <a:rPr lang="en-GB" dirty="0" err="1"/>
-              <a:t>numpy</a:t>
-            </a:r>
-            <a:r>
-              <a:rPr lang="en-GB" dirty="0"/>
-              <a:t>/</a:t>
-            </a:r>
-            <a:r>
-              <a:rPr lang="en-GB" dirty="0" err="1"/>
-              <a:t>pytorch</a:t>
-            </a:r>
-            <a:r>
-              <a:rPr lang="en-GB" dirty="0"/>
-              <a:t> implementations when running them on both CPU and CUDA (if available).</a:t>
-            </a:r>
-          </a:p>
-          <a:p>
-            <a:pPr marL="0" indent="0">
-              <a:buNone/>
-            </a:pPr>
-            <a:r>
-              <a:rPr lang="en-GB" dirty="0"/>
-              <a:t>In which scenarios is it slower to implement said functions and run them on GPU?</a:t>
-            </a:r>
-            <a:endParaRPr lang="en-SG" dirty="0"/>
-          </a:p>
-        </p:txBody>
-      </p:sp>
-    </p:spTree>
-    <p:extLst>
-      <p:ext uri="{BB962C8B-B14F-4D97-AF65-F5344CB8AC3E}">
-        <p14:creationId xmlns:p14="http://schemas.microsoft.com/office/powerpoint/2010/main" val="3140288791"/>
-      </p:ext>
-    </p:extLst>
-  </p:cSld>
-  <p:clrMapOvr>
-    <a:masterClrMapping/>
-  </p:clrMapOvr>
-</p:sld>
-</file>
-
-<file path=ppt/slides/slide37.xml><?xml version="1.0" encoding="utf-8"?>
+<file path=ppt/slides/slide33.xml><?xml version="1.0" encoding="utf-8"?>
 <p:sld xmlns:a="http://schemas.openxmlformats.org/drawingml/2006/main" xmlns:r="http://schemas.openxmlformats.org/officeDocument/2006/relationships" xmlns:p="http://schemas.openxmlformats.org/presentationml/2006/main">
   <p:cSld>
     <p:spTree>
@@ -15313,7 +14480,7 @@
 </p:sld>
 </file>
 
-<file path=ppt/slides/slide38.xml><?xml version="1.0" encoding="utf-8"?>
+<file path=ppt/slides/slide34.xml><?xml version="1.0" encoding="utf-8"?>
 <p:sld xmlns:a="http://schemas.openxmlformats.org/drawingml/2006/main" xmlns:r="http://schemas.openxmlformats.org/officeDocument/2006/relationships" xmlns:p="http://schemas.openxmlformats.org/presentationml/2006/main">
   <p:cSld>
     <p:spTree>
@@ -15492,7 +14659,7 @@
 </p:sld>
 </file>
 
-<file path=ppt/slides/slide39.xml><?xml version="1.0" encoding="utf-8"?>
+<file path=ppt/slides/slide35.xml><?xml version="1.0" encoding="utf-8"?>
 <p:sld xmlns:a="http://schemas.openxmlformats.org/drawingml/2006/main" xmlns:r="http://schemas.openxmlformats.org/officeDocument/2006/relationships" xmlns:p="http://schemas.openxmlformats.org/presentationml/2006/main">
   <p:cSld>
     <p:spTree>
@@ -15735,357 +14902,7 @@
 </p:sld>
 </file>
 
-<file path=ppt/slides/slide4.xml><?xml version="1.0" encoding="utf-8"?>
-<p:sld xmlns:a="http://schemas.openxmlformats.org/drawingml/2006/main" xmlns:r="http://schemas.openxmlformats.org/officeDocument/2006/relationships" xmlns:p="http://schemas.openxmlformats.org/presentationml/2006/main">
-  <p:cSld>
-    <p:spTree>
-      <p:nvGrpSpPr>
-        <p:cNvPr id="1" name=""/>
-        <p:cNvGrpSpPr/>
-        <p:nvPr/>
-      </p:nvGrpSpPr>
-      <p:grpSpPr>
-        <a:xfrm>
-          <a:off x="0" y="0"/>
-          <a:ext cx="0" cy="0"/>
-          <a:chOff x="0" y="0"/>
-          <a:chExt cx="0" cy="0"/>
-        </a:xfrm>
-      </p:grpSpPr>
-      <p:sp>
-        <p:nvSpPr>
-          <p:cNvPr id="2" name="Title 1">
-            <a:extLst>
-              <a:ext uri="{FF2B5EF4-FFF2-40B4-BE49-F238E27FC236}">
-                <a16:creationId xmlns:a16="http://schemas.microsoft.com/office/drawing/2014/main" id="{3F88AB3E-DF60-4411-7415-7A8708334829}"/>
-              </a:ext>
-            </a:extLst>
-          </p:cNvPr>
-          <p:cNvSpPr>
-            <a:spLocks noGrp="1"/>
-          </p:cNvSpPr>
-          <p:nvPr>
-            <p:ph type="title"/>
-          </p:nvPr>
-        </p:nvSpPr>
-        <p:spPr/>
-        <p:txBody>
-          <a:bodyPr/>
-          <a:lstStyle/>
-          <a:p>
-            <a:r>
-              <a:rPr lang="en-GB" dirty="0"/>
-              <a:t>Introduction (Week 3)</a:t>
-            </a:r>
-            <a:endParaRPr lang="en-SG" dirty="0"/>
-          </a:p>
-        </p:txBody>
-      </p:sp>
-      <p:sp>
-        <p:nvSpPr>
-          <p:cNvPr id="3" name="Content Placeholder 2">
-            <a:extLst>
-              <a:ext uri="{FF2B5EF4-FFF2-40B4-BE49-F238E27FC236}">
-                <a16:creationId xmlns:a16="http://schemas.microsoft.com/office/drawing/2014/main" id="{65B58308-C101-BC04-E972-00C74DE5080B}"/>
-              </a:ext>
-            </a:extLst>
-          </p:cNvPr>
-          <p:cNvSpPr>
-            <a:spLocks noGrp="1"/>
-          </p:cNvSpPr>
-          <p:nvPr>
-            <p:ph idx="1"/>
-          </p:nvPr>
-        </p:nvSpPr>
-        <p:spPr>
-          <a:xfrm>
-            <a:off x="838200" y="1825624"/>
-            <a:ext cx="10515600" cy="5032375"/>
-          </a:xfrm>
-        </p:spPr>
-        <p:txBody>
-          <a:bodyPr/>
-          <a:lstStyle/>
-          <a:p>
-            <a:pPr marL="514350" indent="-514350">
-              <a:buFont typeface="+mj-lt"/>
-              <a:buAutoNum type="arabicPeriod" startAt="16"/>
-            </a:pPr>
-            <a:r>
-              <a:rPr lang="en-GB" dirty="0"/>
-              <a:t>What are the </a:t>
-            </a:r>
-            <a:r>
-              <a:rPr lang="en-GB" b="1" dirty="0"/>
-              <a:t>Dataset</a:t>
-            </a:r>
-            <a:r>
-              <a:rPr lang="en-GB" dirty="0"/>
-              <a:t> and </a:t>
-            </a:r>
-            <a:r>
-              <a:rPr lang="en-GB" b="1" dirty="0" err="1"/>
-              <a:t>Dataloader</a:t>
-            </a:r>
-            <a:r>
-              <a:rPr lang="en-GB" dirty="0"/>
-              <a:t> objects in </a:t>
-            </a:r>
-            <a:r>
-              <a:rPr lang="en-GB" b="1" dirty="0" err="1"/>
-              <a:t>PyTorch</a:t>
-            </a:r>
-            <a:r>
-              <a:rPr lang="en-GB" dirty="0"/>
-              <a:t>?</a:t>
-            </a:r>
-          </a:p>
-          <a:p>
-            <a:pPr marL="514350" indent="-514350">
-              <a:buFont typeface="+mj-lt"/>
-              <a:buAutoNum type="arabicPeriod" startAt="16"/>
-            </a:pPr>
-            <a:r>
-              <a:rPr lang="en-GB" dirty="0"/>
-              <a:t>How to implement a custom </a:t>
-            </a:r>
-            <a:r>
-              <a:rPr lang="en-GB" b="1" dirty="0" err="1"/>
-              <a:t>Dataloader</a:t>
-            </a:r>
-            <a:r>
-              <a:rPr lang="en-GB" dirty="0"/>
-              <a:t> and </a:t>
-            </a:r>
-            <a:r>
-              <a:rPr lang="en-GB" b="1" dirty="0"/>
-              <a:t>Dataset</a:t>
-            </a:r>
-            <a:r>
-              <a:rPr lang="en-GB" dirty="0"/>
-              <a:t> object in </a:t>
-            </a:r>
-            <a:r>
-              <a:rPr lang="en-GB" dirty="0" err="1"/>
-              <a:t>PyTorch</a:t>
-            </a:r>
-            <a:r>
-              <a:rPr lang="en-GB" dirty="0"/>
-              <a:t>?</a:t>
-            </a:r>
-          </a:p>
-          <a:p>
-            <a:pPr marL="514350" indent="-514350">
-              <a:buFont typeface="+mj-lt"/>
-              <a:buAutoNum type="arabicPeriod" startAt="16"/>
-            </a:pPr>
-            <a:r>
-              <a:rPr lang="en-GB" dirty="0"/>
-              <a:t>How to move from binary classification to </a:t>
-            </a:r>
-            <a:r>
-              <a:rPr lang="en-GB" b="1" dirty="0"/>
-              <a:t>multi-class</a:t>
-            </a:r>
-            <a:r>
-              <a:rPr lang="en-GB" dirty="0"/>
-              <a:t> </a:t>
-            </a:r>
-            <a:r>
-              <a:rPr lang="en-GB" b="1" dirty="0"/>
-              <a:t>classification</a:t>
-            </a:r>
-            <a:r>
-              <a:rPr lang="en-GB" dirty="0"/>
-              <a:t>?</a:t>
-            </a:r>
-          </a:p>
-          <a:p>
-            <a:pPr marL="514350" indent="-514350">
-              <a:buFont typeface="+mj-lt"/>
-              <a:buAutoNum type="arabicPeriod" startAt="16"/>
-            </a:pPr>
-            <a:r>
-              <a:rPr lang="en-GB" dirty="0"/>
-              <a:t>How to adjust output probabilities using the </a:t>
-            </a:r>
-            <a:r>
-              <a:rPr lang="en-GB" b="1" dirty="0" err="1"/>
-              <a:t>softmax</a:t>
-            </a:r>
-            <a:r>
-              <a:rPr lang="en-GB" dirty="0"/>
-              <a:t> function?</a:t>
-            </a:r>
-          </a:p>
-          <a:p>
-            <a:pPr marL="514350" indent="-514350">
-              <a:buFont typeface="+mj-lt"/>
-              <a:buAutoNum type="arabicPeriod" startAt="16"/>
-            </a:pPr>
-            <a:r>
-              <a:rPr lang="en-SG" dirty="0"/>
-              <a:t>How to change the </a:t>
-            </a:r>
-            <a:r>
-              <a:rPr lang="en-SG" b="1" dirty="0"/>
-              <a:t>cross-entropy</a:t>
-            </a:r>
-            <a:r>
-              <a:rPr lang="en-SG" dirty="0"/>
-              <a:t> </a:t>
-            </a:r>
-            <a:r>
-              <a:rPr lang="en-SG" b="1" dirty="0"/>
-              <a:t>loss</a:t>
-            </a:r>
-            <a:r>
-              <a:rPr lang="en-SG" dirty="0"/>
-              <a:t> so it works in </a:t>
-            </a:r>
-            <a:r>
-              <a:rPr lang="en-SG" b="1" dirty="0"/>
-              <a:t>multi-class</a:t>
-            </a:r>
-            <a:r>
-              <a:rPr lang="en-SG" dirty="0"/>
-              <a:t> </a:t>
-            </a:r>
-            <a:r>
-              <a:rPr lang="en-SG" b="1" dirty="0"/>
-              <a:t>classification</a:t>
-            </a:r>
-            <a:r>
-              <a:rPr lang="en-SG" dirty="0"/>
-              <a:t>?</a:t>
-            </a:r>
-          </a:p>
-          <a:p>
-            <a:pPr marL="514350" indent="-514350">
-              <a:buFont typeface="+mj-lt"/>
-              <a:buAutoNum type="arabicPeriod" startAt="16"/>
-            </a:pPr>
-            <a:r>
-              <a:rPr lang="en-SG" dirty="0"/>
-              <a:t>How to implement </a:t>
-            </a:r>
-            <a:r>
-              <a:rPr lang="en-SG" b="1" dirty="0"/>
-              <a:t>building</a:t>
-            </a:r>
-            <a:r>
-              <a:rPr lang="en-SG" dirty="0"/>
-              <a:t> </a:t>
-            </a:r>
-            <a:r>
-              <a:rPr lang="en-SG" b="1" dirty="0"/>
-              <a:t>blocks</a:t>
-            </a:r>
-            <a:r>
-              <a:rPr lang="en-SG" dirty="0"/>
-              <a:t> in </a:t>
-            </a:r>
-            <a:r>
-              <a:rPr lang="en-SG" dirty="0" err="1"/>
-              <a:t>PyTorch</a:t>
-            </a:r>
-            <a:r>
-              <a:rPr lang="en-SG" dirty="0"/>
-              <a:t>?</a:t>
-            </a:r>
-          </a:p>
-          <a:p>
-            <a:pPr marL="514350" indent="-514350">
-              <a:buFont typeface="+mj-lt"/>
-              <a:buAutoNum type="arabicPeriod" startAt="16"/>
-            </a:pPr>
-            <a:r>
-              <a:rPr lang="en-SG" dirty="0"/>
-              <a:t>How to implement and train our first </a:t>
-            </a:r>
-            <a:r>
-              <a:rPr lang="en-SG" b="1" dirty="0"/>
-              <a:t>Deep</a:t>
-            </a:r>
-            <a:r>
-              <a:rPr lang="en-SG" dirty="0"/>
-              <a:t> </a:t>
-            </a:r>
-            <a:r>
-              <a:rPr lang="en-SG" b="1" dirty="0"/>
-              <a:t>Neural</a:t>
-            </a:r>
-            <a:r>
-              <a:rPr lang="en-SG" dirty="0"/>
-              <a:t> </a:t>
-            </a:r>
-            <a:r>
-              <a:rPr lang="en-SG" b="1" dirty="0"/>
-              <a:t>Network</a:t>
-            </a:r>
-            <a:r>
-              <a:rPr lang="en-SG" dirty="0"/>
-              <a:t>?</a:t>
-            </a:r>
-          </a:p>
-          <a:p>
-            <a:pPr marL="514350" indent="-514350">
-              <a:buFont typeface="+mj-lt"/>
-              <a:buAutoNum type="arabicPeriod" startAt="16"/>
-            </a:pPr>
-            <a:r>
-              <a:rPr lang="en-SG" dirty="0"/>
-              <a:t>What are </a:t>
-            </a:r>
-            <a:r>
-              <a:rPr lang="en-SG" b="1" dirty="0"/>
-              <a:t>additional</a:t>
-            </a:r>
-            <a:r>
-              <a:rPr lang="en-SG" dirty="0"/>
-              <a:t> </a:t>
-            </a:r>
-            <a:r>
-              <a:rPr lang="en-SG" b="1" dirty="0"/>
-              <a:t>good</a:t>
-            </a:r>
-            <a:r>
-              <a:rPr lang="en-SG" dirty="0"/>
-              <a:t> </a:t>
-            </a:r>
-            <a:r>
-              <a:rPr lang="en-SG" b="1" dirty="0"/>
-              <a:t>practices</a:t>
-            </a:r>
-            <a:r>
-              <a:rPr lang="en-SG" dirty="0"/>
-              <a:t> in </a:t>
-            </a:r>
-            <a:r>
-              <a:rPr lang="en-SG" dirty="0" err="1"/>
-              <a:t>PyTorch</a:t>
-            </a:r>
-            <a:r>
-              <a:rPr lang="en-SG" dirty="0"/>
-              <a:t>?</a:t>
-            </a:r>
-          </a:p>
-        </p:txBody>
-      </p:sp>
-    </p:spTree>
-    <p:extLst>
-      <p:ext uri="{BB962C8B-B14F-4D97-AF65-F5344CB8AC3E}">
-        <p14:creationId xmlns:p14="http://schemas.microsoft.com/office/powerpoint/2010/main" val="636279122"/>
-      </p:ext>
-    </p:extLst>
-  </p:cSld>
-  <p:clrMapOvr>
-    <a:masterClrMapping/>
-  </p:clrMapOvr>
-</p:sld>
-</file>
-
-<file path=ppt/slides/slide40.xml><?xml version="1.0" encoding="utf-8"?>
+<file path=ppt/slides/slide36.xml><?xml version="1.0" encoding="utf-8"?>
 <p:sld xmlns:a="http://schemas.openxmlformats.org/drawingml/2006/main" xmlns:r="http://schemas.openxmlformats.org/officeDocument/2006/relationships" xmlns:p="http://schemas.openxmlformats.org/presentationml/2006/main">
   <p:cSld>
     <p:spTree>
@@ -16198,7 +15015,7 @@
 </p:sld>
 </file>
 
-<file path=ppt/slides/slide41.xml><?xml version="1.0" encoding="utf-8"?>
+<file path=ppt/slides/slide37.xml><?xml version="1.0" encoding="utf-8"?>
 <p:sld xmlns:a="http://schemas.openxmlformats.org/drawingml/2006/main" xmlns:r="http://schemas.openxmlformats.org/officeDocument/2006/relationships" xmlns:p="http://schemas.openxmlformats.org/presentationml/2006/main">
   <p:cSld>
     <p:spTree>
@@ -16421,7 +15238,7 @@
 </p:sld>
 </file>
 
-<file path=ppt/slides/slide42.xml><?xml version="1.0" encoding="utf-8"?>
+<file path=ppt/slides/slide38.xml><?xml version="1.0" encoding="utf-8"?>
 <p:sld xmlns:a="http://schemas.openxmlformats.org/drawingml/2006/main" xmlns:r="http://schemas.openxmlformats.org/officeDocument/2006/relationships" xmlns:p="http://schemas.openxmlformats.org/presentationml/2006/main">
   <p:cSld>
     <p:spTree>
@@ -16570,7 +15387,7 @@
 </p:sld>
 </file>
 
-<file path=ppt/slides/slide43.xml><?xml version="1.0" encoding="utf-8"?>
+<file path=ppt/slides/slide39.xml><?xml version="1.0" encoding="utf-8"?>
 <p:sld xmlns:a="http://schemas.openxmlformats.org/drawingml/2006/main" xmlns:r="http://schemas.openxmlformats.org/officeDocument/2006/relationships" xmlns:p="http://schemas.openxmlformats.org/presentationml/2006/main">
   <p:cSld>
     <p:spTree>
@@ -16712,7 +15529,357 @@
 </p:sld>
 </file>
 
-<file path=ppt/slides/slide44.xml><?xml version="1.0" encoding="utf-8"?>
+<file path=ppt/slides/slide4.xml><?xml version="1.0" encoding="utf-8"?>
+<p:sld xmlns:a="http://schemas.openxmlformats.org/drawingml/2006/main" xmlns:r="http://schemas.openxmlformats.org/officeDocument/2006/relationships" xmlns:p="http://schemas.openxmlformats.org/presentationml/2006/main">
+  <p:cSld>
+    <p:spTree>
+      <p:nvGrpSpPr>
+        <p:cNvPr id="1" name=""/>
+        <p:cNvGrpSpPr/>
+        <p:nvPr/>
+      </p:nvGrpSpPr>
+      <p:grpSpPr>
+        <a:xfrm>
+          <a:off x="0" y="0"/>
+          <a:ext cx="0" cy="0"/>
+          <a:chOff x="0" y="0"/>
+          <a:chExt cx="0" cy="0"/>
+        </a:xfrm>
+      </p:grpSpPr>
+      <p:sp>
+        <p:nvSpPr>
+          <p:cNvPr id="2" name="Title 1">
+            <a:extLst>
+              <a:ext uri="{FF2B5EF4-FFF2-40B4-BE49-F238E27FC236}">
+                <a16:creationId xmlns:a16="http://schemas.microsoft.com/office/drawing/2014/main" id="{3F88AB3E-DF60-4411-7415-7A8708334829}"/>
+              </a:ext>
+            </a:extLst>
+          </p:cNvPr>
+          <p:cNvSpPr>
+            <a:spLocks noGrp="1"/>
+          </p:cNvSpPr>
+          <p:nvPr>
+            <p:ph type="title"/>
+          </p:nvPr>
+        </p:nvSpPr>
+        <p:spPr/>
+        <p:txBody>
+          <a:bodyPr/>
+          <a:lstStyle/>
+          <a:p>
+            <a:r>
+              <a:rPr lang="en-GB" dirty="0"/>
+              <a:t>Introduction (Week 3)</a:t>
+            </a:r>
+            <a:endParaRPr lang="en-SG" dirty="0"/>
+          </a:p>
+        </p:txBody>
+      </p:sp>
+      <p:sp>
+        <p:nvSpPr>
+          <p:cNvPr id="3" name="Content Placeholder 2">
+            <a:extLst>
+              <a:ext uri="{FF2B5EF4-FFF2-40B4-BE49-F238E27FC236}">
+                <a16:creationId xmlns:a16="http://schemas.microsoft.com/office/drawing/2014/main" id="{65B58308-C101-BC04-E972-00C74DE5080B}"/>
+              </a:ext>
+            </a:extLst>
+          </p:cNvPr>
+          <p:cNvSpPr>
+            <a:spLocks noGrp="1"/>
+          </p:cNvSpPr>
+          <p:nvPr>
+            <p:ph idx="1"/>
+          </p:nvPr>
+        </p:nvSpPr>
+        <p:spPr>
+          <a:xfrm>
+            <a:off x="838200" y="1825624"/>
+            <a:ext cx="10515600" cy="5032375"/>
+          </a:xfrm>
+        </p:spPr>
+        <p:txBody>
+          <a:bodyPr/>
+          <a:lstStyle/>
+          <a:p>
+            <a:pPr marL="514350" indent="-514350">
+              <a:buFont typeface="+mj-lt"/>
+              <a:buAutoNum type="arabicPeriod" startAt="16"/>
+            </a:pPr>
+            <a:r>
+              <a:rPr lang="en-GB" dirty="0"/>
+              <a:t>What are the </a:t>
+            </a:r>
+            <a:r>
+              <a:rPr lang="en-GB" b="1" dirty="0"/>
+              <a:t>Dataset</a:t>
+            </a:r>
+            <a:r>
+              <a:rPr lang="en-GB" dirty="0"/>
+              <a:t> and </a:t>
+            </a:r>
+            <a:r>
+              <a:rPr lang="en-GB" b="1" dirty="0" err="1"/>
+              <a:t>Dataloader</a:t>
+            </a:r>
+            <a:r>
+              <a:rPr lang="en-GB" dirty="0"/>
+              <a:t> objects in </a:t>
+            </a:r>
+            <a:r>
+              <a:rPr lang="en-GB" b="1" dirty="0" err="1"/>
+              <a:t>PyTorch</a:t>
+            </a:r>
+            <a:r>
+              <a:rPr lang="en-GB" dirty="0"/>
+              <a:t>?</a:t>
+            </a:r>
+          </a:p>
+          <a:p>
+            <a:pPr marL="514350" indent="-514350">
+              <a:buFont typeface="+mj-lt"/>
+              <a:buAutoNum type="arabicPeriod" startAt="16"/>
+            </a:pPr>
+            <a:r>
+              <a:rPr lang="en-GB" dirty="0"/>
+              <a:t>How to implement a custom </a:t>
+            </a:r>
+            <a:r>
+              <a:rPr lang="en-GB" b="1" dirty="0" err="1"/>
+              <a:t>Dataloader</a:t>
+            </a:r>
+            <a:r>
+              <a:rPr lang="en-GB" dirty="0"/>
+              <a:t> and </a:t>
+            </a:r>
+            <a:r>
+              <a:rPr lang="en-GB" b="1" dirty="0"/>
+              <a:t>Dataset</a:t>
+            </a:r>
+            <a:r>
+              <a:rPr lang="en-GB" dirty="0"/>
+              <a:t> object in </a:t>
+            </a:r>
+            <a:r>
+              <a:rPr lang="en-GB" dirty="0" err="1"/>
+              <a:t>PyTorch</a:t>
+            </a:r>
+            <a:r>
+              <a:rPr lang="en-GB" dirty="0"/>
+              <a:t>?</a:t>
+            </a:r>
+          </a:p>
+          <a:p>
+            <a:pPr marL="514350" indent="-514350">
+              <a:buFont typeface="+mj-lt"/>
+              <a:buAutoNum type="arabicPeriod" startAt="16"/>
+            </a:pPr>
+            <a:r>
+              <a:rPr lang="en-GB" dirty="0"/>
+              <a:t>How to move from binary classification to </a:t>
+            </a:r>
+            <a:r>
+              <a:rPr lang="en-GB" b="1" dirty="0"/>
+              <a:t>multi-class</a:t>
+            </a:r>
+            <a:r>
+              <a:rPr lang="en-GB" dirty="0"/>
+              <a:t> </a:t>
+            </a:r>
+            <a:r>
+              <a:rPr lang="en-GB" b="1" dirty="0"/>
+              <a:t>classification</a:t>
+            </a:r>
+            <a:r>
+              <a:rPr lang="en-GB" dirty="0"/>
+              <a:t>?</a:t>
+            </a:r>
+          </a:p>
+          <a:p>
+            <a:pPr marL="514350" indent="-514350">
+              <a:buFont typeface="+mj-lt"/>
+              <a:buAutoNum type="arabicPeriod" startAt="16"/>
+            </a:pPr>
+            <a:r>
+              <a:rPr lang="en-GB" dirty="0"/>
+              <a:t>How to adjust output probabilities using the </a:t>
+            </a:r>
+            <a:r>
+              <a:rPr lang="en-GB" b="1" dirty="0" err="1"/>
+              <a:t>softmax</a:t>
+            </a:r>
+            <a:r>
+              <a:rPr lang="en-GB" dirty="0"/>
+              <a:t> function?</a:t>
+            </a:r>
+          </a:p>
+          <a:p>
+            <a:pPr marL="514350" indent="-514350">
+              <a:buFont typeface="+mj-lt"/>
+              <a:buAutoNum type="arabicPeriod" startAt="16"/>
+            </a:pPr>
+            <a:r>
+              <a:rPr lang="en-SG" dirty="0"/>
+              <a:t>How to change the </a:t>
+            </a:r>
+            <a:r>
+              <a:rPr lang="en-SG" b="1" dirty="0"/>
+              <a:t>cross-entropy</a:t>
+            </a:r>
+            <a:r>
+              <a:rPr lang="en-SG" dirty="0"/>
+              <a:t> </a:t>
+            </a:r>
+            <a:r>
+              <a:rPr lang="en-SG" b="1" dirty="0"/>
+              <a:t>loss</a:t>
+            </a:r>
+            <a:r>
+              <a:rPr lang="en-SG" dirty="0"/>
+              <a:t> so it works in </a:t>
+            </a:r>
+            <a:r>
+              <a:rPr lang="en-SG" b="1" dirty="0"/>
+              <a:t>multi-class</a:t>
+            </a:r>
+            <a:r>
+              <a:rPr lang="en-SG" dirty="0"/>
+              <a:t> </a:t>
+            </a:r>
+            <a:r>
+              <a:rPr lang="en-SG" b="1" dirty="0"/>
+              <a:t>classification</a:t>
+            </a:r>
+            <a:r>
+              <a:rPr lang="en-SG" dirty="0"/>
+              <a:t>?</a:t>
+            </a:r>
+          </a:p>
+          <a:p>
+            <a:pPr marL="514350" indent="-514350">
+              <a:buFont typeface="+mj-lt"/>
+              <a:buAutoNum type="arabicPeriod" startAt="16"/>
+            </a:pPr>
+            <a:r>
+              <a:rPr lang="en-SG" dirty="0"/>
+              <a:t>How to implement </a:t>
+            </a:r>
+            <a:r>
+              <a:rPr lang="en-SG" b="1" dirty="0"/>
+              <a:t>building</a:t>
+            </a:r>
+            <a:r>
+              <a:rPr lang="en-SG" dirty="0"/>
+              <a:t> </a:t>
+            </a:r>
+            <a:r>
+              <a:rPr lang="en-SG" b="1" dirty="0"/>
+              <a:t>blocks</a:t>
+            </a:r>
+            <a:r>
+              <a:rPr lang="en-SG" dirty="0"/>
+              <a:t> in </a:t>
+            </a:r>
+            <a:r>
+              <a:rPr lang="en-SG" dirty="0" err="1"/>
+              <a:t>PyTorch</a:t>
+            </a:r>
+            <a:r>
+              <a:rPr lang="en-SG" dirty="0"/>
+              <a:t>?</a:t>
+            </a:r>
+          </a:p>
+          <a:p>
+            <a:pPr marL="514350" indent="-514350">
+              <a:buFont typeface="+mj-lt"/>
+              <a:buAutoNum type="arabicPeriod" startAt="16"/>
+            </a:pPr>
+            <a:r>
+              <a:rPr lang="en-SG" dirty="0"/>
+              <a:t>How to implement and train our first </a:t>
+            </a:r>
+            <a:r>
+              <a:rPr lang="en-SG" b="1" dirty="0"/>
+              <a:t>Deep</a:t>
+            </a:r>
+            <a:r>
+              <a:rPr lang="en-SG" dirty="0"/>
+              <a:t> </a:t>
+            </a:r>
+            <a:r>
+              <a:rPr lang="en-SG" b="1" dirty="0"/>
+              <a:t>Neural</a:t>
+            </a:r>
+            <a:r>
+              <a:rPr lang="en-SG" dirty="0"/>
+              <a:t> </a:t>
+            </a:r>
+            <a:r>
+              <a:rPr lang="en-SG" b="1" dirty="0"/>
+              <a:t>Network</a:t>
+            </a:r>
+            <a:r>
+              <a:rPr lang="en-SG" dirty="0"/>
+              <a:t>?</a:t>
+            </a:r>
+          </a:p>
+          <a:p>
+            <a:pPr marL="514350" indent="-514350">
+              <a:buFont typeface="+mj-lt"/>
+              <a:buAutoNum type="arabicPeriod" startAt="16"/>
+            </a:pPr>
+            <a:r>
+              <a:rPr lang="en-SG" dirty="0"/>
+              <a:t>What are </a:t>
+            </a:r>
+            <a:r>
+              <a:rPr lang="en-SG" b="1" dirty="0"/>
+              <a:t>additional</a:t>
+            </a:r>
+            <a:r>
+              <a:rPr lang="en-SG" dirty="0"/>
+              <a:t> </a:t>
+            </a:r>
+            <a:r>
+              <a:rPr lang="en-SG" b="1" dirty="0"/>
+              <a:t>good</a:t>
+            </a:r>
+            <a:r>
+              <a:rPr lang="en-SG" dirty="0"/>
+              <a:t> </a:t>
+            </a:r>
+            <a:r>
+              <a:rPr lang="en-SG" b="1" dirty="0"/>
+              <a:t>practices</a:t>
+            </a:r>
+            <a:r>
+              <a:rPr lang="en-SG" dirty="0"/>
+              <a:t> in </a:t>
+            </a:r>
+            <a:r>
+              <a:rPr lang="en-SG" dirty="0" err="1"/>
+              <a:t>PyTorch</a:t>
+            </a:r>
+            <a:r>
+              <a:rPr lang="en-SG" dirty="0"/>
+              <a:t>?</a:t>
+            </a:r>
+          </a:p>
+        </p:txBody>
+      </p:sp>
+    </p:spTree>
+    <p:extLst>
+      <p:ext uri="{BB962C8B-B14F-4D97-AF65-F5344CB8AC3E}">
+        <p14:creationId xmlns:p14="http://schemas.microsoft.com/office/powerpoint/2010/main" val="636279122"/>
+      </p:ext>
+    </p:extLst>
+  </p:cSld>
+  <p:clrMapOvr>
+    <a:masterClrMapping/>
+  </p:clrMapOvr>
+</p:sld>
+</file>
+
+<file path=ppt/slides/slide40.xml><?xml version="1.0" encoding="utf-8"?>
 <p:sld xmlns:a="http://schemas.openxmlformats.org/drawingml/2006/main" xmlns:r="http://schemas.openxmlformats.org/officeDocument/2006/relationships" xmlns:p="http://schemas.openxmlformats.org/presentationml/2006/main">
   <p:cSld>
     <p:spTree>
@@ -16772,7 +15939,7 @@
 </p:sld>
 </file>
 
-<file path=ppt/slides/slide45.xml><?xml version="1.0" encoding="utf-8"?>
+<file path=ppt/slides/slide41.xml><?xml version="1.0" encoding="utf-8"?>
 <p:sld xmlns:a="http://schemas.openxmlformats.org/drawingml/2006/main" xmlns:r="http://schemas.openxmlformats.org/officeDocument/2006/relationships" xmlns:p="http://schemas.openxmlformats.org/presentationml/2006/main">
   <p:cSld>
     <p:spTree>
@@ -16959,7 +16126,7 @@
 </p:sld>
 </file>
 
-<file path=ppt/slides/slide46.xml><?xml version="1.0" encoding="utf-8"?>
+<file path=ppt/slides/slide42.xml><?xml version="1.0" encoding="utf-8"?>
 <p:sld xmlns:a="http://schemas.openxmlformats.org/drawingml/2006/main" xmlns:r="http://schemas.openxmlformats.org/officeDocument/2006/relationships" xmlns:p="http://schemas.openxmlformats.org/presentationml/2006/main">
   <p:cSld>
     <p:spTree>
@@ -17121,7 +16288,7 @@
 </p:sld>
 </file>
 
-<file path=ppt/slides/slide47.xml><?xml version="1.0" encoding="utf-8"?>
+<file path=ppt/slides/slide43.xml><?xml version="1.0" encoding="utf-8"?>
 <p:sld xmlns:a="http://schemas.openxmlformats.org/drawingml/2006/main" xmlns:r="http://schemas.openxmlformats.org/officeDocument/2006/relationships" xmlns:p="http://schemas.openxmlformats.org/presentationml/2006/main">
   <p:cSld>
     <p:spTree>
@@ -17209,6 +16376,205 @@
 </p:sld>
 </file>
 
+<file path=ppt/slides/slide44.xml><?xml version="1.0" encoding="utf-8"?>
+<p:sld xmlns:a="http://schemas.openxmlformats.org/drawingml/2006/main" xmlns:r="http://schemas.openxmlformats.org/officeDocument/2006/relationships" xmlns:p="http://schemas.openxmlformats.org/presentationml/2006/main">
+  <p:cSld>
+    <p:spTree>
+      <p:nvGrpSpPr>
+        <p:cNvPr id="1" name=""/>
+        <p:cNvGrpSpPr/>
+        <p:nvPr/>
+      </p:nvGrpSpPr>
+      <p:grpSpPr>
+        <a:xfrm>
+          <a:off x="0" y="0"/>
+          <a:ext cx="0" cy="0"/>
+          <a:chOff x="0" y="0"/>
+          <a:chExt cx="0" cy="0"/>
+        </a:xfrm>
+      </p:grpSpPr>
+      <p:sp>
+        <p:nvSpPr>
+          <p:cNvPr id="2" name="Title 1">
+            <a:extLst>
+              <a:ext uri="{FF2B5EF4-FFF2-40B4-BE49-F238E27FC236}">
+                <a16:creationId xmlns:a16="http://schemas.microsoft.com/office/drawing/2014/main" id="{581B7E6E-252F-1AB6-6445-27D0020E0280}"/>
+              </a:ext>
+            </a:extLst>
+          </p:cNvPr>
+          <p:cNvSpPr>
+            <a:spLocks noGrp="1"/>
+          </p:cNvSpPr>
+          <p:nvPr>
+            <p:ph type="title"/>
+          </p:nvPr>
+        </p:nvSpPr>
+        <p:spPr/>
+        <p:txBody>
+          <a:bodyPr/>
+          <a:lstStyle/>
+          <a:p>
+            <a:r>
+              <a:rPr lang="en-GB" dirty="0"/>
+              <a:t>A bit of practice for you to try </a:t>
+            </a:r>
+            <a:r>
+              <a:rPr lang="en-GB"/>
+              <a:t>at home</a:t>
+            </a:r>
+            <a:endParaRPr lang="en-SG" dirty="0"/>
+          </a:p>
+        </p:txBody>
+      </p:sp>
+      <p:sp>
+        <p:nvSpPr>
+          <p:cNvPr id="3" name="Content Placeholder 2">
+            <a:extLst>
+              <a:ext uri="{FF2B5EF4-FFF2-40B4-BE49-F238E27FC236}">
+                <a16:creationId xmlns:a16="http://schemas.microsoft.com/office/drawing/2014/main" id="{088657BF-BB53-D488-1F2B-77F25EDE3A56}"/>
+              </a:ext>
+            </a:extLst>
+          </p:cNvPr>
+          <p:cNvSpPr>
+            <a:spLocks noGrp="1"/>
+          </p:cNvSpPr>
+          <p:nvPr>
+            <p:ph idx="1"/>
+          </p:nvPr>
+        </p:nvSpPr>
+        <p:spPr>
+          <a:xfrm>
+            <a:off x="838200" y="1825624"/>
+            <a:ext cx="10515600" cy="5032375"/>
+          </a:xfrm>
+        </p:spPr>
+        <p:txBody>
+          <a:bodyPr>
+            <a:normAutofit fontScale="85000" lnSpcReduction="10000"/>
+          </a:bodyPr>
+          <a:lstStyle/>
+          <a:p>
+            <a:pPr marL="0" indent="0">
+              <a:buNone/>
+            </a:pPr>
+            <a:r>
+              <a:rPr lang="en-GB" dirty="0"/>
+              <a:t>In order to practice your </a:t>
+            </a:r>
+            <a:r>
+              <a:rPr lang="en-GB" dirty="0" err="1"/>
+              <a:t>PyTorch</a:t>
+            </a:r>
+            <a:r>
+              <a:rPr lang="en-GB" dirty="0"/>
+              <a:t> Tensor skills, you may try to manually implement your own version of typical algorithms we ran on lists/</a:t>
+            </a:r>
+            <a:r>
+              <a:rPr lang="en-GB" dirty="0" err="1"/>
+              <a:t>Numpy</a:t>
+            </a:r>
+            <a:r>
+              <a:rPr lang="en-GB" dirty="0"/>
+              <a:t> arrays in previous classes, using the basic operations on </a:t>
+            </a:r>
+            <a:r>
+              <a:rPr lang="en-GB" dirty="0" err="1"/>
+              <a:t>PyTorch</a:t>
+            </a:r>
+            <a:r>
+              <a:rPr lang="en-GB" dirty="0"/>
+              <a:t> tensors.</a:t>
+            </a:r>
+          </a:p>
+          <a:p>
+            <a:pPr marL="0" indent="0">
+              <a:buNone/>
+            </a:pPr>
+            <a:r>
+              <a:rPr lang="en-GB" dirty="0"/>
+              <a:t>For instance, try writing algorithms:</a:t>
+            </a:r>
+          </a:p>
+          <a:p>
+            <a:r>
+              <a:rPr lang="en-GB" dirty="0"/>
+              <a:t>Finding the maximum, minimum, average, median values of a given 1D tensor,</a:t>
+            </a:r>
+          </a:p>
+          <a:p>
+            <a:r>
+              <a:rPr lang="en-GB" dirty="0"/>
+              <a:t>Transposing a given 2D tensor,</a:t>
+            </a:r>
+          </a:p>
+          <a:p>
+            <a:r>
+              <a:rPr lang="en-GB" dirty="0"/>
+              <a:t>Sorting a given 1D tensor (bubble sort, insertion sort, selection sort, quick sort, merge sort),</a:t>
+            </a:r>
+          </a:p>
+          <a:p>
+            <a:r>
+              <a:rPr lang="en-GB" dirty="0"/>
+              <a:t>Generating a 1D array containing the first K Fibonacci numbers with K given,</a:t>
+            </a:r>
+          </a:p>
+          <a:p>
+            <a:r>
+              <a:rPr lang="en-GB" dirty="0"/>
+              <a:t>Etc.</a:t>
+            </a:r>
+          </a:p>
+          <a:p>
+            <a:pPr marL="0" indent="0">
+              <a:buNone/>
+            </a:pPr>
+            <a:r>
+              <a:rPr lang="en-GB" dirty="0"/>
+              <a:t>Later, you can check their performance times compared to their </a:t>
+            </a:r>
+            <a:r>
+              <a:rPr lang="en-GB" dirty="0" err="1"/>
+              <a:t>numpy</a:t>
+            </a:r>
+            <a:r>
+              <a:rPr lang="en-GB" dirty="0"/>
+              <a:t>/</a:t>
+            </a:r>
+            <a:r>
+              <a:rPr lang="en-GB" dirty="0" err="1"/>
+              <a:t>pytorch</a:t>
+            </a:r>
+            <a:r>
+              <a:rPr lang="en-GB" dirty="0"/>
+              <a:t> implementations when running them on both CPU and CUDA (if available).</a:t>
+            </a:r>
+          </a:p>
+          <a:p>
+            <a:pPr marL="0" indent="0">
+              <a:buNone/>
+            </a:pPr>
+            <a:r>
+              <a:rPr lang="en-GB" dirty="0"/>
+              <a:t>In which scenarios is it slower to implement said functions and run them on GPU?</a:t>
+            </a:r>
+            <a:endParaRPr lang="en-SG" dirty="0"/>
+          </a:p>
+        </p:txBody>
+      </p:sp>
+    </p:spTree>
+    <p:extLst>
+      <p:ext uri="{BB962C8B-B14F-4D97-AF65-F5344CB8AC3E}">
+        <p14:creationId xmlns:p14="http://schemas.microsoft.com/office/powerpoint/2010/main" val="3140288791"/>
+      </p:ext>
+    </p:extLst>
+  </p:cSld>
+  <p:clrMapOvr>
+    <a:masterClrMapping/>
+  </p:clrMapOvr>
+</p:sld>
+</file>
+
 <file path=ppt/slides/slide5.xml><?xml version="1.0" encoding="utf-8"?>
 <p:sld xmlns:a="http://schemas.openxmlformats.org/drawingml/2006/main" xmlns:r="http://schemas.openxmlformats.org/officeDocument/2006/relationships" xmlns:p="http://schemas.openxmlformats.org/presentationml/2006/main">
   <p:cSld>
@@ -17228,10 +16594,10 @@
       </p:grpSpPr>
       <p:sp>
         <p:nvSpPr>
-          <p:cNvPr id="4" name="Title 3">
-            <a:extLst>
-              <a:ext uri="{FF2B5EF4-FFF2-40B4-BE49-F238E27FC236}">
-                <a16:creationId xmlns:a16="http://schemas.microsoft.com/office/drawing/2014/main" id="{E7F0E842-4644-CF1E-50C0-F47AEFAA97C7}"/>
+          <p:cNvPr id="2" name="Title 1">
+            <a:extLst>
+              <a:ext uri="{FF2B5EF4-FFF2-40B4-BE49-F238E27FC236}">
+                <a16:creationId xmlns:a16="http://schemas.microsoft.com/office/drawing/2014/main" id="{FDF64693-5090-BB52-ECF3-0666AAD2507C}"/>
               </a:ext>
             </a:extLst>
           </p:cNvPr>
@@ -17249,7 +16615,7 @@
           <a:p>
             <a:r>
               <a:rPr lang="en-GB" dirty="0"/>
-              <a:t>Hyperparameters tuning and searching</a:t>
+              <a:t>Technical pre-requisites</a:t>
             </a:r>
             <a:endParaRPr lang="en-SG" dirty="0"/>
           </a:p>
@@ -17260,7 +16626,7 @@
           <p:cNvPr id="3" name="Content Placeholder 2">
             <a:extLst>
               <a:ext uri="{FF2B5EF4-FFF2-40B4-BE49-F238E27FC236}">
-                <a16:creationId xmlns:a16="http://schemas.microsoft.com/office/drawing/2014/main" id="{22FE9C94-E2A2-3EF4-0E00-C6BD6C7A59F7}"/>
+                <a16:creationId xmlns:a16="http://schemas.microsoft.com/office/drawing/2014/main" id="{FF686CDA-C22E-B272-5CB5-BE1E309AAA29}"/>
               </a:ext>
             </a:extLst>
           </p:cNvPr>
@@ -17283,194 +16649,158 @@
           </a:bodyPr>
           <a:lstStyle/>
           <a:p>
-            <a:pPr marL="0" indent="0">
-              <a:buNone/>
-            </a:pPr>
+            <a:r>
+              <a:rPr lang="en-GB" dirty="0"/>
+              <a:t>Framework of choice will be </a:t>
+            </a:r>
+            <a:r>
+              <a:rPr lang="en-GB" b="1" dirty="0" err="1"/>
+              <a:t>PyTorch</a:t>
+            </a:r>
             <a:r>
               <a:rPr lang="en-GB" b="1" dirty="0"/>
-              <a:t>Definition (</a:t>
-            </a:r>
-            <a:r>
-              <a:rPr lang="en-GB" b="1" dirty="0">
-                <a:solidFill>
-                  <a:srgbClr val="00B050"/>
-                </a:solidFill>
+              <a:t>! </a:t>
+            </a:r>
+            <a:r>
+              <a:rPr lang="en-GB" dirty="0"/>
+              <a:t>(not </a:t>
+            </a:r>
+            <a:r>
+              <a:rPr lang="en-GB" dirty="0" err="1"/>
+              <a:t>Tensorflow</a:t>
+            </a:r>
+            <a:r>
+              <a:rPr lang="en-GB" dirty="0"/>
+              <a:t>, not </a:t>
+            </a:r>
+            <a:r>
+              <a:rPr lang="en-GB" dirty="0" err="1"/>
+              <a:t>Keras</a:t>
+            </a:r>
+            <a:r>
+              <a:rPr lang="en-GB" dirty="0"/>
+              <a:t>, not </a:t>
+            </a:r>
+            <a:r>
+              <a:rPr lang="en-GB" dirty="0" err="1"/>
+              <a:t>MXNet</a:t>
+            </a:r>
+            <a:r>
+              <a:rPr lang="en-GB" dirty="0"/>
+              <a:t>, etc.)</a:t>
+            </a:r>
+          </a:p>
+          <a:p>
+            <a:r>
+              <a:rPr lang="en-GB" dirty="0"/>
+              <a:t>Increasing popularity and preferred to Google’s </a:t>
+            </a:r>
+            <a:r>
+              <a:rPr lang="en-GB" dirty="0" err="1"/>
+              <a:t>Tensorflow</a:t>
+            </a:r>
+            <a:r>
+              <a:rPr lang="en-GB" dirty="0"/>
+              <a:t> these days for many reasons.</a:t>
+            </a:r>
+          </a:p>
+          <a:p>
+            <a:r>
+              <a:rPr lang="en-GB" dirty="0"/>
+              <a:t>Learn more, if curious: </a:t>
+            </a:r>
+            <a:r>
+              <a:rPr lang="en-GB" dirty="0">
+                <a:hlinkClick r:id="rId2"/>
               </a:rPr>
-              <a:t>hyperparameters tuning and searching</a:t>
-            </a:r>
-            <a:r>
-              <a:rPr lang="en-GB" b="1" dirty="0"/>
-              <a:t>):</a:t>
-            </a:r>
-          </a:p>
-          <a:p>
-            <a:pPr marL="0" indent="0">
-              <a:buNone/>
-            </a:pPr>
-            <a:r>
-              <a:rPr lang="en-GB" dirty="0"/>
-              <a:t>Earlier, we have identified that several parameters in our neural networks had to be manually decided by the user and called those </a:t>
-            </a:r>
-            <a:r>
-              <a:rPr lang="en-GB" b="1" dirty="0">
-                <a:solidFill>
-                  <a:srgbClr val="00B050"/>
-                </a:solidFill>
-              </a:rPr>
-              <a:t>hyperparameters</a:t>
-            </a:r>
-            <a:r>
-              <a:rPr lang="en-GB" dirty="0"/>
-              <a:t>.</a:t>
-            </a:r>
-          </a:p>
-          <a:p>
-            <a:pPr marL="0" indent="0">
-              <a:buNone/>
-            </a:pPr>
-            <a:r>
-              <a:rPr lang="en-GB" dirty="0"/>
-              <a:t>Unfortunately, the </a:t>
-            </a:r>
-            <a:r>
-              <a:rPr lang="en-GB" b="1" dirty="0"/>
-              <a:t>NFL theorem </a:t>
-            </a:r>
-            <a:r>
-              <a:rPr lang="en-GB" dirty="0"/>
-              <a:t>tells us there is often </a:t>
-            </a:r>
-            <a:r>
-              <a:rPr lang="en-GB" b="1" dirty="0"/>
-              <a:t>no closed-form formula</a:t>
-            </a:r>
-            <a:r>
-              <a:rPr lang="en-GB" dirty="0"/>
-              <a:t> to tell you what is the </a:t>
-            </a:r>
-            <a:r>
-              <a:rPr lang="en-GB" b="1" dirty="0"/>
-              <a:t>best value to use for those </a:t>
-            </a:r>
-            <a:r>
-              <a:rPr lang="en-GB" b="1" dirty="0">
-                <a:solidFill>
-                  <a:srgbClr val="00B050"/>
-                </a:solidFill>
-              </a:rPr>
-              <a:t>hyperparameters</a:t>
-            </a:r>
-            <a:r>
-              <a:rPr lang="en-GB" dirty="0"/>
-              <a:t>.</a:t>
-            </a:r>
+              <a:t>https://www.assemblyai.com/blog/pytorch-vs-tensorflow-in-2022/</a:t>
+            </a:r>
+            <a:endParaRPr lang="en-GB" dirty="0"/>
+          </a:p>
+          <a:p>
+            <a:endParaRPr lang="en-GB" dirty="0"/>
+          </a:p>
+          <a:p>
             <a:endParaRPr lang="en-SG" dirty="0"/>
           </a:p>
         </p:txBody>
       </p:sp>
-      <p:sp>
-        <p:nvSpPr>
-          <p:cNvPr id="7" name="Content Placeholder 6">
-            <a:extLst>
-              <a:ext uri="{FF2B5EF4-FFF2-40B4-BE49-F238E27FC236}">
-                <a16:creationId xmlns:a16="http://schemas.microsoft.com/office/drawing/2014/main" id="{49136D8F-B9EF-6EE4-1C7D-9B7FF44C5281}"/>
-              </a:ext>
-            </a:extLst>
-          </p:cNvPr>
-          <p:cNvSpPr>
-            <a:spLocks noGrp="1"/>
-          </p:cNvSpPr>
-          <p:nvPr>
-            <p:ph sz="half" idx="2"/>
-          </p:nvPr>
-        </p:nvSpPr>
+      <p:pic>
+        <p:nvPicPr>
+          <p:cNvPr id="8" name="Picture 7" descr="Chart&#10;&#10;Description automatically generated">
+            <a:extLst>
+              <a:ext uri="{FF2B5EF4-FFF2-40B4-BE49-F238E27FC236}">
+                <a16:creationId xmlns:a16="http://schemas.microsoft.com/office/drawing/2014/main" id="{A5EAB954-957E-D4B7-7CEA-B5B5FA43AA74}"/>
+              </a:ext>
+            </a:extLst>
+          </p:cNvPr>
+          <p:cNvPicPr>
+            <a:picLocks noChangeAspect="1"/>
+          </p:cNvPicPr>
+          <p:nvPr/>
+        </p:nvPicPr>
+        <p:blipFill>
+          <a:blip r:embed="rId3">
+            <a:extLst>
+              <a:ext uri="{28A0092B-C50C-407E-A947-70E740481C1C}">
+                <a14:useLocalDpi xmlns:a14="http://schemas.microsoft.com/office/drawing/2010/main" val="0"/>
+              </a:ext>
+            </a:extLst>
+          </a:blip>
+          <a:stretch>
+            <a:fillRect/>
+          </a:stretch>
+        </p:blipFill>
         <p:spPr>
           <a:xfrm>
-            <a:off x="6172199" y="1825624"/>
-            <a:ext cx="5879123" cy="5032375"/>
+            <a:off x="6348581" y="3328011"/>
+            <a:ext cx="5719960" cy="3529989"/>
           </a:xfrm>
+          <a:prstGeom prst="rect">
+            <a:avLst/>
+          </a:prstGeom>
         </p:spPr>
-        <p:txBody>
-          <a:bodyPr>
-            <a:normAutofit/>
-          </a:bodyPr>
-          <a:lstStyle/>
-          <a:p>
-            <a:pPr marL="0" indent="0">
-              <a:buNone/>
-            </a:pPr>
-            <a:r>
-              <a:rPr lang="en-GB" dirty="0"/>
-              <a:t>Typical </a:t>
-            </a:r>
-            <a:r>
-              <a:rPr lang="en-GB" b="1" dirty="0">
-                <a:solidFill>
-                  <a:srgbClr val="00B050"/>
-                </a:solidFill>
-              </a:rPr>
-              <a:t>hyperparameters</a:t>
-            </a:r>
-            <a:r>
-              <a:rPr lang="en-GB" dirty="0"/>
-              <a:t> include:</a:t>
-            </a:r>
-          </a:p>
-          <a:p>
-            <a:r>
-              <a:rPr lang="en-GB" dirty="0"/>
-              <a:t>Number of layers and their sizes,</a:t>
-            </a:r>
-          </a:p>
-          <a:p>
-            <a:r>
-              <a:rPr lang="en-GB" dirty="0"/>
-              <a:t>Initializers to use for parameters,</a:t>
-            </a:r>
-          </a:p>
-          <a:p>
-            <a:r>
-              <a:rPr lang="en-GB" dirty="0"/>
-              <a:t>Activation functions to use,</a:t>
-            </a:r>
-          </a:p>
-          <a:p>
-            <a:r>
-              <a:rPr lang="en-GB" dirty="0"/>
-              <a:t>Learning rate, momentum and other parameters related to optimizers,</a:t>
-            </a:r>
-          </a:p>
-          <a:p>
-            <a:r>
-              <a:rPr lang="en-GB" dirty="0"/>
-              <a:t>Etc.</a:t>
-            </a:r>
-          </a:p>
-          <a:p>
-            <a:endParaRPr lang="en-GB" dirty="0"/>
-          </a:p>
-          <a:p>
-            <a:pPr marL="0" indent="0">
-              <a:buNone/>
-            </a:pPr>
-            <a:r>
-              <a:rPr lang="en-GB" b="1" dirty="0"/>
-              <a:t>No choice: </a:t>
-            </a:r>
-            <a:r>
-              <a:rPr lang="en-GB" dirty="0"/>
-              <a:t>try different values and possibilities.</a:t>
-            </a:r>
-          </a:p>
-          <a:p>
-            <a:endParaRPr lang="en-SG" dirty="0"/>
-          </a:p>
-        </p:txBody>
-      </p:sp>
+      </p:pic>
+      <p:pic>
+        <p:nvPicPr>
+          <p:cNvPr id="5" name="Picture 4" descr="Logo, company name&#10;&#10;Description automatically generated">
+            <a:extLst>
+              <a:ext uri="{FF2B5EF4-FFF2-40B4-BE49-F238E27FC236}">
+                <a16:creationId xmlns:a16="http://schemas.microsoft.com/office/drawing/2014/main" id="{00EC893D-A9C0-E3AD-91DA-F3EAD655B005}"/>
+              </a:ext>
+            </a:extLst>
+          </p:cNvPr>
+          <p:cNvPicPr>
+            <a:picLocks noChangeAspect="1"/>
+          </p:cNvPicPr>
+          <p:nvPr/>
+        </p:nvPicPr>
+        <p:blipFill>
+          <a:blip r:embed="rId4">
+            <a:extLst>
+              <a:ext uri="{28A0092B-C50C-407E-A947-70E740481C1C}">
+                <a14:useLocalDpi xmlns:a14="http://schemas.microsoft.com/office/drawing/2010/main" val="0"/>
+              </a:ext>
+            </a:extLst>
+          </a:blip>
+          <a:stretch>
+            <a:fillRect/>
+          </a:stretch>
+        </p:blipFill>
+        <p:spPr>
+          <a:xfrm>
+            <a:off x="7302157" y="1219994"/>
+            <a:ext cx="4216034" cy="2108017"/>
+          </a:xfrm>
+          <a:prstGeom prst="rect">
+            <a:avLst/>
+          </a:prstGeom>
+        </p:spPr>
+      </p:pic>
     </p:spTree>
     <p:extLst>
       <p:ext uri="{BB962C8B-B14F-4D97-AF65-F5344CB8AC3E}">
-        <p14:creationId xmlns:p14="http://schemas.microsoft.com/office/powerpoint/2010/main" val="1567954153"/>
+        <p14:creationId xmlns:p14="http://schemas.microsoft.com/office/powerpoint/2010/main" val="3843402283"/>
       </p:ext>
     </p:extLst>
   </p:cSld>
@@ -17502,7 +16832,7 @@
           <p:cNvPr id="4" name="Title 3">
             <a:extLst>
               <a:ext uri="{FF2B5EF4-FFF2-40B4-BE49-F238E27FC236}">
-                <a16:creationId xmlns:a16="http://schemas.microsoft.com/office/drawing/2014/main" id="{E7F0E842-4644-CF1E-50C0-F47AEFAA97C7}"/>
+                <a16:creationId xmlns:a16="http://schemas.microsoft.com/office/drawing/2014/main" id="{0DC6A3F0-334F-9B7D-CECA-321756F77DD7}"/>
               </a:ext>
             </a:extLst>
           </p:cNvPr>
@@ -17520,7 +16850,11 @@
           <a:p>
             <a:r>
               <a:rPr lang="en-GB" dirty="0"/>
-              <a:t>Hyperparameters tuning and searching</a:t>
+              <a:t>On the benefits of using </a:t>
+            </a:r>
+            <a:r>
+              <a:rPr lang="en-GB" dirty="0" err="1"/>
+              <a:t>PyTorch</a:t>
             </a:r>
             <a:endParaRPr lang="en-SG" dirty="0"/>
           </a:p>
@@ -17531,7 +16865,7 @@
           <p:cNvPr id="3" name="Content Placeholder 2">
             <a:extLst>
               <a:ext uri="{FF2B5EF4-FFF2-40B4-BE49-F238E27FC236}">
-                <a16:creationId xmlns:a16="http://schemas.microsoft.com/office/drawing/2014/main" id="{22FE9C94-E2A2-3EF4-0E00-C6BD6C7A59F7}"/>
+                <a16:creationId xmlns:a16="http://schemas.microsoft.com/office/drawing/2014/main" id="{65399E50-9E84-8D67-B55F-073C06C3D10E}"/>
               </a:ext>
             </a:extLst>
           </p:cNvPr>
@@ -17539,13 +16873,13 @@
             <a:spLocks noGrp="1"/>
           </p:cNvSpPr>
           <p:nvPr>
-            <p:ph sz="half" idx="1"/>
+            <p:ph idx="1"/>
           </p:nvPr>
         </p:nvSpPr>
         <p:spPr>
           <a:xfrm>
             <a:off x="838200" y="1825624"/>
-            <a:ext cx="5181600" cy="5032375"/>
+            <a:ext cx="10515600" cy="5032375"/>
           </a:xfrm>
         </p:spPr>
         <p:txBody>
@@ -17558,110 +16892,128 @@
               <a:buNone/>
             </a:pPr>
             <a:r>
+              <a:rPr lang="en-GB" dirty="0"/>
+              <a:t>There are several benefits to using </a:t>
+            </a:r>
+            <a:r>
+              <a:rPr lang="en-GB" dirty="0" err="1"/>
+              <a:t>PyTorch</a:t>
+            </a:r>
+            <a:r>
+              <a:rPr lang="en-GB" dirty="0"/>
+              <a:t> over NumPy for implementing neural networks:</a:t>
+            </a:r>
+          </a:p>
+          <a:p>
+            <a:pPr>
+              <a:buFont typeface="Arial" panose="020B0604020202020204" pitchFamily="34" charset="0"/>
+              <a:buChar char="•"/>
+            </a:pPr>
+            <a:r>
               <a:rPr lang="en-GB" b="1" dirty="0"/>
-              <a:t>Definition (</a:t>
-            </a:r>
-            <a:r>
-              <a:rPr lang="en-GB" b="1" dirty="0">
-                <a:solidFill>
-                  <a:srgbClr val="00B050"/>
-                </a:solidFill>
-              </a:rPr>
-              <a:t>hyperparameter grid searching</a:t>
+              <a:t>More</a:t>
+            </a:r>
+            <a:r>
+              <a:rPr lang="en-GB" dirty="0"/>
+              <a:t> </a:t>
             </a:r>
             <a:r>
               <a:rPr lang="en-GB" b="1" dirty="0"/>
-              <a:t>):</a:t>
-            </a:r>
-          </a:p>
-          <a:p>
-            <a:pPr marL="0" indent="0">
-              <a:buNone/>
-            </a:pPr>
-            <a:r>
-              <a:rPr lang="en-SG" b="1" dirty="0">
-                <a:solidFill>
-                  <a:srgbClr val="00B050"/>
-                </a:solidFill>
-              </a:rPr>
-              <a:t>Grid</a:t>
-            </a:r>
-            <a:r>
-              <a:rPr lang="en-SG" dirty="0"/>
+              <a:t>intuitive</a:t>
+            </a:r>
+            <a:r>
+              <a:rPr lang="en-GB" dirty="0"/>
               <a:t> </a:t>
             </a:r>
             <a:r>
-              <a:rPr lang="en-SG" b="1" dirty="0">
-                <a:solidFill>
-                  <a:srgbClr val="00B050"/>
-                </a:solidFill>
-              </a:rPr>
-              <a:t>search</a:t>
-            </a:r>
-            <a:r>
-              <a:rPr lang="en-SG" dirty="0"/>
-              <a:t> is </a:t>
-            </a:r>
-            <a:r>
-              <a:rPr lang="en-SG" b="1" dirty="0"/>
-              <a:t>the simplest algorithm for hyperparameter tuning</a:t>
-            </a:r>
-            <a:r>
-              <a:rPr lang="en-SG" dirty="0"/>
+              <a:rPr lang="en-GB" b="1" dirty="0"/>
+              <a:t>interface</a:t>
+            </a:r>
+            <a:r>
+              <a:rPr lang="en-GB" dirty="0"/>
+              <a:t> for working with tensors and neural networks.</a:t>
+            </a:r>
+          </a:p>
+          <a:p>
+            <a:pPr lvl="1"/>
+            <a:r>
+              <a:rPr lang="en-GB" dirty="0"/>
+              <a:t>NumPy is primarily a numerical computing library.</a:t>
+            </a:r>
+          </a:p>
+          <a:p>
+            <a:pPr lvl="1"/>
+            <a:r>
+              <a:rPr lang="en-GB" dirty="0" err="1"/>
+              <a:t>PyTorch</a:t>
+            </a:r>
+            <a:r>
+              <a:rPr lang="en-GB" dirty="0"/>
+              <a:t> is specifically designed with deep learning, and provides a more natural and convenient interface.</a:t>
+            </a:r>
+          </a:p>
+          <a:p>
+            <a:r>
+              <a:rPr lang="en-GB" b="1" dirty="0"/>
+              <a:t>Large</a:t>
+            </a:r>
+            <a:r>
+              <a:rPr lang="en-GB" dirty="0"/>
+              <a:t> </a:t>
+            </a:r>
+            <a:r>
+              <a:rPr lang="en-GB" b="1" dirty="0"/>
+              <a:t>active</a:t>
+            </a:r>
+            <a:r>
+              <a:rPr lang="en-GB" dirty="0"/>
+              <a:t> </a:t>
+            </a:r>
+            <a:r>
+              <a:rPr lang="en-GB" b="1" dirty="0"/>
+              <a:t>community</a:t>
+            </a:r>
+            <a:r>
+              <a:rPr lang="en-GB" dirty="0"/>
+              <a:t> of users.</a:t>
+            </a:r>
+          </a:p>
+          <a:p>
+            <a:pPr lvl="1"/>
+            <a:r>
+              <a:rPr lang="en-GB" dirty="0"/>
+              <a:t>Many tutorials, detailed documentations and implementations on </a:t>
+            </a:r>
+            <a:r>
+              <a:rPr lang="en-GB" dirty="0" err="1"/>
+              <a:t>Github</a:t>
+            </a:r>
+            <a:r>
+              <a:rPr lang="en-GB" dirty="0"/>
               <a:t>.</a:t>
             </a:r>
           </a:p>
           <a:p>
-            <a:pPr marL="0" indent="0">
-              <a:buNone/>
-            </a:pPr>
-            <a:r>
-              <a:rPr lang="en-SG" dirty="0"/>
-              <a:t>Basically, we divide the domain of possible values for each of the hyperparameters into a discrete grid. Then, we will try every combination of values of this grid, calculating some performance metrics.</a:t>
-            </a:r>
+            <a:pPr lvl="1"/>
+            <a:r>
+              <a:rPr lang="en-GB" dirty="0"/>
+              <a:t>Stack overflow equivalent.</a:t>
+            </a:r>
+          </a:p>
+          <a:p>
+            <a:pPr lvl="1"/>
+            <a:endParaRPr lang="en-GB" dirty="0"/>
+          </a:p>
+          <a:p>
+            <a:pPr lvl="1"/>
+            <a:endParaRPr lang="en-GB" dirty="0"/>
           </a:p>
         </p:txBody>
       </p:sp>
-      <p:pic>
-        <p:nvPicPr>
-          <p:cNvPr id="5" name="Picture 4" descr="Chart, diagram&#10;&#10;Description automatically generated">
-            <a:extLst>
-              <a:ext uri="{FF2B5EF4-FFF2-40B4-BE49-F238E27FC236}">
-                <a16:creationId xmlns:a16="http://schemas.microsoft.com/office/drawing/2014/main" id="{45E73179-634A-C030-DA64-295791FD5EA9}"/>
-              </a:ext>
-            </a:extLst>
-          </p:cNvPr>
-          <p:cNvPicPr>
-            <a:picLocks noChangeAspect="1"/>
-          </p:cNvPicPr>
-          <p:nvPr/>
-        </p:nvPicPr>
-        <p:blipFill>
-          <a:blip r:embed="rId2">
-            <a:extLst>
-              <a:ext uri="{28A0092B-C50C-407E-A947-70E740481C1C}">
-                <a14:useLocalDpi xmlns:a14="http://schemas.microsoft.com/office/drawing/2010/main" val="0"/>
-              </a:ext>
-            </a:extLst>
-          </a:blip>
-          <a:stretch>
-            <a:fillRect/>
-          </a:stretch>
-        </p:blipFill>
-        <p:spPr>
-          <a:xfrm>
-            <a:off x="6159561" y="2704123"/>
-            <a:ext cx="5888715" cy="3360774"/>
-          </a:xfrm>
-          <a:prstGeom prst="rect">
-            <a:avLst/>
-          </a:prstGeom>
-        </p:spPr>
-      </p:pic>
     </p:spTree>
     <p:extLst>
       <p:ext uri="{BB962C8B-B14F-4D97-AF65-F5344CB8AC3E}">
-        <p14:creationId xmlns:p14="http://schemas.microsoft.com/office/powerpoint/2010/main" val="2525469962"/>
+        <p14:creationId xmlns:p14="http://schemas.microsoft.com/office/powerpoint/2010/main" val="380766058"/>
       </p:ext>
     </p:extLst>
   </p:cSld>
@@ -17693,7 +17045,7 @@
           <p:cNvPr id="4" name="Title 3">
             <a:extLst>
               <a:ext uri="{FF2B5EF4-FFF2-40B4-BE49-F238E27FC236}">
-                <a16:creationId xmlns:a16="http://schemas.microsoft.com/office/drawing/2014/main" id="{E7F0E842-4644-CF1E-50C0-F47AEFAA97C7}"/>
+                <a16:creationId xmlns:a16="http://schemas.microsoft.com/office/drawing/2014/main" id="{0DC6A3F0-334F-9B7D-CECA-321756F77DD7}"/>
               </a:ext>
             </a:extLst>
           </p:cNvPr>
@@ -17711,7 +17063,11 @@
           <a:p>
             <a:r>
               <a:rPr lang="en-GB" dirty="0"/>
-              <a:t>Hyperparameters tuning and searching</a:t>
+              <a:t>On the benefits of using </a:t>
+            </a:r>
+            <a:r>
+              <a:rPr lang="en-GB" dirty="0" err="1"/>
+              <a:t>PyTorch</a:t>
             </a:r>
             <a:endParaRPr lang="en-SG" dirty="0"/>
           </a:p>
@@ -17722,7 +17078,7 @@
           <p:cNvPr id="3" name="Content Placeholder 2">
             <a:extLst>
               <a:ext uri="{FF2B5EF4-FFF2-40B4-BE49-F238E27FC236}">
-                <a16:creationId xmlns:a16="http://schemas.microsoft.com/office/drawing/2014/main" id="{22FE9C94-E2A2-3EF4-0E00-C6BD6C7A59F7}"/>
+                <a16:creationId xmlns:a16="http://schemas.microsoft.com/office/drawing/2014/main" id="{65399E50-9E84-8D67-B55F-073C06C3D10E}"/>
               </a:ext>
             </a:extLst>
           </p:cNvPr>
@@ -17730,13 +17086,13 @@
             <a:spLocks noGrp="1"/>
           </p:cNvSpPr>
           <p:nvPr>
-            <p:ph sz="half" idx="1"/>
+            <p:ph idx="1"/>
           </p:nvPr>
         </p:nvSpPr>
         <p:spPr>
           <a:xfrm>
             <a:off x="838200" y="1825624"/>
-            <a:ext cx="5181600" cy="5032375"/>
+            <a:ext cx="10515600" cy="5032375"/>
           </a:xfrm>
         </p:spPr>
         <p:txBody>
@@ -17749,130 +17105,262 @@
               <a:buNone/>
             </a:pPr>
             <a:r>
+              <a:rPr lang="en-GB" dirty="0"/>
+              <a:t>There are several benefits to using </a:t>
+            </a:r>
+            <a:r>
+              <a:rPr lang="en-GB" dirty="0" err="1"/>
+              <a:t>PyTorch</a:t>
+            </a:r>
+            <a:r>
+              <a:rPr lang="en-GB" dirty="0"/>
+              <a:t> over NumPy for implementing neural networks:</a:t>
+            </a:r>
+          </a:p>
+          <a:p>
+            <a:pPr>
+              <a:buFont typeface="Arial" panose="020B0604020202020204" pitchFamily="34" charset="0"/>
+              <a:buChar char="•"/>
+            </a:pPr>
+            <a:r>
+              <a:rPr lang="en-GB" dirty="0" err="1"/>
+              <a:t>PyTorch</a:t>
+            </a:r>
+            <a:r>
+              <a:rPr lang="en-GB" dirty="0"/>
+              <a:t> has </a:t>
+            </a:r>
+            <a:r>
               <a:rPr lang="en-GB" b="1" dirty="0"/>
-              <a:t>Definition (</a:t>
+              <a:t>better</a:t>
+            </a:r>
+            <a:r>
+              <a:rPr lang="en-GB" dirty="0"/>
+              <a:t> </a:t>
+            </a:r>
+            <a:r>
+              <a:rPr lang="en-GB" b="1" dirty="0"/>
+              <a:t>support</a:t>
+            </a:r>
+            <a:r>
+              <a:rPr lang="en-GB" dirty="0"/>
+              <a:t> </a:t>
+            </a:r>
+            <a:r>
+              <a:rPr lang="en-GB" b="1" dirty="0"/>
+              <a:t>for</a:t>
+            </a:r>
+            <a:r>
+              <a:rPr lang="en-GB" dirty="0"/>
+              <a:t> </a:t>
+            </a:r>
+            <a:r>
+              <a:rPr lang="en-GB" b="1" dirty="0"/>
+              <a:t>GPU</a:t>
+            </a:r>
+            <a:r>
+              <a:rPr lang="en-GB" dirty="0"/>
+              <a:t> </a:t>
+            </a:r>
+            <a:r>
+              <a:rPr lang="en-GB" b="1" dirty="0"/>
+              <a:t>acceleration</a:t>
+            </a:r>
+            <a:r>
+              <a:rPr lang="en-GB" dirty="0"/>
+              <a:t> than NumPy.</a:t>
+            </a:r>
+          </a:p>
+          <a:p>
+            <a:pPr lvl="1"/>
+            <a:r>
+              <a:rPr lang="en-GB" dirty="0"/>
+              <a:t>If a GPU is available, significantly </a:t>
+            </a:r>
+            <a:r>
+              <a:rPr lang="en-GB" b="1" dirty="0"/>
+              <a:t>speed</a:t>
+            </a:r>
+            <a:r>
+              <a:rPr lang="en-GB" dirty="0"/>
+              <a:t> </a:t>
+            </a:r>
+            <a:r>
+              <a:rPr lang="en-GB" b="1" dirty="0"/>
+              <a:t>up</a:t>
+            </a:r>
+            <a:r>
+              <a:rPr lang="en-GB" dirty="0"/>
+              <a:t> </a:t>
+            </a:r>
+            <a:r>
+              <a:rPr lang="en-GB" b="1" dirty="0"/>
+              <a:t>the</a:t>
+            </a:r>
+            <a:r>
+              <a:rPr lang="en-GB" dirty="0"/>
+              <a:t> </a:t>
+            </a:r>
+            <a:r>
+              <a:rPr lang="en-GB" b="1" dirty="0"/>
+              <a:t>training</a:t>
+            </a:r>
+            <a:r>
+              <a:rPr lang="en-GB" dirty="0"/>
+              <a:t> of our neural network by performing the computations on the GPU using </a:t>
+            </a:r>
+            <a:r>
+              <a:rPr lang="en-GB" dirty="0" err="1"/>
+              <a:t>PyTorch</a:t>
+            </a:r>
+            <a:r>
+              <a:rPr lang="en-GB" dirty="0"/>
+              <a:t>.</a:t>
+            </a:r>
+          </a:p>
+          <a:p>
+            <a:pPr lvl="1"/>
+            <a:r>
+              <a:rPr lang="en-GB" dirty="0"/>
+              <a:t>Especially useful for </a:t>
+            </a:r>
+            <a:r>
+              <a:rPr lang="en-GB" b="1" dirty="0"/>
+              <a:t>training</a:t>
+            </a:r>
+            <a:r>
+              <a:rPr lang="en-GB" dirty="0"/>
+              <a:t> </a:t>
+            </a:r>
+            <a:r>
+              <a:rPr lang="en-GB" b="1" dirty="0"/>
+              <a:t>large</a:t>
+            </a:r>
+            <a:r>
+              <a:rPr lang="en-GB" dirty="0"/>
+              <a:t> </a:t>
+            </a:r>
+            <a:r>
+              <a:rPr lang="en-GB" b="1" dirty="0"/>
+              <a:t>and</a:t>
+            </a:r>
+            <a:r>
+              <a:rPr lang="en-GB" dirty="0"/>
+              <a:t> </a:t>
+            </a:r>
+            <a:r>
+              <a:rPr lang="en-GB" b="1" dirty="0"/>
+              <a:t>complex</a:t>
+            </a:r>
+            <a:r>
+              <a:rPr lang="en-GB" dirty="0"/>
+              <a:t> </a:t>
+            </a:r>
+            <a:r>
+              <a:rPr lang="en-GB" b="1" dirty="0"/>
+              <a:t>models</a:t>
+            </a:r>
+            <a:r>
+              <a:rPr lang="en-GB" dirty="0"/>
+              <a:t>.</a:t>
+            </a:r>
+          </a:p>
+          <a:p>
+            <a:pPr lvl="1"/>
+            <a:r>
+              <a:rPr lang="en-GB" dirty="0"/>
+              <a:t>(More on this on Week 13!)</a:t>
+            </a:r>
+          </a:p>
+          <a:p>
+            <a:pPr>
+              <a:buFont typeface="Arial" panose="020B0604020202020204" pitchFamily="34" charset="0"/>
+              <a:buChar char="•"/>
+            </a:pPr>
+            <a:r>
+              <a:rPr lang="en-GB" b="1" dirty="0"/>
+              <a:t>High-level</a:t>
+            </a:r>
+            <a:r>
+              <a:rPr lang="en-GB" dirty="0"/>
+              <a:t> </a:t>
+            </a:r>
+            <a:r>
+              <a:rPr lang="en-GB" b="1" dirty="0"/>
+              <a:t>abstractions</a:t>
+            </a:r>
+            <a:r>
+              <a:rPr lang="en-GB" dirty="0"/>
+              <a:t> for building and training neural networks.</a:t>
+            </a:r>
+          </a:p>
+          <a:p>
+            <a:pPr lvl="1"/>
+            <a:r>
+              <a:rPr lang="en-GB" dirty="0"/>
+              <a:t>Easier to write and debug code, </a:t>
+            </a:r>
+          </a:p>
+          <a:p>
+            <a:pPr lvl="1"/>
+            <a:r>
+              <a:rPr lang="en-GB" dirty="0"/>
+              <a:t>Improve the performance of our model by allowing </a:t>
+            </a:r>
+            <a:r>
+              <a:rPr lang="en-GB" dirty="0" err="1"/>
+              <a:t>PyTorch</a:t>
+            </a:r>
+            <a:r>
+              <a:rPr lang="en-GB" dirty="0"/>
+              <a:t> to apply optimization techniques</a:t>
+            </a:r>
+          </a:p>
+          <a:p>
+            <a:pPr lvl="1"/>
+            <a:r>
+              <a:rPr lang="en-GB" dirty="0"/>
+              <a:t>More specifically, </a:t>
             </a:r>
             <a:r>
               <a:rPr lang="en-GB" b="1" dirty="0">
                 <a:solidFill>
-                  <a:srgbClr val="00B050"/>
+                  <a:srgbClr val="FF0000"/>
                 </a:solidFill>
               </a:rPr>
-              <a:t>hyperparameter random searching</a:t>
-            </a:r>
-            <a:r>
-              <a:rPr lang="en-GB" b="1" dirty="0"/>
-              <a:t>):</a:t>
-            </a:r>
-          </a:p>
-          <a:p>
-            <a:pPr marL="0" indent="0">
-              <a:buNone/>
-            </a:pPr>
-            <a:r>
-              <a:rPr lang="en-SG" b="1" dirty="0">
+              <a:t>automatic</a:t>
+            </a:r>
+            <a:r>
+              <a:rPr lang="en-GB" dirty="0"/>
+              <a:t> </a:t>
+            </a:r>
+            <a:r>
+              <a:rPr lang="en-GB" b="1" dirty="0">
                 <a:solidFill>
-                  <a:srgbClr val="00B050"/>
+                  <a:srgbClr val="FF0000"/>
                 </a:solidFill>
               </a:rPr>
-              <a:t>Random</a:t>
-            </a:r>
-            <a:r>
-              <a:rPr lang="en-SG" dirty="0"/>
-              <a:t> </a:t>
-            </a:r>
-            <a:r>
-              <a:rPr lang="en-SG" b="1" dirty="0">
-                <a:solidFill>
-                  <a:srgbClr val="00B050"/>
-                </a:solidFill>
-              </a:rPr>
-              <a:t>search</a:t>
-            </a:r>
-            <a:r>
-              <a:rPr lang="en-SG" dirty="0"/>
-              <a:t> is </a:t>
-            </a:r>
-            <a:r>
-              <a:rPr lang="en-SG" b="1" dirty="0"/>
-              <a:t>the another algorithm for hyperparameter tuning</a:t>
-            </a:r>
-            <a:r>
-              <a:rPr lang="en-SG" dirty="0"/>
-              <a:t>.</a:t>
-            </a:r>
-          </a:p>
-          <a:p>
-            <a:pPr marL="0" indent="0">
-              <a:buNone/>
-            </a:pPr>
-            <a:r>
-              <a:rPr lang="en-SG" b="1" dirty="0">
-                <a:solidFill>
-                  <a:srgbClr val="00B050"/>
-                </a:solidFill>
-              </a:rPr>
-              <a:t>Random</a:t>
-            </a:r>
-            <a:r>
-              <a:rPr lang="en-SG" dirty="0"/>
-              <a:t> </a:t>
-            </a:r>
-            <a:r>
-              <a:rPr lang="en-SG" b="1" dirty="0">
-                <a:solidFill>
-                  <a:srgbClr val="00B050"/>
-                </a:solidFill>
-              </a:rPr>
-              <a:t>search</a:t>
-            </a:r>
-            <a:r>
-              <a:rPr lang="en-SG" dirty="0"/>
-              <a:t> defines a search space as a bounded domain of hyperparameter values and randomly sample points in that domain. After trying enough values, keep the best hyperparameters configuration.</a:t>
-            </a:r>
+              <a:t>differentiation</a:t>
+            </a:r>
+            <a:r>
+              <a:rPr lang="en-GB" dirty="0"/>
+              <a:t>!</a:t>
+            </a:r>
+          </a:p>
+          <a:p>
+            <a:pPr lvl="1"/>
+            <a:endParaRPr lang="en-GB" dirty="0"/>
+          </a:p>
+          <a:p>
+            <a:pPr lvl="1"/>
+            <a:endParaRPr lang="en-GB" dirty="0"/>
           </a:p>
         </p:txBody>
       </p:sp>
-      <p:pic>
-        <p:nvPicPr>
-          <p:cNvPr id="5" name="Picture 4" descr="Chart, diagram&#10;&#10;Description automatically generated">
-            <a:extLst>
-              <a:ext uri="{FF2B5EF4-FFF2-40B4-BE49-F238E27FC236}">
-                <a16:creationId xmlns:a16="http://schemas.microsoft.com/office/drawing/2014/main" id="{45E73179-634A-C030-DA64-295791FD5EA9}"/>
-              </a:ext>
-            </a:extLst>
-          </p:cNvPr>
-          <p:cNvPicPr>
-            <a:picLocks noChangeAspect="1"/>
-          </p:cNvPicPr>
-          <p:nvPr/>
-        </p:nvPicPr>
-        <p:blipFill>
-          <a:blip r:embed="rId2">
-            <a:extLst>
-              <a:ext uri="{28A0092B-C50C-407E-A947-70E740481C1C}">
-                <a14:useLocalDpi xmlns:a14="http://schemas.microsoft.com/office/drawing/2010/main" val="0"/>
-              </a:ext>
-            </a:extLst>
-          </a:blip>
-          <a:stretch>
-            <a:fillRect/>
-          </a:stretch>
-        </p:blipFill>
-        <p:spPr>
-          <a:xfrm>
-            <a:off x="6159561" y="2704123"/>
-            <a:ext cx="5888715" cy="3360774"/>
-          </a:xfrm>
-          <a:prstGeom prst="rect">
-            <a:avLst/>
-          </a:prstGeom>
-        </p:spPr>
-      </p:pic>
     </p:spTree>
     <p:extLst>
       <p:ext uri="{BB962C8B-B14F-4D97-AF65-F5344CB8AC3E}">
-        <p14:creationId xmlns:p14="http://schemas.microsoft.com/office/powerpoint/2010/main" val="571242276"/>
+        <p14:creationId xmlns:p14="http://schemas.microsoft.com/office/powerpoint/2010/main" val="557429466"/>
       </p:ext>
     </p:extLst>
   </p:cSld>
@@ -17901,10 +17389,10 @@
       </p:grpSpPr>
       <p:sp>
         <p:nvSpPr>
-          <p:cNvPr id="4" name="Title 3">
-            <a:extLst>
-              <a:ext uri="{FF2B5EF4-FFF2-40B4-BE49-F238E27FC236}">
-                <a16:creationId xmlns:a16="http://schemas.microsoft.com/office/drawing/2014/main" id="{E7F0E842-4644-CF1E-50C0-F47AEFAA97C7}"/>
+          <p:cNvPr id="2" name="Title 1">
+            <a:extLst>
+              <a:ext uri="{FF2B5EF4-FFF2-40B4-BE49-F238E27FC236}">
+                <a16:creationId xmlns:a16="http://schemas.microsoft.com/office/drawing/2014/main" id="{28C8E2B8-16B2-DFEB-21E8-D5EA9B09A62A}"/>
               </a:ext>
             </a:extLst>
           </p:cNvPr>
@@ -17922,7 +17410,15 @@
           <a:p>
             <a:r>
               <a:rPr lang="en-GB" dirty="0"/>
-              <a:t>Hyperparameters tuning and searching</a:t>
+              <a:t>At this point, you should have installed </a:t>
+            </a:r>
+            <a:r>
+              <a:rPr lang="en-GB" dirty="0" err="1"/>
+              <a:t>PyTorch</a:t>
+            </a:r>
+            <a:r>
+              <a:rPr lang="en-GB" dirty="0"/>
+              <a:t>, and if possible, CUDA</a:t>
             </a:r>
             <a:endParaRPr lang="en-SG" dirty="0"/>
           </a:p>
@@ -17933,7 +17429,7 @@
           <p:cNvPr id="3" name="Content Placeholder 2">
             <a:extLst>
               <a:ext uri="{FF2B5EF4-FFF2-40B4-BE49-F238E27FC236}">
-                <a16:creationId xmlns:a16="http://schemas.microsoft.com/office/drawing/2014/main" id="{22FE9C94-E2A2-3EF4-0E00-C6BD6C7A59F7}"/>
+                <a16:creationId xmlns:a16="http://schemas.microsoft.com/office/drawing/2014/main" id="{40B01D2C-4BE4-C6CD-31D7-3F2E182779DF}"/>
               </a:ext>
             </a:extLst>
           </p:cNvPr>
@@ -17941,67 +17437,49 @@
             <a:spLocks noGrp="1"/>
           </p:cNvSpPr>
           <p:nvPr>
-            <p:ph sz="half" idx="1"/>
+            <p:ph idx="1"/>
           </p:nvPr>
         </p:nvSpPr>
-        <p:spPr>
-          <a:xfrm>
-            <a:off x="838200" y="1825624"/>
-            <a:ext cx="5181600" cy="5032375"/>
-          </a:xfrm>
-        </p:spPr>
+        <p:spPr/>
         <p:txBody>
-          <a:bodyPr>
-            <a:normAutofit/>
-          </a:bodyPr>
+          <a:bodyPr/>
           <a:lstStyle/>
           <a:p>
-            <a:pPr marL="0" indent="0">
-              <a:buNone/>
-            </a:pPr>
-            <a:r>
-              <a:rPr lang="en-GB" dirty="0"/>
-              <a:t>In general ([</a:t>
-            </a:r>
-            <a:r>
-              <a:rPr lang="en-GB" dirty="0" err="1"/>
-              <a:t>HypSearch</a:t>
-            </a:r>
-            <a:r>
-              <a:rPr lang="en-GB" dirty="0"/>
-              <a:t>]),</a:t>
-            </a:r>
-          </a:p>
-          <a:p>
-            <a:r>
-              <a:rPr lang="en-GB" dirty="0"/>
-              <a:t>grid search is often better on small spaces,</a:t>
-            </a:r>
-          </a:p>
-          <a:p>
-            <a:r>
-              <a:rPr lang="en-GB" dirty="0"/>
-              <a:t>whereas random search is better on large domains, but has no guarantee of returning a good configuration.</a:t>
-            </a:r>
-          </a:p>
-          <a:p>
-            <a:pPr marL="0" indent="0">
-              <a:buNone/>
-            </a:pPr>
-            <a:r>
-              <a:rPr lang="en-GB" dirty="0"/>
-              <a:t>More advanced techniques than these two exist, such as Bayesian Optimization and Evolutionary Optimization.</a:t>
-            </a:r>
-            <a:endParaRPr lang="en-SG" dirty="0"/>
+            <a:r>
+              <a:rPr lang="en-GB" dirty="0"/>
+              <a:t>You can check for CUDA/GPU capabilities, using the line below. If the CUDA has not been properly installed or the GPU is not compatible, you will be using a CPU instead.</a:t>
+            </a:r>
+          </a:p>
+          <a:p>
+            <a:r>
+              <a:rPr lang="en-GB" dirty="0"/>
+              <a:t>We strongly advise to take a moment to make sure your machine is CUDA enabled, assuming your GPU is compatible. When CUDA is properly installed on a compatible GPU, the line below should display </a:t>
+            </a:r>
+            <a:r>
+              <a:rPr lang="en-GB" i="1" dirty="0" err="1"/>
+              <a:t>cuda</a:t>
+            </a:r>
+            <a:r>
+              <a:rPr lang="en-GB" dirty="0"/>
+              <a:t>, otherwise it will print </a:t>
+            </a:r>
+            <a:r>
+              <a:rPr lang="en-GB" i="1" dirty="0" err="1"/>
+              <a:t>cpu</a:t>
+            </a:r>
+            <a:r>
+              <a:rPr lang="en-GB" dirty="0"/>
+              <a:t>.</a:t>
+            </a:r>
           </a:p>
         </p:txBody>
       </p:sp>
       <p:pic>
         <p:nvPicPr>
-          <p:cNvPr id="8" name="Picture 7" descr="Chart, diagram&#10;&#10;Description automatically generated">
-            <a:extLst>
-              <a:ext uri="{FF2B5EF4-FFF2-40B4-BE49-F238E27FC236}">
-                <a16:creationId xmlns:a16="http://schemas.microsoft.com/office/drawing/2014/main" id="{B7A8B60F-E868-C711-153B-E2B86AEA1E6C}"/>
+          <p:cNvPr id="7" name="Picture 6">
+            <a:extLst>
+              <a:ext uri="{FF2B5EF4-FFF2-40B4-BE49-F238E27FC236}">
+                <a16:creationId xmlns:a16="http://schemas.microsoft.com/office/drawing/2014/main" id="{442DA575-615D-9EA0-0B63-D1F67373C130}"/>
               </a:ext>
             </a:extLst>
           </p:cNvPr>
@@ -18011,21 +17489,15 @@
           <p:nvPr/>
         </p:nvPicPr>
         <p:blipFill>
-          <a:blip r:embed="rId2">
-            <a:extLst>
-              <a:ext uri="{28A0092B-C50C-407E-A947-70E740481C1C}">
-                <a14:useLocalDpi xmlns:a14="http://schemas.microsoft.com/office/drawing/2010/main" val="0"/>
-              </a:ext>
-            </a:extLst>
-          </a:blip>
+          <a:blip r:embed="rId2"/>
           <a:stretch>
             <a:fillRect/>
           </a:stretch>
         </p:blipFill>
         <p:spPr>
           <a:xfrm>
-            <a:off x="6159561" y="2704123"/>
-            <a:ext cx="5888715" cy="3360774"/>
+            <a:off x="1312342" y="4925814"/>
+            <a:ext cx="9567315" cy="1567061"/>
           </a:xfrm>
           <a:prstGeom prst="rect">
             <a:avLst/>
@@ -18035,7 +17507,7 @@
     </p:spTree>
     <p:extLst>
       <p:ext uri="{BB962C8B-B14F-4D97-AF65-F5344CB8AC3E}">
-        <p14:creationId xmlns:p14="http://schemas.microsoft.com/office/powerpoint/2010/main" val="1598131875"/>
+        <p14:creationId xmlns:p14="http://schemas.microsoft.com/office/powerpoint/2010/main" val="3358927626"/>
       </p:ext>
     </p:extLst>
   </p:cSld>
@@ -18064,10 +17536,10 @@
       </p:grpSpPr>
       <p:sp>
         <p:nvSpPr>
-          <p:cNvPr id="2" name="Title 1">
-            <a:extLst>
-              <a:ext uri="{FF2B5EF4-FFF2-40B4-BE49-F238E27FC236}">
-                <a16:creationId xmlns:a16="http://schemas.microsoft.com/office/drawing/2014/main" id="{FDF64693-5090-BB52-ECF3-0666AAD2507C}"/>
+          <p:cNvPr id="4" name="Title 3">
+            <a:extLst>
+              <a:ext uri="{FF2B5EF4-FFF2-40B4-BE49-F238E27FC236}">
+                <a16:creationId xmlns:a16="http://schemas.microsoft.com/office/drawing/2014/main" id="{35AF26F8-A3EF-1DA4-0F08-821904720C49}"/>
               </a:ext>
             </a:extLst>
           </p:cNvPr>
@@ -18085,7 +17557,7 @@
           <a:p>
             <a:r>
               <a:rPr lang="en-GB" dirty="0"/>
-              <a:t>Technical pre-requisites</a:t>
+              <a:t>The Tensor object</a:t>
             </a:r>
             <a:endParaRPr lang="en-SG" dirty="0"/>
           </a:p>
@@ -18093,10 +17565,10 @@
       </p:sp>
       <p:sp>
         <p:nvSpPr>
-          <p:cNvPr id="3" name="Content Placeholder 2">
-            <a:extLst>
-              <a:ext uri="{FF2B5EF4-FFF2-40B4-BE49-F238E27FC236}">
-                <a16:creationId xmlns:a16="http://schemas.microsoft.com/office/drawing/2014/main" id="{FF686CDA-C22E-B272-5CB5-BE1E309AAA29}"/>
+          <p:cNvPr id="5" name="Content Placeholder 4">
+            <a:extLst>
+              <a:ext uri="{FF2B5EF4-FFF2-40B4-BE49-F238E27FC236}">
+                <a16:creationId xmlns:a16="http://schemas.microsoft.com/office/drawing/2014/main" id="{DF664FFA-9452-2803-1619-F2562904679D}"/>
               </a:ext>
             </a:extLst>
           </p:cNvPr>
@@ -18119,88 +17591,70 @@
           </a:bodyPr>
           <a:lstStyle/>
           <a:p>
-            <a:r>
-              <a:rPr lang="en-GB" dirty="0"/>
-              <a:t>Framework of choice will be </a:t>
-            </a:r>
-            <a:r>
-              <a:rPr lang="en-GB" b="1" dirty="0" err="1"/>
-              <a:t>PyTorch</a:t>
-            </a:r>
+            <a:pPr marL="0" indent="0">
+              <a:buNone/>
+            </a:pPr>
             <a:r>
               <a:rPr lang="en-GB" b="1" dirty="0"/>
-              <a:t>! </a:t>
-            </a:r>
-            <a:r>
-              <a:rPr lang="en-GB" dirty="0"/>
-              <a:t>(not </a:t>
+              <a:t>Definition (</a:t>
+            </a:r>
+            <a:r>
+              <a:rPr lang="en-GB" b="1" dirty="0">
+                <a:solidFill>
+                  <a:srgbClr val="00B050"/>
+                </a:solidFill>
+              </a:rPr>
+              <a:t>Tensor</a:t>
+            </a:r>
+            <a:r>
+              <a:rPr lang="en-GB" b="1" dirty="0"/>
+              <a:t>): </a:t>
+            </a:r>
+          </a:p>
+          <a:p>
+            <a:pPr marL="0" indent="0">
+              <a:buNone/>
+            </a:pPr>
+            <a:r>
+              <a:rPr lang="en-GB" dirty="0"/>
+              <a:t>The tensor is </a:t>
             </a:r>
             <a:r>
               <a:rPr lang="en-GB" dirty="0" err="1"/>
-              <a:t>Tensorflow</a:t>
-            </a:r>
-            <a:r>
-              <a:rPr lang="en-GB" dirty="0"/>
-              <a:t>, not </a:t>
-            </a:r>
-            <a:r>
-              <a:rPr lang="en-GB" dirty="0" err="1"/>
-              <a:t>Keras</a:t>
-            </a:r>
-            <a:r>
-              <a:rPr lang="en-GB" dirty="0"/>
-              <a:t>, not </a:t>
-            </a:r>
-            <a:r>
-              <a:rPr lang="en-GB" dirty="0" err="1"/>
-              <a:t>MXNet</a:t>
-            </a:r>
-            <a:r>
-              <a:rPr lang="en-GB" dirty="0"/>
-              <a:t>, etc.)</a:t>
-            </a:r>
-          </a:p>
-          <a:p>
-            <a:r>
-              <a:rPr lang="en-GB" dirty="0"/>
-              <a:t>Increasing popularity and preferred to Google’s </a:t>
-            </a:r>
-            <a:r>
-              <a:rPr lang="en-GB" dirty="0" err="1"/>
-              <a:t>Tensorflow</a:t>
-            </a:r>
-            <a:r>
-              <a:rPr lang="en-GB" dirty="0"/>
-              <a:t> these days for many reasons.</a:t>
-            </a:r>
-          </a:p>
-          <a:p>
-            <a:r>
-              <a:rPr lang="en-GB" dirty="0"/>
-              <a:t>Learn more, if curious: </a:t>
-            </a:r>
-            <a:r>
-              <a:rPr lang="en-GB" dirty="0">
-                <a:hlinkClick r:id="rId2"/>
-              </a:rPr>
-              <a:t>https://www.assemblyai.com/blog/pytorch-vs-tensorflow-in-2022/</a:t>
-            </a:r>
-            <a:endParaRPr lang="en-GB" dirty="0"/>
-          </a:p>
-          <a:p>
-            <a:endParaRPr lang="en-GB" dirty="0"/>
-          </a:p>
-          <a:p>
+              <a:t>PyTorch's</a:t>
+            </a:r>
+            <a:r>
+              <a:rPr lang="en-GB" dirty="0"/>
+              <a:t> basic building block and is similar to NumPy arrays.</a:t>
+            </a:r>
+          </a:p>
+          <a:p>
+            <a:pPr marL="0" indent="0">
+              <a:buNone/>
+            </a:pPr>
+            <a:r>
+              <a:rPr lang="en-GB" dirty="0"/>
+              <a:t>This is why most of the concepts and methods will look similar</a:t>
+            </a:r>
+          </a:p>
+          <a:p>
+            <a:pPr marL="0" indent="0">
+              <a:buNone/>
+            </a:pPr>
+            <a:r>
+              <a:rPr lang="en-GB" dirty="0"/>
+              <a:t> However, these come with additional features, which will be useful later on when building Neural Networks with these tensors.</a:t>
+            </a:r>
             <a:endParaRPr lang="en-SG" dirty="0"/>
           </a:p>
         </p:txBody>
       </p:sp>
       <p:pic>
         <p:nvPicPr>
-          <p:cNvPr id="8" name="Picture 7" descr="Chart&#10;&#10;Description automatically generated">
-            <a:extLst>
-              <a:ext uri="{FF2B5EF4-FFF2-40B4-BE49-F238E27FC236}">
-                <a16:creationId xmlns:a16="http://schemas.microsoft.com/office/drawing/2014/main" id="{A5EAB954-957E-D4B7-7CEA-B5B5FA43AA74}"/>
+          <p:cNvPr id="8" name="Picture 7">
+            <a:extLst>
+              <a:ext uri="{FF2B5EF4-FFF2-40B4-BE49-F238E27FC236}">
+                <a16:creationId xmlns:a16="http://schemas.microsoft.com/office/drawing/2014/main" id="{38396DA0-ACDE-2CF1-5318-A812A302B91F}"/>
               </a:ext>
             </a:extLst>
           </p:cNvPr>
@@ -18210,57 +17664,15 @@
           <p:nvPr/>
         </p:nvPicPr>
         <p:blipFill>
-          <a:blip r:embed="rId3">
-            <a:extLst>
-              <a:ext uri="{28A0092B-C50C-407E-A947-70E740481C1C}">
-                <a14:useLocalDpi xmlns:a14="http://schemas.microsoft.com/office/drawing/2010/main" val="0"/>
-              </a:ext>
-            </a:extLst>
-          </a:blip>
+          <a:blip r:embed="rId2"/>
           <a:stretch>
             <a:fillRect/>
           </a:stretch>
         </p:blipFill>
         <p:spPr>
           <a:xfrm>
-            <a:off x="6348581" y="3328011"/>
-            <a:ext cx="5719960" cy="3529989"/>
-          </a:xfrm>
-          <a:prstGeom prst="rect">
-            <a:avLst/>
-          </a:prstGeom>
-        </p:spPr>
-      </p:pic>
-      <p:pic>
-        <p:nvPicPr>
-          <p:cNvPr id="5" name="Picture 4" descr="Logo, company name&#10;&#10;Description automatically generated">
-            <a:extLst>
-              <a:ext uri="{FF2B5EF4-FFF2-40B4-BE49-F238E27FC236}">
-                <a16:creationId xmlns:a16="http://schemas.microsoft.com/office/drawing/2014/main" id="{00EC893D-A9C0-E3AD-91DA-F3EAD655B005}"/>
-              </a:ext>
-            </a:extLst>
-          </p:cNvPr>
-          <p:cNvPicPr>
-            <a:picLocks noChangeAspect="1"/>
-          </p:cNvPicPr>
-          <p:nvPr/>
-        </p:nvPicPr>
-        <p:blipFill>
-          <a:blip r:embed="rId4">
-            <a:extLst>
-              <a:ext uri="{28A0092B-C50C-407E-A947-70E740481C1C}">
-                <a14:useLocalDpi xmlns:a14="http://schemas.microsoft.com/office/drawing/2010/main" val="0"/>
-              </a:ext>
-            </a:extLst>
-          </a:blip>
-          <a:stretch>
-            <a:fillRect/>
-          </a:stretch>
-        </p:blipFill>
-        <p:spPr>
-          <a:xfrm>
-            <a:off x="7302157" y="1219994"/>
-            <a:ext cx="4216034" cy="2108017"/>
+            <a:off x="6912019" y="2674898"/>
+            <a:ext cx="4620270" cy="2305372"/>
           </a:xfrm>
           <a:prstGeom prst="rect">
             <a:avLst/>
@@ -18270,7 +17682,7 @@
     </p:spTree>
     <p:extLst>
       <p:ext uri="{BB962C8B-B14F-4D97-AF65-F5344CB8AC3E}">
-        <p14:creationId xmlns:p14="http://schemas.microsoft.com/office/powerpoint/2010/main" val="3843402283"/>
+        <p14:creationId xmlns:p14="http://schemas.microsoft.com/office/powerpoint/2010/main" val="1970187575"/>
       </p:ext>
     </p:extLst>
   </p:cSld>

--- a/W3/1. W3S1 final/W3S1.pptx
+++ b/W3/1. W3S1 final/W3S1.pptx
@@ -5,7 +5,7 @@
     <p:sldMasterId id="2147483648" r:id="rId1"/>
   </p:sldMasterIdLst>
   <p:notesMasterIdLst>
-    <p:notesMasterId r:id="rId46"/>
+    <p:notesMasterId r:id="rId47"/>
   </p:notesMasterIdLst>
   <p:sldIdLst>
     <p:sldId id="377" r:id="rId2"/>
@@ -52,6 +52,7 @@
     <p:sldId id="386" r:id="rId43"/>
     <p:sldId id="652" r:id="rId44"/>
     <p:sldId id="404" r:id="rId45"/>
+    <p:sldId id="786" r:id="rId46"/>
   </p:sldIdLst>
   <p:sldSz cx="12192000" cy="6858000"/>
   <p:notesSz cx="6858000" cy="9144000"/>
@@ -243,6 +244,7 @@
         <p14:section name="II.5. A bit of practice" id="{7E6DFD35-08C1-4CD1-A069-3CEB97555F1B}">
           <p14:sldIdLst>
             <p14:sldId id="404"/>
+            <p14:sldId id="786"/>
           </p14:sldIdLst>
         </p14:section>
       </p14:sectionLst>
@@ -4338,7 +4340,7 @@
   <pc:docChgLst>
     <pc:chgData name="Matthieu De Mari" userId="dfb708c9-d8dc-439f-9a3b-c772bf4a311c" providerId="ADAL" clId="{44ABFB41-BEA6-4DBA-BBB4-11FE1C0F0B9A}"/>
     <pc:docChg chg="custSel addSld delSld modSld sldOrd delSection modSection">
-      <pc:chgData name="Matthieu De Mari" userId="dfb708c9-d8dc-439f-9a3b-c772bf4a311c" providerId="ADAL" clId="{44ABFB41-BEA6-4DBA-BBB4-11FE1C0F0B9A}" dt="2023-06-16T07:18:49.946" v="49" actId="17846"/>
+      <pc:chgData name="Matthieu De Mari" userId="dfb708c9-d8dc-439f-9a3b-c772bf4a311c" providerId="ADAL" clId="{44ABFB41-BEA6-4DBA-BBB4-11FE1C0F0B9A}" dt="2023-06-22T05:13:36.642" v="588" actId="20577"/>
       <pc:docMkLst>
         <pc:docMk/>
       </pc:docMkLst>
@@ -4373,12 +4375,104 @@
           </ac:spMkLst>
         </pc:spChg>
       </pc:sldChg>
-      <pc:sldChg chg="ord">
-        <pc:chgData name="Matthieu De Mari" userId="dfb708c9-d8dc-439f-9a3b-c772bf4a311c" providerId="ADAL" clId="{44ABFB41-BEA6-4DBA-BBB4-11FE1C0F0B9A}" dt="2023-06-16T07:18:42.810" v="48"/>
+      <pc:sldChg chg="modSp mod">
+        <pc:chgData name="Matthieu De Mari" userId="dfb708c9-d8dc-439f-9a3b-c772bf4a311c" providerId="ADAL" clId="{44ABFB41-BEA6-4DBA-BBB4-11FE1C0F0B9A}" dt="2023-06-22T04:21:57.417" v="55" actId="113"/>
+        <pc:sldMkLst>
+          <pc:docMk/>
+          <pc:sldMk cId="3251402422" sldId="381"/>
+        </pc:sldMkLst>
+        <pc:spChg chg="mod">
+          <ac:chgData name="Matthieu De Mari" userId="dfb708c9-d8dc-439f-9a3b-c772bf4a311c" providerId="ADAL" clId="{44ABFB41-BEA6-4DBA-BBB4-11FE1C0F0B9A}" dt="2023-06-22T04:21:38.832" v="52" actId="115"/>
+          <ac:spMkLst>
+            <pc:docMk/>
+            <pc:sldMk cId="3251402422" sldId="381"/>
+            <ac:spMk id="3" creationId="{EB875A09-F649-0453-782D-77AD08503234}"/>
+          </ac:spMkLst>
+        </pc:spChg>
+        <pc:spChg chg="mod">
+          <ac:chgData name="Matthieu De Mari" userId="dfb708c9-d8dc-439f-9a3b-c772bf4a311c" providerId="ADAL" clId="{44ABFB41-BEA6-4DBA-BBB4-11FE1C0F0B9A}" dt="2023-06-22T04:21:57.417" v="55" actId="113"/>
+          <ac:spMkLst>
+            <pc:docMk/>
+            <pc:sldMk cId="3251402422" sldId="381"/>
+            <ac:spMk id="4" creationId="{953DB814-D545-5828-A2A0-FEEF73BDC2D8}"/>
+          </ac:spMkLst>
+        </pc:spChg>
+      </pc:sldChg>
+      <pc:sldChg chg="modSp mod">
+        <pc:chgData name="Matthieu De Mari" userId="dfb708c9-d8dc-439f-9a3b-c772bf4a311c" providerId="ADAL" clId="{44ABFB41-BEA6-4DBA-BBB4-11FE1C0F0B9A}" dt="2023-06-22T04:23:23.153" v="83" actId="20577"/>
+        <pc:sldMkLst>
+          <pc:docMk/>
+          <pc:sldMk cId="1420298135" sldId="384"/>
+        </pc:sldMkLst>
+        <pc:spChg chg="mod">
+          <ac:chgData name="Matthieu De Mari" userId="dfb708c9-d8dc-439f-9a3b-c772bf4a311c" providerId="ADAL" clId="{44ABFB41-BEA6-4DBA-BBB4-11FE1C0F0B9A}" dt="2023-06-22T04:23:23.153" v="83" actId="20577"/>
+          <ac:spMkLst>
+            <pc:docMk/>
+            <pc:sldMk cId="1420298135" sldId="384"/>
+            <ac:spMk id="5" creationId="{CBDF5152-8165-F342-BDF9-7CF1D911D8E8}"/>
+          </ac:spMkLst>
+        </pc:spChg>
+      </pc:sldChg>
+      <pc:sldChg chg="modSp mod">
+        <pc:chgData name="Matthieu De Mari" userId="dfb708c9-d8dc-439f-9a3b-c772bf4a311c" providerId="ADAL" clId="{44ABFB41-BEA6-4DBA-BBB4-11FE1C0F0B9A}" dt="2023-06-22T04:23:28.994" v="84" actId="5793"/>
+        <pc:sldMkLst>
+          <pc:docMk/>
+          <pc:sldMk cId="2560511070" sldId="385"/>
+        </pc:sldMkLst>
+        <pc:spChg chg="mod">
+          <ac:chgData name="Matthieu De Mari" userId="dfb708c9-d8dc-439f-9a3b-c772bf4a311c" providerId="ADAL" clId="{44ABFB41-BEA6-4DBA-BBB4-11FE1C0F0B9A}" dt="2023-06-22T04:23:28.994" v="84" actId="5793"/>
+          <ac:spMkLst>
+            <pc:docMk/>
+            <pc:sldMk cId="2560511070" sldId="385"/>
+            <ac:spMk id="3" creationId="{BA745D00-1AA4-E710-F652-A7E165C17CC6}"/>
+          </ac:spMkLst>
+        </pc:spChg>
+      </pc:sldChg>
+      <pc:sldChg chg="modSp mod">
+        <pc:chgData name="Matthieu De Mari" userId="dfb708c9-d8dc-439f-9a3b-c772bf4a311c" providerId="ADAL" clId="{44ABFB41-BEA6-4DBA-BBB4-11FE1C0F0B9A}" dt="2023-06-22T04:24:52.798" v="132" actId="1076"/>
+        <pc:sldMkLst>
+          <pc:docMk/>
+          <pc:sldMk cId="1116470923" sldId="386"/>
+        </pc:sldMkLst>
+        <pc:spChg chg="mod">
+          <ac:chgData name="Matthieu De Mari" userId="dfb708c9-d8dc-439f-9a3b-c772bf4a311c" providerId="ADAL" clId="{44ABFB41-BEA6-4DBA-BBB4-11FE1C0F0B9A}" dt="2023-06-22T04:24:46.137" v="130" actId="114"/>
+          <ac:spMkLst>
+            <pc:docMk/>
+            <pc:sldMk cId="1116470923" sldId="386"/>
+            <ac:spMk id="3" creationId="{44608F03-1D5E-5E62-5A70-1B8EB17DF397}"/>
+          </ac:spMkLst>
+        </pc:spChg>
+        <pc:picChg chg="mod">
+          <ac:chgData name="Matthieu De Mari" userId="dfb708c9-d8dc-439f-9a3b-c772bf4a311c" providerId="ADAL" clId="{44ABFB41-BEA6-4DBA-BBB4-11FE1C0F0B9A}" dt="2023-06-22T04:24:52.798" v="132" actId="1076"/>
+          <ac:picMkLst>
+            <pc:docMk/>
+            <pc:sldMk cId="1116470923" sldId="386"/>
+            <ac:picMk id="7" creationId="{ECC234CE-D676-ECD3-D2E7-52357BDE961D}"/>
+          </ac:picMkLst>
+        </pc:picChg>
+      </pc:sldChg>
+      <pc:sldChg chg="modSp mod ord">
+        <pc:chgData name="Matthieu De Mari" userId="dfb708c9-d8dc-439f-9a3b-c772bf4a311c" providerId="ADAL" clId="{44ABFB41-BEA6-4DBA-BBB4-11FE1C0F0B9A}" dt="2023-06-22T05:13:32.876" v="585" actId="20577"/>
         <pc:sldMkLst>
           <pc:docMk/>
           <pc:sldMk cId="3140288791" sldId="404"/>
         </pc:sldMkLst>
+        <pc:spChg chg="mod">
+          <ac:chgData name="Matthieu De Mari" userId="dfb708c9-d8dc-439f-9a3b-c772bf4a311c" providerId="ADAL" clId="{44ABFB41-BEA6-4DBA-BBB4-11FE1C0F0B9A}" dt="2023-06-22T05:13:32.876" v="585" actId="20577"/>
+          <ac:spMkLst>
+            <pc:docMk/>
+            <pc:sldMk cId="3140288791" sldId="404"/>
+            <ac:spMk id="2" creationId="{581B7E6E-252F-1AB6-6445-27D0020E0280}"/>
+          </ac:spMkLst>
+        </pc:spChg>
+        <pc:spChg chg="mod">
+          <ac:chgData name="Matthieu De Mari" userId="dfb708c9-d8dc-439f-9a3b-c772bf4a311c" providerId="ADAL" clId="{44ABFB41-BEA6-4DBA-BBB4-11FE1C0F0B9A}" dt="2023-06-22T05:13:23.696" v="577" actId="20577"/>
+          <ac:spMkLst>
+            <pc:docMk/>
+            <pc:sldMk cId="3140288791" sldId="404"/>
+            <ac:spMk id="3" creationId="{088657BF-BB53-D488-1F2B-77F25EDE3A56}"/>
+          </ac:spMkLst>
+        </pc:spChg>
       </pc:sldChg>
       <pc:sldChg chg="modSp mod">
         <pc:chgData name="Matthieu De Mari" userId="dfb708c9-d8dc-439f-9a3b-c772bf4a311c" providerId="ADAL" clId="{44ABFB41-BEA6-4DBA-BBB4-11FE1C0F0B9A}" dt="2023-06-16T07:11:42.352" v="44" actId="20577"/>
@@ -4411,13 +4505,13 @@
         </pc:spChg>
       </pc:sldChg>
       <pc:sldChg chg="modSp mod">
-        <pc:chgData name="Matthieu De Mari" userId="dfb708c9-d8dc-439f-9a3b-c772bf4a311c" providerId="ADAL" clId="{44ABFB41-BEA6-4DBA-BBB4-11FE1C0F0B9A}" dt="2023-06-16T07:12:22.808" v="46" actId="20577"/>
+        <pc:chgData name="Matthieu De Mari" userId="dfb708c9-d8dc-439f-9a3b-c772bf4a311c" providerId="ADAL" clId="{44ABFB41-BEA6-4DBA-BBB4-11FE1C0F0B9A}" dt="2023-06-22T04:22:32.150" v="69" actId="20577"/>
         <pc:sldMkLst>
           <pc:docMk/>
           <pc:sldMk cId="1513778887" sldId="424"/>
         </pc:sldMkLst>
         <pc:spChg chg="mod">
-          <ac:chgData name="Matthieu De Mari" userId="dfb708c9-d8dc-439f-9a3b-c772bf4a311c" providerId="ADAL" clId="{44ABFB41-BEA6-4DBA-BBB4-11FE1C0F0B9A}" dt="2023-06-16T07:12:22.808" v="46" actId="20577"/>
+          <ac:chgData name="Matthieu De Mari" userId="dfb708c9-d8dc-439f-9a3b-c772bf4a311c" providerId="ADAL" clId="{44ABFB41-BEA6-4DBA-BBB4-11FE1C0F0B9A}" dt="2023-06-22T04:22:32.150" v="69" actId="20577"/>
           <ac:spMkLst>
             <pc:docMk/>
             <pc:sldMk cId="1513778887" sldId="424"/>
@@ -4426,13 +4520,13 @@
         </pc:spChg>
       </pc:sldChg>
       <pc:sldChg chg="modSp mod">
-        <pc:chgData name="Matthieu De Mari" userId="dfb708c9-d8dc-439f-9a3b-c772bf4a311c" providerId="ADAL" clId="{44ABFB41-BEA6-4DBA-BBB4-11FE1C0F0B9A}" dt="2023-06-16T07:12:20.322" v="45" actId="20577"/>
+        <pc:chgData name="Matthieu De Mari" userId="dfb708c9-d8dc-439f-9a3b-c772bf4a311c" providerId="ADAL" clId="{44ABFB41-BEA6-4DBA-BBB4-11FE1C0F0B9A}" dt="2023-06-22T04:22:23.531" v="62" actId="20577"/>
         <pc:sldMkLst>
           <pc:docMk/>
           <pc:sldMk cId="548772636" sldId="425"/>
         </pc:sldMkLst>
         <pc:spChg chg="mod">
-          <ac:chgData name="Matthieu De Mari" userId="dfb708c9-d8dc-439f-9a3b-c772bf4a311c" providerId="ADAL" clId="{44ABFB41-BEA6-4DBA-BBB4-11FE1C0F0B9A}" dt="2023-06-16T07:12:20.322" v="45" actId="20577"/>
+          <ac:chgData name="Matthieu De Mari" userId="dfb708c9-d8dc-439f-9a3b-c772bf4a311c" providerId="ADAL" clId="{44ABFB41-BEA6-4DBA-BBB4-11FE1C0F0B9A}" dt="2023-06-22T04:22:23.531" v="62" actId="20577"/>
           <ac:spMkLst>
             <pc:docMk/>
             <pc:sldMk cId="548772636" sldId="425"/>
@@ -4440,6 +4534,21 @@
           </ac:spMkLst>
         </pc:spChg>
       </pc:sldChg>
+      <pc:sldChg chg="modSp mod">
+        <pc:chgData name="Matthieu De Mari" userId="dfb708c9-d8dc-439f-9a3b-c772bf4a311c" providerId="ADAL" clId="{44ABFB41-BEA6-4DBA-BBB4-11FE1C0F0B9A}" dt="2023-06-22T04:22:42.074" v="79" actId="20577"/>
+        <pc:sldMkLst>
+          <pc:docMk/>
+          <pc:sldMk cId="995336806" sldId="426"/>
+        </pc:sldMkLst>
+        <pc:spChg chg="mod">
+          <ac:chgData name="Matthieu De Mari" userId="dfb708c9-d8dc-439f-9a3b-c772bf4a311c" providerId="ADAL" clId="{44ABFB41-BEA6-4DBA-BBB4-11FE1C0F0B9A}" dt="2023-06-22T04:22:42.074" v="79" actId="20577"/>
+          <ac:spMkLst>
+            <pc:docMk/>
+            <pc:sldMk cId="995336806" sldId="426"/>
+            <ac:spMk id="3" creationId="{FA1F1CE6-06FF-6DD6-265C-39A26CC7DB57}"/>
+          </ac:spMkLst>
+        </pc:spChg>
+      </pc:sldChg>
       <pc:sldChg chg="del">
         <pc:chgData name="Matthieu De Mari" userId="dfb708c9-d8dc-439f-9a3b-c772bf4a311c" providerId="ADAL" clId="{44ABFB41-BEA6-4DBA-BBB4-11FE1C0F0B9A}" dt="2023-06-16T07:10:04.549" v="0" actId="47"/>
         <pc:sldMkLst>
@@ -4447,6 +4556,36 @@
           <pc:sldMk cId="1567954153" sldId="608"/>
         </pc:sldMkLst>
       </pc:sldChg>
+      <pc:sldChg chg="modSp mod">
+        <pc:chgData name="Matthieu De Mari" userId="dfb708c9-d8dc-439f-9a3b-c772bf4a311c" providerId="ADAL" clId="{44ABFB41-BEA6-4DBA-BBB4-11FE1C0F0B9A}" dt="2023-06-22T04:23:11.719" v="81" actId="20577"/>
+        <pc:sldMkLst>
+          <pc:docMk/>
+          <pc:sldMk cId="1146881653" sldId="649"/>
+        </pc:sldMkLst>
+        <pc:spChg chg="mod">
+          <ac:chgData name="Matthieu De Mari" userId="dfb708c9-d8dc-439f-9a3b-c772bf4a311c" providerId="ADAL" clId="{44ABFB41-BEA6-4DBA-BBB4-11FE1C0F0B9A}" dt="2023-06-22T04:23:11.719" v="81" actId="20577"/>
+          <ac:spMkLst>
+            <pc:docMk/>
+            <pc:sldMk cId="1146881653" sldId="649"/>
+            <ac:spMk id="3" creationId="{DC9D8363-826B-D189-78FB-CCD945BC5477}"/>
+          </ac:spMkLst>
+        </pc:spChg>
+      </pc:sldChg>
+      <pc:sldChg chg="modSp mod">
+        <pc:chgData name="Matthieu De Mari" userId="dfb708c9-d8dc-439f-9a3b-c772bf4a311c" providerId="ADAL" clId="{44ABFB41-BEA6-4DBA-BBB4-11FE1C0F0B9A}" dt="2023-06-22T04:23:47.334" v="92" actId="120"/>
+        <pc:sldMkLst>
+          <pc:docMk/>
+          <pc:sldMk cId="2710721176" sldId="651"/>
+        </pc:sldMkLst>
+        <pc:spChg chg="mod">
+          <ac:chgData name="Matthieu De Mari" userId="dfb708c9-d8dc-439f-9a3b-c772bf4a311c" providerId="ADAL" clId="{44ABFB41-BEA6-4DBA-BBB4-11FE1C0F0B9A}" dt="2023-06-22T04:23:47.334" v="92" actId="120"/>
+          <ac:spMkLst>
+            <pc:docMk/>
+            <pc:sldMk cId="2710721176" sldId="651"/>
+            <ac:spMk id="3" creationId="{B616E96C-A3A7-C270-6E1D-F90C9FE6BDDB}"/>
+          </ac:spMkLst>
+        </pc:spChg>
+      </pc:sldChg>
       <pc:sldChg chg="del">
         <pc:chgData name="Matthieu De Mari" userId="dfb708c9-d8dc-439f-9a3b-c772bf4a311c" providerId="ADAL" clId="{44ABFB41-BEA6-4DBA-BBB4-11FE1C0F0B9A}" dt="2023-06-16T07:10:04.549" v="0" actId="47"/>
         <pc:sldMkLst>
@@ -4496,6 +4635,21 @@
             <pc:docMk/>
             <pc:sldMk cId="557429466" sldId="785"/>
             <ac:spMk id="5" creationId="{E85979EA-F014-A9DE-13D1-EA9A2099FCA3}"/>
+          </ac:spMkLst>
+        </pc:spChg>
+      </pc:sldChg>
+      <pc:sldChg chg="modSp add mod">
+        <pc:chgData name="Matthieu De Mari" userId="dfb708c9-d8dc-439f-9a3b-c772bf4a311c" providerId="ADAL" clId="{44ABFB41-BEA6-4DBA-BBB4-11FE1C0F0B9A}" dt="2023-06-22T05:13:36.642" v="588" actId="20577"/>
+        <pc:sldMkLst>
+          <pc:docMk/>
+          <pc:sldMk cId="2509505199" sldId="786"/>
+        </pc:sldMkLst>
+        <pc:spChg chg="mod">
+          <ac:chgData name="Matthieu De Mari" userId="dfb708c9-d8dc-439f-9a3b-c772bf4a311c" providerId="ADAL" clId="{44ABFB41-BEA6-4DBA-BBB4-11FE1C0F0B9A}" dt="2023-06-22T05:13:36.642" v="588" actId="20577"/>
+          <ac:spMkLst>
+            <pc:docMk/>
+            <pc:sldMk cId="2509505199" sldId="786"/>
+            <ac:spMk id="2" creationId="{581B7E6E-252F-1AB6-6445-27D0020E0280}"/>
           </ac:spMkLst>
         </pc:spChg>
       </pc:sldChg>
@@ -4586,7 +4740,7 @@
           <a:p>
             <a:fld id="{61478373-EB31-4867-8CF0-FA31364748A5}" type="datetimeFigureOut">
               <a:rPr lang="en-GB" smtClean="0"/>
-              <a:t>16/06/2023</a:t>
+              <a:t>22/06/2023</a:t>
             </a:fld>
             <a:endParaRPr lang="en-GB"/>
           </a:p>
@@ -5003,7 +5157,7 @@
           <a:p>
             <a:fld id="{E85DF616-B21E-4EF6-A6A5-95E2FB3EB1A1}" type="datetimeFigureOut">
               <a:rPr lang="en-GB" smtClean="0"/>
-              <a:t>16/06/2023</a:t>
+              <a:t>22/06/2023</a:t>
             </a:fld>
             <a:endParaRPr lang="en-GB"/>
           </a:p>
@@ -5203,7 +5357,7 @@
           <a:p>
             <a:fld id="{E85DF616-B21E-4EF6-A6A5-95E2FB3EB1A1}" type="datetimeFigureOut">
               <a:rPr lang="en-GB" smtClean="0"/>
-              <a:t>16/06/2023</a:t>
+              <a:t>22/06/2023</a:t>
             </a:fld>
             <a:endParaRPr lang="en-GB"/>
           </a:p>
@@ -5413,7 +5567,7 @@
           <a:p>
             <a:fld id="{E85DF616-B21E-4EF6-A6A5-95E2FB3EB1A1}" type="datetimeFigureOut">
               <a:rPr lang="en-GB" smtClean="0"/>
-              <a:t>16/06/2023</a:t>
+              <a:t>22/06/2023</a:t>
             </a:fld>
             <a:endParaRPr lang="en-GB"/>
           </a:p>
@@ -5613,7 +5767,7 @@
           <a:p>
             <a:fld id="{E85DF616-B21E-4EF6-A6A5-95E2FB3EB1A1}" type="datetimeFigureOut">
               <a:rPr lang="en-GB" smtClean="0"/>
-              <a:t>16/06/2023</a:t>
+              <a:t>22/06/2023</a:t>
             </a:fld>
             <a:endParaRPr lang="en-GB"/>
           </a:p>
@@ -5889,7 +6043,7 @@
           <a:p>
             <a:fld id="{E85DF616-B21E-4EF6-A6A5-95E2FB3EB1A1}" type="datetimeFigureOut">
               <a:rPr lang="en-GB" smtClean="0"/>
-              <a:t>16/06/2023</a:t>
+              <a:t>22/06/2023</a:t>
             </a:fld>
             <a:endParaRPr lang="en-GB"/>
           </a:p>
@@ -6157,7 +6311,7 @@
           <a:p>
             <a:fld id="{E85DF616-B21E-4EF6-A6A5-95E2FB3EB1A1}" type="datetimeFigureOut">
               <a:rPr lang="en-GB" smtClean="0"/>
-              <a:t>16/06/2023</a:t>
+              <a:t>22/06/2023</a:t>
             </a:fld>
             <a:endParaRPr lang="en-GB"/>
           </a:p>
@@ -6572,7 +6726,7 @@
           <a:p>
             <a:fld id="{E85DF616-B21E-4EF6-A6A5-95E2FB3EB1A1}" type="datetimeFigureOut">
               <a:rPr lang="en-GB" smtClean="0"/>
-              <a:t>16/06/2023</a:t>
+              <a:t>22/06/2023</a:t>
             </a:fld>
             <a:endParaRPr lang="en-GB"/>
           </a:p>
@@ -6714,7 +6868,7 @@
           <a:p>
             <a:fld id="{E85DF616-B21E-4EF6-A6A5-95E2FB3EB1A1}" type="datetimeFigureOut">
               <a:rPr lang="en-GB" smtClean="0"/>
-              <a:t>16/06/2023</a:t>
+              <a:t>22/06/2023</a:t>
             </a:fld>
             <a:endParaRPr lang="en-GB"/>
           </a:p>
@@ -6827,7 +6981,7 @@
           <a:p>
             <a:fld id="{E85DF616-B21E-4EF6-A6A5-95E2FB3EB1A1}" type="datetimeFigureOut">
               <a:rPr lang="en-GB" smtClean="0"/>
-              <a:t>16/06/2023</a:t>
+              <a:t>22/06/2023</a:t>
             </a:fld>
             <a:endParaRPr lang="en-GB"/>
           </a:p>
@@ -7140,7 +7294,7 @@
           <a:p>
             <a:fld id="{E85DF616-B21E-4EF6-A6A5-95E2FB3EB1A1}" type="datetimeFigureOut">
               <a:rPr lang="en-GB" smtClean="0"/>
-              <a:t>16/06/2023</a:t>
+              <a:t>22/06/2023</a:t>
             </a:fld>
             <a:endParaRPr lang="en-GB"/>
           </a:p>
@@ -7429,7 +7583,7 @@
           <a:p>
             <a:fld id="{E85DF616-B21E-4EF6-A6A5-95E2FB3EB1A1}" type="datetimeFigureOut">
               <a:rPr lang="en-GB" smtClean="0"/>
-              <a:t>16/06/2023</a:t>
+              <a:t>22/06/2023</a:t>
             </a:fld>
             <a:endParaRPr lang="en-GB"/>
           </a:p>
@@ -7672,7 +7826,7 @@
           <a:p>
             <a:fld id="{E85DF616-B21E-4EF6-A6A5-95E2FB3EB1A1}" type="datetimeFigureOut">
               <a:rPr lang="en-GB" smtClean="0"/>
-              <a:t>16/06/2023</a:t>
+              <a:t>22/06/2023</a:t>
             </a:fld>
             <a:endParaRPr lang="en-GB"/>
           </a:p>
@@ -12515,7 +12669,15 @@
             </a:pPr>
             <a:r>
               <a:rPr lang="en-GB" dirty="0"/>
-              <a:t>Tensors, just like NumPy arrays, support broadcasting.</a:t>
+              <a:t>Tensors, just like NumPy arrays, support </a:t>
+            </a:r>
+            <a:r>
+              <a:rPr lang="en-GB" b="1" dirty="0"/>
+              <a:t>broadcasting</a:t>
+            </a:r>
+            <a:r>
+              <a:rPr lang="en-GB" dirty="0"/>
+              <a:t>.</a:t>
             </a:r>
           </a:p>
           <a:p>
@@ -12524,15 +12686,23 @@
             </a:pPr>
             <a:r>
               <a:rPr lang="en-GB" dirty="0"/>
-              <a:t>Two tensors are “</a:t>
-            </a:r>
-            <a:r>
-              <a:rPr lang="en-GB" dirty="0" err="1"/>
+              <a:t>Two tensors are </a:t>
+            </a:r>
+            <a:r>
+              <a:rPr lang="en-GB" b="1" dirty="0"/>
+              <a:t>“</a:t>
+            </a:r>
+            <a:r>
+              <a:rPr lang="en-GB" b="1" dirty="0" err="1"/>
               <a:t>broadcastable</a:t>
             </a:r>
             <a:r>
-              <a:rPr lang="en-GB" dirty="0"/>
-              <a:t>” if the following rules hold:</a:t>
+              <a:rPr lang="en-GB" b="1" dirty="0"/>
+              <a:t>” </a:t>
+            </a:r>
+            <a:r>
+              <a:rPr lang="en-GB" dirty="0"/>
+              <a:t>if the following rules hold:</a:t>
             </a:r>
           </a:p>
           <a:p>
@@ -12544,7 +12714,15 @@
           <a:p>
             <a:r>
               <a:rPr lang="en-GB" dirty="0"/>
-              <a:t>When iterating over the dimension sizes, starting at the trailing dimension, the dimension sizes must either be equal, one of them is 1, or one of them does not exist.</a:t>
+              <a:t>When iterating over the dimension sizes, </a:t>
+            </a:r>
+            <a:r>
+              <a:rPr lang="en-GB" u="sng" dirty="0"/>
+              <a:t>starting at the trailing dimension</a:t>
+            </a:r>
+            <a:r>
+              <a:rPr lang="en-GB" dirty="0"/>
+              <a:t>, the dimension sizes must either be equal, one of them is 1, or one of them does not exist.</a:t>
             </a:r>
           </a:p>
           <a:p>
@@ -12583,17 +12761,36 @@
           </a:bodyPr>
           <a:lstStyle/>
           <a:p>
-            <a:r>
-              <a:rPr lang="en-GB" dirty="0"/>
-              <a:t>If two tensors x, y are “</a:t>
-            </a:r>
-            <a:r>
-              <a:rPr lang="en-GB" dirty="0" err="1"/>
+            <a:pPr marL="0" indent="0">
+              <a:buNone/>
+            </a:pPr>
+            <a:r>
+              <a:rPr lang="en-GB" dirty="0"/>
+              <a:t>If two tensors x, y are </a:t>
+            </a:r>
+            <a:r>
+              <a:rPr lang="en-GB" b="1" dirty="0"/>
+              <a:t>“</a:t>
+            </a:r>
+            <a:r>
+              <a:rPr lang="en-GB" b="1" dirty="0" err="1"/>
               <a:t>broadcastable</a:t>
             </a:r>
             <a:r>
-              <a:rPr lang="en-GB" dirty="0"/>
-              <a:t>”, the resulting tensor size is calculated as follows:</a:t>
+              <a:rPr lang="en-GB" b="1" dirty="0"/>
+              <a:t>”</a:t>
+            </a:r>
+            <a:r>
+              <a:rPr lang="en-GB" dirty="0"/>
+              <a:t>,</a:t>
+            </a:r>
+            <a:r>
+              <a:rPr lang="en-GB" b="1" dirty="0"/>
+              <a:t> </a:t>
+            </a:r>
+            <a:r>
+              <a:rPr lang="en-GB" dirty="0"/>
+              <a:t>the resulting tensor size is calculated as follows:</a:t>
             </a:r>
           </a:p>
           <a:p>
@@ -13919,23 +14116,7 @@
             </a:r>
             <a:r>
               <a:rPr lang="en-GB" dirty="0"/>
-              <a:t> will force transfer to the </a:t>
-            </a:r>
-            <a:r>
-              <a:rPr lang="en-GB" dirty="0" err="1"/>
-              <a:t>cpu</a:t>
-            </a:r>
-            <a:r>
-              <a:rPr lang="en-GB" dirty="0"/>
-              <a:t> or </a:t>
-            </a:r>
-            <a:r>
-              <a:rPr lang="en-GB" dirty="0" err="1"/>
-              <a:t>cuda</a:t>
-            </a:r>
-            <a:r>
-              <a:rPr lang="en-GB" dirty="0"/>
-              <a:t> respectively. Note that it might fail if your machine is not CUDA compatible.</a:t>
+              <a:t> will force transfer to the CPU or CUDA respectively. Note that it might fail if your machine is not CUDA compatible.</a:t>
             </a:r>
           </a:p>
           <a:p>
@@ -14150,23 +14331,7 @@
             </a:r>
             <a:r>
               <a:rPr lang="en-GB" dirty="0"/>
-              <a:t> will force transfer to the </a:t>
-            </a:r>
-            <a:r>
-              <a:rPr lang="en-GB" dirty="0" err="1"/>
-              <a:t>cpu</a:t>
-            </a:r>
-            <a:r>
-              <a:rPr lang="en-GB" dirty="0"/>
-              <a:t> or </a:t>
-            </a:r>
-            <a:r>
-              <a:rPr lang="en-GB" dirty="0" err="1"/>
-              <a:t>cuda</a:t>
-            </a:r>
-            <a:r>
-              <a:rPr lang="en-GB" dirty="0"/>
-              <a:t> respectively. Note that it might fail if your machine is not CUDA compatible.</a:t>
+              <a:t> will force transfer to the CPU or CUDA respectively. Note that it might fail if your machine is not CUDA compatible.</a:t>
             </a:r>
           </a:p>
           <a:p>
@@ -14329,19 +14494,21 @@
           </a:bodyPr>
           <a:lstStyle/>
           <a:p>
+            <a:pPr marL="0" indent="0">
+              <a:buNone/>
+            </a:pPr>
             <a:r>
               <a:rPr lang="en-GB" b="1" dirty="0"/>
-              <a:t>Keep in mind: two tensors with different devices cannot be used in the same operation! (same logic as </a:t>
+              <a:t>Keep in mind: two tensors with different devices cannot be used in the same operation! (same logic as with the </a:t>
             </a:r>
             <a:r>
               <a:rPr lang="en-GB" b="1" dirty="0" err="1"/>
               <a:t>dtypes</a:t>
             </a:r>
             <a:r>
-              <a:rPr lang="en-GB" b="1"/>
+              <a:rPr lang="en-GB" b="1" dirty="0"/>
               <a:t>).</a:t>
             </a:r>
-            <a:endParaRPr lang="en-GB" b="1" dirty="0"/>
           </a:p>
           <a:p>
             <a:endParaRPr lang="en-SG" dirty="0"/>
@@ -15162,6 +15329,10 @@
               <a:t>retain_grad</a:t>
             </a:r>
             <a:r>
+              <a:rPr lang="en-GB" b="1" dirty="0"/>
+              <a:t>()</a:t>
+            </a:r>
+            <a:r>
               <a:rPr lang="en-GB" dirty="0"/>
               <a:t> to </a:t>
             </a:r>
@@ -15334,7 +15505,7 @@
             </a:r>
             <a:r>
               <a:rPr lang="en-GB" b="1" dirty="0"/>
-              <a:t> </a:t>
+              <a:t>() </a:t>
             </a:r>
             <a:r>
               <a:rPr lang="en-GB" dirty="0"/>
@@ -15454,6 +15625,9 @@
           <a:bodyPr/>
           <a:lstStyle/>
           <a:p>
+            <a:pPr marL="0" indent="0">
+              <a:buNone/>
+            </a:pPr>
             <a:r>
               <a:rPr lang="en-GB" dirty="0"/>
               <a:t>Similarly, we can rewrite the </a:t>
@@ -16011,12 +16185,12 @@
           <a:bodyPr/>
           <a:lstStyle/>
           <a:p>
-            <a:pPr marL="0" indent="0" algn="ctr">
+            <a:pPr marL="0" indent="0">
               <a:buNone/>
             </a:pPr>
             <a:r>
               <a:rPr lang="en-GB" dirty="0"/>
-              <a:t>Before using this Neural Network on our dataset, we need to convert them to </a:t>
+              <a:t>Before using this Neural Network on our dataset, we need to convert samples to </a:t>
             </a:r>
             <a:r>
               <a:rPr lang="en-GB" dirty="0" err="1"/>
@@ -16232,10 +16406,10 @@
           </a:p>
           <a:p>
             <a:r>
-              <a:rPr lang="en-GB" dirty="0"/>
-              <a:t>Obviously depends on your machine (could achieve even more).</a:t>
-            </a:r>
-            <a:endParaRPr lang="en-SG" dirty="0"/>
+              <a:rPr lang="en-GB" i="1" dirty="0"/>
+              <a:t>(Obviously depends on your machine, could be even more on some specific DL GPUs).</a:t>
+            </a:r>
+            <a:endParaRPr lang="en-SG" i="1" dirty="0"/>
           </a:p>
         </p:txBody>
       </p:sp>
@@ -16267,8 +16441,8 @@
         </p:blipFill>
         <p:spPr>
           <a:xfrm>
-            <a:off x="2463083" y="4413750"/>
-            <a:ext cx="7976573" cy="2444250"/>
+            <a:off x="2237939" y="4493560"/>
+            <a:ext cx="7716121" cy="2364440"/>
           </a:xfrm>
           <a:prstGeom prst="rect">
             <a:avLst/>
@@ -16416,11 +16590,7 @@
           <a:p>
             <a:r>
               <a:rPr lang="en-GB" dirty="0"/>
-              <a:t>A bit of practice for you to try </a:t>
-            </a:r>
-            <a:r>
-              <a:rPr lang="en-GB"/>
-              <a:t>at home</a:t>
+              <a:t>A bit of practice for you</a:t>
             </a:r>
             <a:endParaRPr lang="en-SG" dirty="0"/>
           </a:p>
@@ -16444,8 +16614,145 @@
         </p:nvSpPr>
         <p:spPr>
           <a:xfrm>
-            <a:off x="838200" y="1825624"/>
-            <a:ext cx="10515600" cy="5032375"/>
+            <a:off x="838199" y="1825624"/>
+            <a:ext cx="11068665" cy="5032375"/>
+          </a:xfrm>
+        </p:spPr>
+        <p:txBody>
+          <a:bodyPr>
+            <a:normAutofit/>
+          </a:bodyPr>
+          <a:lstStyle/>
+          <a:p>
+            <a:pPr marL="0" indent="0">
+              <a:buNone/>
+            </a:pPr>
+            <a:r>
+              <a:rPr lang="en-GB" dirty="0"/>
+              <a:t>In order to practice your </a:t>
+            </a:r>
+            <a:r>
+              <a:rPr lang="en-GB" dirty="0" err="1"/>
+              <a:t>PyTorch</a:t>
+            </a:r>
+            <a:r>
+              <a:rPr lang="en-GB" dirty="0"/>
+              <a:t> Tensor skills,</a:t>
+            </a:r>
+          </a:p>
+          <a:p>
+            <a:r>
+              <a:rPr lang="en-GB" dirty="0"/>
+              <a:t>Have a look at Notebook #3,</a:t>
+            </a:r>
+          </a:p>
+          <a:p>
+            <a:r>
+              <a:rPr lang="en-GB" dirty="0"/>
+              <a:t>It contains three functions (computing the mean of a 2D tensor column-wise, finding indices where the values a 2D tensor are greater than 5, concatenating two 2D tensors, etc.)</a:t>
+            </a:r>
+          </a:p>
+          <a:p>
+            <a:r>
+              <a:rPr lang="en-GB" dirty="0"/>
+              <a:t>Solutions are given in the Notebook 3 solution folder.</a:t>
+            </a:r>
+          </a:p>
+          <a:p>
+            <a:pPr marL="0" indent="0">
+              <a:buNone/>
+            </a:pPr>
+            <a:r>
+              <a:rPr lang="en-GB" dirty="0"/>
+              <a:t>Let us use the remaining time to practice.</a:t>
+            </a:r>
+            <a:endParaRPr lang="en-SG" dirty="0"/>
+          </a:p>
+        </p:txBody>
+      </p:sp>
+    </p:spTree>
+    <p:extLst>
+      <p:ext uri="{BB962C8B-B14F-4D97-AF65-F5344CB8AC3E}">
+        <p14:creationId xmlns:p14="http://schemas.microsoft.com/office/powerpoint/2010/main" val="3140288791"/>
+      </p:ext>
+    </p:extLst>
+  </p:cSld>
+  <p:clrMapOvr>
+    <a:masterClrMapping/>
+  </p:clrMapOvr>
+</p:sld>
+</file>
+
+<file path=ppt/slides/slide45.xml><?xml version="1.0" encoding="utf-8"?>
+<p:sld xmlns:a="http://schemas.openxmlformats.org/drawingml/2006/main" xmlns:r="http://schemas.openxmlformats.org/officeDocument/2006/relationships" xmlns:p="http://schemas.openxmlformats.org/presentationml/2006/main">
+  <p:cSld>
+    <p:spTree>
+      <p:nvGrpSpPr>
+        <p:cNvPr id="1" name=""/>
+        <p:cNvGrpSpPr/>
+        <p:nvPr/>
+      </p:nvGrpSpPr>
+      <p:grpSpPr>
+        <a:xfrm>
+          <a:off x="0" y="0"/>
+          <a:ext cx="0" cy="0"/>
+          <a:chOff x="0" y="0"/>
+          <a:chExt cx="0" cy="0"/>
+        </a:xfrm>
+      </p:grpSpPr>
+      <p:sp>
+        <p:nvSpPr>
+          <p:cNvPr id="2" name="Title 1">
+            <a:extLst>
+              <a:ext uri="{FF2B5EF4-FFF2-40B4-BE49-F238E27FC236}">
+                <a16:creationId xmlns:a16="http://schemas.microsoft.com/office/drawing/2014/main" id="{581B7E6E-252F-1AB6-6445-27D0020E0280}"/>
+              </a:ext>
+            </a:extLst>
+          </p:cNvPr>
+          <p:cNvSpPr>
+            <a:spLocks noGrp="1"/>
+          </p:cNvSpPr>
+          <p:nvPr>
+            <p:ph type="title"/>
+          </p:nvPr>
+        </p:nvSpPr>
+        <p:spPr/>
+        <p:txBody>
+          <a:bodyPr/>
+          <a:lstStyle/>
+          <a:p>
+            <a:r>
+              <a:rPr lang="en-GB" dirty="0"/>
+              <a:t>A bit of practice </a:t>
+            </a:r>
+            <a:r>
+              <a:rPr lang="en-GB"/>
+              <a:t>for you</a:t>
+            </a:r>
+            <a:endParaRPr lang="en-SG" dirty="0"/>
+          </a:p>
+        </p:txBody>
+      </p:sp>
+      <p:sp>
+        <p:nvSpPr>
+          <p:cNvPr id="3" name="Content Placeholder 2">
+            <a:extLst>
+              <a:ext uri="{FF2B5EF4-FFF2-40B4-BE49-F238E27FC236}">
+                <a16:creationId xmlns:a16="http://schemas.microsoft.com/office/drawing/2014/main" id="{088657BF-BB53-D488-1F2B-77F25EDE3A56}"/>
+              </a:ext>
+            </a:extLst>
+          </p:cNvPr>
+          <p:cNvSpPr>
+            <a:spLocks noGrp="1"/>
+          </p:cNvSpPr>
+          <p:nvPr>
+            <p:ph idx="1"/>
+          </p:nvPr>
+        </p:nvSpPr>
+        <p:spPr>
+          <a:xfrm>
+            <a:off x="838199" y="1825624"/>
+            <a:ext cx="11068665" cy="5032375"/>
           </a:xfrm>
         </p:spPr>
         <p:txBody>
@@ -16459,7 +16766,7 @@
             </a:pPr>
             <a:r>
               <a:rPr lang="en-GB" dirty="0"/>
-              <a:t>In order to practice your </a:t>
+              <a:t>In order to continue your practice your </a:t>
             </a:r>
             <a:r>
               <a:rPr lang="en-GB" dirty="0" err="1"/>
@@ -16504,7 +16811,7 @@
           <a:p>
             <a:r>
               <a:rPr lang="en-GB" dirty="0"/>
-              <a:t>Transposing a given 2D tensor,</a:t>
+              <a:t>Transposing a given 2D tensor, computing its determinant, eigenvalues/eigenvectors,</a:t>
             </a:r>
           </a:p>
           <a:p>
@@ -16535,7 +16842,7 @@
             </a:r>
             <a:r>
               <a:rPr lang="en-GB" dirty="0" err="1"/>
-              <a:t>numpy</a:t>
+              <a:t>Numpy</a:t>
             </a:r>
             <a:r>
               <a:rPr lang="en-GB" dirty="0"/>
@@ -16543,7 +16850,7 @@
             </a:r>
             <a:r>
               <a:rPr lang="en-GB" dirty="0" err="1"/>
-              <a:t>pytorch</a:t>
+              <a:t>PyTorch</a:t>
             </a:r>
             <a:r>
               <a:rPr lang="en-GB" dirty="0"/>
@@ -16565,7 +16872,7 @@
     </p:spTree>
     <p:extLst>
       <p:ext uri="{BB962C8B-B14F-4D97-AF65-F5344CB8AC3E}">
-        <p14:creationId xmlns:p14="http://schemas.microsoft.com/office/powerpoint/2010/main" val="3140288791"/>
+        <p14:creationId xmlns:p14="http://schemas.microsoft.com/office/powerpoint/2010/main" val="2509505199"/>
       </p:ext>
     </p:extLst>
   </p:cSld>

--- a/W3/1. W3S1 final/W3S1.pptx
+++ b/W3/1. W3S1 final/W3S1.pptx
@@ -4340,7 +4340,7 @@
   <pc:docChgLst>
     <pc:chgData name="Matthieu De Mari" userId="dfb708c9-d8dc-439f-9a3b-c772bf4a311c" providerId="ADAL" clId="{44ABFB41-BEA6-4DBA-BBB4-11FE1C0F0B9A}"/>
     <pc:docChg chg="custSel addSld delSld modSld sldOrd delSection modSection">
-      <pc:chgData name="Matthieu De Mari" userId="dfb708c9-d8dc-439f-9a3b-c772bf4a311c" providerId="ADAL" clId="{44ABFB41-BEA6-4DBA-BBB4-11FE1C0F0B9A}" dt="2023-06-22T05:13:36.642" v="588" actId="20577"/>
+      <pc:chgData name="Matthieu De Mari" userId="dfb708c9-d8dc-439f-9a3b-c772bf4a311c" providerId="ADAL" clId="{44ABFB41-BEA6-4DBA-BBB4-11FE1C0F0B9A}" dt="2023-07-06T02:56:04.856" v="671" actId="20577"/>
       <pc:docMkLst>
         <pc:docMk/>
       </pc:docMkLst>
@@ -4399,6 +4399,21 @@
         </pc:spChg>
       </pc:sldChg>
       <pc:sldChg chg="modSp mod">
+        <pc:chgData name="Matthieu De Mari" userId="dfb708c9-d8dc-439f-9a3b-c772bf4a311c" providerId="ADAL" clId="{44ABFB41-BEA6-4DBA-BBB4-11FE1C0F0B9A}" dt="2023-07-06T02:53:13.881" v="653" actId="113"/>
+        <pc:sldMkLst>
+          <pc:docMk/>
+          <pc:sldMk cId="1921397945" sldId="383"/>
+        </pc:sldMkLst>
+        <pc:spChg chg="mod">
+          <ac:chgData name="Matthieu De Mari" userId="dfb708c9-d8dc-439f-9a3b-c772bf4a311c" providerId="ADAL" clId="{44ABFB41-BEA6-4DBA-BBB4-11FE1C0F0B9A}" dt="2023-07-06T02:53:13.881" v="653" actId="113"/>
+          <ac:spMkLst>
+            <pc:docMk/>
+            <pc:sldMk cId="1921397945" sldId="383"/>
+            <ac:spMk id="3" creationId="{4E3EB5A2-1EBE-6555-85E5-4CA6DEF3845D}"/>
+          </ac:spMkLst>
+        </pc:spChg>
+      </pc:sldChg>
+      <pc:sldChg chg="modSp mod">
         <pc:chgData name="Matthieu De Mari" userId="dfb708c9-d8dc-439f-9a3b-c772bf4a311c" providerId="ADAL" clId="{44ABFB41-BEA6-4DBA-BBB4-11FE1C0F0B9A}" dt="2023-06-22T04:23:23.153" v="83" actId="20577"/>
         <pc:sldMkLst>
           <pc:docMk/>
@@ -4505,13 +4520,28 @@
         </pc:spChg>
       </pc:sldChg>
       <pc:sldChg chg="modSp mod">
-        <pc:chgData name="Matthieu De Mari" userId="dfb708c9-d8dc-439f-9a3b-c772bf4a311c" providerId="ADAL" clId="{44ABFB41-BEA6-4DBA-BBB4-11FE1C0F0B9A}" dt="2023-06-22T04:22:32.150" v="69" actId="20577"/>
+        <pc:chgData name="Matthieu De Mari" userId="dfb708c9-d8dc-439f-9a3b-c772bf4a311c" providerId="ADAL" clId="{44ABFB41-BEA6-4DBA-BBB4-11FE1C0F0B9A}" dt="2023-07-06T02:51:45.547" v="600" actId="20577"/>
+        <pc:sldMkLst>
+          <pc:docMk/>
+          <pc:sldMk cId="4145254973" sldId="423"/>
+        </pc:sldMkLst>
+        <pc:spChg chg="mod">
+          <ac:chgData name="Matthieu De Mari" userId="dfb708c9-d8dc-439f-9a3b-c772bf4a311c" providerId="ADAL" clId="{44ABFB41-BEA6-4DBA-BBB4-11FE1C0F0B9A}" dt="2023-07-06T02:51:45.547" v="600" actId="20577"/>
+          <ac:spMkLst>
+            <pc:docMk/>
+            <pc:sldMk cId="4145254973" sldId="423"/>
+            <ac:spMk id="3" creationId="{FA1F1CE6-06FF-6DD6-265C-39A26CC7DB57}"/>
+          </ac:spMkLst>
+        </pc:spChg>
+      </pc:sldChg>
+      <pc:sldChg chg="modSp mod">
+        <pc:chgData name="Matthieu De Mari" userId="dfb708c9-d8dc-439f-9a3b-c772bf4a311c" providerId="ADAL" clId="{44ABFB41-BEA6-4DBA-BBB4-11FE1C0F0B9A}" dt="2023-07-06T02:51:27.282" v="592" actId="20577"/>
         <pc:sldMkLst>
           <pc:docMk/>
           <pc:sldMk cId="1513778887" sldId="424"/>
         </pc:sldMkLst>
         <pc:spChg chg="mod">
-          <ac:chgData name="Matthieu De Mari" userId="dfb708c9-d8dc-439f-9a3b-c772bf4a311c" providerId="ADAL" clId="{44ABFB41-BEA6-4DBA-BBB4-11FE1C0F0B9A}" dt="2023-06-22T04:22:32.150" v="69" actId="20577"/>
+          <ac:chgData name="Matthieu De Mari" userId="dfb708c9-d8dc-439f-9a3b-c772bf4a311c" providerId="ADAL" clId="{44ABFB41-BEA6-4DBA-BBB4-11FE1C0F0B9A}" dt="2023-07-06T02:51:27.282" v="592" actId="20577"/>
           <ac:spMkLst>
             <pc:docMk/>
             <pc:sldMk cId="1513778887" sldId="424"/>
@@ -4520,13 +4550,13 @@
         </pc:spChg>
       </pc:sldChg>
       <pc:sldChg chg="modSp mod">
-        <pc:chgData name="Matthieu De Mari" userId="dfb708c9-d8dc-439f-9a3b-c772bf4a311c" providerId="ADAL" clId="{44ABFB41-BEA6-4DBA-BBB4-11FE1C0F0B9A}" dt="2023-06-22T04:22:23.531" v="62" actId="20577"/>
+        <pc:chgData name="Matthieu De Mari" userId="dfb708c9-d8dc-439f-9a3b-c772bf4a311c" providerId="ADAL" clId="{44ABFB41-BEA6-4DBA-BBB4-11FE1C0F0B9A}" dt="2023-07-06T02:51:39.838" v="596" actId="20577"/>
         <pc:sldMkLst>
           <pc:docMk/>
           <pc:sldMk cId="548772636" sldId="425"/>
         </pc:sldMkLst>
         <pc:spChg chg="mod">
-          <ac:chgData name="Matthieu De Mari" userId="dfb708c9-d8dc-439f-9a3b-c772bf4a311c" providerId="ADAL" clId="{44ABFB41-BEA6-4DBA-BBB4-11FE1C0F0B9A}" dt="2023-06-22T04:22:23.531" v="62" actId="20577"/>
+          <ac:chgData name="Matthieu De Mari" userId="dfb708c9-d8dc-439f-9a3b-c772bf4a311c" providerId="ADAL" clId="{44ABFB41-BEA6-4DBA-BBB4-11FE1C0F0B9A}" dt="2023-07-06T02:51:39.838" v="596" actId="20577"/>
           <ac:spMkLst>
             <pc:docMk/>
             <pc:sldMk cId="548772636" sldId="425"/>
@@ -4535,13 +4565,13 @@
         </pc:spChg>
       </pc:sldChg>
       <pc:sldChg chg="modSp mod">
-        <pc:chgData name="Matthieu De Mari" userId="dfb708c9-d8dc-439f-9a3b-c772bf4a311c" providerId="ADAL" clId="{44ABFB41-BEA6-4DBA-BBB4-11FE1C0F0B9A}" dt="2023-06-22T04:22:42.074" v="79" actId="20577"/>
+        <pc:chgData name="Matthieu De Mari" userId="dfb708c9-d8dc-439f-9a3b-c772bf4a311c" providerId="ADAL" clId="{44ABFB41-BEA6-4DBA-BBB4-11FE1C0F0B9A}" dt="2023-07-06T02:52:04.084" v="618" actId="20577"/>
         <pc:sldMkLst>
           <pc:docMk/>
           <pc:sldMk cId="995336806" sldId="426"/>
         </pc:sldMkLst>
         <pc:spChg chg="mod">
-          <ac:chgData name="Matthieu De Mari" userId="dfb708c9-d8dc-439f-9a3b-c772bf4a311c" providerId="ADAL" clId="{44ABFB41-BEA6-4DBA-BBB4-11FE1C0F0B9A}" dt="2023-06-22T04:22:42.074" v="79" actId="20577"/>
+          <ac:chgData name="Matthieu De Mari" userId="dfb708c9-d8dc-439f-9a3b-c772bf4a311c" providerId="ADAL" clId="{44ABFB41-BEA6-4DBA-BBB4-11FE1C0F0B9A}" dt="2023-07-06T02:52:04.084" v="618" actId="20577"/>
           <ac:spMkLst>
             <pc:docMk/>
             <pc:sldMk cId="995336806" sldId="426"/>
@@ -4639,7 +4669,7 @@
         </pc:spChg>
       </pc:sldChg>
       <pc:sldChg chg="modSp add mod">
-        <pc:chgData name="Matthieu De Mari" userId="dfb708c9-d8dc-439f-9a3b-c772bf4a311c" providerId="ADAL" clId="{44ABFB41-BEA6-4DBA-BBB4-11FE1C0F0B9A}" dt="2023-06-22T05:13:36.642" v="588" actId="20577"/>
+        <pc:chgData name="Matthieu De Mari" userId="dfb708c9-d8dc-439f-9a3b-c772bf4a311c" providerId="ADAL" clId="{44ABFB41-BEA6-4DBA-BBB4-11FE1C0F0B9A}" dt="2023-07-06T02:56:04.856" v="671" actId="20577"/>
         <pc:sldMkLst>
           <pc:docMk/>
           <pc:sldMk cId="2509505199" sldId="786"/>
@@ -4650,6 +4680,14 @@
             <pc:docMk/>
             <pc:sldMk cId="2509505199" sldId="786"/>
             <ac:spMk id="2" creationId="{581B7E6E-252F-1AB6-6445-27D0020E0280}"/>
+          </ac:spMkLst>
+        </pc:spChg>
+        <pc:spChg chg="mod">
+          <ac:chgData name="Matthieu De Mari" userId="dfb708c9-d8dc-439f-9a3b-c772bf4a311c" providerId="ADAL" clId="{44ABFB41-BEA6-4DBA-BBB4-11FE1C0F0B9A}" dt="2023-07-06T02:56:04.856" v="671" actId="20577"/>
+          <ac:spMkLst>
+            <pc:docMk/>
+            <pc:sldMk cId="2509505199" sldId="786"/>
+            <ac:spMk id="3" creationId="{088657BF-BB53-D488-1F2B-77F25EDE3A56}"/>
           </ac:spMkLst>
         </pc:spChg>
       </pc:sldChg>
@@ -4740,7 +4778,7 @@
           <a:p>
             <a:fld id="{61478373-EB31-4867-8CF0-FA31364748A5}" type="datetimeFigureOut">
               <a:rPr lang="en-GB" smtClean="0"/>
-              <a:t>22/06/2023</a:t>
+              <a:t>06/07/2023</a:t>
             </a:fld>
             <a:endParaRPr lang="en-GB"/>
           </a:p>
@@ -5157,7 +5195,7 @@
           <a:p>
             <a:fld id="{E85DF616-B21E-4EF6-A6A5-95E2FB3EB1A1}" type="datetimeFigureOut">
               <a:rPr lang="en-GB" smtClean="0"/>
-              <a:t>22/06/2023</a:t>
+              <a:t>06/07/2023</a:t>
             </a:fld>
             <a:endParaRPr lang="en-GB"/>
           </a:p>
@@ -5357,7 +5395,7 @@
           <a:p>
             <a:fld id="{E85DF616-B21E-4EF6-A6A5-95E2FB3EB1A1}" type="datetimeFigureOut">
               <a:rPr lang="en-GB" smtClean="0"/>
-              <a:t>22/06/2023</a:t>
+              <a:t>06/07/2023</a:t>
             </a:fld>
             <a:endParaRPr lang="en-GB"/>
           </a:p>
@@ -5567,7 +5605,7 @@
           <a:p>
             <a:fld id="{E85DF616-B21E-4EF6-A6A5-95E2FB3EB1A1}" type="datetimeFigureOut">
               <a:rPr lang="en-GB" smtClean="0"/>
-              <a:t>22/06/2023</a:t>
+              <a:t>06/07/2023</a:t>
             </a:fld>
             <a:endParaRPr lang="en-GB"/>
           </a:p>
@@ -5767,7 +5805,7 @@
           <a:p>
             <a:fld id="{E85DF616-B21E-4EF6-A6A5-95E2FB3EB1A1}" type="datetimeFigureOut">
               <a:rPr lang="en-GB" smtClean="0"/>
-              <a:t>22/06/2023</a:t>
+              <a:t>06/07/2023</a:t>
             </a:fld>
             <a:endParaRPr lang="en-GB"/>
           </a:p>
@@ -6043,7 +6081,7 @@
           <a:p>
             <a:fld id="{E85DF616-B21E-4EF6-A6A5-95E2FB3EB1A1}" type="datetimeFigureOut">
               <a:rPr lang="en-GB" smtClean="0"/>
-              <a:t>22/06/2023</a:t>
+              <a:t>06/07/2023</a:t>
             </a:fld>
             <a:endParaRPr lang="en-GB"/>
           </a:p>
@@ -6311,7 +6349,7 @@
           <a:p>
             <a:fld id="{E85DF616-B21E-4EF6-A6A5-95E2FB3EB1A1}" type="datetimeFigureOut">
               <a:rPr lang="en-GB" smtClean="0"/>
-              <a:t>22/06/2023</a:t>
+              <a:t>06/07/2023</a:t>
             </a:fld>
             <a:endParaRPr lang="en-GB"/>
           </a:p>
@@ -6726,7 +6764,7 @@
           <a:p>
             <a:fld id="{E85DF616-B21E-4EF6-A6A5-95E2FB3EB1A1}" type="datetimeFigureOut">
               <a:rPr lang="en-GB" smtClean="0"/>
-              <a:t>22/06/2023</a:t>
+              <a:t>06/07/2023</a:t>
             </a:fld>
             <a:endParaRPr lang="en-GB"/>
           </a:p>
@@ -6868,7 +6906,7 @@
           <a:p>
             <a:fld id="{E85DF616-B21E-4EF6-A6A5-95E2FB3EB1A1}" type="datetimeFigureOut">
               <a:rPr lang="en-GB" smtClean="0"/>
-              <a:t>22/06/2023</a:t>
+              <a:t>06/07/2023</a:t>
             </a:fld>
             <a:endParaRPr lang="en-GB"/>
           </a:p>
@@ -6981,7 +7019,7 @@
           <a:p>
             <a:fld id="{E85DF616-B21E-4EF6-A6A5-95E2FB3EB1A1}" type="datetimeFigureOut">
               <a:rPr lang="en-GB" smtClean="0"/>
-              <a:t>22/06/2023</a:t>
+              <a:t>06/07/2023</a:t>
             </a:fld>
             <a:endParaRPr lang="en-GB"/>
           </a:p>
@@ -7294,7 +7332,7 @@
           <a:p>
             <a:fld id="{E85DF616-B21E-4EF6-A6A5-95E2FB3EB1A1}" type="datetimeFigureOut">
               <a:rPr lang="en-GB" smtClean="0"/>
-              <a:t>22/06/2023</a:t>
+              <a:t>06/07/2023</a:t>
             </a:fld>
             <a:endParaRPr lang="en-GB"/>
           </a:p>
@@ -7583,7 +7621,7 @@
           <a:p>
             <a:fld id="{E85DF616-B21E-4EF6-A6A5-95E2FB3EB1A1}" type="datetimeFigureOut">
               <a:rPr lang="en-GB" smtClean="0"/>
-              <a:t>22/06/2023</a:t>
+              <a:t>06/07/2023</a:t>
             </a:fld>
             <a:endParaRPr lang="en-GB"/>
           </a:p>
@@ -7826,7 +7864,7 @@
           <a:p>
             <a:fld id="{E85DF616-B21E-4EF6-A6A5-95E2FB3EB1A1}" type="datetimeFigureOut">
               <a:rPr lang="en-GB" smtClean="0"/>
-              <a:t>22/06/2023</a:t>
+              <a:t>06/07/2023</a:t>
             </a:fld>
             <a:endParaRPr lang="en-GB"/>
           </a:p>
@@ -13386,7 +13424,7 @@
             </a:r>
             <a:r>
               <a:rPr lang="en-GB" dirty="0"/>
-              <a:t> method will transfer to the best device available for computation (device variable defined earlier, when we checked for </a:t>
+              <a:t> method will transfer to the best device available for computation (device variable was defined earlier, when we checked for </a:t>
             </a:r>
             <a:r>
               <a:rPr lang="en-GB" dirty="0" err="1"/>
@@ -14058,7 +14096,7 @@
             </a:r>
             <a:r>
               <a:rPr lang="en-GB" dirty="0"/>
-              <a:t> method will transfer to the best device available for computation (device variable defined earlier, when we checked for </a:t>
+              <a:t> method will transfer to the best device available for computation (device variable was defined earlier, when we checked for </a:t>
             </a:r>
             <a:r>
               <a:rPr lang="en-GB" dirty="0" err="1"/>
@@ -14273,7 +14311,7 @@
             </a:r>
             <a:r>
               <a:rPr lang="en-GB" dirty="0"/>
-              <a:t> method will transfer to the best device available for computation (device variable defined earlier, when we checked for </a:t>
+              <a:t> method will transfer to the best device available for computation (device variable was defined earlier, when we checked for </a:t>
             </a:r>
             <a:r>
               <a:rPr lang="en-GB" dirty="0" err="1"/>
@@ -14499,7 +14537,7 @@
             </a:pPr>
             <a:r>
               <a:rPr lang="en-GB" b="1" dirty="0"/>
-              <a:t>Keep in mind: two tensors with different devices cannot be used in the same operation! (same logic as with the </a:t>
+              <a:t>Very important: two tensors with different devices cannot be used in the same operation! (same logic as with the </a:t>
             </a:r>
             <a:r>
               <a:rPr lang="en-GB" b="1" dirty="0" err="1"/>
@@ -14711,13 +14749,13 @@
         </p:nvSpPr>
         <p:spPr>
           <a:xfrm>
-            <a:off x="838200" y="1825624"/>
-            <a:ext cx="10515600" cy="5032375"/>
+            <a:off x="838199" y="1825624"/>
+            <a:ext cx="10783529" cy="5032375"/>
           </a:xfrm>
         </p:spPr>
         <p:txBody>
           <a:bodyPr>
-            <a:normAutofit fontScale="85000" lnSpcReduction="20000"/>
+            <a:normAutofit fontScale="85000" lnSpcReduction="10000"/>
           </a:bodyPr>
           <a:lstStyle/>
           <a:p>
@@ -14729,7 +14767,7 @@
               <a:t>We will reuse our previous </a:t>
             </a:r>
             <a:r>
-              <a:rPr lang="en-GB" dirty="0" err="1"/>
+              <a:rPr lang="en-GB" b="1" dirty="0" err="1"/>
               <a:t>ShallowNeuralNet</a:t>
             </a:r>
             <a:r>
@@ -14740,49 +14778,185 @@
           <a:p>
             <a:r>
               <a:rPr lang="en-GB" dirty="0"/>
-              <a:t>implements a Shallow neural network using two fully connected layers and sigmoid activation functions,</a:t>
-            </a:r>
-          </a:p>
-          <a:p>
-            <a:r>
-              <a:rPr lang="en-GB" dirty="0"/>
-              <a:t>uses a Stochastic Mini-Batch gradient descent, with Adam as its optimizer,</a:t>
-            </a:r>
-          </a:p>
-          <a:p>
-            <a:r>
-              <a:rPr lang="en-GB" dirty="0"/>
-              <a:t>uses a random normal initialization,</a:t>
-            </a:r>
-          </a:p>
-          <a:p>
-            <a:r>
-              <a:rPr lang="en-GB" dirty="0"/>
-              <a:t>comes with a forward() method for predictions,</a:t>
-            </a:r>
-          </a:p>
-          <a:p>
-            <a:r>
-              <a:rPr lang="en-GB" dirty="0"/>
-              <a:t>comes with a backward() and train() method for backpropagation training,</a:t>
-            </a:r>
-          </a:p>
-          <a:p>
-            <a:r>
-              <a:rPr lang="en-GB" dirty="0"/>
-              <a:t>comes with a cross-entropy loss function and an accuracy calculating loss function,</a:t>
-            </a:r>
-          </a:p>
-          <a:p>
-            <a:r>
-              <a:rPr lang="en-GB" dirty="0"/>
-              <a:t>comes with a display function, to show training curves on both the loss and the accuracy,</a:t>
-            </a:r>
-          </a:p>
-          <a:p>
-            <a:r>
-              <a:rPr lang="en-GB" dirty="0"/>
-              <a:t>comes with save and load functions.</a:t>
+              <a:t>implements a Shallow neural network using </a:t>
+            </a:r>
+            <a:r>
+              <a:rPr lang="en-GB" b="1" dirty="0"/>
+              <a:t>two fully connected layers </a:t>
+            </a:r>
+            <a:r>
+              <a:rPr lang="en-GB" dirty="0"/>
+              <a:t>and </a:t>
+            </a:r>
+            <a:r>
+              <a:rPr lang="en-GB" b="1" dirty="0"/>
+              <a:t>sigmoid</a:t>
+            </a:r>
+            <a:r>
+              <a:rPr lang="en-GB" dirty="0"/>
+              <a:t> </a:t>
+            </a:r>
+            <a:r>
+              <a:rPr lang="en-GB" b="1" dirty="0"/>
+              <a:t>activation</a:t>
+            </a:r>
+            <a:r>
+              <a:rPr lang="en-GB" dirty="0"/>
+              <a:t> </a:t>
+            </a:r>
+            <a:r>
+              <a:rPr lang="en-GB" b="1" dirty="0"/>
+              <a:t>functions</a:t>
+            </a:r>
+            <a:r>
+              <a:rPr lang="en-GB" dirty="0"/>
+              <a:t>,</a:t>
+            </a:r>
+          </a:p>
+          <a:p>
+            <a:r>
+              <a:rPr lang="en-GB" dirty="0"/>
+              <a:t>uses a </a:t>
+            </a:r>
+            <a:r>
+              <a:rPr lang="en-GB" b="1" dirty="0"/>
+              <a:t>Stochastic Mini-Batch gradient descent</a:t>
+            </a:r>
+            <a:r>
+              <a:rPr lang="en-GB" dirty="0"/>
+              <a:t>, with </a:t>
+            </a:r>
+            <a:r>
+              <a:rPr lang="en-GB" b="1" dirty="0"/>
+              <a:t>Adam</a:t>
+            </a:r>
+            <a:r>
+              <a:rPr lang="en-GB" dirty="0"/>
+              <a:t> as its optimizer,</a:t>
+            </a:r>
+          </a:p>
+          <a:p>
+            <a:r>
+              <a:rPr lang="en-GB" dirty="0"/>
+              <a:t>uses a </a:t>
+            </a:r>
+            <a:r>
+              <a:rPr lang="en-GB" b="1" dirty="0"/>
+              <a:t>random normal initialization</a:t>
+            </a:r>
+            <a:r>
+              <a:rPr lang="en-GB" dirty="0"/>
+              <a:t>,</a:t>
+            </a:r>
+          </a:p>
+          <a:p>
+            <a:r>
+              <a:rPr lang="en-GB" dirty="0"/>
+              <a:t>comes with a </a:t>
+            </a:r>
+            <a:r>
+              <a:rPr lang="en-GB" b="1" dirty="0"/>
+              <a:t>forward() method </a:t>
+            </a:r>
+            <a:r>
+              <a:rPr lang="en-GB" dirty="0"/>
+              <a:t>for predictions,</a:t>
+            </a:r>
+          </a:p>
+          <a:p>
+            <a:r>
+              <a:rPr lang="en-GB" dirty="0"/>
+              <a:t>comes with </a:t>
+            </a:r>
+            <a:r>
+              <a:rPr lang="en-GB" b="1" dirty="0"/>
+              <a:t>a backward() </a:t>
+            </a:r>
+            <a:r>
+              <a:rPr lang="en-GB" dirty="0"/>
+              <a:t>and </a:t>
+            </a:r>
+            <a:r>
+              <a:rPr lang="en-GB" b="1" dirty="0"/>
+              <a:t>train() method </a:t>
+            </a:r>
+            <a:r>
+              <a:rPr lang="en-GB" dirty="0"/>
+              <a:t>for backpropagation training,</a:t>
+            </a:r>
+          </a:p>
+          <a:p>
+            <a:r>
+              <a:rPr lang="en-GB" dirty="0"/>
+              <a:t>comes with a </a:t>
+            </a:r>
+            <a:r>
+              <a:rPr lang="en-GB" b="1" dirty="0"/>
+              <a:t>cross-entropy loss function </a:t>
+            </a:r>
+            <a:r>
+              <a:rPr lang="en-GB" dirty="0"/>
+              <a:t>and an </a:t>
+            </a:r>
+            <a:r>
+              <a:rPr lang="en-GB" b="1" dirty="0"/>
+              <a:t>accuracy metric function</a:t>
+            </a:r>
+            <a:r>
+              <a:rPr lang="en-GB" dirty="0"/>
+              <a:t>,</a:t>
+            </a:r>
+          </a:p>
+          <a:p>
+            <a:r>
+              <a:rPr lang="en-GB" dirty="0"/>
+              <a:t>comes with a </a:t>
+            </a:r>
+            <a:r>
+              <a:rPr lang="en-GB" b="1" dirty="0"/>
+              <a:t>display</a:t>
+            </a:r>
+            <a:r>
+              <a:rPr lang="en-GB" dirty="0"/>
+              <a:t> function, to show </a:t>
+            </a:r>
+            <a:r>
+              <a:rPr lang="en-GB" b="1" dirty="0"/>
+              <a:t>training curves </a:t>
+            </a:r>
+            <a:r>
+              <a:rPr lang="en-GB" dirty="0"/>
+              <a:t>on both the loss and the accuracy,</a:t>
+            </a:r>
+          </a:p>
+          <a:p>
+            <a:r>
+              <a:rPr lang="en-GB" dirty="0"/>
+              <a:t>comes with </a:t>
+            </a:r>
+            <a:r>
+              <a:rPr lang="en-GB" b="1" dirty="0"/>
+              <a:t>save</a:t>
+            </a:r>
+            <a:r>
+              <a:rPr lang="en-GB" dirty="0"/>
+              <a:t> and </a:t>
+            </a:r>
+            <a:r>
+              <a:rPr lang="en-GB" b="1" dirty="0"/>
+              <a:t>load</a:t>
+            </a:r>
+            <a:r>
+              <a:rPr lang="en-GB" dirty="0"/>
+              <a:t> </a:t>
+            </a:r>
+            <a:r>
+              <a:rPr lang="en-GB" b="1" dirty="0"/>
+              <a:t>functions</a:t>
+            </a:r>
+            <a:r>
+              <a:rPr lang="en-GB" dirty="0"/>
+              <a:t>.</a:t>
             </a:r>
           </a:p>
           <a:p>
@@ -16757,7 +16931,7 @@
         </p:spPr>
         <p:txBody>
           <a:bodyPr>
-            <a:normAutofit fontScale="85000" lnSpcReduction="10000"/>
+            <a:normAutofit fontScale="92500" lnSpcReduction="10000"/>
           </a:bodyPr>
           <a:lstStyle/>
           <a:p>
@@ -16774,15 +16948,7 @@
             </a:r>
             <a:r>
               <a:rPr lang="en-GB" dirty="0"/>
-              <a:t> Tensor skills, you may try to manually implement your own version of typical algorithms we ran on lists/</a:t>
-            </a:r>
-            <a:r>
-              <a:rPr lang="en-GB" dirty="0" err="1"/>
-              <a:t>Numpy</a:t>
-            </a:r>
-            <a:r>
-              <a:rPr lang="en-GB" dirty="0"/>
-              <a:t> arrays in previous classes, using the basic operations on </a:t>
+              <a:t> Tensor skills, you may try to manually implement some typical algorithms using the basic operations on </a:t>
             </a:r>
             <a:r>
               <a:rPr lang="en-GB" dirty="0" err="1"/>
@@ -16790,7 +16956,37 @@
             </a:r>
             <a:r>
               <a:rPr lang="en-GB" dirty="0"/>
-              <a:t> tensors.</a:t>
+              <a:t> tensors:</a:t>
+            </a:r>
+          </a:p>
+          <a:p>
+            <a:r>
+              <a:rPr lang="en-GB" dirty="0"/>
+              <a:t>Finding the maximum, minimum, average, median values of a given 1D tensor,</a:t>
+            </a:r>
+          </a:p>
+          <a:p>
+            <a:r>
+              <a:rPr lang="en-GB" dirty="0"/>
+              <a:t>Transposing a given 2D tensor, computing its determinant, eigenvalues/eigenvectors,</a:t>
+            </a:r>
+          </a:p>
+          <a:p>
+            <a:r>
+              <a:rPr lang="en-GB" dirty="0"/>
+              <a:t>Sorting a given 1D tensor (bubble sort, insertion sort, selection sort, quick sort, merge sort),</a:t>
+            </a:r>
+          </a:p>
+          <a:p>
+            <a:r>
+              <a:rPr lang="en-GB" dirty="0"/>
+              <a:t>Generating a 1D array containing the first K Fibonacci numbers with K given,</a:t>
+            </a:r>
+          </a:p>
+          <a:p>
+            <a:r>
+              <a:rPr lang="en-GB" dirty="0"/>
+              <a:t>Etc.</a:t>
             </a:r>
           </a:p>
           <a:p>
@@ -16799,45 +16995,6 @@
             </a:pPr>
             <a:r>
               <a:rPr lang="en-GB" dirty="0"/>
-              <a:t>For instance, try writing algorithms:</a:t>
-            </a:r>
-          </a:p>
-          <a:p>
-            <a:r>
-              <a:rPr lang="en-GB" dirty="0"/>
-              <a:t>Finding the maximum, minimum, average, median values of a given 1D tensor,</a:t>
-            </a:r>
-          </a:p>
-          <a:p>
-            <a:r>
-              <a:rPr lang="en-GB" dirty="0"/>
-              <a:t>Transposing a given 2D tensor, computing its determinant, eigenvalues/eigenvectors,</a:t>
-            </a:r>
-          </a:p>
-          <a:p>
-            <a:r>
-              <a:rPr lang="en-GB" dirty="0"/>
-              <a:t>Sorting a given 1D tensor (bubble sort, insertion sort, selection sort, quick sort, merge sort),</a:t>
-            </a:r>
-          </a:p>
-          <a:p>
-            <a:r>
-              <a:rPr lang="en-GB" dirty="0"/>
-              <a:t>Generating a 1D array containing the first K Fibonacci numbers with K given,</a:t>
-            </a:r>
-          </a:p>
-          <a:p>
-            <a:r>
-              <a:rPr lang="en-GB" dirty="0"/>
-              <a:t>Etc.</a:t>
-            </a:r>
-          </a:p>
-          <a:p>
-            <a:pPr marL="0" indent="0">
-              <a:buNone/>
-            </a:pPr>
-            <a:r>
-              <a:rPr lang="en-GB" dirty="0"/>
               <a:t>Later, you can check their performance times compared to their </a:t>
             </a:r>
             <a:r>
@@ -16854,13 +17011,12 @@
             </a:r>
             <a:r>
               <a:rPr lang="en-GB" dirty="0"/>
-              <a:t> implementations when running them on both CPU and CUDA (if available).</a:t>
-            </a:r>
-          </a:p>
-          <a:p>
-            <a:pPr marL="0" indent="0">
-              <a:buNone/>
-            </a:pPr>
+              <a:t> implementations when running them on CPU </a:t>
+            </a:r>
+            <a:r>
+              <a:rPr lang="en-GB"/>
+              <a:t>and CUDA. </a:t>
+            </a:r>
             <a:r>
               <a:rPr lang="en-GB" dirty="0"/>
               <a:t>In which scenarios is it slower to implement said functions and run them on GPU?</a:t>

--- a/W3/1. W3S1 final/W3S1.pptx
+++ b/W3/1. W3S1 final/W3S1.pptx
@@ -256,6 +256,14 @@
 </p:presentation>
 </file>
 
+<file path=ppt/revisionInfo.xml><?xml version="1.0" encoding="utf-8"?>
+<p1510:revInfo xmlns:a="http://schemas.openxmlformats.org/drawingml/2006/main" xmlns:r="http://schemas.openxmlformats.org/officeDocument/2006/relationships" xmlns:p1510="http://schemas.microsoft.com/office/powerpoint/2015/10/main">
+  <p1510:revLst>
+    <p1510:client id="{247D1BAE-CADF-480A-BB5E-27902C69550B}" v="5" dt="2024-01-21T10:04:26.838"/>
+  </p1510:revLst>
+</p1510:revInfo>
+</file>
+
 <file path=ppt/changesInfos/changesInfo1.xml><?xml version="1.0" encoding="utf-8"?>
 <pc:chgInfo xmlns:a="http://schemas.openxmlformats.org/drawingml/2006/main" xmlns:r="http://schemas.openxmlformats.org/officeDocument/2006/relationships" xmlns:ac="http://schemas.microsoft.com/office/drawing/2013/main/command" xmlns:pc="http://schemas.microsoft.com/office/powerpoint/2013/main/command">
   <pc:docChgLst>
@@ -4688,6 +4696,229 @@
             <pc:docMk/>
             <pc:sldMk cId="2509505199" sldId="786"/>
             <ac:spMk id="3" creationId="{088657BF-BB53-D488-1F2B-77F25EDE3A56}"/>
+          </ac:spMkLst>
+        </pc:spChg>
+      </pc:sldChg>
+    </pc:docChg>
+  </pc:docChgLst>
+  <pc:docChgLst>
+    <pc:chgData name="Matthieu De Mari" userId="dfb708c9-d8dc-439f-9a3b-c772bf4a311c" providerId="ADAL" clId="{247D1BAE-CADF-480A-BB5E-27902C69550B}"/>
+    <pc:docChg chg="undo custSel modSld">
+      <pc:chgData name="Matthieu De Mari" userId="dfb708c9-d8dc-439f-9a3b-c772bf4a311c" providerId="ADAL" clId="{247D1BAE-CADF-480A-BB5E-27902C69550B}" dt="2024-01-21T10:04:42.295" v="194" actId="20577"/>
+      <pc:docMkLst>
+        <pc:docMk/>
+      </pc:docMkLst>
+      <pc:sldChg chg="modSp mod">
+        <pc:chgData name="Matthieu De Mari" userId="dfb708c9-d8dc-439f-9a3b-c772bf4a311c" providerId="ADAL" clId="{247D1BAE-CADF-480A-BB5E-27902C69550B}" dt="2024-01-21T10:00:56.720" v="4" actId="20577"/>
+        <pc:sldMkLst>
+          <pc:docMk/>
+          <pc:sldMk cId="1970187575" sldId="379"/>
+        </pc:sldMkLst>
+        <pc:spChg chg="mod">
+          <ac:chgData name="Matthieu De Mari" userId="dfb708c9-d8dc-439f-9a3b-c772bf4a311c" providerId="ADAL" clId="{247D1BAE-CADF-480A-BB5E-27902C69550B}" dt="2024-01-21T10:00:56.720" v="4" actId="20577"/>
+          <ac:spMkLst>
+            <pc:docMk/>
+            <pc:sldMk cId="1970187575" sldId="379"/>
+            <ac:spMk id="5" creationId="{DF664FFA-9452-2803-1619-F2562904679D}"/>
+          </ac:spMkLst>
+        </pc:spChg>
+      </pc:sldChg>
+      <pc:sldChg chg="addSp delSp modSp mod">
+        <pc:chgData name="Matthieu De Mari" userId="dfb708c9-d8dc-439f-9a3b-c772bf4a311c" providerId="ADAL" clId="{247D1BAE-CADF-480A-BB5E-27902C69550B}" dt="2024-01-21T10:04:29.079" v="174" actId="20577"/>
+        <pc:sldMkLst>
+          <pc:docMk/>
+          <pc:sldMk cId="2100436947" sldId="380"/>
+        </pc:sldMkLst>
+        <pc:spChg chg="del mod">
+          <ac:chgData name="Matthieu De Mari" userId="dfb708c9-d8dc-439f-9a3b-c772bf4a311c" providerId="ADAL" clId="{247D1BAE-CADF-480A-BB5E-27902C69550B}" dt="2024-01-21T10:04:23.801" v="171" actId="478"/>
+          <ac:spMkLst>
+            <pc:docMk/>
+            <pc:sldMk cId="2100436947" sldId="380"/>
+            <ac:spMk id="4" creationId="{11F8287B-68F9-6307-9899-F1C2672A4FC6}"/>
+          </ac:spMkLst>
+        </pc:spChg>
+        <pc:spChg chg="add del mod">
+          <ac:chgData name="Matthieu De Mari" userId="dfb708c9-d8dc-439f-9a3b-c772bf4a311c" providerId="ADAL" clId="{247D1BAE-CADF-480A-BB5E-27902C69550B}" dt="2024-01-21T10:04:26.223" v="172" actId="478"/>
+          <ac:spMkLst>
+            <pc:docMk/>
+            <pc:sldMk cId="2100436947" sldId="380"/>
+            <ac:spMk id="5" creationId="{894FF218-8442-21A9-7DB0-48B57745EF16}"/>
+          </ac:spMkLst>
+        </pc:spChg>
+        <pc:spChg chg="add mod">
+          <ac:chgData name="Matthieu De Mari" userId="dfb708c9-d8dc-439f-9a3b-c772bf4a311c" providerId="ADAL" clId="{247D1BAE-CADF-480A-BB5E-27902C69550B}" dt="2024-01-21T10:04:29.079" v="174" actId="20577"/>
+          <ac:spMkLst>
+            <pc:docMk/>
+            <pc:sldMk cId="2100436947" sldId="380"/>
+            <ac:spMk id="6" creationId="{D7DD82EB-95E2-C9DB-F4EA-EEAA4EF9034D}"/>
+          </ac:spMkLst>
+        </pc:spChg>
+      </pc:sldChg>
+      <pc:sldChg chg="modSp mod">
+        <pc:chgData name="Matthieu De Mari" userId="dfb708c9-d8dc-439f-9a3b-c772bf4a311c" providerId="ADAL" clId="{247D1BAE-CADF-480A-BB5E-27902C69550B}" dt="2024-01-21T10:01:54.988" v="85" actId="5793"/>
+        <pc:sldMkLst>
+          <pc:docMk/>
+          <pc:sldMk cId="3179138343" sldId="413"/>
+        </pc:sldMkLst>
+        <pc:spChg chg="mod">
+          <ac:chgData name="Matthieu De Mari" userId="dfb708c9-d8dc-439f-9a3b-c772bf4a311c" providerId="ADAL" clId="{247D1BAE-CADF-480A-BB5E-27902C69550B}" dt="2024-01-21T10:01:54.988" v="85" actId="5793"/>
+          <ac:spMkLst>
+            <pc:docMk/>
+            <pc:sldMk cId="3179138343" sldId="413"/>
+            <ac:spMk id="5" creationId="{4BC25369-B12F-4AC1-0A2A-B7362924B819}"/>
+          </ac:spMkLst>
+        </pc:spChg>
+        <pc:picChg chg="mod">
+          <ac:chgData name="Matthieu De Mari" userId="dfb708c9-d8dc-439f-9a3b-c772bf4a311c" providerId="ADAL" clId="{247D1BAE-CADF-480A-BB5E-27902C69550B}" dt="2024-01-21T10:01:39.198" v="6" actId="14100"/>
+          <ac:picMkLst>
+            <pc:docMk/>
+            <pc:sldMk cId="3179138343" sldId="413"/>
+            <ac:picMk id="7" creationId="{8A2A851B-519D-6246-1325-49AE148D423B}"/>
+          </ac:picMkLst>
+        </pc:picChg>
+      </pc:sldChg>
+      <pc:sldChg chg="modSp mod">
+        <pc:chgData name="Matthieu De Mari" userId="dfb708c9-d8dc-439f-9a3b-c772bf4a311c" providerId="ADAL" clId="{247D1BAE-CADF-480A-BB5E-27902C69550B}" dt="2024-01-21T10:02:29.240" v="96"/>
+        <pc:sldMkLst>
+          <pc:docMk/>
+          <pc:sldMk cId="1324969895" sldId="414"/>
+        </pc:sldMkLst>
+        <pc:spChg chg="mod">
+          <ac:chgData name="Matthieu De Mari" userId="dfb708c9-d8dc-439f-9a3b-c772bf4a311c" providerId="ADAL" clId="{247D1BAE-CADF-480A-BB5E-27902C69550B}" dt="2024-01-21T10:02:29.240" v="96"/>
+          <ac:spMkLst>
+            <pc:docMk/>
+            <pc:sldMk cId="1324969895" sldId="414"/>
+            <ac:spMk id="5" creationId="{60D93335-8A92-D60B-8902-7A5CD0AD4E90}"/>
+          </ac:spMkLst>
+        </pc:spChg>
+      </pc:sldChg>
+      <pc:sldChg chg="modSp mod">
+        <pc:chgData name="Matthieu De Mari" userId="dfb708c9-d8dc-439f-9a3b-c772bf4a311c" providerId="ADAL" clId="{247D1BAE-CADF-480A-BB5E-27902C69550B}" dt="2024-01-21T10:02:25.292" v="95" actId="20577"/>
+        <pc:sldMkLst>
+          <pc:docMk/>
+          <pc:sldMk cId="481166971" sldId="415"/>
+        </pc:sldMkLst>
+        <pc:spChg chg="mod">
+          <ac:chgData name="Matthieu De Mari" userId="dfb708c9-d8dc-439f-9a3b-c772bf4a311c" providerId="ADAL" clId="{247D1BAE-CADF-480A-BB5E-27902C69550B}" dt="2024-01-21T10:02:25.292" v="95" actId="20577"/>
+          <ac:spMkLst>
+            <pc:docMk/>
+            <pc:sldMk cId="481166971" sldId="415"/>
+            <ac:spMk id="5" creationId="{60D93335-8A92-D60B-8902-7A5CD0AD4E90}"/>
+          </ac:spMkLst>
+        </pc:spChg>
+      </pc:sldChg>
+      <pc:sldChg chg="modSp mod">
+        <pc:chgData name="Matthieu De Mari" userId="dfb708c9-d8dc-439f-9a3b-c772bf4a311c" providerId="ADAL" clId="{247D1BAE-CADF-480A-BB5E-27902C69550B}" dt="2024-01-21T10:02:33.099" v="97"/>
+        <pc:sldMkLst>
+          <pc:docMk/>
+          <pc:sldMk cId="4050702309" sldId="416"/>
+        </pc:sldMkLst>
+        <pc:spChg chg="mod">
+          <ac:chgData name="Matthieu De Mari" userId="dfb708c9-d8dc-439f-9a3b-c772bf4a311c" providerId="ADAL" clId="{247D1BAE-CADF-480A-BB5E-27902C69550B}" dt="2024-01-21T10:02:33.099" v="97"/>
+          <ac:spMkLst>
+            <pc:docMk/>
+            <pc:sldMk cId="4050702309" sldId="416"/>
+            <ac:spMk id="5" creationId="{60D93335-8A92-D60B-8902-7A5CD0AD4E90}"/>
+          </ac:spMkLst>
+        </pc:spChg>
+      </pc:sldChg>
+      <pc:sldChg chg="modSp mod">
+        <pc:chgData name="Matthieu De Mari" userId="dfb708c9-d8dc-439f-9a3b-c772bf4a311c" providerId="ADAL" clId="{247D1BAE-CADF-480A-BB5E-27902C69550B}" dt="2024-01-21T10:02:37.066" v="98"/>
+        <pc:sldMkLst>
+          <pc:docMk/>
+          <pc:sldMk cId="4249457938" sldId="417"/>
+        </pc:sldMkLst>
+        <pc:spChg chg="mod">
+          <ac:chgData name="Matthieu De Mari" userId="dfb708c9-d8dc-439f-9a3b-c772bf4a311c" providerId="ADAL" clId="{247D1BAE-CADF-480A-BB5E-27902C69550B}" dt="2024-01-21T10:02:37.066" v="98"/>
+          <ac:spMkLst>
+            <pc:docMk/>
+            <pc:sldMk cId="4249457938" sldId="417"/>
+            <ac:spMk id="5" creationId="{60D93335-8A92-D60B-8902-7A5CD0AD4E90}"/>
+          </ac:spMkLst>
+        </pc:spChg>
+      </pc:sldChg>
+      <pc:sldChg chg="addSp delSp modSp mod">
+        <pc:chgData name="Matthieu De Mari" userId="dfb708c9-d8dc-439f-9a3b-c772bf4a311c" providerId="ADAL" clId="{247D1BAE-CADF-480A-BB5E-27902C69550B}" dt="2024-01-21T10:04:19.807" v="170" actId="20577"/>
+        <pc:sldMkLst>
+          <pc:docMk/>
+          <pc:sldMk cId="3310153579" sldId="418"/>
+        </pc:sldMkLst>
+        <pc:spChg chg="del">
+          <ac:chgData name="Matthieu De Mari" userId="dfb708c9-d8dc-439f-9a3b-c772bf4a311c" providerId="ADAL" clId="{247D1BAE-CADF-480A-BB5E-27902C69550B}" dt="2024-01-21T10:04:07.839" v="161" actId="478"/>
+          <ac:spMkLst>
+            <pc:docMk/>
+            <pc:sldMk cId="3310153579" sldId="418"/>
+            <ac:spMk id="4" creationId="{11F8287B-68F9-6307-9899-F1C2672A4FC6}"/>
+          </ac:spMkLst>
+        </pc:spChg>
+        <pc:spChg chg="add del mod">
+          <ac:chgData name="Matthieu De Mari" userId="dfb708c9-d8dc-439f-9a3b-c772bf4a311c" providerId="ADAL" clId="{247D1BAE-CADF-480A-BB5E-27902C69550B}" dt="2024-01-21T10:04:14.521" v="166" actId="478"/>
+          <ac:spMkLst>
+            <pc:docMk/>
+            <pc:sldMk cId="3310153579" sldId="418"/>
+            <ac:spMk id="6" creationId="{A1D98473-16F0-9097-13BA-873990780752}"/>
+          </ac:spMkLst>
+        </pc:spChg>
+        <pc:spChg chg="add mod">
+          <ac:chgData name="Matthieu De Mari" userId="dfb708c9-d8dc-439f-9a3b-c772bf4a311c" providerId="ADAL" clId="{247D1BAE-CADF-480A-BB5E-27902C69550B}" dt="2024-01-21T10:04:11.110" v="165"/>
+          <ac:spMkLst>
+            <pc:docMk/>
+            <pc:sldMk cId="3310153579" sldId="418"/>
+            <ac:spMk id="7" creationId="{6F8136A8-3359-28EA-0AF2-830A6E8E4F5A}"/>
+          </ac:spMkLst>
+        </pc:spChg>
+        <pc:spChg chg="add mod">
+          <ac:chgData name="Matthieu De Mari" userId="dfb708c9-d8dc-439f-9a3b-c772bf4a311c" providerId="ADAL" clId="{247D1BAE-CADF-480A-BB5E-27902C69550B}" dt="2024-01-21T10:04:19.807" v="170" actId="20577"/>
+          <ac:spMkLst>
+            <pc:docMk/>
+            <pc:sldMk cId="3310153579" sldId="418"/>
+            <ac:spMk id="8" creationId="{95E6B02B-00D1-4B97-B7BC-916C0CB69899}"/>
+          </ac:spMkLst>
+        </pc:spChg>
+      </pc:sldChg>
+      <pc:sldChg chg="addSp delSp modSp mod">
+        <pc:chgData name="Matthieu De Mari" userId="dfb708c9-d8dc-439f-9a3b-c772bf4a311c" providerId="ADAL" clId="{247D1BAE-CADF-480A-BB5E-27902C69550B}" dt="2024-01-21T10:04:03.136" v="160" actId="20577"/>
+        <pc:sldMkLst>
+          <pc:docMk/>
+          <pc:sldMk cId="1163891923" sldId="419"/>
+        </pc:sldMkLst>
+        <pc:spChg chg="del">
+          <ac:chgData name="Matthieu De Mari" userId="dfb708c9-d8dc-439f-9a3b-c772bf4a311c" providerId="ADAL" clId="{247D1BAE-CADF-480A-BB5E-27902C69550B}" dt="2024-01-21T10:03:56.893" v="157" actId="478"/>
+          <ac:spMkLst>
+            <pc:docMk/>
+            <pc:sldMk cId="1163891923" sldId="419"/>
+            <ac:spMk id="4" creationId="{11F8287B-68F9-6307-9899-F1C2672A4FC6}"/>
+          </ac:spMkLst>
+        </pc:spChg>
+        <pc:spChg chg="add del mod">
+          <ac:chgData name="Matthieu De Mari" userId="dfb708c9-d8dc-439f-9a3b-c772bf4a311c" providerId="ADAL" clId="{247D1BAE-CADF-480A-BB5E-27902C69550B}" dt="2024-01-21T10:03:58.583" v="158" actId="478"/>
+          <ac:spMkLst>
+            <pc:docMk/>
+            <pc:sldMk cId="1163891923" sldId="419"/>
+            <ac:spMk id="6" creationId="{DAF49DD2-B687-5986-5756-5570DD6B1DB0}"/>
+          </ac:spMkLst>
+        </pc:spChg>
+        <pc:spChg chg="add mod">
+          <ac:chgData name="Matthieu De Mari" userId="dfb708c9-d8dc-439f-9a3b-c772bf4a311c" providerId="ADAL" clId="{247D1BAE-CADF-480A-BB5E-27902C69550B}" dt="2024-01-21T10:04:03.136" v="160" actId="20577"/>
+          <ac:spMkLst>
+            <pc:docMk/>
+            <pc:sldMk cId="1163891923" sldId="419"/>
+            <ac:spMk id="7" creationId="{0BFBA435-DBD0-76FC-67E1-9A809C6F4DB4}"/>
+          </ac:spMkLst>
+        </pc:spChg>
+      </pc:sldChg>
+      <pc:sldChg chg="modSp mod">
+        <pc:chgData name="Matthieu De Mari" userId="dfb708c9-d8dc-439f-9a3b-c772bf4a311c" providerId="ADAL" clId="{247D1BAE-CADF-480A-BB5E-27902C69550B}" dt="2024-01-21T10:04:42.295" v="194" actId="20577"/>
+        <pc:sldMkLst>
+          <pc:docMk/>
+          <pc:sldMk cId="1773283043" sldId="420"/>
+        </pc:sldMkLst>
+        <pc:spChg chg="mod">
+          <ac:chgData name="Matthieu De Mari" userId="dfb708c9-d8dc-439f-9a3b-c772bf4a311c" providerId="ADAL" clId="{247D1BAE-CADF-480A-BB5E-27902C69550B}" dt="2024-01-21T10:04:42.295" v="194" actId="20577"/>
+          <ac:spMkLst>
+            <pc:docMk/>
+            <pc:sldMk cId="1773283043" sldId="420"/>
+            <ac:spMk id="4" creationId="{11F8287B-68F9-6307-9899-F1C2672A4FC6}"/>
           </ac:spMkLst>
         </pc:spChg>
       </pc:sldChg>
@@ -4778,7 +5009,7 @@
           <a:p>
             <a:fld id="{61478373-EB31-4867-8CF0-FA31364748A5}" type="datetimeFigureOut">
               <a:rPr lang="en-GB" smtClean="0"/>
-              <a:t>06/07/2023</a:t>
+              <a:t>21/01/2024</a:t>
             </a:fld>
             <a:endParaRPr lang="en-GB"/>
           </a:p>
@@ -5195,7 +5426,7 @@
           <a:p>
             <a:fld id="{E85DF616-B21E-4EF6-A6A5-95E2FB3EB1A1}" type="datetimeFigureOut">
               <a:rPr lang="en-GB" smtClean="0"/>
-              <a:t>06/07/2023</a:t>
+              <a:t>21/01/2024</a:t>
             </a:fld>
             <a:endParaRPr lang="en-GB"/>
           </a:p>
@@ -5395,7 +5626,7 @@
           <a:p>
             <a:fld id="{E85DF616-B21E-4EF6-A6A5-95E2FB3EB1A1}" type="datetimeFigureOut">
               <a:rPr lang="en-GB" smtClean="0"/>
-              <a:t>06/07/2023</a:t>
+              <a:t>21/01/2024</a:t>
             </a:fld>
             <a:endParaRPr lang="en-GB"/>
           </a:p>
@@ -5605,7 +5836,7 @@
           <a:p>
             <a:fld id="{E85DF616-B21E-4EF6-A6A5-95E2FB3EB1A1}" type="datetimeFigureOut">
               <a:rPr lang="en-GB" smtClean="0"/>
-              <a:t>06/07/2023</a:t>
+              <a:t>21/01/2024</a:t>
             </a:fld>
             <a:endParaRPr lang="en-GB"/>
           </a:p>
@@ -5805,7 +6036,7 @@
           <a:p>
             <a:fld id="{E85DF616-B21E-4EF6-A6A5-95E2FB3EB1A1}" type="datetimeFigureOut">
               <a:rPr lang="en-GB" smtClean="0"/>
-              <a:t>06/07/2023</a:t>
+              <a:t>21/01/2024</a:t>
             </a:fld>
             <a:endParaRPr lang="en-GB"/>
           </a:p>
@@ -6081,7 +6312,7 @@
           <a:p>
             <a:fld id="{E85DF616-B21E-4EF6-A6A5-95E2FB3EB1A1}" type="datetimeFigureOut">
               <a:rPr lang="en-GB" smtClean="0"/>
-              <a:t>06/07/2023</a:t>
+              <a:t>21/01/2024</a:t>
             </a:fld>
             <a:endParaRPr lang="en-GB"/>
           </a:p>
@@ -6349,7 +6580,7 @@
           <a:p>
             <a:fld id="{E85DF616-B21E-4EF6-A6A5-95E2FB3EB1A1}" type="datetimeFigureOut">
               <a:rPr lang="en-GB" smtClean="0"/>
-              <a:t>06/07/2023</a:t>
+              <a:t>21/01/2024</a:t>
             </a:fld>
             <a:endParaRPr lang="en-GB"/>
           </a:p>
@@ -6764,7 +6995,7 @@
           <a:p>
             <a:fld id="{E85DF616-B21E-4EF6-A6A5-95E2FB3EB1A1}" type="datetimeFigureOut">
               <a:rPr lang="en-GB" smtClean="0"/>
-              <a:t>06/07/2023</a:t>
+              <a:t>21/01/2024</a:t>
             </a:fld>
             <a:endParaRPr lang="en-GB"/>
           </a:p>
@@ -6906,7 +7137,7 @@
           <a:p>
             <a:fld id="{E85DF616-B21E-4EF6-A6A5-95E2FB3EB1A1}" type="datetimeFigureOut">
               <a:rPr lang="en-GB" smtClean="0"/>
-              <a:t>06/07/2023</a:t>
+              <a:t>21/01/2024</a:t>
             </a:fld>
             <a:endParaRPr lang="en-GB"/>
           </a:p>
@@ -7019,7 +7250,7 @@
           <a:p>
             <a:fld id="{E85DF616-B21E-4EF6-A6A5-95E2FB3EB1A1}" type="datetimeFigureOut">
               <a:rPr lang="en-GB" smtClean="0"/>
-              <a:t>06/07/2023</a:t>
+              <a:t>21/01/2024</a:t>
             </a:fld>
             <a:endParaRPr lang="en-GB"/>
           </a:p>
@@ -7332,7 +7563,7 @@
           <a:p>
             <a:fld id="{E85DF616-B21E-4EF6-A6A5-95E2FB3EB1A1}" type="datetimeFigureOut">
               <a:rPr lang="en-GB" smtClean="0"/>
-              <a:t>06/07/2023</a:t>
+              <a:t>21/01/2024</a:t>
             </a:fld>
             <a:endParaRPr lang="en-GB"/>
           </a:p>
@@ -7621,7 +7852,7 @@
           <a:p>
             <a:fld id="{E85DF616-B21E-4EF6-A6A5-95E2FB3EB1A1}" type="datetimeFigureOut">
               <a:rPr lang="en-GB" smtClean="0"/>
-              <a:t>06/07/2023</a:t>
+              <a:t>21/01/2024</a:t>
             </a:fld>
             <a:endParaRPr lang="en-GB"/>
           </a:p>
@@ -7864,7 +8095,7 @@
           <a:p>
             <a:fld id="{E85DF616-B21E-4EF6-A6A5-95E2FB3EB1A1}" type="datetimeFigureOut">
               <a:rPr lang="en-GB" smtClean="0"/>
-              <a:t>06/07/2023</a:t>
+              <a:t>21/01/2024</a:t>
             </a:fld>
             <a:endParaRPr lang="en-GB"/>
           </a:p>
@@ -10311,7 +10542,15 @@
           <a:p>
             <a:r>
               <a:rPr lang="en-GB" dirty="0"/>
-              <a:t>Tensors come with many attributes and methods, e.g. asking the shape of a tensor, like in NumPy, is done using the </a:t>
+              <a:t>Tensors come with </a:t>
+            </a:r>
+            <a:r>
+              <a:rPr lang="en-GB" b="1" dirty="0"/>
+              <a:t>many attributes and methods</a:t>
+            </a:r>
+            <a:r>
+              <a:rPr lang="en-GB" dirty="0"/>
+              <a:t>, e.g. asking the shape of a tensor, like in NumPy, is done using the </a:t>
             </a:r>
             <a:r>
               <a:rPr lang="en-GB" b="1" dirty="0"/>
@@ -10320,6 +10559,24 @@
             <a:r>
               <a:rPr lang="en-GB" dirty="0"/>
               <a:t> attribute.</a:t>
+            </a:r>
+          </a:p>
+          <a:p>
+            <a:endParaRPr lang="en-GB" dirty="0"/>
+          </a:p>
+          <a:p>
+            <a:endParaRPr lang="en-GB" dirty="0"/>
+          </a:p>
+          <a:p>
+            <a:endParaRPr lang="en-GB" dirty="0"/>
+          </a:p>
+          <a:p>
+            <a:endParaRPr lang="en-GB" dirty="0"/>
+          </a:p>
+          <a:p>
+            <a:r>
+              <a:rPr lang="en-GB" dirty="0"/>
+              <a:t>Not planning to cover all of these attributes and methods, because…</a:t>
             </a:r>
           </a:p>
         </p:txBody>
@@ -10346,8 +10603,8 @@
         </p:blipFill>
         <p:spPr>
           <a:xfrm>
-            <a:off x="1079515" y="2883455"/>
-            <a:ext cx="3296110" cy="809738"/>
+            <a:off x="1079515" y="2883454"/>
+            <a:ext cx="5032310" cy="1236261"/>
           </a:xfrm>
           <a:prstGeom prst="rect">
             <a:avLst/>
@@ -10592,7 +10849,7 @@
             </a:pPr>
             <a:r>
               <a:rPr lang="en-GB" dirty="0"/>
-              <a:t>All the typical element-wise operations work on tensors. For instance, we can:</a:t>
+              <a:t>All the typical element-wise operations on arrays work on tensors. For instance, we can:</a:t>
             </a:r>
           </a:p>
           <a:p>
@@ -10827,7 +11084,7 @@
             </a:pPr>
             <a:r>
               <a:rPr lang="en-GB" dirty="0"/>
-              <a:t>All the typical element-wise operations work on tensors. For instance, we can:</a:t>
+              <a:t>All the typical element-wise operations on arrays work on tensors. For instance, we can:</a:t>
             </a:r>
           </a:p>
           <a:p>
@@ -11054,7 +11311,7 @@
             </a:pPr>
             <a:r>
               <a:rPr lang="en-GB" dirty="0"/>
-              <a:t>All the typical element-wise operations work on tensors. For instance, we can:</a:t>
+              <a:t>All the typical element-wise operations on arrays work on tensors. For instance, we can:</a:t>
             </a:r>
           </a:p>
           <a:p>
@@ -11670,7 +11927,7 @@
             </a:pPr>
             <a:r>
               <a:rPr lang="en-GB" dirty="0"/>
-              <a:t>All the typical element-wise operations work on tensors. For instance, we can:</a:t>
+              <a:t>All the typical element-wise operations on arrays work on tensors. For instance, we can:</a:t>
             </a:r>
           </a:p>
           <a:p>
@@ -11828,93 +12085,6 @@
           </a:p>
         </p:txBody>
       </p:sp>
-      <p:sp>
-        <p:nvSpPr>
-          <p:cNvPr id="4" name="Content Placeholder 3">
-            <a:extLst>
-              <a:ext uri="{FF2B5EF4-FFF2-40B4-BE49-F238E27FC236}">
-                <a16:creationId xmlns:a16="http://schemas.microsoft.com/office/drawing/2014/main" id="{11F8287B-68F9-6307-9899-F1C2672A4FC6}"/>
-              </a:ext>
-            </a:extLst>
-          </p:cNvPr>
-          <p:cNvSpPr>
-            <a:spLocks noGrp="1"/>
-          </p:cNvSpPr>
-          <p:nvPr>
-            <p:ph sz="half" idx="1"/>
-          </p:nvPr>
-        </p:nvSpPr>
-        <p:spPr>
-          <a:xfrm>
-            <a:off x="838200" y="1825624"/>
-            <a:ext cx="5181600" cy="5032375"/>
-          </a:xfrm>
-        </p:spPr>
-        <p:txBody>
-          <a:bodyPr>
-            <a:normAutofit lnSpcReduction="10000"/>
-          </a:bodyPr>
-          <a:lstStyle/>
-          <a:p>
-            <a:pPr marL="0" indent="0">
-              <a:buNone/>
-            </a:pPr>
-            <a:r>
-              <a:rPr lang="en-GB" dirty="0"/>
-              <a:t>All NumPy array operations work on Tensors and equivalent methods have been written in torch as well.</a:t>
-            </a:r>
-          </a:p>
-          <a:p>
-            <a:r>
-              <a:rPr lang="en-GB" dirty="0"/>
-              <a:t>Element-wise Addition/Subtraction,</a:t>
-            </a:r>
-          </a:p>
-          <a:p>
-            <a:r>
-              <a:rPr lang="en-GB" dirty="0">
-                <a:solidFill>
-                  <a:schemeClr val="bg1"/>
-                </a:solidFill>
-              </a:rPr>
-              <a:t>Element-wise Multiplication/Division,</a:t>
-            </a:r>
-          </a:p>
-          <a:p>
-            <a:r>
-              <a:rPr lang="en-GB" dirty="0">
-                <a:solidFill>
-                  <a:schemeClr val="bg1"/>
-                </a:solidFill>
-              </a:rPr>
-              <a:t>Transposition,</a:t>
-            </a:r>
-          </a:p>
-          <a:p>
-            <a:r>
-              <a:rPr lang="en-GB" dirty="0">
-                <a:solidFill>
-                  <a:schemeClr val="bg1"/>
-                </a:solidFill>
-              </a:rPr>
-              <a:t>Matrix multiplication and dot product,</a:t>
-            </a:r>
-          </a:p>
-          <a:p>
-            <a:r>
-              <a:rPr lang="en-GB" dirty="0">
-                <a:solidFill>
-                  <a:schemeClr val="bg1"/>
-                </a:solidFill>
-              </a:rPr>
-              <a:t>Etc.</a:t>
-            </a:r>
-          </a:p>
-          <a:p>
-            <a:endParaRPr lang="en-SG" dirty="0"/>
-          </a:p>
-        </p:txBody>
-      </p:sp>
       <p:pic>
         <p:nvPicPr>
           <p:cNvPr id="9" name="Picture 8">
@@ -11974,6 +12144,53 @@
           </a:prstGeom>
         </p:spPr>
       </p:pic>
+      <p:sp>
+        <p:nvSpPr>
+          <p:cNvPr id="6" name="Content Placeholder 3">
+            <a:extLst>
+              <a:ext uri="{FF2B5EF4-FFF2-40B4-BE49-F238E27FC236}">
+                <a16:creationId xmlns:a16="http://schemas.microsoft.com/office/drawing/2014/main" id="{D7DD82EB-95E2-C9DB-F4EA-EEAA4EF9034D}"/>
+              </a:ext>
+            </a:extLst>
+          </p:cNvPr>
+          <p:cNvSpPr>
+            <a:spLocks noGrp="1"/>
+          </p:cNvSpPr>
+          <p:nvPr>
+            <p:ph sz="half" idx="1"/>
+          </p:nvPr>
+        </p:nvSpPr>
+        <p:spPr>
+          <a:xfrm>
+            <a:off x="838199" y="1825624"/>
+            <a:ext cx="5592097" cy="5032375"/>
+          </a:xfrm>
+        </p:spPr>
+        <p:txBody>
+          <a:bodyPr>
+            <a:normAutofit/>
+          </a:bodyPr>
+          <a:lstStyle/>
+          <a:p>
+            <a:pPr marL="0" indent="0">
+              <a:buNone/>
+            </a:pPr>
+            <a:r>
+              <a:rPr lang="en-GB" dirty="0"/>
+              <a:t>All NumPy array operations work on Tensors and equivalent methods have been written in torch as well.</a:t>
+            </a:r>
+          </a:p>
+          <a:p>
+            <a:r>
+              <a:rPr lang="en-GB" dirty="0"/>
+              <a:t>Element-wise Addition/Subtraction,</a:t>
+            </a:r>
+          </a:p>
+          <a:p>
+            <a:endParaRPr lang="en-SG" dirty="0"/>
+          </a:p>
+        </p:txBody>
+      </p:sp>
     </p:spTree>
     <p:extLst>
       <p:ext uri="{BB962C8B-B14F-4D97-AF65-F5344CB8AC3E}">
@@ -12040,89 +12257,6 @@
           </a:p>
         </p:txBody>
       </p:sp>
-      <p:sp>
-        <p:nvSpPr>
-          <p:cNvPr id="4" name="Content Placeholder 3">
-            <a:extLst>
-              <a:ext uri="{FF2B5EF4-FFF2-40B4-BE49-F238E27FC236}">
-                <a16:creationId xmlns:a16="http://schemas.microsoft.com/office/drawing/2014/main" id="{11F8287B-68F9-6307-9899-F1C2672A4FC6}"/>
-              </a:ext>
-            </a:extLst>
-          </p:cNvPr>
-          <p:cNvSpPr>
-            <a:spLocks noGrp="1"/>
-          </p:cNvSpPr>
-          <p:nvPr>
-            <p:ph sz="half" idx="1"/>
-          </p:nvPr>
-        </p:nvSpPr>
-        <p:spPr>
-          <a:xfrm>
-            <a:off x="838200" y="1825624"/>
-            <a:ext cx="5181600" cy="5032375"/>
-          </a:xfrm>
-        </p:spPr>
-        <p:txBody>
-          <a:bodyPr>
-            <a:normAutofit lnSpcReduction="10000"/>
-          </a:bodyPr>
-          <a:lstStyle/>
-          <a:p>
-            <a:pPr marL="0" indent="0">
-              <a:buNone/>
-            </a:pPr>
-            <a:r>
-              <a:rPr lang="en-GB" dirty="0"/>
-              <a:t>All NumPy array operations work on Tensors and equivalent methods have been written in torch as well.</a:t>
-            </a:r>
-          </a:p>
-          <a:p>
-            <a:r>
-              <a:rPr lang="en-GB" dirty="0"/>
-              <a:t>Element-wise Addition/Subtraction,</a:t>
-            </a:r>
-          </a:p>
-          <a:p>
-            <a:r>
-              <a:rPr lang="en-GB" dirty="0"/>
-              <a:t>Element-wise Multiplication/Division,</a:t>
-            </a:r>
-          </a:p>
-          <a:p>
-            <a:r>
-              <a:rPr lang="en-GB" dirty="0">
-                <a:solidFill>
-                  <a:schemeClr val="bg1"/>
-                </a:solidFill>
-              </a:rPr>
-              <a:t>Transposition,</a:t>
-            </a:r>
-          </a:p>
-          <a:p>
-            <a:r>
-              <a:rPr lang="en-GB" dirty="0">
-                <a:solidFill>
-                  <a:schemeClr val="bg1"/>
-                </a:solidFill>
-              </a:rPr>
-              <a:t>Matrix multiplication and dot product,</a:t>
-            </a:r>
-          </a:p>
-          <a:p>
-            <a:r>
-              <a:rPr lang="en-GB" dirty="0">
-                <a:solidFill>
-                  <a:schemeClr val="bg1"/>
-                </a:solidFill>
-              </a:rPr>
-              <a:t>Etc.</a:t>
-            </a:r>
-          </a:p>
-          <a:p>
-            <a:endParaRPr lang="en-SG" dirty="0"/>
-          </a:p>
-        </p:txBody>
-      </p:sp>
       <p:pic>
         <p:nvPicPr>
           <p:cNvPr id="11" name="Picture 10">
@@ -12183,6 +12317,56 @@
           </a:prstGeom>
         </p:spPr>
       </p:pic>
+      <p:sp>
+        <p:nvSpPr>
+          <p:cNvPr id="8" name="Content Placeholder 3">
+            <a:extLst>
+              <a:ext uri="{FF2B5EF4-FFF2-40B4-BE49-F238E27FC236}">
+                <a16:creationId xmlns:a16="http://schemas.microsoft.com/office/drawing/2014/main" id="{95E6B02B-00D1-4B97-B7BC-916C0CB69899}"/>
+              </a:ext>
+            </a:extLst>
+          </p:cNvPr>
+          <p:cNvSpPr>
+            <a:spLocks noGrp="1"/>
+          </p:cNvSpPr>
+          <p:nvPr>
+            <p:ph sz="half" idx="1"/>
+          </p:nvPr>
+        </p:nvSpPr>
+        <p:spPr>
+          <a:xfrm>
+            <a:off x="838199" y="1825624"/>
+            <a:ext cx="5592097" cy="5032375"/>
+          </a:xfrm>
+        </p:spPr>
+        <p:txBody>
+          <a:bodyPr>
+            <a:normAutofit/>
+          </a:bodyPr>
+          <a:lstStyle/>
+          <a:p>
+            <a:pPr marL="0" indent="0">
+              <a:buNone/>
+            </a:pPr>
+            <a:r>
+              <a:rPr lang="en-GB" dirty="0"/>
+              <a:t>All NumPy array operations work on Tensors and equivalent methods have been written in torch as well.</a:t>
+            </a:r>
+          </a:p>
+          <a:p>
+            <a:r>
+              <a:rPr lang="en-GB" dirty="0"/>
+              <a:t>Element-wise Addition/Subtraction,</a:t>
+            </a:r>
+          </a:p>
+          <a:p>
+            <a:r>
+              <a:rPr lang="en-GB" dirty="0"/>
+              <a:t>Element-wise Multiplication/Division,</a:t>
+            </a:r>
+          </a:p>
+        </p:txBody>
+      </p:sp>
     </p:spTree>
     <p:extLst>
       <p:ext uri="{BB962C8B-B14F-4D97-AF65-F5344CB8AC3E}">
@@ -12249,85 +12433,6 @@
           </a:p>
         </p:txBody>
       </p:sp>
-      <p:sp>
-        <p:nvSpPr>
-          <p:cNvPr id="4" name="Content Placeholder 3">
-            <a:extLst>
-              <a:ext uri="{FF2B5EF4-FFF2-40B4-BE49-F238E27FC236}">
-                <a16:creationId xmlns:a16="http://schemas.microsoft.com/office/drawing/2014/main" id="{11F8287B-68F9-6307-9899-F1C2672A4FC6}"/>
-              </a:ext>
-            </a:extLst>
-          </p:cNvPr>
-          <p:cNvSpPr>
-            <a:spLocks noGrp="1"/>
-          </p:cNvSpPr>
-          <p:nvPr>
-            <p:ph sz="half" idx="1"/>
-          </p:nvPr>
-        </p:nvSpPr>
-        <p:spPr>
-          <a:xfrm>
-            <a:off x="838200" y="1825624"/>
-            <a:ext cx="5181600" cy="5032375"/>
-          </a:xfrm>
-        </p:spPr>
-        <p:txBody>
-          <a:bodyPr>
-            <a:normAutofit lnSpcReduction="10000"/>
-          </a:bodyPr>
-          <a:lstStyle/>
-          <a:p>
-            <a:pPr marL="0" indent="0">
-              <a:buNone/>
-            </a:pPr>
-            <a:r>
-              <a:rPr lang="en-GB" dirty="0"/>
-              <a:t>All NumPy array operations work on Tensors and equivalent methods have been written in torch as well.</a:t>
-            </a:r>
-          </a:p>
-          <a:p>
-            <a:r>
-              <a:rPr lang="en-GB" dirty="0"/>
-              <a:t>Element-wise Addition/Subtraction,</a:t>
-            </a:r>
-          </a:p>
-          <a:p>
-            <a:r>
-              <a:rPr lang="en-GB" dirty="0"/>
-              <a:t>Element-wise Multiplication/Division,</a:t>
-            </a:r>
-          </a:p>
-          <a:p>
-            <a:r>
-              <a:rPr lang="en-GB" dirty="0"/>
-              <a:t>Transposition,</a:t>
-            </a:r>
-          </a:p>
-          <a:p>
-            <a:r>
-              <a:rPr lang="en-GB" dirty="0">
-                <a:solidFill>
-                  <a:schemeClr val="bg1"/>
-                </a:solidFill>
-              </a:rPr>
-              <a:t>Matrix multiplication and dot product,</a:t>
-            </a:r>
-          </a:p>
-          <a:p>
-            <a:r>
-              <a:rPr lang="en-GB" dirty="0">
-                <a:solidFill>
-                  <a:schemeClr val="bg1"/>
-                </a:solidFill>
-              </a:rPr>
-              <a:t>Etc.</a:t>
-            </a:r>
-          </a:p>
-          <a:p>
-            <a:endParaRPr lang="en-SG" dirty="0"/>
-          </a:p>
-        </p:txBody>
-      </p:sp>
       <p:pic>
         <p:nvPicPr>
           <p:cNvPr id="11" name="Picture 10">
@@ -12388,6 +12493,65 @@
           </a:prstGeom>
         </p:spPr>
       </p:pic>
+      <p:sp>
+        <p:nvSpPr>
+          <p:cNvPr id="7" name="Content Placeholder 3">
+            <a:extLst>
+              <a:ext uri="{FF2B5EF4-FFF2-40B4-BE49-F238E27FC236}">
+                <a16:creationId xmlns:a16="http://schemas.microsoft.com/office/drawing/2014/main" id="{0BFBA435-DBD0-76FC-67E1-9A809C6F4DB4}"/>
+              </a:ext>
+            </a:extLst>
+          </p:cNvPr>
+          <p:cNvSpPr>
+            <a:spLocks noGrp="1"/>
+          </p:cNvSpPr>
+          <p:nvPr>
+            <p:ph sz="half" idx="1"/>
+          </p:nvPr>
+        </p:nvSpPr>
+        <p:spPr>
+          <a:xfrm>
+            <a:off x="838199" y="1825624"/>
+            <a:ext cx="5592097" cy="5032375"/>
+          </a:xfrm>
+        </p:spPr>
+        <p:txBody>
+          <a:bodyPr>
+            <a:normAutofit/>
+          </a:bodyPr>
+          <a:lstStyle/>
+          <a:p>
+            <a:pPr marL="0" indent="0">
+              <a:buNone/>
+            </a:pPr>
+            <a:r>
+              <a:rPr lang="en-GB" dirty="0"/>
+              <a:t>All NumPy array operations work on Tensors and equivalent methods have been written in torch as well.</a:t>
+            </a:r>
+          </a:p>
+          <a:p>
+            <a:r>
+              <a:rPr lang="en-GB" dirty="0"/>
+              <a:t>Element-wise Addition/Subtraction,</a:t>
+            </a:r>
+          </a:p>
+          <a:p>
+            <a:r>
+              <a:rPr lang="en-GB" dirty="0"/>
+              <a:t>Element-wise Multiplication/Division,</a:t>
+            </a:r>
+          </a:p>
+          <a:p>
+            <a:r>
+              <a:rPr lang="en-GB" dirty="0"/>
+              <a:t>Transposition,</a:t>
+            </a:r>
+          </a:p>
+          <a:p>
+            <a:endParaRPr lang="en-SG" dirty="0"/>
+          </a:p>
+        </p:txBody>
+      </p:sp>
     </p:spTree>
     <p:extLst>
       <p:ext uri="{BB962C8B-B14F-4D97-AF65-F5344CB8AC3E}">
@@ -12472,13 +12636,13 @@
         </p:nvSpPr>
         <p:spPr>
           <a:xfrm>
-            <a:off x="838200" y="1825624"/>
-            <a:ext cx="5181600" cy="5032375"/>
+            <a:off x="838199" y="1825624"/>
+            <a:ext cx="5592097" cy="5032375"/>
           </a:xfrm>
         </p:spPr>
         <p:txBody>
           <a:bodyPr>
-            <a:normAutofit lnSpcReduction="10000"/>
+            <a:normAutofit/>
           </a:bodyPr>
           <a:lstStyle/>
           <a:p>
@@ -12517,7 +12681,23 @@
           <a:p>
             <a:r>
               <a:rPr lang="en-GB" dirty="0"/>
-              <a:t>Etc.</a:t>
+              <a:t>Along </a:t>
+            </a:r>
+            <a:r>
+              <a:rPr lang="en-GB"/>
+              <a:t>with more </a:t>
+            </a:r>
+            <a:r>
+              <a:rPr lang="en-GB" dirty="0"/>
+              <a:t>L</a:t>
+            </a:r>
+            <a:r>
+              <a:rPr lang="en-GB"/>
+              <a:t>inear </a:t>
+            </a:r>
+            <a:r>
+              <a:rPr lang="en-GB" dirty="0"/>
+              <a:t>Algebra stuff (now is the time to revise!).</a:t>
             </a:r>
           </a:p>
           <a:p>
@@ -18088,7 +18268,7 @@
             </a:r>
             <a:r>
               <a:rPr lang="en-GB" dirty="0"/>
-              <a:t> basic building block and is similar to NumPy arrays.</a:t>
+              <a:t> basic building block and is very similar to NumPy arrays.</a:t>
             </a:r>
           </a:p>
           <a:p>

--- a/W3/1. W3S1 final/W3S1.pptx
+++ b/W3/1. W3S1 final/W3S1.pptx
@@ -4704,7 +4704,7 @@
   <pc:docChgLst>
     <pc:chgData name="Matthieu De Mari" userId="dfb708c9-d8dc-439f-9a3b-c772bf4a311c" providerId="ADAL" clId="{247D1BAE-CADF-480A-BB5E-27902C69550B}"/>
     <pc:docChg chg="undo custSel modSld">
-      <pc:chgData name="Matthieu De Mari" userId="dfb708c9-d8dc-439f-9a3b-c772bf4a311c" providerId="ADAL" clId="{247D1BAE-CADF-480A-BB5E-27902C69550B}" dt="2024-01-21T10:04:42.295" v="194" actId="20577"/>
+      <pc:chgData name="Matthieu De Mari" userId="dfb708c9-d8dc-439f-9a3b-c772bf4a311c" providerId="ADAL" clId="{247D1BAE-CADF-480A-BB5E-27902C69550B}" dt="2024-02-05T00:16:00.404" v="274" actId="20577"/>
       <pc:docMkLst>
         <pc:docMk/>
       </pc:docMkLst>
@@ -4755,6 +4755,51 @@
         </pc:spChg>
       </pc:sldChg>
       <pc:sldChg chg="modSp mod">
+        <pc:chgData name="Matthieu De Mari" userId="dfb708c9-d8dc-439f-9a3b-c772bf4a311c" providerId="ADAL" clId="{247D1BAE-CADF-480A-BB5E-27902C69550B}" dt="2024-02-02T09:05:10.759" v="225" actId="20577"/>
+        <pc:sldMkLst>
+          <pc:docMk/>
+          <pc:sldMk cId="1420298135" sldId="384"/>
+        </pc:sldMkLst>
+        <pc:spChg chg="mod">
+          <ac:chgData name="Matthieu De Mari" userId="dfb708c9-d8dc-439f-9a3b-c772bf4a311c" providerId="ADAL" clId="{247D1BAE-CADF-480A-BB5E-27902C69550B}" dt="2024-02-02T09:05:10.759" v="225" actId="20577"/>
+          <ac:spMkLst>
+            <pc:docMk/>
+            <pc:sldMk cId="1420298135" sldId="384"/>
+            <ac:spMk id="5" creationId="{CBDF5152-8165-F342-BDF9-7CF1D911D8E8}"/>
+          </ac:spMkLst>
+        </pc:spChg>
+      </pc:sldChg>
+      <pc:sldChg chg="modSp mod">
+        <pc:chgData name="Matthieu De Mari" userId="dfb708c9-d8dc-439f-9a3b-c772bf4a311c" providerId="ADAL" clId="{247D1BAE-CADF-480A-BB5E-27902C69550B}" dt="2024-02-02T09:06:20.966" v="230" actId="5793"/>
+        <pc:sldMkLst>
+          <pc:docMk/>
+          <pc:sldMk cId="1116470923" sldId="386"/>
+        </pc:sldMkLst>
+        <pc:spChg chg="mod">
+          <ac:chgData name="Matthieu De Mari" userId="dfb708c9-d8dc-439f-9a3b-c772bf4a311c" providerId="ADAL" clId="{247D1BAE-CADF-480A-BB5E-27902C69550B}" dt="2024-02-02T09:06:20.966" v="230" actId="5793"/>
+          <ac:spMkLst>
+            <pc:docMk/>
+            <pc:sldMk cId="1116470923" sldId="386"/>
+            <ac:spMk id="3" creationId="{44608F03-1D5E-5E62-5A70-1B8EB17DF397}"/>
+          </ac:spMkLst>
+        </pc:spChg>
+      </pc:sldChg>
+      <pc:sldChg chg="modSp mod">
+        <pc:chgData name="Matthieu De Mari" userId="dfb708c9-d8dc-439f-9a3b-c772bf4a311c" providerId="ADAL" clId="{247D1BAE-CADF-480A-BB5E-27902C69550B}" dt="2024-02-05T00:12:40.043" v="234" actId="20577"/>
+        <pc:sldMkLst>
+          <pc:docMk/>
+          <pc:sldMk cId="3358927626" sldId="406"/>
+        </pc:sldMkLst>
+        <pc:spChg chg="mod">
+          <ac:chgData name="Matthieu De Mari" userId="dfb708c9-d8dc-439f-9a3b-c772bf4a311c" providerId="ADAL" clId="{247D1BAE-CADF-480A-BB5E-27902C69550B}" dt="2024-02-05T00:12:40.043" v="234" actId="20577"/>
+          <ac:spMkLst>
+            <pc:docMk/>
+            <pc:sldMk cId="3358927626" sldId="406"/>
+            <ac:spMk id="3" creationId="{40B01D2C-4BE4-C6CD-31D7-3F2E182779DF}"/>
+          </ac:spMkLst>
+        </pc:spChg>
+      </pc:sldChg>
+      <pc:sldChg chg="modSp mod">
         <pc:chgData name="Matthieu De Mari" userId="dfb708c9-d8dc-439f-9a3b-c772bf4a311c" providerId="ADAL" clId="{247D1BAE-CADF-480A-BB5E-27902C69550B}" dt="2024-01-21T10:01:54.988" v="85" actId="5793"/>
         <pc:sldMkLst>
           <pc:docMk/>
@@ -4919,6 +4964,21 @@
             <pc:docMk/>
             <pc:sldMk cId="1773283043" sldId="420"/>
             <ac:spMk id="4" creationId="{11F8287B-68F9-6307-9899-F1C2672A4FC6}"/>
+          </ac:spMkLst>
+        </pc:spChg>
+      </pc:sldChg>
+      <pc:sldChg chg="modSp mod">
+        <pc:chgData name="Matthieu De Mari" userId="dfb708c9-d8dc-439f-9a3b-c772bf4a311c" providerId="ADAL" clId="{247D1BAE-CADF-480A-BB5E-27902C69550B}" dt="2024-02-05T00:16:00.404" v="274" actId="20577"/>
+        <pc:sldMkLst>
+          <pc:docMk/>
+          <pc:sldMk cId="1146881653" sldId="649"/>
+        </pc:sldMkLst>
+        <pc:spChg chg="mod">
+          <ac:chgData name="Matthieu De Mari" userId="dfb708c9-d8dc-439f-9a3b-c772bf4a311c" providerId="ADAL" clId="{247D1BAE-CADF-480A-BB5E-27902C69550B}" dt="2024-02-05T00:16:00.404" v="274" actId="20577"/>
+          <ac:spMkLst>
+            <pc:docMk/>
+            <pc:sldMk cId="1146881653" sldId="649"/>
+            <ac:spMk id="3" creationId="{DC9D8363-826B-D189-78FB-CCD945BC5477}"/>
           </ac:spMkLst>
         </pc:spChg>
       </pc:sldChg>
@@ -5009,7 +5069,7 @@
           <a:p>
             <a:fld id="{61478373-EB31-4867-8CF0-FA31364748A5}" type="datetimeFigureOut">
               <a:rPr lang="en-GB" smtClean="0"/>
-              <a:t>21/01/2024</a:t>
+              <a:t>05/02/2024</a:t>
             </a:fld>
             <a:endParaRPr lang="en-GB"/>
           </a:p>
@@ -5426,7 +5486,7 @@
           <a:p>
             <a:fld id="{E85DF616-B21E-4EF6-A6A5-95E2FB3EB1A1}" type="datetimeFigureOut">
               <a:rPr lang="en-GB" smtClean="0"/>
-              <a:t>21/01/2024</a:t>
+              <a:t>05/02/2024</a:t>
             </a:fld>
             <a:endParaRPr lang="en-GB"/>
           </a:p>
@@ -5626,7 +5686,7 @@
           <a:p>
             <a:fld id="{E85DF616-B21E-4EF6-A6A5-95E2FB3EB1A1}" type="datetimeFigureOut">
               <a:rPr lang="en-GB" smtClean="0"/>
-              <a:t>21/01/2024</a:t>
+              <a:t>05/02/2024</a:t>
             </a:fld>
             <a:endParaRPr lang="en-GB"/>
           </a:p>
@@ -5836,7 +5896,7 @@
           <a:p>
             <a:fld id="{E85DF616-B21E-4EF6-A6A5-95E2FB3EB1A1}" type="datetimeFigureOut">
               <a:rPr lang="en-GB" smtClean="0"/>
-              <a:t>21/01/2024</a:t>
+              <a:t>05/02/2024</a:t>
             </a:fld>
             <a:endParaRPr lang="en-GB"/>
           </a:p>
@@ -6036,7 +6096,7 @@
           <a:p>
             <a:fld id="{E85DF616-B21E-4EF6-A6A5-95E2FB3EB1A1}" type="datetimeFigureOut">
               <a:rPr lang="en-GB" smtClean="0"/>
-              <a:t>21/01/2024</a:t>
+              <a:t>05/02/2024</a:t>
             </a:fld>
             <a:endParaRPr lang="en-GB"/>
           </a:p>
@@ -6312,7 +6372,7 @@
           <a:p>
             <a:fld id="{E85DF616-B21E-4EF6-A6A5-95E2FB3EB1A1}" type="datetimeFigureOut">
               <a:rPr lang="en-GB" smtClean="0"/>
-              <a:t>21/01/2024</a:t>
+              <a:t>05/02/2024</a:t>
             </a:fld>
             <a:endParaRPr lang="en-GB"/>
           </a:p>
@@ -6580,7 +6640,7 @@
           <a:p>
             <a:fld id="{E85DF616-B21E-4EF6-A6A5-95E2FB3EB1A1}" type="datetimeFigureOut">
               <a:rPr lang="en-GB" smtClean="0"/>
-              <a:t>21/01/2024</a:t>
+              <a:t>05/02/2024</a:t>
             </a:fld>
             <a:endParaRPr lang="en-GB"/>
           </a:p>
@@ -6995,7 +7055,7 @@
           <a:p>
             <a:fld id="{E85DF616-B21E-4EF6-A6A5-95E2FB3EB1A1}" type="datetimeFigureOut">
               <a:rPr lang="en-GB" smtClean="0"/>
-              <a:t>21/01/2024</a:t>
+              <a:t>05/02/2024</a:t>
             </a:fld>
             <a:endParaRPr lang="en-GB"/>
           </a:p>
@@ -7137,7 +7197,7 @@
           <a:p>
             <a:fld id="{E85DF616-B21E-4EF6-A6A5-95E2FB3EB1A1}" type="datetimeFigureOut">
               <a:rPr lang="en-GB" smtClean="0"/>
-              <a:t>21/01/2024</a:t>
+              <a:t>05/02/2024</a:t>
             </a:fld>
             <a:endParaRPr lang="en-GB"/>
           </a:p>
@@ -7250,7 +7310,7 @@
           <a:p>
             <a:fld id="{E85DF616-B21E-4EF6-A6A5-95E2FB3EB1A1}" type="datetimeFigureOut">
               <a:rPr lang="en-GB" smtClean="0"/>
-              <a:t>21/01/2024</a:t>
+              <a:t>05/02/2024</a:t>
             </a:fld>
             <a:endParaRPr lang="en-GB"/>
           </a:p>
@@ -7563,7 +7623,7 @@
           <a:p>
             <a:fld id="{E85DF616-B21E-4EF6-A6A5-95E2FB3EB1A1}" type="datetimeFigureOut">
               <a:rPr lang="en-GB" smtClean="0"/>
-              <a:t>21/01/2024</a:t>
+              <a:t>05/02/2024</a:t>
             </a:fld>
             <a:endParaRPr lang="en-GB"/>
           </a:p>
@@ -7852,7 +7912,7 @@
           <a:p>
             <a:fld id="{E85DF616-B21E-4EF6-A6A5-95E2FB3EB1A1}" type="datetimeFigureOut">
               <a:rPr lang="en-GB" smtClean="0"/>
-              <a:t>21/01/2024</a:t>
+              <a:t>05/02/2024</a:t>
             </a:fld>
             <a:endParaRPr lang="en-GB"/>
           </a:p>
@@ -8095,7 +8155,7 @@
           <a:p>
             <a:fld id="{E85DF616-B21E-4EF6-A6A5-95E2FB3EB1A1}" type="datetimeFigureOut">
               <a:rPr lang="en-GB" smtClean="0"/>
-              <a:t>21/01/2024</a:t>
+              <a:t>05/02/2024</a:t>
             </a:fld>
             <a:endParaRPr lang="en-GB"/>
           </a:p>
@@ -15635,7 +15695,7 @@
             </a:r>
             <a:r>
               <a:rPr lang="en-GB" b="1" dirty="0" err="1"/>
-              <a:t>retain_grad</a:t>
+              <a:t>requires_grad</a:t>
             </a:r>
             <a:r>
               <a:rPr lang="en-GB" b="1" dirty="0"/>
@@ -15656,6 +15716,14 @@
             <a:r>
               <a:rPr lang="en-GB" b="1" dirty="0"/>
               <a:t>during</a:t>
+            </a:r>
+            <a:r>
+              <a:rPr lang="en-GB" dirty="0"/>
+              <a:t> </a:t>
+            </a:r>
+            <a:r>
+              <a:rPr lang="en-GB" b="1" dirty="0"/>
+              <a:t>forward operations and</a:t>
             </a:r>
             <a:r>
               <a:rPr lang="en-GB" dirty="0"/>
@@ -15704,7 +15772,7 @@
             </a:r>
             <a:r>
               <a:rPr lang="en-GB" dirty="0"/>
-              <a:t> to keep track of operations happening during the forward pass, later allowing to compute the gradients of intermediate tensors.</a:t>
+              <a:t> to keep track of operations happening during the forward pass, later allowing to compute the gradients of these intermediate tensors.</a:t>
             </a:r>
           </a:p>
           <a:p>
@@ -15835,7 +15903,7 @@
             </a:pPr>
             <a:r>
               <a:rPr lang="en-GB" dirty="0"/>
-              <a:t>The forward pass can be rewritten. You can replace the NumPy operations with their </a:t>
+              <a:t>The forward pass can be rewritten. You can replace most NumPy operations with their </a:t>
             </a:r>
             <a:r>
               <a:rPr lang="en-GB" dirty="0" err="1"/>
@@ -16723,6 +16791,9 @@
           </a:bodyPr>
           <a:lstStyle/>
           <a:p>
+            <a:pPr marL="0" indent="0">
+              <a:buNone/>
+            </a:pPr>
             <a:r>
               <a:rPr lang="en-GB" dirty="0"/>
               <a:t>Let us run both models (the NumPy one and the </a:t>
@@ -16739,7 +16810,7 @@
           <a:p>
             <a:r>
               <a:rPr lang="en-GB" dirty="0"/>
-              <a:t>On my machine (CUDA, Nvidia GTX 1060), the </a:t>
+              <a:t>On my machine (CUDA, Nvidia GTX 4070), the </a:t>
             </a:r>
             <a:r>
               <a:rPr lang="en-GB" dirty="0" err="1"/>
@@ -18090,13 +18161,19 @@
           <a:p>
             <a:r>
               <a:rPr lang="en-GB" dirty="0"/>
-              <a:t>You can check for CUDA/GPU capabilities, using the line below. If the CUDA has not been properly installed or the GPU is not compatible, you will be using a CPU instead.</a:t>
-            </a:r>
-          </a:p>
-          <a:p>
-            <a:r>
-              <a:rPr lang="en-GB" dirty="0"/>
-              <a:t>We strongly advise to take a moment to make sure your machine is CUDA enabled, assuming your GPU is compatible. When CUDA is properly installed on a compatible GPU, the line below should display </a:t>
+              <a:t>You can check for CUDA/GPU capabilities, using the code below. If the CUDA has not been properly installed or the GPU is not compatible, you will be using a CPU instead.</a:t>
+            </a:r>
+          </a:p>
+          <a:p>
+            <a:r>
+              <a:rPr lang="en-GB" dirty="0"/>
+              <a:t>We strongly advise to take a moment to make sure your machine is CUDA enabled, assuming your GPU is compatible (see W1S1 bonus).</a:t>
+            </a:r>
+          </a:p>
+          <a:p>
+            <a:r>
+              <a:rPr lang="en-GB" dirty="0"/>
+              <a:t>When CUDA is properly installed on a compatible GPU, the line below should display </a:t>
             </a:r>
             <a:r>
               <a:rPr lang="en-GB" i="1" dirty="0" err="1"/>

--- a/W3/1. W3S1 final/W3S1.pptx
+++ b/W3/1. W3S1 final/W3S1.pptx
@@ -5,7 +5,7 @@
     <p:sldMasterId id="2147483648" r:id="rId1"/>
   </p:sldMasterIdLst>
   <p:notesMasterIdLst>
-    <p:notesMasterId r:id="rId47"/>
+    <p:notesMasterId r:id="rId48"/>
   </p:notesMasterIdLst>
   <p:sldIdLst>
     <p:sldId id="377" r:id="rId2"/>
@@ -51,8 +51,9 @@
     <p:sldId id="651" r:id="rId42"/>
     <p:sldId id="386" r:id="rId43"/>
     <p:sldId id="652" r:id="rId44"/>
-    <p:sldId id="404" r:id="rId45"/>
-    <p:sldId id="786" r:id="rId46"/>
+    <p:sldId id="787" r:id="rId45"/>
+    <p:sldId id="404" r:id="rId46"/>
+    <p:sldId id="786" r:id="rId47"/>
   </p:sldIdLst>
   <p:sldSz cx="12192000" cy="6858000"/>
   <p:notesSz cx="6858000" cy="9144000"/>
@@ -239,6 +240,7 @@
           <p14:sldIdLst>
             <p14:sldId id="386"/>
             <p14:sldId id="652"/>
+            <p14:sldId id="787"/>
           </p14:sldIdLst>
         </p14:section>
         <p14:section name="II.5. A bit of practice" id="{7E6DFD35-08C1-4CD1-A069-3CEB97555F1B}">
@@ -256,14 +258,6 @@
 </p:presentation>
 </file>
 
-<file path=ppt/revisionInfo.xml><?xml version="1.0" encoding="utf-8"?>
-<p1510:revInfo xmlns:a="http://schemas.openxmlformats.org/drawingml/2006/main" xmlns:r="http://schemas.openxmlformats.org/officeDocument/2006/relationships" xmlns:p1510="http://schemas.microsoft.com/office/powerpoint/2015/10/main">
-  <p1510:revLst>
-    <p1510:client id="{247D1BAE-CADF-480A-BB5E-27902C69550B}" v="5" dt="2024-01-21T10:04:26.838"/>
-  </p1510:revLst>
-</p1510:revInfo>
-</file>
-
 <file path=ppt/changesInfos/changesInfo1.xml><?xml version="1.0" encoding="utf-8"?>
 <pc:chgInfo xmlns:a="http://schemas.openxmlformats.org/drawingml/2006/main" xmlns:r="http://schemas.openxmlformats.org/officeDocument/2006/relationships" xmlns:ac="http://schemas.microsoft.com/office/drawing/2013/main/command" xmlns:pc="http://schemas.microsoft.com/office/powerpoint/2013/main/command">
   <pc:docChgLst>
@@ -279,14 +273,6 @@
           <pc:docMk/>
           <pc:sldMk cId="3442501962" sldId="257"/>
         </pc:sldMkLst>
-        <pc:spChg chg="mod">
-          <ac:chgData name="Matthieu De Mari" userId="dfb708c9-d8dc-439f-9a3b-c772bf4a311c" providerId="ADAL" clId="{D2FDBEB2-E663-41FC-8A3C-AC79657DF6AB}" dt="2023-01-31T09:38:27.909" v="1" actId="20577"/>
-          <ac:spMkLst>
-            <pc:docMk/>
-            <pc:sldMk cId="3442501962" sldId="257"/>
-            <ac:spMk id="2" creationId="{49D40417-A4D3-4CE8-96E7-708E2439AE7B}"/>
-          </ac:spMkLst>
-        </pc:spChg>
       </pc:sldChg>
       <pc:sldChg chg="modSp mod">
         <pc:chgData name="Matthieu De Mari" userId="dfb708c9-d8dc-439f-9a3b-c772bf4a311c" providerId="ADAL" clId="{D2FDBEB2-E663-41FC-8A3C-AC79657DF6AB}" dt="2023-01-31T09:38:33.645" v="7" actId="20577"/>
@@ -294,14 +280,6 @@
           <pc:docMk/>
           <pc:sldMk cId="1036081419" sldId="346"/>
         </pc:sldMkLst>
-        <pc:spChg chg="mod">
-          <ac:chgData name="Matthieu De Mari" userId="dfb708c9-d8dc-439f-9a3b-c772bf4a311c" providerId="ADAL" clId="{D2FDBEB2-E663-41FC-8A3C-AC79657DF6AB}" dt="2023-01-31T09:38:33.645" v="7" actId="20577"/>
-          <ac:spMkLst>
-            <pc:docMk/>
-            <pc:sldMk cId="1036081419" sldId="346"/>
-            <ac:spMk id="2" creationId="{11A08BA8-9DEC-4471-8590-434E8D8BB4A0}"/>
-          </ac:spMkLst>
-        </pc:spChg>
       </pc:sldChg>
       <pc:sldChg chg="modSp mod">
         <pc:chgData name="Matthieu De Mari" userId="dfb708c9-d8dc-439f-9a3b-c772bf4a311c" providerId="ADAL" clId="{D2FDBEB2-E663-41FC-8A3C-AC79657DF6AB}" dt="2023-01-31T09:39:03.009" v="70" actId="20577"/>
@@ -309,14 +287,6 @@
           <pc:docMk/>
           <pc:sldMk cId="1040156172" sldId="377"/>
         </pc:sldMkLst>
-        <pc:spChg chg="mod">
-          <ac:chgData name="Matthieu De Mari" userId="dfb708c9-d8dc-439f-9a3b-c772bf4a311c" providerId="ADAL" clId="{D2FDBEB2-E663-41FC-8A3C-AC79657DF6AB}" dt="2023-01-31T09:39:03.009" v="70" actId="20577"/>
-          <ac:spMkLst>
-            <pc:docMk/>
-            <pc:sldMk cId="1040156172" sldId="377"/>
-            <ac:spMk id="2" creationId="{080CEB46-CC16-4D19-8C2C-AEE9471D8168}"/>
-          </ac:spMkLst>
-        </pc:spChg>
       </pc:sldChg>
       <pc:sldChg chg="addSp delSp modSp new mod modClrScheme chgLayout">
         <pc:chgData name="Matthieu De Mari" userId="dfb708c9-d8dc-439f-9a3b-c772bf4a311c" providerId="ADAL" clId="{D2FDBEB2-E663-41FC-8A3C-AC79657DF6AB}" dt="2023-02-03T06:08:42.324" v="707" actId="20577"/>
@@ -324,38 +294,6 @@
           <pc:docMk/>
           <pc:sldMk cId="380766058" sldId="378"/>
         </pc:sldMkLst>
-        <pc:spChg chg="del mod ord">
-          <ac:chgData name="Matthieu De Mari" userId="dfb708c9-d8dc-439f-9a3b-c772bf4a311c" providerId="ADAL" clId="{D2FDBEB2-E663-41FC-8A3C-AC79657DF6AB}" dt="2023-02-03T06:04:00.097" v="327" actId="700"/>
-          <ac:spMkLst>
-            <pc:docMk/>
-            <pc:sldMk cId="380766058" sldId="378"/>
-            <ac:spMk id="2" creationId="{994AE3DB-EF76-E311-EBF2-7EA1ECA377EA}"/>
-          </ac:spMkLst>
-        </pc:spChg>
-        <pc:spChg chg="mod ord">
-          <ac:chgData name="Matthieu De Mari" userId="dfb708c9-d8dc-439f-9a3b-c772bf4a311c" providerId="ADAL" clId="{D2FDBEB2-E663-41FC-8A3C-AC79657DF6AB}" dt="2023-02-03T06:08:30.465" v="663" actId="20577"/>
-          <ac:spMkLst>
-            <pc:docMk/>
-            <pc:sldMk cId="380766058" sldId="378"/>
-            <ac:spMk id="3" creationId="{65399E50-9E84-8D67-B55F-073C06C3D10E}"/>
-          </ac:spMkLst>
-        </pc:spChg>
-        <pc:spChg chg="add mod ord">
-          <ac:chgData name="Matthieu De Mari" userId="dfb708c9-d8dc-439f-9a3b-c772bf4a311c" providerId="ADAL" clId="{D2FDBEB2-E663-41FC-8A3C-AC79657DF6AB}" dt="2023-02-03T06:08:42.324" v="707" actId="20577"/>
-          <ac:spMkLst>
-            <pc:docMk/>
-            <pc:sldMk cId="380766058" sldId="378"/>
-            <ac:spMk id="4" creationId="{0DC6A3F0-334F-9B7D-CECA-321756F77DD7}"/>
-          </ac:spMkLst>
-        </pc:spChg>
-        <pc:spChg chg="add mod ord">
-          <ac:chgData name="Matthieu De Mari" userId="dfb708c9-d8dc-439f-9a3b-c772bf4a311c" providerId="ADAL" clId="{D2FDBEB2-E663-41FC-8A3C-AC79657DF6AB}" dt="2023-02-03T06:07:40.631" v="545" actId="27636"/>
-          <ac:spMkLst>
-            <pc:docMk/>
-            <pc:sldMk cId="380766058" sldId="378"/>
-            <ac:spMk id="5" creationId="{E85979EA-F014-A9DE-13D1-EA9A2099FCA3}"/>
-          </ac:spMkLst>
-        </pc:spChg>
       </pc:sldChg>
       <pc:sldChg chg="addSp delSp modSp new mod modClrScheme chgLayout">
         <pc:chgData name="Matthieu De Mari" userId="dfb708c9-d8dc-439f-9a3b-c772bf4a311c" providerId="ADAL" clId="{D2FDBEB2-E663-41FC-8A3C-AC79657DF6AB}" dt="2023-02-03T06:12:18.186" v="801" actId="1076"/>
@@ -363,54 +301,6 @@
           <pc:docMk/>
           <pc:sldMk cId="1970187575" sldId="379"/>
         </pc:sldMkLst>
-        <pc:spChg chg="del mod ord">
-          <ac:chgData name="Matthieu De Mari" userId="dfb708c9-d8dc-439f-9a3b-c772bf4a311c" providerId="ADAL" clId="{D2FDBEB2-E663-41FC-8A3C-AC79657DF6AB}" dt="2023-02-03T06:09:52.530" v="721" actId="700"/>
-          <ac:spMkLst>
-            <pc:docMk/>
-            <pc:sldMk cId="1970187575" sldId="379"/>
-            <ac:spMk id="2" creationId="{8E8C2158-1B5F-49B1-EFBA-C654B2C7E327}"/>
-          </ac:spMkLst>
-        </pc:spChg>
-        <pc:spChg chg="del mod ord">
-          <ac:chgData name="Matthieu De Mari" userId="dfb708c9-d8dc-439f-9a3b-c772bf4a311c" providerId="ADAL" clId="{D2FDBEB2-E663-41FC-8A3C-AC79657DF6AB}" dt="2023-02-03T06:09:52.530" v="721" actId="700"/>
-          <ac:spMkLst>
-            <pc:docMk/>
-            <pc:sldMk cId="1970187575" sldId="379"/>
-            <ac:spMk id="3" creationId="{350410A3-AA46-4D57-BBE4-7C2245269B80}"/>
-          </ac:spMkLst>
-        </pc:spChg>
-        <pc:spChg chg="add mod ord">
-          <ac:chgData name="Matthieu De Mari" userId="dfb708c9-d8dc-439f-9a3b-c772bf4a311c" providerId="ADAL" clId="{D2FDBEB2-E663-41FC-8A3C-AC79657DF6AB}" dt="2023-02-03T06:09:56.595" v="738" actId="20577"/>
-          <ac:spMkLst>
-            <pc:docMk/>
-            <pc:sldMk cId="1970187575" sldId="379"/>
-            <ac:spMk id="4" creationId="{35AF26F8-A3EF-1DA4-0F08-821904720C49}"/>
-          </ac:spMkLst>
-        </pc:spChg>
-        <pc:spChg chg="add mod ord">
-          <ac:chgData name="Matthieu De Mari" userId="dfb708c9-d8dc-439f-9a3b-c772bf4a311c" providerId="ADAL" clId="{D2FDBEB2-E663-41FC-8A3C-AC79657DF6AB}" dt="2023-02-03T06:11:03.285" v="798" actId="20577"/>
-          <ac:spMkLst>
-            <pc:docMk/>
-            <pc:sldMk cId="1970187575" sldId="379"/>
-            <ac:spMk id="5" creationId="{DF664FFA-9452-2803-1619-F2562904679D}"/>
-          </ac:spMkLst>
-        </pc:spChg>
-        <pc:spChg chg="add del mod ord">
-          <ac:chgData name="Matthieu De Mari" userId="dfb708c9-d8dc-439f-9a3b-c772bf4a311c" providerId="ADAL" clId="{D2FDBEB2-E663-41FC-8A3C-AC79657DF6AB}" dt="2023-02-03T06:11:06.947" v="799" actId="478"/>
-          <ac:spMkLst>
-            <pc:docMk/>
-            <pc:sldMk cId="1970187575" sldId="379"/>
-            <ac:spMk id="6" creationId="{54FAFB93-0158-7B14-C177-779BCF8BEC15}"/>
-          </ac:spMkLst>
-        </pc:spChg>
-        <pc:picChg chg="add mod">
-          <ac:chgData name="Matthieu De Mari" userId="dfb708c9-d8dc-439f-9a3b-c772bf4a311c" providerId="ADAL" clId="{D2FDBEB2-E663-41FC-8A3C-AC79657DF6AB}" dt="2023-02-03T06:12:18.186" v="801" actId="1076"/>
-          <ac:picMkLst>
-            <pc:docMk/>
-            <pc:sldMk cId="1970187575" sldId="379"/>
-            <ac:picMk id="8" creationId="{38396DA0-ACDE-2CF1-5318-A812A302B91F}"/>
-          </ac:picMkLst>
-        </pc:picChg>
       </pc:sldChg>
       <pc:sldChg chg="addSp delSp modSp new mod modClrScheme chgLayout">
         <pc:chgData name="Matthieu De Mari" userId="dfb708c9-d8dc-439f-9a3b-c772bf4a311c" providerId="ADAL" clId="{D2FDBEB2-E663-41FC-8A3C-AC79657DF6AB}" dt="2023-02-03T06:39:40.751" v="2139" actId="207"/>
@@ -418,62 +308,6 @@
           <pc:docMk/>
           <pc:sldMk cId="2100436947" sldId="380"/>
         </pc:sldMkLst>
-        <pc:spChg chg="mod ord">
-          <ac:chgData name="Matthieu De Mari" userId="dfb708c9-d8dc-439f-9a3b-c772bf4a311c" providerId="ADAL" clId="{D2FDBEB2-E663-41FC-8A3C-AC79657DF6AB}" dt="2023-02-03T06:36:43.027" v="1970" actId="700"/>
-          <ac:spMkLst>
-            <pc:docMk/>
-            <pc:sldMk cId="2100436947" sldId="380"/>
-            <ac:spMk id="2" creationId="{77126354-C35C-9E58-34D0-5861FBC9E6D5}"/>
-          </ac:spMkLst>
-        </pc:spChg>
-        <pc:spChg chg="del mod ord">
-          <ac:chgData name="Matthieu De Mari" userId="dfb708c9-d8dc-439f-9a3b-c772bf4a311c" providerId="ADAL" clId="{D2FDBEB2-E663-41FC-8A3C-AC79657DF6AB}" dt="2023-02-03T06:36:43.027" v="1970" actId="700"/>
-          <ac:spMkLst>
-            <pc:docMk/>
-            <pc:sldMk cId="2100436947" sldId="380"/>
-            <ac:spMk id="3" creationId="{AE633EF7-FE8D-5712-4111-81D6DAA3DCD5}"/>
-          </ac:spMkLst>
-        </pc:spChg>
-        <pc:spChg chg="add mod ord">
-          <ac:chgData name="Matthieu De Mari" userId="dfb708c9-d8dc-439f-9a3b-c772bf4a311c" providerId="ADAL" clId="{D2FDBEB2-E663-41FC-8A3C-AC79657DF6AB}" dt="2023-02-03T06:39:40.751" v="2139" actId="207"/>
-          <ac:spMkLst>
-            <pc:docMk/>
-            <pc:sldMk cId="2100436947" sldId="380"/>
-            <ac:spMk id="4" creationId="{11F8287B-68F9-6307-9899-F1C2672A4FC6}"/>
-          </ac:spMkLst>
-        </pc:spChg>
-        <pc:spChg chg="add del mod ord">
-          <ac:chgData name="Matthieu De Mari" userId="dfb708c9-d8dc-439f-9a3b-c772bf4a311c" providerId="ADAL" clId="{D2FDBEB2-E663-41FC-8A3C-AC79657DF6AB}" dt="2023-02-03T06:37:09.502" v="1971" actId="478"/>
-          <ac:spMkLst>
-            <pc:docMk/>
-            <pc:sldMk cId="2100436947" sldId="380"/>
-            <ac:spMk id="5" creationId="{446D88DD-65EC-951A-F5A9-40ABB1237F28}"/>
-          </ac:spMkLst>
-        </pc:spChg>
-        <pc:picChg chg="add del mod">
-          <ac:chgData name="Matthieu De Mari" userId="dfb708c9-d8dc-439f-9a3b-c772bf4a311c" providerId="ADAL" clId="{D2FDBEB2-E663-41FC-8A3C-AC79657DF6AB}" dt="2023-02-03T06:38:23.552" v="2051" actId="478"/>
-          <ac:picMkLst>
-            <pc:docMk/>
-            <pc:sldMk cId="2100436947" sldId="380"/>
-            <ac:picMk id="7" creationId="{93AE3261-9FCE-E201-2461-9CBC53BDD1C6}"/>
-          </ac:picMkLst>
-        </pc:picChg>
-        <pc:picChg chg="add mod modCrop">
-          <ac:chgData name="Matthieu De Mari" userId="dfb708c9-d8dc-439f-9a3b-c772bf4a311c" providerId="ADAL" clId="{D2FDBEB2-E663-41FC-8A3C-AC79657DF6AB}" dt="2023-02-03T06:38:45.501" v="2060" actId="1076"/>
-          <ac:picMkLst>
-            <pc:docMk/>
-            <pc:sldMk cId="2100436947" sldId="380"/>
-            <ac:picMk id="9" creationId="{56F683A9-058D-AF33-0AA8-27120C94D3E3}"/>
-          </ac:picMkLst>
-        </pc:picChg>
-        <pc:picChg chg="add mod">
-          <ac:chgData name="Matthieu De Mari" userId="dfb708c9-d8dc-439f-9a3b-c772bf4a311c" providerId="ADAL" clId="{D2FDBEB2-E663-41FC-8A3C-AC79657DF6AB}" dt="2023-02-03T06:38:40.424" v="2056" actId="1076"/>
-          <ac:picMkLst>
-            <pc:docMk/>
-            <pc:sldMk cId="2100436947" sldId="380"/>
-            <ac:picMk id="11" creationId="{546EFE0C-C1D6-FB5D-CFDC-E9D49F2BEFDE}"/>
-          </ac:picMkLst>
-        </pc:picChg>
       </pc:sldChg>
       <pc:sldChg chg="addSp modSp new mod modClrScheme chgLayout">
         <pc:chgData name="Matthieu De Mari" userId="dfb708c9-d8dc-439f-9a3b-c772bf4a311c" providerId="ADAL" clId="{D2FDBEB2-E663-41FC-8A3C-AC79657DF6AB}" dt="2023-02-03T06:43:16.501" v="2260" actId="20577"/>
@@ -481,30 +315,6 @@
           <pc:docMk/>
           <pc:sldMk cId="3251402422" sldId="381"/>
         </pc:sldMkLst>
-        <pc:spChg chg="mod ord">
-          <ac:chgData name="Matthieu De Mari" userId="dfb708c9-d8dc-439f-9a3b-c772bf4a311c" providerId="ADAL" clId="{D2FDBEB2-E663-41FC-8A3C-AC79657DF6AB}" dt="2023-02-03T06:42:51.710" v="2241" actId="700"/>
-          <ac:spMkLst>
-            <pc:docMk/>
-            <pc:sldMk cId="3251402422" sldId="381"/>
-            <ac:spMk id="2" creationId="{D5C2C212-E261-A521-5A07-4F79BEE7D615}"/>
-          </ac:spMkLst>
-        </pc:spChg>
-        <pc:spChg chg="mod ord">
-          <ac:chgData name="Matthieu De Mari" userId="dfb708c9-d8dc-439f-9a3b-c772bf4a311c" providerId="ADAL" clId="{D2FDBEB2-E663-41FC-8A3C-AC79657DF6AB}" dt="2023-02-03T06:43:16.501" v="2260" actId="20577"/>
-          <ac:spMkLst>
-            <pc:docMk/>
-            <pc:sldMk cId="3251402422" sldId="381"/>
-            <ac:spMk id="3" creationId="{EB875A09-F649-0453-782D-77AD08503234}"/>
-          </ac:spMkLst>
-        </pc:spChg>
-        <pc:spChg chg="add mod ord">
-          <ac:chgData name="Matthieu De Mari" userId="dfb708c9-d8dc-439f-9a3b-c772bf4a311c" providerId="ADAL" clId="{D2FDBEB2-E663-41FC-8A3C-AC79657DF6AB}" dt="2023-02-03T06:43:05.116" v="2258" actId="20577"/>
-          <ac:spMkLst>
-            <pc:docMk/>
-            <pc:sldMk cId="3251402422" sldId="381"/>
-            <ac:spMk id="4" creationId="{953DB814-D545-5828-A2A0-FEEF73BDC2D8}"/>
-          </ac:spMkLst>
-        </pc:spChg>
       </pc:sldChg>
       <pc:sldChg chg="addSp delSp modSp new mod modClrScheme chgLayout">
         <pc:chgData name="Matthieu De Mari" userId="dfb708c9-d8dc-439f-9a3b-c772bf4a311c" providerId="ADAL" clId="{D2FDBEB2-E663-41FC-8A3C-AC79657DF6AB}" dt="2023-02-03T06:48:14.770" v="2345" actId="14100"/>
@@ -512,46 +322,6 @@
           <pc:docMk/>
           <pc:sldMk cId="1017635827" sldId="382"/>
         </pc:sldMkLst>
-        <pc:spChg chg="mod ord">
-          <ac:chgData name="Matthieu De Mari" userId="dfb708c9-d8dc-439f-9a3b-c772bf4a311c" providerId="ADAL" clId="{D2FDBEB2-E663-41FC-8A3C-AC79657DF6AB}" dt="2023-02-03T06:45:47.810" v="2310" actId="700"/>
-          <ac:spMkLst>
-            <pc:docMk/>
-            <pc:sldMk cId="1017635827" sldId="382"/>
-            <ac:spMk id="2" creationId="{C3F2713C-FE07-816E-6FFD-E2674D11721D}"/>
-          </ac:spMkLst>
-        </pc:spChg>
-        <pc:spChg chg="mod ord">
-          <ac:chgData name="Matthieu De Mari" userId="dfb708c9-d8dc-439f-9a3b-c772bf4a311c" providerId="ADAL" clId="{D2FDBEB2-E663-41FC-8A3C-AC79657DF6AB}" dt="2023-02-03T06:47:20.609" v="2338"/>
-          <ac:spMkLst>
-            <pc:docMk/>
-            <pc:sldMk cId="1017635827" sldId="382"/>
-            <ac:spMk id="3" creationId="{FA1F1CE6-06FF-6DD6-265C-39A26CC7DB57}"/>
-          </ac:spMkLst>
-        </pc:spChg>
-        <pc:spChg chg="add del mod ord">
-          <ac:chgData name="Matthieu De Mari" userId="dfb708c9-d8dc-439f-9a3b-c772bf4a311c" providerId="ADAL" clId="{D2FDBEB2-E663-41FC-8A3C-AC79657DF6AB}" dt="2023-02-03T06:45:33.252" v="2308" actId="478"/>
-          <ac:spMkLst>
-            <pc:docMk/>
-            <pc:sldMk cId="1017635827" sldId="382"/>
-            <ac:spMk id="4" creationId="{5843D25B-9D04-4D41-556D-2F94CE141136}"/>
-          </ac:spMkLst>
-        </pc:spChg>
-        <pc:spChg chg="add del mod ord">
-          <ac:chgData name="Matthieu De Mari" userId="dfb708c9-d8dc-439f-9a3b-c772bf4a311c" providerId="ADAL" clId="{D2FDBEB2-E663-41FC-8A3C-AC79657DF6AB}" dt="2023-02-03T06:47:23.986" v="2339" actId="478"/>
-          <ac:spMkLst>
-            <pc:docMk/>
-            <pc:sldMk cId="1017635827" sldId="382"/>
-            <ac:spMk id="5" creationId="{9CC08854-D3E9-2AA4-3B21-DA2728469A18}"/>
-          </ac:spMkLst>
-        </pc:spChg>
-        <pc:picChg chg="add mod">
-          <ac:chgData name="Matthieu De Mari" userId="dfb708c9-d8dc-439f-9a3b-c772bf4a311c" providerId="ADAL" clId="{D2FDBEB2-E663-41FC-8A3C-AC79657DF6AB}" dt="2023-02-03T06:48:14.770" v="2345" actId="14100"/>
-          <ac:picMkLst>
-            <pc:docMk/>
-            <pc:sldMk cId="1017635827" sldId="382"/>
-            <ac:picMk id="7" creationId="{6AF5739C-A62C-69DB-A2FB-542D29AC8C09}"/>
-          </ac:picMkLst>
-        </pc:picChg>
       </pc:sldChg>
       <pc:sldChg chg="modSp new mod">
         <pc:chgData name="Matthieu De Mari" userId="dfb708c9-d8dc-439f-9a3b-c772bf4a311c" providerId="ADAL" clId="{D2FDBEB2-E663-41FC-8A3C-AC79657DF6AB}" dt="2023-02-03T07:03:32.616" v="2650" actId="20577"/>
@@ -559,22 +329,6 @@
           <pc:docMk/>
           <pc:sldMk cId="1921397945" sldId="383"/>
         </pc:sldMkLst>
-        <pc:spChg chg="mod">
-          <ac:chgData name="Matthieu De Mari" userId="dfb708c9-d8dc-439f-9a3b-c772bf4a311c" providerId="ADAL" clId="{D2FDBEB2-E663-41FC-8A3C-AC79657DF6AB}" dt="2023-02-03T07:03:08.764" v="2609" actId="20577"/>
-          <ac:spMkLst>
-            <pc:docMk/>
-            <pc:sldMk cId="1921397945" sldId="383"/>
-            <ac:spMk id="2" creationId="{FBC36228-8F7A-1389-12CE-514215337F1A}"/>
-          </ac:spMkLst>
-        </pc:spChg>
-        <pc:spChg chg="mod">
-          <ac:chgData name="Matthieu De Mari" userId="dfb708c9-d8dc-439f-9a3b-c772bf4a311c" providerId="ADAL" clId="{D2FDBEB2-E663-41FC-8A3C-AC79657DF6AB}" dt="2023-02-03T07:03:32.616" v="2650" actId="20577"/>
-          <ac:spMkLst>
-            <pc:docMk/>
-            <pc:sldMk cId="1921397945" sldId="383"/>
-            <ac:spMk id="3" creationId="{4E3EB5A2-1EBE-6555-85E5-4CA6DEF3845D}"/>
-          </ac:spMkLst>
-        </pc:spChg>
       </pc:sldChg>
       <pc:sldChg chg="addSp delSp modSp new mod modClrScheme chgLayout">
         <pc:chgData name="Matthieu De Mari" userId="dfb708c9-d8dc-439f-9a3b-c772bf4a311c" providerId="ADAL" clId="{D2FDBEB2-E663-41FC-8A3C-AC79657DF6AB}" dt="2023-02-03T08:27:26.197" v="6114" actId="20577"/>
@@ -582,54 +336,6 @@
           <pc:docMk/>
           <pc:sldMk cId="1420298135" sldId="384"/>
         </pc:sldMkLst>
-        <pc:spChg chg="del mod ord">
-          <ac:chgData name="Matthieu De Mari" userId="dfb708c9-d8dc-439f-9a3b-c772bf4a311c" providerId="ADAL" clId="{D2FDBEB2-E663-41FC-8A3C-AC79657DF6AB}" dt="2023-02-03T07:12:40.970" v="3218" actId="700"/>
-          <ac:spMkLst>
-            <pc:docMk/>
-            <pc:sldMk cId="1420298135" sldId="384"/>
-            <ac:spMk id="2" creationId="{857AA423-E77E-C7F5-72AD-FB7701923EB9}"/>
-          </ac:spMkLst>
-        </pc:spChg>
-        <pc:spChg chg="del mod ord">
-          <ac:chgData name="Matthieu De Mari" userId="dfb708c9-d8dc-439f-9a3b-c772bf4a311c" providerId="ADAL" clId="{D2FDBEB2-E663-41FC-8A3C-AC79657DF6AB}" dt="2023-02-03T07:12:40.970" v="3218" actId="700"/>
-          <ac:spMkLst>
-            <pc:docMk/>
-            <pc:sldMk cId="1420298135" sldId="384"/>
-            <ac:spMk id="3" creationId="{E9F46571-05A8-834D-E8F0-712DFB2A1C4F}"/>
-          </ac:spMkLst>
-        </pc:spChg>
-        <pc:spChg chg="add mod ord">
-          <ac:chgData name="Matthieu De Mari" userId="dfb708c9-d8dc-439f-9a3b-c772bf4a311c" providerId="ADAL" clId="{D2FDBEB2-E663-41FC-8A3C-AC79657DF6AB}" dt="2023-02-03T07:13:50.287" v="3286" actId="700"/>
-          <ac:spMkLst>
-            <pc:docMk/>
-            <pc:sldMk cId="1420298135" sldId="384"/>
-            <ac:spMk id="4" creationId="{42595458-81E2-940F-A3E9-22F09182BCC3}"/>
-          </ac:spMkLst>
-        </pc:spChg>
-        <pc:spChg chg="add mod ord">
-          <ac:chgData name="Matthieu De Mari" userId="dfb708c9-d8dc-439f-9a3b-c772bf4a311c" providerId="ADAL" clId="{D2FDBEB2-E663-41FC-8A3C-AC79657DF6AB}" dt="2023-02-03T08:27:26.197" v="6114" actId="20577"/>
-          <ac:spMkLst>
-            <pc:docMk/>
-            <pc:sldMk cId="1420298135" sldId="384"/>
-            <ac:spMk id="5" creationId="{CBDF5152-8165-F342-BDF9-7CF1D911D8E8}"/>
-          </ac:spMkLst>
-        </pc:spChg>
-        <pc:spChg chg="add del mod ord">
-          <ac:chgData name="Matthieu De Mari" userId="dfb708c9-d8dc-439f-9a3b-c772bf4a311c" providerId="ADAL" clId="{D2FDBEB2-E663-41FC-8A3C-AC79657DF6AB}" dt="2023-02-03T07:12:55.925" v="3280" actId="478"/>
-          <ac:spMkLst>
-            <pc:docMk/>
-            <pc:sldMk cId="1420298135" sldId="384"/>
-            <ac:spMk id="6" creationId="{48565126-CF1C-6D7E-4E25-0531902FF4E8}"/>
-          </ac:spMkLst>
-        </pc:spChg>
-        <pc:picChg chg="add mod">
-          <ac:chgData name="Matthieu De Mari" userId="dfb708c9-d8dc-439f-9a3b-c772bf4a311c" providerId="ADAL" clId="{D2FDBEB2-E663-41FC-8A3C-AC79657DF6AB}" dt="2023-02-03T07:14:26.983" v="3289" actId="1076"/>
-          <ac:picMkLst>
-            <pc:docMk/>
-            <pc:sldMk cId="1420298135" sldId="384"/>
-            <ac:picMk id="8" creationId="{0A7C372F-E912-DE4A-4DF1-EE8281CE0024}"/>
-          </ac:picMkLst>
-        </pc:picChg>
       </pc:sldChg>
       <pc:sldChg chg="addSp modSp new mod">
         <pc:chgData name="Matthieu De Mari" userId="dfb708c9-d8dc-439f-9a3b-c772bf4a311c" providerId="ADAL" clId="{D2FDBEB2-E663-41FC-8A3C-AC79657DF6AB}" dt="2023-02-03T08:27:48.202" v="6121" actId="20577"/>
@@ -637,30 +343,6 @@
           <pc:docMk/>
           <pc:sldMk cId="2560511070" sldId="385"/>
         </pc:sldMkLst>
-        <pc:spChg chg="mod">
-          <ac:chgData name="Matthieu De Mari" userId="dfb708c9-d8dc-439f-9a3b-c772bf4a311c" providerId="ADAL" clId="{D2FDBEB2-E663-41FC-8A3C-AC79657DF6AB}" dt="2023-02-03T07:15:26.249" v="3350" actId="20577"/>
-          <ac:spMkLst>
-            <pc:docMk/>
-            <pc:sldMk cId="2560511070" sldId="385"/>
-            <ac:spMk id="2" creationId="{D7697535-1088-B797-5883-502EDFA1C675}"/>
-          </ac:spMkLst>
-        </pc:spChg>
-        <pc:spChg chg="mod">
-          <ac:chgData name="Matthieu De Mari" userId="dfb708c9-d8dc-439f-9a3b-c772bf4a311c" providerId="ADAL" clId="{D2FDBEB2-E663-41FC-8A3C-AC79657DF6AB}" dt="2023-02-03T08:27:48.202" v="6121" actId="20577"/>
-          <ac:spMkLst>
-            <pc:docMk/>
-            <pc:sldMk cId="2560511070" sldId="385"/>
-            <ac:spMk id="3" creationId="{BA745D00-1AA4-E710-F652-A7E165C17CC6}"/>
-          </ac:spMkLst>
-        </pc:spChg>
-        <pc:picChg chg="add mod">
-          <ac:chgData name="Matthieu De Mari" userId="dfb708c9-d8dc-439f-9a3b-c772bf4a311c" providerId="ADAL" clId="{D2FDBEB2-E663-41FC-8A3C-AC79657DF6AB}" dt="2023-02-03T07:17:11.091" v="3566" actId="14100"/>
-          <ac:picMkLst>
-            <pc:docMk/>
-            <pc:sldMk cId="2560511070" sldId="385"/>
-            <ac:picMk id="5" creationId="{D46F7538-0929-9C7F-4437-2EFA2BF34CB6}"/>
-          </ac:picMkLst>
-        </pc:picChg>
       </pc:sldChg>
       <pc:sldChg chg="addSp delSp modSp new mod modClrScheme chgLayout">
         <pc:chgData name="Matthieu De Mari" userId="dfb708c9-d8dc-439f-9a3b-c772bf4a311c" providerId="ADAL" clId="{D2FDBEB2-E663-41FC-8A3C-AC79657DF6AB}" dt="2023-02-03T07:24:21.886" v="3777" actId="20577"/>
@@ -668,46 +350,6 @@
           <pc:docMk/>
           <pc:sldMk cId="1116470923" sldId="386"/>
         </pc:sldMkLst>
-        <pc:spChg chg="mod ord">
-          <ac:chgData name="Matthieu De Mari" userId="dfb708c9-d8dc-439f-9a3b-c772bf4a311c" providerId="ADAL" clId="{D2FDBEB2-E663-41FC-8A3C-AC79657DF6AB}" dt="2023-02-03T07:22:34.358" v="3703" actId="700"/>
-          <ac:spMkLst>
-            <pc:docMk/>
-            <pc:sldMk cId="1116470923" sldId="386"/>
-            <ac:spMk id="2" creationId="{FBBD2A6B-552C-9A92-9B5D-5DB897023119}"/>
-          </ac:spMkLst>
-        </pc:spChg>
-        <pc:spChg chg="mod ord">
-          <ac:chgData name="Matthieu De Mari" userId="dfb708c9-d8dc-439f-9a3b-c772bf4a311c" providerId="ADAL" clId="{D2FDBEB2-E663-41FC-8A3C-AC79657DF6AB}" dt="2023-02-03T07:24:21.886" v="3777" actId="20577"/>
-          <ac:spMkLst>
-            <pc:docMk/>
-            <pc:sldMk cId="1116470923" sldId="386"/>
-            <ac:spMk id="3" creationId="{44608F03-1D5E-5E62-5A70-1B8EB17DF397}"/>
-          </ac:spMkLst>
-        </pc:spChg>
-        <pc:spChg chg="add del mod ord">
-          <ac:chgData name="Matthieu De Mari" userId="dfb708c9-d8dc-439f-9a3b-c772bf4a311c" providerId="ADAL" clId="{D2FDBEB2-E663-41FC-8A3C-AC79657DF6AB}" dt="2023-02-03T07:21:20.198" v="3685" actId="478"/>
-          <ac:spMkLst>
-            <pc:docMk/>
-            <pc:sldMk cId="1116470923" sldId="386"/>
-            <ac:spMk id="4" creationId="{34F51327-852F-2DAF-82BD-5E83C4E5CD85}"/>
-          </ac:spMkLst>
-        </pc:spChg>
-        <pc:picChg chg="add del mod">
-          <ac:chgData name="Matthieu De Mari" userId="dfb708c9-d8dc-439f-9a3b-c772bf4a311c" providerId="ADAL" clId="{D2FDBEB2-E663-41FC-8A3C-AC79657DF6AB}" dt="2023-02-03T07:22:36.067" v="3704" actId="478"/>
-          <ac:picMkLst>
-            <pc:docMk/>
-            <pc:sldMk cId="1116470923" sldId="386"/>
-            <ac:picMk id="6" creationId="{E646E1A0-EF8B-8076-F40B-06546F4B9B9C}"/>
-          </ac:picMkLst>
-        </pc:picChg>
-        <pc:picChg chg="add mod">
-          <ac:chgData name="Matthieu De Mari" userId="dfb708c9-d8dc-439f-9a3b-c772bf4a311c" providerId="ADAL" clId="{D2FDBEB2-E663-41FC-8A3C-AC79657DF6AB}" dt="2023-02-03T07:23:54.664" v="3719" actId="14100"/>
-          <ac:picMkLst>
-            <pc:docMk/>
-            <pc:sldMk cId="1116470923" sldId="386"/>
-            <ac:picMk id="7" creationId="{ECC234CE-D676-ECD3-D2E7-52357BDE961D}"/>
-          </ac:picMkLst>
-        </pc:picChg>
       </pc:sldChg>
       <pc:sldChg chg="modSp new mod">
         <pc:chgData name="Matthieu De Mari" userId="dfb708c9-d8dc-439f-9a3b-c772bf4a311c" providerId="ADAL" clId="{D2FDBEB2-E663-41FC-8A3C-AC79657DF6AB}" dt="2023-02-03T07:51:47.934" v="3926" actId="20577"/>
@@ -715,22 +357,6 @@
           <pc:docMk/>
           <pc:sldMk cId="2474697269" sldId="387"/>
         </pc:sldMkLst>
-        <pc:spChg chg="mod">
-          <ac:chgData name="Matthieu De Mari" userId="dfb708c9-d8dc-439f-9a3b-c772bf4a311c" providerId="ADAL" clId="{D2FDBEB2-E663-41FC-8A3C-AC79657DF6AB}" dt="2023-02-03T07:49:36.276" v="3809" actId="20577"/>
-          <ac:spMkLst>
-            <pc:docMk/>
-            <pc:sldMk cId="2474697269" sldId="387"/>
-            <ac:spMk id="2" creationId="{917AFA90-DB7E-A390-9716-D81708D85130}"/>
-          </ac:spMkLst>
-        </pc:spChg>
-        <pc:spChg chg="mod">
-          <ac:chgData name="Matthieu De Mari" userId="dfb708c9-d8dc-439f-9a3b-c772bf4a311c" providerId="ADAL" clId="{D2FDBEB2-E663-41FC-8A3C-AC79657DF6AB}" dt="2023-02-03T07:51:47.934" v="3926" actId="20577"/>
-          <ac:spMkLst>
-            <pc:docMk/>
-            <pc:sldMk cId="2474697269" sldId="387"/>
-            <ac:spMk id="3" creationId="{C7732CA9-163D-B4B0-71B2-AEA1EC81E0E6}"/>
-          </ac:spMkLst>
-        </pc:spChg>
       </pc:sldChg>
       <pc:sldChg chg="modSp new mod">
         <pc:chgData name="Matthieu De Mari" userId="dfb708c9-d8dc-439f-9a3b-c772bf4a311c" providerId="ADAL" clId="{D2FDBEB2-E663-41FC-8A3C-AC79657DF6AB}" dt="2023-02-03T08:05:19.527" v="4929" actId="113"/>
@@ -738,22 +364,6 @@
           <pc:docMk/>
           <pc:sldMk cId="4198773114" sldId="388"/>
         </pc:sldMkLst>
-        <pc:spChg chg="mod">
-          <ac:chgData name="Matthieu De Mari" userId="dfb708c9-d8dc-439f-9a3b-c772bf4a311c" providerId="ADAL" clId="{D2FDBEB2-E663-41FC-8A3C-AC79657DF6AB}" dt="2023-02-03T08:02:09.088" v="4740" actId="20577"/>
-          <ac:spMkLst>
-            <pc:docMk/>
-            <pc:sldMk cId="4198773114" sldId="388"/>
-            <ac:spMk id="2" creationId="{408CA521-96F3-C600-A042-370E3F36CE6B}"/>
-          </ac:spMkLst>
-        </pc:spChg>
-        <pc:spChg chg="mod">
-          <ac:chgData name="Matthieu De Mari" userId="dfb708c9-d8dc-439f-9a3b-c772bf4a311c" providerId="ADAL" clId="{D2FDBEB2-E663-41FC-8A3C-AC79657DF6AB}" dt="2023-02-03T08:05:19.527" v="4929" actId="113"/>
-          <ac:spMkLst>
-            <pc:docMk/>
-            <pc:sldMk cId="4198773114" sldId="388"/>
-            <ac:spMk id="3" creationId="{46D88AA4-084D-50F6-7F5E-69051FD9A887}"/>
-          </ac:spMkLst>
-        </pc:spChg>
       </pc:sldChg>
       <pc:sldChg chg="modSp new mod">
         <pc:chgData name="Matthieu De Mari" userId="dfb708c9-d8dc-439f-9a3b-c772bf4a311c" providerId="ADAL" clId="{D2FDBEB2-E663-41FC-8A3C-AC79657DF6AB}" dt="2023-02-03T08:15:34.322" v="5775" actId="20577"/>
@@ -761,22 +371,6 @@
           <pc:docMk/>
           <pc:sldMk cId="481628505" sldId="389"/>
         </pc:sldMkLst>
-        <pc:spChg chg="mod">
-          <ac:chgData name="Matthieu De Mari" userId="dfb708c9-d8dc-439f-9a3b-c772bf4a311c" providerId="ADAL" clId="{D2FDBEB2-E663-41FC-8A3C-AC79657DF6AB}" dt="2023-02-03T08:08:20.566" v="5005" actId="20577"/>
-          <ac:spMkLst>
-            <pc:docMk/>
-            <pc:sldMk cId="481628505" sldId="389"/>
-            <ac:spMk id="2" creationId="{62DF8571-F31A-11B4-26C7-2C202A57B4A3}"/>
-          </ac:spMkLst>
-        </pc:spChg>
-        <pc:spChg chg="mod">
-          <ac:chgData name="Matthieu De Mari" userId="dfb708c9-d8dc-439f-9a3b-c772bf4a311c" providerId="ADAL" clId="{D2FDBEB2-E663-41FC-8A3C-AC79657DF6AB}" dt="2023-02-03T08:15:34.322" v="5775" actId="20577"/>
-          <ac:spMkLst>
-            <pc:docMk/>
-            <pc:sldMk cId="481628505" sldId="389"/>
-            <ac:spMk id="3" creationId="{6C4142A3-3578-C842-742A-3495AD72B776}"/>
-          </ac:spMkLst>
-        </pc:spChg>
       </pc:sldChg>
       <pc:sldChg chg="addSp delSp modSp new mod">
         <pc:chgData name="Matthieu De Mari" userId="dfb708c9-d8dc-439f-9a3b-c772bf4a311c" providerId="ADAL" clId="{D2FDBEB2-E663-41FC-8A3C-AC79657DF6AB}" dt="2023-02-03T08:16:23.090" v="5808" actId="1076"/>
@@ -784,30 +378,6 @@
           <pc:docMk/>
           <pc:sldMk cId="2128707751" sldId="390"/>
         </pc:sldMkLst>
-        <pc:spChg chg="mod">
-          <ac:chgData name="Matthieu De Mari" userId="dfb708c9-d8dc-439f-9a3b-c772bf4a311c" providerId="ADAL" clId="{D2FDBEB2-E663-41FC-8A3C-AC79657DF6AB}" dt="2023-02-03T08:16:09.241" v="5803" actId="20577"/>
-          <ac:spMkLst>
-            <pc:docMk/>
-            <pc:sldMk cId="2128707751" sldId="390"/>
-            <ac:spMk id="2" creationId="{C902DDAE-7B18-E047-726C-A4619D106A2D}"/>
-          </ac:spMkLst>
-        </pc:spChg>
-        <pc:spChg chg="del">
-          <ac:chgData name="Matthieu De Mari" userId="dfb708c9-d8dc-439f-9a3b-c772bf4a311c" providerId="ADAL" clId="{D2FDBEB2-E663-41FC-8A3C-AC79657DF6AB}" dt="2023-02-03T08:16:12.116" v="5804" actId="478"/>
-          <ac:spMkLst>
-            <pc:docMk/>
-            <pc:sldMk cId="2128707751" sldId="390"/>
-            <ac:spMk id="3" creationId="{49277AC5-542C-30AE-22EA-34F02B102AF5}"/>
-          </ac:spMkLst>
-        </pc:spChg>
-        <pc:picChg chg="add mod">
-          <ac:chgData name="Matthieu De Mari" userId="dfb708c9-d8dc-439f-9a3b-c772bf4a311c" providerId="ADAL" clId="{D2FDBEB2-E663-41FC-8A3C-AC79657DF6AB}" dt="2023-02-03T08:16:23.090" v="5808" actId="1076"/>
-          <ac:picMkLst>
-            <pc:docMk/>
-            <pc:sldMk cId="2128707751" sldId="390"/>
-            <ac:picMk id="5" creationId="{4A8B1291-A554-8B80-6FA0-9146AA644C29}"/>
-          </ac:picMkLst>
-        </pc:picChg>
       </pc:sldChg>
       <pc:sldChg chg="addSp delSp modSp new mod modClrScheme chgLayout">
         <pc:chgData name="Matthieu De Mari" userId="dfb708c9-d8dc-439f-9a3b-c772bf4a311c" providerId="ADAL" clId="{D2FDBEB2-E663-41FC-8A3C-AC79657DF6AB}" dt="2023-02-03T08:36:24.788" v="6692" actId="20577"/>
@@ -815,30 +385,6 @@
           <pc:docMk/>
           <pc:sldMk cId="1283478655" sldId="391"/>
         </pc:sldMkLst>
-        <pc:spChg chg="mod ord">
-          <ac:chgData name="Matthieu De Mari" userId="dfb708c9-d8dc-439f-9a3b-c772bf4a311c" providerId="ADAL" clId="{D2FDBEB2-E663-41FC-8A3C-AC79657DF6AB}" dt="2023-02-03T08:32:37.170" v="6381" actId="700"/>
-          <ac:spMkLst>
-            <pc:docMk/>
-            <pc:sldMk cId="1283478655" sldId="391"/>
-            <ac:spMk id="2" creationId="{9E92E9E4-1AEF-6408-1465-D1DC917DE2AF}"/>
-          </ac:spMkLst>
-        </pc:spChg>
-        <pc:spChg chg="mod ord">
-          <ac:chgData name="Matthieu De Mari" userId="dfb708c9-d8dc-439f-9a3b-c772bf4a311c" providerId="ADAL" clId="{D2FDBEB2-E663-41FC-8A3C-AC79657DF6AB}" dt="2023-02-03T08:36:24.788" v="6692" actId="20577"/>
-          <ac:spMkLst>
-            <pc:docMk/>
-            <pc:sldMk cId="1283478655" sldId="391"/>
-            <ac:spMk id="3" creationId="{EDC87932-752D-FABC-76EF-38023409D8D8}"/>
-          </ac:spMkLst>
-        </pc:spChg>
-        <pc:spChg chg="add del mod ord">
-          <ac:chgData name="Matthieu De Mari" userId="dfb708c9-d8dc-439f-9a3b-c772bf4a311c" providerId="ADAL" clId="{D2FDBEB2-E663-41FC-8A3C-AC79657DF6AB}" dt="2023-02-03T08:32:42.643" v="6383" actId="478"/>
-          <ac:spMkLst>
-            <pc:docMk/>
-            <pc:sldMk cId="1283478655" sldId="391"/>
-            <ac:spMk id="4" creationId="{2A4C576B-2ED6-0560-5E76-758168B5FF17}"/>
-          </ac:spMkLst>
-        </pc:spChg>
       </pc:sldChg>
       <pc:sldChg chg="addSp delSp new mod ord">
         <pc:chgData name="Matthieu De Mari" userId="dfb708c9-d8dc-439f-9a3b-c772bf4a311c" providerId="ADAL" clId="{D2FDBEB2-E663-41FC-8A3C-AC79657DF6AB}" dt="2023-02-03T08:51:08.222" v="7382"/>
@@ -846,30 +392,6 @@
           <pc:docMk/>
           <pc:sldMk cId="1341638402" sldId="392"/>
         </pc:sldMkLst>
-        <pc:spChg chg="del">
-          <ac:chgData name="Matthieu De Mari" userId="dfb708c9-d8dc-439f-9a3b-c772bf4a311c" providerId="ADAL" clId="{D2FDBEB2-E663-41FC-8A3C-AC79657DF6AB}" dt="2023-02-03T08:49:37.212" v="7373" actId="478"/>
-          <ac:spMkLst>
-            <pc:docMk/>
-            <pc:sldMk cId="1341638402" sldId="392"/>
-            <ac:spMk id="2" creationId="{BA1D3FB9-E5B8-3718-1677-AF583B6288EB}"/>
-          </ac:spMkLst>
-        </pc:spChg>
-        <pc:spChg chg="del">
-          <ac:chgData name="Matthieu De Mari" userId="dfb708c9-d8dc-439f-9a3b-c772bf4a311c" providerId="ADAL" clId="{D2FDBEB2-E663-41FC-8A3C-AC79657DF6AB}" dt="2023-02-03T08:49:39.147" v="7374" actId="478"/>
-          <ac:spMkLst>
-            <pc:docMk/>
-            <pc:sldMk cId="1341638402" sldId="392"/>
-            <ac:spMk id="3" creationId="{FDA8FC24-2AC7-CCB3-CB3F-C8FDA0223A76}"/>
-          </ac:spMkLst>
-        </pc:spChg>
-        <pc:picChg chg="add">
-          <ac:chgData name="Matthieu De Mari" userId="dfb708c9-d8dc-439f-9a3b-c772bf4a311c" providerId="ADAL" clId="{D2FDBEB2-E663-41FC-8A3C-AC79657DF6AB}" dt="2023-02-03T08:49:40.751" v="7375" actId="22"/>
-          <ac:picMkLst>
-            <pc:docMk/>
-            <pc:sldMk cId="1341638402" sldId="392"/>
-            <ac:picMk id="5" creationId="{886D06CA-B3C1-1830-AC72-0181AC10C325}"/>
-          </ac:picMkLst>
-        </pc:picChg>
       </pc:sldChg>
       <pc:sldChg chg="new del">
         <pc:chgData name="Matthieu De Mari" userId="dfb708c9-d8dc-439f-9a3b-c772bf4a311c" providerId="ADAL" clId="{D2FDBEB2-E663-41FC-8A3C-AC79657DF6AB}" dt="2023-02-03T08:51:09.735" v="7383" actId="47"/>
@@ -884,54 +406,6 @@
           <pc:docMk/>
           <pc:sldMk cId="164097668" sldId="394"/>
         </pc:sldMkLst>
-        <pc:spChg chg="mod ord">
-          <ac:chgData name="Matthieu De Mari" userId="dfb708c9-d8dc-439f-9a3b-c772bf4a311c" providerId="ADAL" clId="{D2FDBEB2-E663-41FC-8A3C-AC79657DF6AB}" dt="2023-02-03T08:52:34.232" v="7416" actId="700"/>
-          <ac:spMkLst>
-            <pc:docMk/>
-            <pc:sldMk cId="164097668" sldId="394"/>
-            <ac:spMk id="2" creationId="{5EE3B6C1-D583-A692-9831-4EBA5FFC0843}"/>
-          </ac:spMkLst>
-        </pc:spChg>
-        <pc:spChg chg="del mod ord">
-          <ac:chgData name="Matthieu De Mari" userId="dfb708c9-d8dc-439f-9a3b-c772bf4a311c" providerId="ADAL" clId="{D2FDBEB2-E663-41FC-8A3C-AC79657DF6AB}" dt="2023-02-03T08:52:34.232" v="7416" actId="700"/>
-          <ac:spMkLst>
-            <pc:docMk/>
-            <pc:sldMk cId="164097668" sldId="394"/>
-            <ac:spMk id="3" creationId="{92E9050B-66A5-FB92-C341-496FFC678FA2}"/>
-          </ac:spMkLst>
-        </pc:spChg>
-        <pc:spChg chg="add mod ord">
-          <ac:chgData name="Matthieu De Mari" userId="dfb708c9-d8dc-439f-9a3b-c772bf4a311c" providerId="ADAL" clId="{D2FDBEB2-E663-41FC-8A3C-AC79657DF6AB}" dt="2023-02-03T08:53:23.633" v="7563" actId="113"/>
-          <ac:spMkLst>
-            <pc:docMk/>
-            <pc:sldMk cId="164097668" sldId="394"/>
-            <ac:spMk id="4" creationId="{7B27ED01-4B43-7115-3D3C-53FF72E7590A}"/>
-          </ac:spMkLst>
-        </pc:spChg>
-        <pc:spChg chg="add del mod ord">
-          <ac:chgData name="Matthieu De Mari" userId="dfb708c9-d8dc-439f-9a3b-c772bf4a311c" providerId="ADAL" clId="{D2FDBEB2-E663-41FC-8A3C-AC79657DF6AB}" dt="2023-02-03T08:52:38.765" v="7422" actId="478"/>
-          <ac:spMkLst>
-            <pc:docMk/>
-            <pc:sldMk cId="164097668" sldId="394"/>
-            <ac:spMk id="5" creationId="{775D5543-5815-B9BF-FF35-878FCBC1C827}"/>
-          </ac:spMkLst>
-        </pc:spChg>
-        <pc:spChg chg="add mod">
-          <ac:chgData name="Matthieu De Mari" userId="dfb708c9-d8dc-439f-9a3b-c772bf4a311c" providerId="ADAL" clId="{D2FDBEB2-E663-41FC-8A3C-AC79657DF6AB}" dt="2023-02-03T08:53:43.343" v="7567" actId="14100"/>
-          <ac:spMkLst>
-            <pc:docMk/>
-            <pc:sldMk cId="164097668" sldId="394"/>
-            <ac:spMk id="8" creationId="{AD6ED9A1-3116-CE4C-FF7F-F3A141ACF6CB}"/>
-          </ac:spMkLst>
-        </pc:spChg>
-        <pc:picChg chg="add mod">
-          <ac:chgData name="Matthieu De Mari" userId="dfb708c9-d8dc-439f-9a3b-c772bf4a311c" providerId="ADAL" clId="{D2FDBEB2-E663-41FC-8A3C-AC79657DF6AB}" dt="2023-02-03T08:52:42.201" v="7424" actId="1076"/>
-          <ac:picMkLst>
-            <pc:docMk/>
-            <pc:sldMk cId="164097668" sldId="394"/>
-            <ac:picMk id="7" creationId="{FA82CB6F-957A-39D7-F6F0-4ED02FB8462B}"/>
-          </ac:picMkLst>
-        </pc:picChg>
       </pc:sldChg>
       <pc:sldChg chg="addSp delSp modSp new mod modClrScheme chgLayout">
         <pc:chgData name="Matthieu De Mari" userId="dfb708c9-d8dc-439f-9a3b-c772bf4a311c" providerId="ADAL" clId="{D2FDBEB2-E663-41FC-8A3C-AC79657DF6AB}" dt="2023-02-03T09:08:43.040" v="8236" actId="14100"/>
@@ -939,54 +413,6 @@
           <pc:docMk/>
           <pc:sldMk cId="3048177291" sldId="395"/>
         </pc:sldMkLst>
-        <pc:spChg chg="mod ord">
-          <ac:chgData name="Matthieu De Mari" userId="dfb708c9-d8dc-439f-9a3b-c772bf4a311c" providerId="ADAL" clId="{D2FDBEB2-E663-41FC-8A3C-AC79657DF6AB}" dt="2023-02-03T09:03:25.621" v="7775" actId="700"/>
-          <ac:spMkLst>
-            <pc:docMk/>
-            <pc:sldMk cId="3048177291" sldId="395"/>
-            <ac:spMk id="2" creationId="{C0AEB798-137F-1C5F-D3F8-E30049627063}"/>
-          </ac:spMkLst>
-        </pc:spChg>
-        <pc:spChg chg="mod ord">
-          <ac:chgData name="Matthieu De Mari" userId="dfb708c9-d8dc-439f-9a3b-c772bf4a311c" providerId="ADAL" clId="{D2FDBEB2-E663-41FC-8A3C-AC79657DF6AB}" dt="2023-02-03T09:04:10.892" v="7822" actId="113"/>
-          <ac:spMkLst>
-            <pc:docMk/>
-            <pc:sldMk cId="3048177291" sldId="395"/>
-            <ac:spMk id="3" creationId="{6A509501-56C2-23F3-214C-C91AB5067894}"/>
-          </ac:spMkLst>
-        </pc:spChg>
-        <pc:spChg chg="add mod ord">
-          <ac:chgData name="Matthieu De Mari" userId="dfb708c9-d8dc-439f-9a3b-c772bf4a311c" providerId="ADAL" clId="{D2FDBEB2-E663-41FC-8A3C-AC79657DF6AB}" dt="2023-02-03T09:04:19.840" v="7830" actId="14100"/>
-          <ac:spMkLst>
-            <pc:docMk/>
-            <pc:sldMk cId="3048177291" sldId="395"/>
-            <ac:spMk id="4" creationId="{F617EAC8-C948-69D4-C406-FE9CCE702448}"/>
-          </ac:spMkLst>
-        </pc:spChg>
-        <pc:picChg chg="add del mod">
-          <ac:chgData name="Matthieu De Mari" userId="dfb708c9-d8dc-439f-9a3b-c772bf4a311c" providerId="ADAL" clId="{D2FDBEB2-E663-41FC-8A3C-AC79657DF6AB}" dt="2023-02-03T09:08:19.854" v="8230" actId="478"/>
-          <ac:picMkLst>
-            <pc:docMk/>
-            <pc:sldMk cId="3048177291" sldId="395"/>
-            <ac:picMk id="6" creationId="{9D72E1BC-D7A4-153C-41D8-83DAE8DB9A50}"/>
-          </ac:picMkLst>
-        </pc:picChg>
-        <pc:picChg chg="add mod">
-          <ac:chgData name="Matthieu De Mari" userId="dfb708c9-d8dc-439f-9a3b-c772bf4a311c" providerId="ADAL" clId="{D2FDBEB2-E663-41FC-8A3C-AC79657DF6AB}" dt="2023-02-03T09:08:25.400" v="8233" actId="14100"/>
-          <ac:picMkLst>
-            <pc:docMk/>
-            <pc:sldMk cId="3048177291" sldId="395"/>
-            <ac:picMk id="8" creationId="{A052F437-7E98-33DE-6B4B-B496C1861CFF}"/>
-          </ac:picMkLst>
-        </pc:picChg>
-        <pc:picChg chg="add mod">
-          <ac:chgData name="Matthieu De Mari" userId="dfb708c9-d8dc-439f-9a3b-c772bf4a311c" providerId="ADAL" clId="{D2FDBEB2-E663-41FC-8A3C-AC79657DF6AB}" dt="2023-02-03T09:08:43.040" v="8236" actId="14100"/>
-          <ac:picMkLst>
-            <pc:docMk/>
-            <pc:sldMk cId="3048177291" sldId="395"/>
-            <ac:picMk id="10" creationId="{7AE96FE3-0E55-49D9-CEBF-41697612BDAC}"/>
-          </ac:picMkLst>
-        </pc:picChg>
       </pc:sldChg>
       <pc:sldChg chg="new">
         <pc:chgData name="Matthieu De Mari" userId="dfb708c9-d8dc-439f-9a3b-c772bf4a311c" providerId="ADAL" clId="{D2FDBEB2-E663-41FC-8A3C-AC79657DF6AB}" dt="2023-02-03T02:58:04.050" v="175" actId="680"/>
@@ -1015,14 +441,6 @@
           <pc:docMk/>
           <pc:sldMk cId="122423608" sldId="399"/>
         </pc:sldMkLst>
-        <pc:spChg chg="mod">
-          <ac:chgData name="Matthieu De Mari" userId="dfb708c9-d8dc-439f-9a3b-c772bf4a311c" providerId="ADAL" clId="{D2FDBEB2-E663-41FC-8A3C-AC79657DF6AB}" dt="2023-02-03T02:59:22.033" v="235" actId="20577"/>
-          <ac:spMkLst>
-            <pc:docMk/>
-            <pc:sldMk cId="122423608" sldId="399"/>
-            <ac:spMk id="2" creationId="{A8C99902-2A36-9C91-5F2C-9819DE23FB0C}"/>
-          </ac:spMkLst>
-        </pc:spChg>
       </pc:sldChg>
       <pc:sldChg chg="new">
         <pc:chgData name="Matthieu De Mari" userId="dfb708c9-d8dc-439f-9a3b-c772bf4a311c" providerId="ADAL" clId="{D2FDBEB2-E663-41FC-8A3C-AC79657DF6AB}" dt="2023-02-03T02:59:37.988" v="238" actId="680"/>
@@ -1058,22 +476,6 @@
           <pc:docMk/>
           <pc:sldMk cId="3140288791" sldId="404"/>
         </pc:sldMkLst>
-        <pc:spChg chg="mod">
-          <ac:chgData name="Matthieu De Mari" userId="dfb708c9-d8dc-439f-9a3b-c772bf4a311c" providerId="ADAL" clId="{D2FDBEB2-E663-41FC-8A3C-AC79657DF6AB}" dt="2023-02-03T06:54:09.367" v="2541" actId="20577"/>
-          <ac:spMkLst>
-            <pc:docMk/>
-            <pc:sldMk cId="3140288791" sldId="404"/>
-            <ac:spMk id="2" creationId="{581B7E6E-252F-1AB6-6445-27D0020E0280}"/>
-          </ac:spMkLst>
-        </pc:spChg>
-        <pc:spChg chg="mod">
-          <ac:chgData name="Matthieu De Mari" userId="dfb708c9-d8dc-439f-9a3b-c772bf4a311c" providerId="ADAL" clId="{D2FDBEB2-E663-41FC-8A3C-AC79657DF6AB}" dt="2023-02-03T06:53:43.723" v="2499" actId="20577"/>
-          <ac:spMkLst>
-            <pc:docMk/>
-            <pc:sldMk cId="3140288791" sldId="404"/>
-            <ac:spMk id="3" creationId="{088657BF-BB53-D488-1F2B-77F25EDE3A56}"/>
-          </ac:spMkLst>
-        </pc:spChg>
       </pc:sldChg>
       <pc:sldChg chg="add">
         <pc:chgData name="Matthieu De Mari" userId="dfb708c9-d8dc-439f-9a3b-c772bf4a311c" providerId="ADAL" clId="{D2FDBEB2-E663-41FC-8A3C-AC79657DF6AB}" dt="2023-02-03T06:03:02.893" v="259"/>
@@ -1088,62 +490,6 @@
           <pc:docMk/>
           <pc:sldMk cId="3358927626" sldId="406"/>
         </pc:sldMkLst>
-        <pc:spChg chg="mod ord">
-          <ac:chgData name="Matthieu De Mari" userId="dfb708c9-d8dc-439f-9a3b-c772bf4a311c" providerId="ADAL" clId="{D2FDBEB2-E663-41FC-8A3C-AC79657DF6AB}" dt="2023-02-03T06:09:12.869" v="710" actId="700"/>
-          <ac:spMkLst>
-            <pc:docMk/>
-            <pc:sldMk cId="3358927626" sldId="406"/>
-            <ac:spMk id="2" creationId="{28C8E2B8-16B2-DFEB-21E8-D5EA9B09A62A}"/>
-          </ac:spMkLst>
-        </pc:spChg>
-        <pc:spChg chg="mod ord">
-          <ac:chgData name="Matthieu De Mari" userId="dfb708c9-d8dc-439f-9a3b-c772bf4a311c" providerId="ADAL" clId="{D2FDBEB2-E663-41FC-8A3C-AC79657DF6AB}" dt="2023-02-03T06:09:18.627" v="715"/>
-          <ac:spMkLst>
-            <pc:docMk/>
-            <pc:sldMk cId="3358927626" sldId="406"/>
-            <ac:spMk id="3" creationId="{40B01D2C-4BE4-C6CD-31D7-3F2E182779DF}"/>
-          </ac:spMkLst>
-        </pc:spChg>
-        <pc:spChg chg="del mod ord">
-          <ac:chgData name="Matthieu De Mari" userId="dfb708c9-d8dc-439f-9a3b-c772bf4a311c" providerId="ADAL" clId="{D2FDBEB2-E663-41FC-8A3C-AC79657DF6AB}" dt="2023-02-03T06:09:15.196" v="711" actId="478"/>
-          <ac:spMkLst>
-            <pc:docMk/>
-            <pc:sldMk cId="3358927626" sldId="406"/>
-            <ac:spMk id="4" creationId="{D0D29EA2-9996-8782-66AE-561B2D472B85}"/>
-          </ac:spMkLst>
-        </pc:spChg>
-        <pc:picChg chg="del">
-          <ac:chgData name="Matthieu De Mari" userId="dfb708c9-d8dc-439f-9a3b-c772bf4a311c" providerId="ADAL" clId="{D2FDBEB2-E663-41FC-8A3C-AC79657DF6AB}" dt="2023-02-03T06:09:17.129" v="714" actId="478"/>
-          <ac:picMkLst>
-            <pc:docMk/>
-            <pc:sldMk cId="3358927626" sldId="406"/>
-            <ac:picMk id="6" creationId="{174A9CDE-B0B1-2295-86F9-490D9AEF3493}"/>
-          </ac:picMkLst>
-        </pc:picChg>
-        <pc:picChg chg="add mod">
-          <ac:chgData name="Matthieu De Mari" userId="dfb708c9-d8dc-439f-9a3b-c772bf4a311c" providerId="ADAL" clId="{D2FDBEB2-E663-41FC-8A3C-AC79657DF6AB}" dt="2023-02-03T06:09:42.334" v="720" actId="1076"/>
-          <ac:picMkLst>
-            <pc:docMk/>
-            <pc:sldMk cId="3358927626" sldId="406"/>
-            <ac:picMk id="7" creationId="{442DA575-615D-9EA0-0B63-D1F67373C130}"/>
-          </ac:picMkLst>
-        </pc:picChg>
-        <pc:picChg chg="del">
-          <ac:chgData name="Matthieu De Mari" userId="dfb708c9-d8dc-439f-9a3b-c772bf4a311c" providerId="ADAL" clId="{D2FDBEB2-E663-41FC-8A3C-AC79657DF6AB}" dt="2023-02-03T06:09:16.476" v="713" actId="478"/>
-          <ac:picMkLst>
-            <pc:docMk/>
-            <pc:sldMk cId="3358927626" sldId="406"/>
-            <ac:picMk id="8" creationId="{8642BB61-5547-E779-25BC-07029F6867D4}"/>
-          </ac:picMkLst>
-        </pc:picChg>
-        <pc:picChg chg="del">
-          <ac:chgData name="Matthieu De Mari" userId="dfb708c9-d8dc-439f-9a3b-c772bf4a311c" providerId="ADAL" clId="{D2FDBEB2-E663-41FC-8A3C-AC79657DF6AB}" dt="2023-02-03T06:09:16.210" v="712" actId="478"/>
-          <ac:picMkLst>
-            <pc:docMk/>
-            <pc:sldMk cId="3358927626" sldId="406"/>
-            <ac:picMk id="10" creationId="{AAA21B2A-5B1A-3237-C1A9-541D91EEB57A}"/>
-          </ac:picMkLst>
-        </pc:picChg>
       </pc:sldChg>
       <pc:sldChg chg="addSp delSp modSp new mod">
         <pc:chgData name="Matthieu De Mari" userId="dfb708c9-d8dc-439f-9a3b-c772bf4a311c" providerId="ADAL" clId="{D2FDBEB2-E663-41FC-8A3C-AC79657DF6AB}" dt="2023-02-03T06:15:37.685" v="1099" actId="12"/>
@@ -1151,54 +497,6 @@
           <pc:docMk/>
           <pc:sldMk cId="1925028509" sldId="407"/>
         </pc:sldMkLst>
-        <pc:spChg chg="mod">
-          <ac:chgData name="Matthieu De Mari" userId="dfb708c9-d8dc-439f-9a3b-c772bf4a311c" providerId="ADAL" clId="{D2FDBEB2-E663-41FC-8A3C-AC79657DF6AB}" dt="2023-02-03T06:12:32.138" v="819" actId="20577"/>
-          <ac:spMkLst>
-            <pc:docMk/>
-            <pc:sldMk cId="1925028509" sldId="407"/>
-            <ac:spMk id="2" creationId="{445434E9-6928-73A0-43A5-8E0EEE693F2D}"/>
-          </ac:spMkLst>
-        </pc:spChg>
-        <pc:spChg chg="mod">
-          <ac:chgData name="Matthieu De Mari" userId="dfb708c9-d8dc-439f-9a3b-c772bf4a311c" providerId="ADAL" clId="{D2FDBEB2-E663-41FC-8A3C-AC79657DF6AB}" dt="2023-02-03T06:15:37.685" v="1099" actId="12"/>
-          <ac:spMkLst>
-            <pc:docMk/>
-            <pc:sldMk cId="1925028509" sldId="407"/>
-            <ac:spMk id="3" creationId="{8A7D9A86-7C7C-734B-80A4-FB642FF10042}"/>
-          </ac:spMkLst>
-        </pc:spChg>
-        <pc:spChg chg="del">
-          <ac:chgData name="Matthieu De Mari" userId="dfb708c9-d8dc-439f-9a3b-c772bf4a311c" providerId="ADAL" clId="{D2FDBEB2-E663-41FC-8A3C-AC79657DF6AB}" dt="2023-02-03T06:12:53.688" v="851" actId="478"/>
-          <ac:spMkLst>
-            <pc:docMk/>
-            <pc:sldMk cId="1925028509" sldId="407"/>
-            <ac:spMk id="4" creationId="{41CB767C-6FF7-8F08-6225-F27E17B15552}"/>
-          </ac:spMkLst>
-        </pc:spChg>
-        <pc:picChg chg="add mod">
-          <ac:chgData name="Matthieu De Mari" userId="dfb708c9-d8dc-439f-9a3b-c772bf4a311c" providerId="ADAL" clId="{D2FDBEB2-E663-41FC-8A3C-AC79657DF6AB}" dt="2023-02-03T06:13:51.073" v="887" actId="1076"/>
-          <ac:picMkLst>
-            <pc:docMk/>
-            <pc:sldMk cId="1925028509" sldId="407"/>
-            <ac:picMk id="6" creationId="{70EEA628-810A-AF2E-00EE-DF691CE1657B}"/>
-          </ac:picMkLst>
-        </pc:picChg>
-        <pc:picChg chg="add mod">
-          <ac:chgData name="Matthieu De Mari" userId="dfb708c9-d8dc-439f-9a3b-c772bf4a311c" providerId="ADAL" clId="{D2FDBEB2-E663-41FC-8A3C-AC79657DF6AB}" dt="2023-02-03T06:14:22.735" v="957" actId="1076"/>
-          <ac:picMkLst>
-            <pc:docMk/>
-            <pc:sldMk cId="1925028509" sldId="407"/>
-            <ac:picMk id="8" creationId="{C543654B-55A4-7D2C-64C1-EA7202FE615D}"/>
-          </ac:picMkLst>
-        </pc:picChg>
-        <pc:picChg chg="add mod">
-          <ac:chgData name="Matthieu De Mari" userId="dfb708c9-d8dc-439f-9a3b-c772bf4a311c" providerId="ADAL" clId="{D2FDBEB2-E663-41FC-8A3C-AC79657DF6AB}" dt="2023-02-03T06:14:41.466" v="991" actId="1076"/>
-          <ac:picMkLst>
-            <pc:docMk/>
-            <pc:sldMk cId="1925028509" sldId="407"/>
-            <ac:picMk id="10" creationId="{6D8B9614-48EF-8437-0E5E-9FEF509AB4A6}"/>
-          </ac:picMkLst>
-        </pc:picChg>
       </pc:sldChg>
       <pc:sldChg chg="addSp delSp modSp new mod">
         <pc:chgData name="Matthieu De Mari" userId="dfb708c9-d8dc-439f-9a3b-c772bf4a311c" providerId="ADAL" clId="{D2FDBEB2-E663-41FC-8A3C-AC79657DF6AB}" dt="2023-02-03T06:27:00.107" v="1534" actId="20577"/>
@@ -1206,46 +504,6 @@
           <pc:docMk/>
           <pc:sldMk cId="3458396453" sldId="408"/>
         </pc:sldMkLst>
-        <pc:spChg chg="mod">
-          <ac:chgData name="Matthieu De Mari" userId="dfb708c9-d8dc-439f-9a3b-c772bf4a311c" providerId="ADAL" clId="{D2FDBEB2-E663-41FC-8A3C-AC79657DF6AB}" dt="2023-02-03T06:16:07.244" v="1137" actId="20577"/>
-          <ac:spMkLst>
-            <pc:docMk/>
-            <pc:sldMk cId="3458396453" sldId="408"/>
-            <ac:spMk id="2" creationId="{1038DBA5-CB9C-9AAA-DA24-A5BB82454158}"/>
-          </ac:spMkLst>
-        </pc:spChg>
-        <pc:spChg chg="mod">
-          <ac:chgData name="Matthieu De Mari" userId="dfb708c9-d8dc-439f-9a3b-c772bf4a311c" providerId="ADAL" clId="{D2FDBEB2-E663-41FC-8A3C-AC79657DF6AB}" dt="2023-02-03T06:19:37.550" v="1395" actId="20577"/>
-          <ac:spMkLst>
-            <pc:docMk/>
-            <pc:sldMk cId="3458396453" sldId="408"/>
-            <ac:spMk id="3" creationId="{A2C1AD02-2B23-3037-9908-FF09B3499297}"/>
-          </ac:spMkLst>
-        </pc:spChg>
-        <pc:spChg chg="mod">
-          <ac:chgData name="Matthieu De Mari" userId="dfb708c9-d8dc-439f-9a3b-c772bf4a311c" providerId="ADAL" clId="{D2FDBEB2-E663-41FC-8A3C-AC79657DF6AB}" dt="2023-02-03T06:27:00.107" v="1534" actId="20577"/>
-          <ac:spMkLst>
-            <pc:docMk/>
-            <pc:sldMk cId="3458396453" sldId="408"/>
-            <ac:spMk id="4" creationId="{6F2769B1-E04C-7731-027E-A37C8AAEBCC0}"/>
-          </ac:spMkLst>
-        </pc:spChg>
-        <pc:picChg chg="add del mod">
-          <ac:chgData name="Matthieu De Mari" userId="dfb708c9-d8dc-439f-9a3b-c772bf4a311c" providerId="ADAL" clId="{D2FDBEB2-E663-41FC-8A3C-AC79657DF6AB}" dt="2023-02-03T06:19:43.688" v="1397" actId="478"/>
-          <ac:picMkLst>
-            <pc:docMk/>
-            <pc:sldMk cId="3458396453" sldId="408"/>
-            <ac:picMk id="6" creationId="{8D74613D-DF48-BF6C-AB43-CCE9EB512E84}"/>
-          </ac:picMkLst>
-        </pc:picChg>
-        <pc:picChg chg="add mod">
-          <ac:chgData name="Matthieu De Mari" userId="dfb708c9-d8dc-439f-9a3b-c772bf4a311c" providerId="ADAL" clId="{D2FDBEB2-E663-41FC-8A3C-AC79657DF6AB}" dt="2023-02-03T06:26:53.312" v="1522" actId="1076"/>
-          <ac:picMkLst>
-            <pc:docMk/>
-            <pc:sldMk cId="3458396453" sldId="408"/>
-            <ac:picMk id="8" creationId="{F0E0B423-3A8C-32D4-141D-C55B53A72E1E}"/>
-          </ac:picMkLst>
-        </pc:picChg>
       </pc:sldChg>
       <pc:sldChg chg="modSp add mod">
         <pc:chgData name="Matthieu De Mari" userId="dfb708c9-d8dc-439f-9a3b-c772bf4a311c" providerId="ADAL" clId="{D2FDBEB2-E663-41FC-8A3C-AC79657DF6AB}" dt="2023-02-03T06:27:25.758" v="1541" actId="20577"/>
@@ -1253,14 +511,6 @@
           <pc:docMk/>
           <pc:sldMk cId="1339110510" sldId="409"/>
         </pc:sldMkLst>
-        <pc:spChg chg="mod">
-          <ac:chgData name="Matthieu De Mari" userId="dfb708c9-d8dc-439f-9a3b-c772bf4a311c" providerId="ADAL" clId="{D2FDBEB2-E663-41FC-8A3C-AC79657DF6AB}" dt="2023-02-03T06:27:25.758" v="1541" actId="20577"/>
-          <ac:spMkLst>
-            <pc:docMk/>
-            <pc:sldMk cId="1339110510" sldId="409"/>
-            <ac:spMk id="4" creationId="{6F2769B1-E04C-7731-027E-A37C8AAEBCC0}"/>
-          </ac:spMkLst>
-        </pc:spChg>
       </pc:sldChg>
       <pc:sldChg chg="addSp delSp modSp add mod chgLayout">
         <pc:chgData name="Matthieu De Mari" userId="dfb708c9-d8dc-439f-9a3b-c772bf4a311c" providerId="ADAL" clId="{D2FDBEB2-E663-41FC-8A3C-AC79657DF6AB}" dt="2023-02-03T06:29:45.592" v="1649" actId="1076"/>
@@ -1268,62 +518,6 @@
           <pc:docMk/>
           <pc:sldMk cId="1178350440" sldId="410"/>
         </pc:sldMkLst>
-        <pc:spChg chg="mod ord">
-          <ac:chgData name="Matthieu De Mari" userId="dfb708c9-d8dc-439f-9a3b-c772bf4a311c" providerId="ADAL" clId="{D2FDBEB2-E663-41FC-8A3C-AC79657DF6AB}" dt="2023-02-03T06:29:22.216" v="1638" actId="700"/>
-          <ac:spMkLst>
-            <pc:docMk/>
-            <pc:sldMk cId="1178350440" sldId="410"/>
-            <ac:spMk id="2" creationId="{1038DBA5-CB9C-9AAA-DA24-A5BB82454158}"/>
-          </ac:spMkLst>
-        </pc:spChg>
-        <pc:spChg chg="mod ord">
-          <ac:chgData name="Matthieu De Mari" userId="dfb708c9-d8dc-439f-9a3b-c772bf4a311c" providerId="ADAL" clId="{D2FDBEB2-E663-41FC-8A3C-AC79657DF6AB}" dt="2023-02-03T06:29:25.246" v="1643" actId="27636"/>
-          <ac:spMkLst>
-            <pc:docMk/>
-            <pc:sldMk cId="1178350440" sldId="410"/>
-            <ac:spMk id="3" creationId="{A2C1AD02-2B23-3037-9908-FF09B3499297}"/>
-          </ac:spMkLst>
-        </pc:spChg>
-        <pc:spChg chg="del mod">
-          <ac:chgData name="Matthieu De Mari" userId="dfb708c9-d8dc-439f-9a3b-c772bf4a311c" providerId="ADAL" clId="{D2FDBEB2-E663-41FC-8A3C-AC79657DF6AB}" dt="2023-02-03T06:29:11.798" v="1633" actId="478"/>
-          <ac:spMkLst>
-            <pc:docMk/>
-            <pc:sldMk cId="1178350440" sldId="410"/>
-            <ac:spMk id="4" creationId="{6F2769B1-E04C-7731-027E-A37C8AAEBCC0}"/>
-          </ac:spMkLst>
-        </pc:spChg>
-        <pc:spChg chg="add del mod">
-          <ac:chgData name="Matthieu De Mari" userId="dfb708c9-d8dc-439f-9a3b-c772bf4a311c" providerId="ADAL" clId="{D2FDBEB2-E663-41FC-8A3C-AC79657DF6AB}" dt="2023-02-03T06:29:14.905" v="1635" actId="478"/>
-          <ac:spMkLst>
-            <pc:docMk/>
-            <pc:sldMk cId="1178350440" sldId="410"/>
-            <ac:spMk id="7" creationId="{53F5514B-170E-F61A-E21B-B5208500309F}"/>
-          </ac:spMkLst>
-        </pc:spChg>
-        <pc:spChg chg="add mod ord">
-          <ac:chgData name="Matthieu De Mari" userId="dfb708c9-d8dc-439f-9a3b-c772bf4a311c" providerId="ADAL" clId="{D2FDBEB2-E663-41FC-8A3C-AC79657DF6AB}" dt="2023-02-03T06:29:28.688" v="1645" actId="14100"/>
-          <ac:spMkLst>
-            <pc:docMk/>
-            <pc:sldMk cId="1178350440" sldId="410"/>
-            <ac:spMk id="8" creationId="{E77BD23E-F56C-1A2A-8041-A46EFC48D255}"/>
-          </ac:spMkLst>
-        </pc:spChg>
-        <pc:picChg chg="del">
-          <ac:chgData name="Matthieu De Mari" userId="dfb708c9-d8dc-439f-9a3b-c772bf4a311c" providerId="ADAL" clId="{D2FDBEB2-E663-41FC-8A3C-AC79657DF6AB}" dt="2023-02-03T06:29:13.689" v="1634" actId="478"/>
-          <ac:picMkLst>
-            <pc:docMk/>
-            <pc:sldMk cId="1178350440" sldId="410"/>
-            <ac:picMk id="6" creationId="{8D74613D-DF48-BF6C-AB43-CCE9EB512E84}"/>
-          </ac:picMkLst>
-        </pc:picChg>
-        <pc:picChg chg="add mod">
-          <ac:chgData name="Matthieu De Mari" userId="dfb708c9-d8dc-439f-9a3b-c772bf4a311c" providerId="ADAL" clId="{D2FDBEB2-E663-41FC-8A3C-AC79657DF6AB}" dt="2023-02-03T06:29:45.592" v="1649" actId="1076"/>
-          <ac:picMkLst>
-            <pc:docMk/>
-            <pc:sldMk cId="1178350440" sldId="410"/>
-            <ac:picMk id="10" creationId="{C608F0D5-1AC9-5C59-E1F6-A4F9915E4462}"/>
-          </ac:picMkLst>
-        </pc:picChg>
       </pc:sldChg>
       <pc:sldChg chg="addSp delSp modSp add mod">
         <pc:chgData name="Matthieu De Mari" userId="dfb708c9-d8dc-439f-9a3b-c772bf4a311c" providerId="ADAL" clId="{D2FDBEB2-E663-41FC-8A3C-AC79657DF6AB}" dt="2023-02-03T06:30:43.564" v="1656" actId="1076"/>
@@ -1331,22 +525,6 @@
           <pc:docMk/>
           <pc:sldMk cId="2149409242" sldId="411"/>
         </pc:sldMkLst>
-        <pc:picChg chg="add mod">
-          <ac:chgData name="Matthieu De Mari" userId="dfb708c9-d8dc-439f-9a3b-c772bf4a311c" providerId="ADAL" clId="{D2FDBEB2-E663-41FC-8A3C-AC79657DF6AB}" dt="2023-02-03T06:30:43.564" v="1656" actId="1076"/>
-          <ac:picMkLst>
-            <pc:docMk/>
-            <pc:sldMk cId="2149409242" sldId="411"/>
-            <ac:picMk id="5" creationId="{C7C2A4C7-E8B8-6EB6-8E8D-628C46CE1128}"/>
-          </ac:picMkLst>
-        </pc:picChg>
-        <pc:picChg chg="del">
-          <ac:chgData name="Matthieu De Mari" userId="dfb708c9-d8dc-439f-9a3b-c772bf4a311c" providerId="ADAL" clId="{D2FDBEB2-E663-41FC-8A3C-AC79657DF6AB}" dt="2023-02-03T06:30:36.125" v="1651" actId="478"/>
-          <ac:picMkLst>
-            <pc:docMk/>
-            <pc:sldMk cId="2149409242" sldId="411"/>
-            <ac:picMk id="10" creationId="{C608F0D5-1AC9-5C59-E1F6-A4F9915E4462}"/>
-          </ac:picMkLst>
-        </pc:picChg>
       </pc:sldChg>
       <pc:sldChg chg="addSp delSp modSp new mod modClrScheme chgLayout">
         <pc:chgData name="Matthieu De Mari" userId="dfb708c9-d8dc-439f-9a3b-c772bf4a311c" providerId="ADAL" clId="{D2FDBEB2-E663-41FC-8A3C-AC79657DF6AB}" dt="2023-02-03T06:32:52.063" v="1839" actId="1076"/>
@@ -1354,54 +532,6 @@
           <pc:docMk/>
           <pc:sldMk cId="1857929555" sldId="412"/>
         </pc:sldMkLst>
-        <pc:spChg chg="mod ord">
-          <ac:chgData name="Matthieu De Mari" userId="dfb708c9-d8dc-439f-9a3b-c772bf4a311c" providerId="ADAL" clId="{D2FDBEB2-E663-41FC-8A3C-AC79657DF6AB}" dt="2023-02-03T06:31:09.278" v="1694" actId="700"/>
-          <ac:spMkLst>
-            <pc:docMk/>
-            <pc:sldMk cId="1857929555" sldId="412"/>
-            <ac:spMk id="2" creationId="{99E8E432-407E-8907-4328-C2E9EDFC3166}"/>
-          </ac:spMkLst>
-        </pc:spChg>
-        <pc:spChg chg="del mod ord">
-          <ac:chgData name="Matthieu De Mari" userId="dfb708c9-d8dc-439f-9a3b-c772bf4a311c" providerId="ADAL" clId="{D2FDBEB2-E663-41FC-8A3C-AC79657DF6AB}" dt="2023-02-03T06:31:09.278" v="1694" actId="700"/>
-          <ac:spMkLst>
-            <pc:docMk/>
-            <pc:sldMk cId="1857929555" sldId="412"/>
-            <ac:spMk id="3" creationId="{DCE93DEF-D823-A16A-13C0-DA7DA936A773}"/>
-          </ac:spMkLst>
-        </pc:spChg>
-        <pc:spChg chg="del">
-          <ac:chgData name="Matthieu De Mari" userId="dfb708c9-d8dc-439f-9a3b-c772bf4a311c" providerId="ADAL" clId="{D2FDBEB2-E663-41FC-8A3C-AC79657DF6AB}" dt="2023-02-03T06:31:09.278" v="1694" actId="700"/>
-          <ac:spMkLst>
-            <pc:docMk/>
-            <pc:sldMk cId="1857929555" sldId="412"/>
-            <ac:spMk id="4" creationId="{A8F2F000-8414-6A36-4A69-6166C0867D69}"/>
-          </ac:spMkLst>
-        </pc:spChg>
-        <pc:spChg chg="add mod ord">
-          <ac:chgData name="Matthieu De Mari" userId="dfb708c9-d8dc-439f-9a3b-c772bf4a311c" providerId="ADAL" clId="{D2FDBEB2-E663-41FC-8A3C-AC79657DF6AB}" dt="2023-02-03T06:32:09.913" v="1830" actId="113"/>
-          <ac:spMkLst>
-            <pc:docMk/>
-            <pc:sldMk cId="1857929555" sldId="412"/>
-            <ac:spMk id="5" creationId="{4BC25369-B12F-4AC1-0A2A-B7362924B819}"/>
-          </ac:spMkLst>
-        </pc:spChg>
-        <pc:picChg chg="add del mod">
-          <ac:chgData name="Matthieu De Mari" userId="dfb708c9-d8dc-439f-9a3b-c772bf4a311c" providerId="ADAL" clId="{D2FDBEB2-E663-41FC-8A3C-AC79657DF6AB}" dt="2023-02-03T06:32:50.322" v="1838" actId="478"/>
-          <ac:picMkLst>
-            <pc:docMk/>
-            <pc:sldMk cId="1857929555" sldId="412"/>
-            <ac:picMk id="7" creationId="{8A2A851B-519D-6246-1325-49AE148D423B}"/>
-          </ac:picMkLst>
-        </pc:picChg>
-        <pc:picChg chg="add mod modCrop">
-          <ac:chgData name="Matthieu De Mari" userId="dfb708c9-d8dc-439f-9a3b-c772bf4a311c" providerId="ADAL" clId="{D2FDBEB2-E663-41FC-8A3C-AC79657DF6AB}" dt="2023-02-03T06:32:52.063" v="1839" actId="1076"/>
-          <ac:picMkLst>
-            <pc:docMk/>
-            <pc:sldMk cId="1857929555" sldId="412"/>
-            <ac:picMk id="9" creationId="{80A4B957-7E20-0025-8F44-1A1D4A3195B1}"/>
-          </ac:picMkLst>
-        </pc:picChg>
       </pc:sldChg>
       <pc:sldChg chg="delSp modSp add mod">
         <pc:chgData name="Matthieu De Mari" userId="dfb708c9-d8dc-439f-9a3b-c772bf4a311c" providerId="ADAL" clId="{D2FDBEB2-E663-41FC-8A3C-AC79657DF6AB}" dt="2023-02-03T06:32:48.411" v="1837" actId="1076"/>
@@ -1409,30 +539,6 @@
           <pc:docMk/>
           <pc:sldMk cId="3179138343" sldId="413"/>
         </pc:sldMkLst>
-        <pc:spChg chg="mod">
-          <ac:chgData name="Matthieu De Mari" userId="dfb708c9-d8dc-439f-9a3b-c772bf4a311c" providerId="ADAL" clId="{D2FDBEB2-E663-41FC-8A3C-AC79657DF6AB}" dt="2023-02-03T06:32:40.694" v="1835" actId="20577"/>
-          <ac:spMkLst>
-            <pc:docMk/>
-            <pc:sldMk cId="3179138343" sldId="413"/>
-            <ac:spMk id="5" creationId="{4BC25369-B12F-4AC1-0A2A-B7362924B819}"/>
-          </ac:spMkLst>
-        </pc:spChg>
-        <pc:picChg chg="mod">
-          <ac:chgData name="Matthieu De Mari" userId="dfb708c9-d8dc-439f-9a3b-c772bf4a311c" providerId="ADAL" clId="{D2FDBEB2-E663-41FC-8A3C-AC79657DF6AB}" dt="2023-02-03T06:32:48.411" v="1837" actId="1076"/>
-          <ac:picMkLst>
-            <pc:docMk/>
-            <pc:sldMk cId="3179138343" sldId="413"/>
-            <ac:picMk id="7" creationId="{8A2A851B-519D-6246-1325-49AE148D423B}"/>
-          </ac:picMkLst>
-        </pc:picChg>
-        <pc:picChg chg="del">
-          <ac:chgData name="Matthieu De Mari" userId="dfb708c9-d8dc-439f-9a3b-c772bf4a311c" providerId="ADAL" clId="{D2FDBEB2-E663-41FC-8A3C-AC79657DF6AB}" dt="2023-02-03T06:32:41.388" v="1836" actId="478"/>
-          <ac:picMkLst>
-            <pc:docMk/>
-            <pc:sldMk cId="3179138343" sldId="413"/>
-            <ac:picMk id="9" creationId="{80A4B957-7E20-0025-8F44-1A1D4A3195B1}"/>
-          </ac:picMkLst>
-        </pc:picChg>
       </pc:sldChg>
       <pc:sldChg chg="addSp delSp modSp new mod ord modClrScheme chgLayout">
         <pc:chgData name="Matthieu De Mari" userId="dfb708c9-d8dc-439f-9a3b-c772bf4a311c" providerId="ADAL" clId="{D2FDBEB2-E663-41FC-8A3C-AC79657DF6AB}" dt="2023-02-03T06:35:33.161" v="1926" actId="207"/>
@@ -1440,54 +546,6 @@
           <pc:docMk/>
           <pc:sldMk cId="1324969895" sldId="414"/>
         </pc:sldMkLst>
-        <pc:spChg chg="del mod ord">
-          <ac:chgData name="Matthieu De Mari" userId="dfb708c9-d8dc-439f-9a3b-c772bf4a311c" providerId="ADAL" clId="{D2FDBEB2-E663-41FC-8A3C-AC79657DF6AB}" dt="2023-02-03T06:33:11.620" v="1841" actId="700"/>
-          <ac:spMkLst>
-            <pc:docMk/>
-            <pc:sldMk cId="1324969895" sldId="414"/>
-            <ac:spMk id="2" creationId="{C9AED7BB-3BC0-54A9-0717-DE80AF55F38C}"/>
-          </ac:spMkLst>
-        </pc:spChg>
-        <pc:spChg chg="del mod ord">
-          <ac:chgData name="Matthieu De Mari" userId="dfb708c9-d8dc-439f-9a3b-c772bf4a311c" providerId="ADAL" clId="{D2FDBEB2-E663-41FC-8A3C-AC79657DF6AB}" dt="2023-02-03T06:33:11.620" v="1841" actId="700"/>
-          <ac:spMkLst>
-            <pc:docMk/>
-            <pc:sldMk cId="1324969895" sldId="414"/>
-            <ac:spMk id="3" creationId="{ECB73B5E-BC47-D9FF-87B7-F7CC37D611BF}"/>
-          </ac:spMkLst>
-        </pc:spChg>
-        <pc:spChg chg="add mod ord">
-          <ac:chgData name="Matthieu De Mari" userId="dfb708c9-d8dc-439f-9a3b-c772bf4a311c" providerId="ADAL" clId="{D2FDBEB2-E663-41FC-8A3C-AC79657DF6AB}" dt="2023-02-03T06:35:10.497" v="1910" actId="20577"/>
-          <ac:spMkLst>
-            <pc:docMk/>
-            <pc:sldMk cId="1324969895" sldId="414"/>
-            <ac:spMk id="4" creationId="{705EEE8A-9864-C894-ADC1-D56F795F9E62}"/>
-          </ac:spMkLst>
-        </pc:spChg>
-        <pc:spChg chg="add mod ord">
-          <ac:chgData name="Matthieu De Mari" userId="dfb708c9-d8dc-439f-9a3b-c772bf4a311c" providerId="ADAL" clId="{D2FDBEB2-E663-41FC-8A3C-AC79657DF6AB}" dt="2023-02-03T06:35:33.161" v="1926" actId="207"/>
-          <ac:spMkLst>
-            <pc:docMk/>
-            <pc:sldMk cId="1324969895" sldId="414"/>
-            <ac:spMk id="5" creationId="{60D93335-8A92-D60B-8902-7A5CD0AD4E90}"/>
-          </ac:spMkLst>
-        </pc:spChg>
-        <pc:spChg chg="add del mod ord">
-          <ac:chgData name="Matthieu De Mari" userId="dfb708c9-d8dc-439f-9a3b-c772bf4a311c" providerId="ADAL" clId="{D2FDBEB2-E663-41FC-8A3C-AC79657DF6AB}" dt="2023-02-03T06:33:32.715" v="1843" actId="478"/>
-          <ac:spMkLst>
-            <pc:docMk/>
-            <pc:sldMk cId="1324969895" sldId="414"/>
-            <ac:spMk id="6" creationId="{A74000C4-8422-A27D-8C3D-416CF00DB4AB}"/>
-          </ac:spMkLst>
-        </pc:spChg>
-        <pc:picChg chg="add mod">
-          <ac:chgData name="Matthieu De Mari" userId="dfb708c9-d8dc-439f-9a3b-c772bf4a311c" providerId="ADAL" clId="{D2FDBEB2-E663-41FC-8A3C-AC79657DF6AB}" dt="2023-02-03T06:33:46.761" v="1882" actId="1076"/>
-          <ac:picMkLst>
-            <pc:docMk/>
-            <pc:sldMk cId="1324969895" sldId="414"/>
-            <ac:picMk id="8" creationId="{E8F9878A-DE25-3093-AE99-5BACE4EEE502}"/>
-          </ac:picMkLst>
-        </pc:picChg>
       </pc:sldChg>
       <pc:sldChg chg="addSp delSp modSp add mod">
         <pc:chgData name="Matthieu De Mari" userId="dfb708c9-d8dc-439f-9a3b-c772bf4a311c" providerId="ADAL" clId="{D2FDBEB2-E663-41FC-8A3C-AC79657DF6AB}" dt="2023-02-03T06:35:36.345" v="1927" actId="207"/>
@@ -1495,38 +553,6 @@
           <pc:docMk/>
           <pc:sldMk cId="481166971" sldId="415"/>
         </pc:sldMkLst>
-        <pc:spChg chg="mod">
-          <ac:chgData name="Matthieu De Mari" userId="dfb708c9-d8dc-439f-9a3b-c772bf4a311c" providerId="ADAL" clId="{D2FDBEB2-E663-41FC-8A3C-AC79657DF6AB}" dt="2023-02-03T06:35:12.478" v="1912" actId="20577"/>
-          <ac:spMkLst>
-            <pc:docMk/>
-            <pc:sldMk cId="481166971" sldId="415"/>
-            <ac:spMk id="4" creationId="{705EEE8A-9864-C894-ADC1-D56F795F9E62}"/>
-          </ac:spMkLst>
-        </pc:spChg>
-        <pc:spChg chg="mod">
-          <ac:chgData name="Matthieu De Mari" userId="dfb708c9-d8dc-439f-9a3b-c772bf4a311c" providerId="ADAL" clId="{D2FDBEB2-E663-41FC-8A3C-AC79657DF6AB}" dt="2023-02-03T06:35:36.345" v="1927" actId="207"/>
-          <ac:spMkLst>
-            <pc:docMk/>
-            <pc:sldMk cId="481166971" sldId="415"/>
-            <ac:spMk id="5" creationId="{60D93335-8A92-D60B-8902-7A5CD0AD4E90}"/>
-          </ac:spMkLst>
-        </pc:spChg>
-        <pc:picChg chg="add mod">
-          <ac:chgData name="Matthieu De Mari" userId="dfb708c9-d8dc-439f-9a3b-c772bf4a311c" providerId="ADAL" clId="{D2FDBEB2-E663-41FC-8A3C-AC79657DF6AB}" dt="2023-02-03T06:35:22.311" v="1919" actId="1076"/>
-          <ac:picMkLst>
-            <pc:docMk/>
-            <pc:sldMk cId="481166971" sldId="415"/>
-            <ac:picMk id="3" creationId="{E82D5729-698A-A7DC-C629-2FC57EFE14AD}"/>
-          </ac:picMkLst>
-        </pc:picChg>
-        <pc:picChg chg="del">
-          <ac:chgData name="Matthieu De Mari" userId="dfb708c9-d8dc-439f-9a3b-c772bf4a311c" providerId="ADAL" clId="{D2FDBEB2-E663-41FC-8A3C-AC79657DF6AB}" dt="2023-02-03T06:35:18.287" v="1917" actId="478"/>
-          <ac:picMkLst>
-            <pc:docMk/>
-            <pc:sldMk cId="481166971" sldId="415"/>
-            <ac:picMk id="8" creationId="{E8F9878A-DE25-3093-AE99-5BACE4EEE502}"/>
-          </ac:picMkLst>
-        </pc:picChg>
       </pc:sldChg>
       <pc:sldChg chg="addSp delSp modSp add mod">
         <pc:chgData name="Matthieu De Mari" userId="dfb708c9-d8dc-439f-9a3b-c772bf4a311c" providerId="ADAL" clId="{D2FDBEB2-E663-41FC-8A3C-AC79657DF6AB}" dt="2023-02-03T06:35:57.022" v="1933" actId="14100"/>
@@ -1534,38 +560,6 @@
           <pc:docMk/>
           <pc:sldMk cId="4050702309" sldId="416"/>
         </pc:sldMkLst>
-        <pc:spChg chg="mod">
-          <ac:chgData name="Matthieu De Mari" userId="dfb708c9-d8dc-439f-9a3b-c772bf4a311c" providerId="ADAL" clId="{D2FDBEB2-E663-41FC-8A3C-AC79657DF6AB}" dt="2023-02-03T06:35:14.457" v="1914" actId="20577"/>
-          <ac:spMkLst>
-            <pc:docMk/>
-            <pc:sldMk cId="4050702309" sldId="416"/>
-            <ac:spMk id="4" creationId="{705EEE8A-9864-C894-ADC1-D56F795F9E62}"/>
-          </ac:spMkLst>
-        </pc:spChg>
-        <pc:spChg chg="mod">
-          <ac:chgData name="Matthieu De Mari" userId="dfb708c9-d8dc-439f-9a3b-c772bf4a311c" providerId="ADAL" clId="{D2FDBEB2-E663-41FC-8A3C-AC79657DF6AB}" dt="2023-02-03T06:35:39.886" v="1928" actId="207"/>
-          <ac:spMkLst>
-            <pc:docMk/>
-            <pc:sldMk cId="4050702309" sldId="416"/>
-            <ac:spMk id="5" creationId="{60D93335-8A92-D60B-8902-7A5CD0AD4E90}"/>
-          </ac:spMkLst>
-        </pc:spChg>
-        <pc:picChg chg="add mod">
-          <ac:chgData name="Matthieu De Mari" userId="dfb708c9-d8dc-439f-9a3b-c772bf4a311c" providerId="ADAL" clId="{D2FDBEB2-E663-41FC-8A3C-AC79657DF6AB}" dt="2023-02-03T06:35:57.022" v="1933" actId="14100"/>
-          <ac:picMkLst>
-            <pc:docMk/>
-            <pc:sldMk cId="4050702309" sldId="416"/>
-            <ac:picMk id="3" creationId="{08F2A61E-8AF7-2870-14E3-5A5BC11E7310}"/>
-          </ac:picMkLst>
-        </pc:picChg>
-        <pc:picChg chg="del">
-          <ac:chgData name="Matthieu De Mari" userId="dfb708c9-d8dc-439f-9a3b-c772bf4a311c" providerId="ADAL" clId="{D2FDBEB2-E663-41FC-8A3C-AC79657DF6AB}" dt="2023-02-03T06:35:41.294" v="1929" actId="478"/>
-          <ac:picMkLst>
-            <pc:docMk/>
-            <pc:sldMk cId="4050702309" sldId="416"/>
-            <ac:picMk id="8" creationId="{E8F9878A-DE25-3093-AE99-5BACE4EEE502}"/>
-          </ac:picMkLst>
-        </pc:picChg>
       </pc:sldChg>
       <pc:sldChg chg="addSp delSp modSp add mod">
         <pc:chgData name="Matthieu De Mari" userId="dfb708c9-d8dc-439f-9a3b-c772bf4a311c" providerId="ADAL" clId="{D2FDBEB2-E663-41FC-8A3C-AC79657DF6AB}" dt="2023-02-03T06:36:16.380" v="1937" actId="1076"/>
@@ -1573,30 +567,6 @@
           <pc:docMk/>
           <pc:sldMk cId="4249457938" sldId="417"/>
         </pc:sldMkLst>
-        <pc:spChg chg="mod">
-          <ac:chgData name="Matthieu De Mari" userId="dfb708c9-d8dc-439f-9a3b-c772bf4a311c" providerId="ADAL" clId="{D2FDBEB2-E663-41FC-8A3C-AC79657DF6AB}" dt="2023-02-03T06:35:16.348" v="1916" actId="20577"/>
-          <ac:spMkLst>
-            <pc:docMk/>
-            <pc:sldMk cId="4249457938" sldId="417"/>
-            <ac:spMk id="4" creationId="{705EEE8A-9864-C894-ADC1-D56F795F9E62}"/>
-          </ac:spMkLst>
-        </pc:spChg>
-        <pc:picChg chg="add mod">
-          <ac:chgData name="Matthieu De Mari" userId="dfb708c9-d8dc-439f-9a3b-c772bf4a311c" providerId="ADAL" clId="{D2FDBEB2-E663-41FC-8A3C-AC79657DF6AB}" dt="2023-02-03T06:36:16.380" v="1937" actId="1076"/>
-          <ac:picMkLst>
-            <pc:docMk/>
-            <pc:sldMk cId="4249457938" sldId="417"/>
-            <ac:picMk id="3" creationId="{C64189C2-2B91-CB7B-E738-0ED6B5D213A3}"/>
-          </ac:picMkLst>
-        </pc:picChg>
-        <pc:picChg chg="del">
-          <ac:chgData name="Matthieu De Mari" userId="dfb708c9-d8dc-439f-9a3b-c772bf4a311c" providerId="ADAL" clId="{D2FDBEB2-E663-41FC-8A3C-AC79657DF6AB}" dt="2023-02-03T06:35:42.200" v="1930" actId="478"/>
-          <ac:picMkLst>
-            <pc:docMk/>
-            <pc:sldMk cId="4249457938" sldId="417"/>
-            <ac:picMk id="8" creationId="{E8F9878A-DE25-3093-AE99-5BACE4EEE502}"/>
-          </ac:picMkLst>
-        </pc:picChg>
       </pc:sldChg>
       <pc:sldChg chg="addSp delSp modSp add mod">
         <pc:chgData name="Matthieu De Mari" userId="dfb708c9-d8dc-439f-9a3b-c772bf4a311c" providerId="ADAL" clId="{D2FDBEB2-E663-41FC-8A3C-AC79657DF6AB}" dt="2023-02-03T06:40:11.228" v="2148" actId="1076"/>
@@ -1604,30 +574,6 @@
           <pc:docMk/>
           <pc:sldMk cId="3310153579" sldId="418"/>
         </pc:sldMkLst>
-        <pc:spChg chg="mod">
-          <ac:chgData name="Matthieu De Mari" userId="dfb708c9-d8dc-439f-9a3b-c772bf4a311c" providerId="ADAL" clId="{D2FDBEB2-E663-41FC-8A3C-AC79657DF6AB}" dt="2023-02-03T06:39:44.479" v="2140" actId="207"/>
-          <ac:spMkLst>
-            <pc:docMk/>
-            <pc:sldMk cId="3310153579" sldId="418"/>
-            <ac:spMk id="4" creationId="{11F8287B-68F9-6307-9899-F1C2672A4FC6}"/>
-          </ac:spMkLst>
-        </pc:spChg>
-        <pc:picChg chg="add mod">
-          <ac:chgData name="Matthieu De Mari" userId="dfb708c9-d8dc-439f-9a3b-c772bf4a311c" providerId="ADAL" clId="{D2FDBEB2-E663-41FC-8A3C-AC79657DF6AB}" dt="2023-02-03T06:40:11.228" v="2148" actId="1076"/>
-          <ac:picMkLst>
-            <pc:docMk/>
-            <pc:sldMk cId="3310153579" sldId="418"/>
-            <ac:picMk id="5" creationId="{A99F3982-AD07-F3C7-01A6-EB93F8940636}"/>
-          </ac:picMkLst>
-        </pc:picChg>
-        <pc:picChg chg="del">
-          <ac:chgData name="Matthieu De Mari" userId="dfb708c9-d8dc-439f-9a3b-c772bf4a311c" providerId="ADAL" clId="{D2FDBEB2-E663-41FC-8A3C-AC79657DF6AB}" dt="2023-02-03T06:39:53.768" v="2144" actId="478"/>
-          <ac:picMkLst>
-            <pc:docMk/>
-            <pc:sldMk cId="3310153579" sldId="418"/>
-            <ac:picMk id="9" creationId="{56F683A9-058D-AF33-0AA8-27120C94D3E3}"/>
-          </ac:picMkLst>
-        </pc:picChg>
       </pc:sldChg>
       <pc:sldChg chg="addSp delSp modSp add mod">
         <pc:chgData name="Matthieu De Mari" userId="dfb708c9-d8dc-439f-9a3b-c772bf4a311c" providerId="ADAL" clId="{D2FDBEB2-E663-41FC-8A3C-AC79657DF6AB}" dt="2023-02-03T06:40:35.066" v="2150" actId="1076"/>
@@ -1635,30 +581,6 @@
           <pc:docMk/>
           <pc:sldMk cId="1163891923" sldId="419"/>
         </pc:sldMkLst>
-        <pc:spChg chg="mod">
-          <ac:chgData name="Matthieu De Mari" userId="dfb708c9-d8dc-439f-9a3b-c772bf4a311c" providerId="ADAL" clId="{D2FDBEB2-E663-41FC-8A3C-AC79657DF6AB}" dt="2023-02-03T06:39:47.649" v="2141" actId="207"/>
-          <ac:spMkLst>
-            <pc:docMk/>
-            <pc:sldMk cId="1163891923" sldId="419"/>
-            <ac:spMk id="4" creationId="{11F8287B-68F9-6307-9899-F1C2672A4FC6}"/>
-          </ac:spMkLst>
-        </pc:spChg>
-        <pc:picChg chg="add mod">
-          <ac:chgData name="Matthieu De Mari" userId="dfb708c9-d8dc-439f-9a3b-c772bf4a311c" providerId="ADAL" clId="{D2FDBEB2-E663-41FC-8A3C-AC79657DF6AB}" dt="2023-02-03T06:40:35.066" v="2150" actId="1076"/>
-          <ac:picMkLst>
-            <pc:docMk/>
-            <pc:sldMk cId="1163891923" sldId="419"/>
-            <ac:picMk id="5" creationId="{82DC9D72-D860-714E-4315-84A729841977}"/>
-          </ac:picMkLst>
-        </pc:picChg>
-        <pc:picChg chg="del">
-          <ac:chgData name="Matthieu De Mari" userId="dfb708c9-d8dc-439f-9a3b-c772bf4a311c" providerId="ADAL" clId="{D2FDBEB2-E663-41FC-8A3C-AC79657DF6AB}" dt="2023-02-03T06:39:51.254" v="2143" actId="478"/>
-          <ac:picMkLst>
-            <pc:docMk/>
-            <pc:sldMk cId="1163891923" sldId="419"/>
-            <ac:picMk id="9" creationId="{56F683A9-058D-AF33-0AA8-27120C94D3E3}"/>
-          </ac:picMkLst>
-        </pc:picChg>
       </pc:sldChg>
       <pc:sldChg chg="addSp delSp modSp add mod">
         <pc:chgData name="Matthieu De Mari" userId="dfb708c9-d8dc-439f-9a3b-c772bf4a311c" providerId="ADAL" clId="{D2FDBEB2-E663-41FC-8A3C-AC79657DF6AB}" dt="2023-02-03T06:42:16.251" v="2202" actId="1037"/>
@@ -1666,38 +588,6 @@
           <pc:docMk/>
           <pc:sldMk cId="1773283043" sldId="420"/>
         </pc:sldMkLst>
-        <pc:picChg chg="add mod">
-          <ac:chgData name="Matthieu De Mari" userId="dfb708c9-d8dc-439f-9a3b-c772bf4a311c" providerId="ADAL" clId="{D2FDBEB2-E663-41FC-8A3C-AC79657DF6AB}" dt="2023-02-03T06:42:16.251" v="2202" actId="1037"/>
-          <ac:picMkLst>
-            <pc:docMk/>
-            <pc:sldMk cId="1773283043" sldId="420"/>
-            <ac:picMk id="5" creationId="{BF3A71BB-E43D-61AE-122C-4A8C0D315FD0}"/>
-          </ac:picMkLst>
-        </pc:picChg>
-        <pc:picChg chg="add mod">
-          <ac:chgData name="Matthieu De Mari" userId="dfb708c9-d8dc-439f-9a3b-c772bf4a311c" providerId="ADAL" clId="{D2FDBEB2-E663-41FC-8A3C-AC79657DF6AB}" dt="2023-02-03T06:42:12.825" v="2188" actId="1038"/>
-          <ac:picMkLst>
-            <pc:docMk/>
-            <pc:sldMk cId="1773283043" sldId="420"/>
-            <ac:picMk id="7" creationId="{5F383FA4-4E5E-B38F-E7AB-7A2F11CE2D51}"/>
-          </ac:picMkLst>
-        </pc:picChg>
-        <pc:picChg chg="del">
-          <ac:chgData name="Matthieu De Mari" userId="dfb708c9-d8dc-439f-9a3b-c772bf4a311c" providerId="ADAL" clId="{D2FDBEB2-E663-41FC-8A3C-AC79657DF6AB}" dt="2023-02-03T06:39:50.236" v="2142" actId="478"/>
-          <ac:picMkLst>
-            <pc:docMk/>
-            <pc:sldMk cId="1773283043" sldId="420"/>
-            <ac:picMk id="9" creationId="{56F683A9-058D-AF33-0AA8-27120C94D3E3}"/>
-          </ac:picMkLst>
-        </pc:picChg>
-        <pc:picChg chg="mod">
-          <ac:chgData name="Matthieu De Mari" userId="dfb708c9-d8dc-439f-9a3b-c772bf4a311c" providerId="ADAL" clId="{D2FDBEB2-E663-41FC-8A3C-AC79657DF6AB}" dt="2023-02-03T06:41:45.173" v="2157" actId="1076"/>
-          <ac:picMkLst>
-            <pc:docMk/>
-            <pc:sldMk cId="1773283043" sldId="420"/>
-            <ac:picMk id="11" creationId="{546EFE0C-C1D6-FB5D-CFDC-E9D49F2BEFDE}"/>
-          </ac:picMkLst>
-        </pc:picChg>
       </pc:sldChg>
       <pc:sldChg chg="addSp delSp modSp add mod">
         <pc:chgData name="Matthieu De Mari" userId="dfb708c9-d8dc-439f-9a3b-c772bf4a311c" providerId="ADAL" clId="{D2FDBEB2-E663-41FC-8A3C-AC79657DF6AB}" dt="2023-02-03T06:44:22.777" v="2273" actId="1076"/>
@@ -1705,46 +595,6 @@
           <pc:docMk/>
           <pc:sldMk cId="346749718" sldId="421"/>
         </pc:sldMkLst>
-        <pc:spChg chg="del">
-          <ac:chgData name="Matthieu De Mari" userId="dfb708c9-d8dc-439f-9a3b-c772bf4a311c" providerId="ADAL" clId="{D2FDBEB2-E663-41FC-8A3C-AC79657DF6AB}" dt="2023-02-03T06:43:51.987" v="2262" actId="478"/>
-          <ac:spMkLst>
-            <pc:docMk/>
-            <pc:sldMk cId="346749718" sldId="421"/>
-            <ac:spMk id="3" creationId="{EB875A09-F649-0453-782D-77AD08503234}"/>
-          </ac:spMkLst>
-        </pc:spChg>
-        <pc:spChg chg="del">
-          <ac:chgData name="Matthieu De Mari" userId="dfb708c9-d8dc-439f-9a3b-c772bf4a311c" providerId="ADAL" clId="{D2FDBEB2-E663-41FC-8A3C-AC79657DF6AB}" dt="2023-02-03T06:43:53.560" v="2264" actId="478"/>
-          <ac:spMkLst>
-            <pc:docMk/>
-            <pc:sldMk cId="346749718" sldId="421"/>
-            <ac:spMk id="4" creationId="{953DB814-D545-5828-A2A0-FEEF73BDC2D8}"/>
-          </ac:spMkLst>
-        </pc:spChg>
-        <pc:spChg chg="add del mod">
-          <ac:chgData name="Matthieu De Mari" userId="dfb708c9-d8dc-439f-9a3b-c772bf4a311c" providerId="ADAL" clId="{D2FDBEB2-E663-41FC-8A3C-AC79657DF6AB}" dt="2023-02-03T06:43:52.681" v="2263" actId="478"/>
-          <ac:spMkLst>
-            <pc:docMk/>
-            <pc:sldMk cId="346749718" sldId="421"/>
-            <ac:spMk id="6" creationId="{A36F33AF-80AD-8574-F6A2-C210FA7D75E7}"/>
-          </ac:spMkLst>
-        </pc:spChg>
-        <pc:spChg chg="add del mod">
-          <ac:chgData name="Matthieu De Mari" userId="dfb708c9-d8dc-439f-9a3b-c772bf4a311c" providerId="ADAL" clId="{D2FDBEB2-E663-41FC-8A3C-AC79657DF6AB}" dt="2023-02-03T06:43:55.651" v="2265" actId="478"/>
-          <ac:spMkLst>
-            <pc:docMk/>
-            <pc:sldMk cId="346749718" sldId="421"/>
-            <ac:spMk id="8" creationId="{F338E3D4-9F00-A3E7-BFEB-F88E4B017685}"/>
-          </ac:spMkLst>
-        </pc:spChg>
-        <pc:picChg chg="add mod">
-          <ac:chgData name="Matthieu De Mari" userId="dfb708c9-d8dc-439f-9a3b-c772bf4a311c" providerId="ADAL" clId="{D2FDBEB2-E663-41FC-8A3C-AC79657DF6AB}" dt="2023-02-03T06:44:22.777" v="2273" actId="1076"/>
-          <ac:picMkLst>
-            <pc:docMk/>
-            <pc:sldMk cId="346749718" sldId="421"/>
-            <ac:picMk id="10" creationId="{B0491ECF-EDBF-3CF4-5952-E94FBAFD0638}"/>
-          </ac:picMkLst>
-        </pc:picChg>
       </pc:sldChg>
       <pc:sldChg chg="addSp delSp modSp add mod">
         <pc:chgData name="Matthieu De Mari" userId="dfb708c9-d8dc-439f-9a3b-c772bf4a311c" providerId="ADAL" clId="{D2FDBEB2-E663-41FC-8A3C-AC79657DF6AB}" dt="2023-02-03T06:44:28.223" v="2274" actId="1076"/>
@@ -1752,22 +602,6 @@
           <pc:docMk/>
           <pc:sldMk cId="2747530419" sldId="422"/>
         </pc:sldMkLst>
-        <pc:picChg chg="add mod">
-          <ac:chgData name="Matthieu De Mari" userId="dfb708c9-d8dc-439f-9a3b-c772bf4a311c" providerId="ADAL" clId="{D2FDBEB2-E663-41FC-8A3C-AC79657DF6AB}" dt="2023-02-03T06:44:28.223" v="2274" actId="1076"/>
-          <ac:picMkLst>
-            <pc:docMk/>
-            <pc:sldMk cId="2747530419" sldId="422"/>
-            <ac:picMk id="4" creationId="{FB2C1911-B846-8662-232B-3361BF75D4FD}"/>
-          </ac:picMkLst>
-        </pc:picChg>
-        <pc:picChg chg="del">
-          <ac:chgData name="Matthieu De Mari" userId="dfb708c9-d8dc-439f-9a3b-c772bf4a311c" providerId="ADAL" clId="{D2FDBEB2-E663-41FC-8A3C-AC79657DF6AB}" dt="2023-02-03T06:44:02.238" v="2269" actId="478"/>
-          <ac:picMkLst>
-            <pc:docMk/>
-            <pc:sldMk cId="2747530419" sldId="422"/>
-            <ac:picMk id="10" creationId="{B0491ECF-EDBF-3CF4-5952-E94FBAFD0638}"/>
-          </ac:picMkLst>
-        </pc:picChg>
       </pc:sldChg>
       <pc:sldChg chg="addSp delSp modSp add mod chgLayout">
         <pc:chgData name="Matthieu De Mari" userId="dfb708c9-d8dc-439f-9a3b-c772bf4a311c" providerId="ADAL" clId="{D2FDBEB2-E663-41FC-8A3C-AC79657DF6AB}" dt="2023-02-03T06:50:11.938" v="2380" actId="14100"/>
@@ -1775,38 +609,6 @@
           <pc:docMk/>
           <pc:sldMk cId="4145254973" sldId="423"/>
         </pc:sldMkLst>
-        <pc:spChg chg="mod ord">
-          <ac:chgData name="Matthieu De Mari" userId="dfb708c9-d8dc-439f-9a3b-c772bf4a311c" providerId="ADAL" clId="{D2FDBEB2-E663-41FC-8A3C-AC79657DF6AB}" dt="2023-02-03T06:48:35.742" v="2348" actId="700"/>
-          <ac:spMkLst>
-            <pc:docMk/>
-            <pc:sldMk cId="4145254973" sldId="423"/>
-            <ac:spMk id="2" creationId="{C3F2713C-FE07-816E-6FFD-E2674D11721D}"/>
-          </ac:spMkLst>
-        </pc:spChg>
-        <pc:spChg chg="mod ord">
-          <ac:chgData name="Matthieu De Mari" userId="dfb708c9-d8dc-439f-9a3b-c772bf4a311c" providerId="ADAL" clId="{D2FDBEB2-E663-41FC-8A3C-AC79657DF6AB}" dt="2023-02-03T06:49:45.611" v="2372"/>
-          <ac:spMkLst>
-            <pc:docMk/>
-            <pc:sldMk cId="4145254973" sldId="423"/>
-            <ac:spMk id="3" creationId="{FA1F1CE6-06FF-6DD6-265C-39A26CC7DB57}"/>
-          </ac:spMkLst>
-        </pc:spChg>
-        <pc:spChg chg="add del mod ord">
-          <ac:chgData name="Matthieu De Mari" userId="dfb708c9-d8dc-439f-9a3b-c772bf4a311c" providerId="ADAL" clId="{D2FDBEB2-E663-41FC-8A3C-AC79657DF6AB}" dt="2023-02-03T06:48:56.074" v="2360" actId="478"/>
-          <ac:spMkLst>
-            <pc:docMk/>
-            <pc:sldMk cId="4145254973" sldId="423"/>
-            <ac:spMk id="4" creationId="{E64791F5-A404-78DF-C026-D4C294EB6D13}"/>
-          </ac:spMkLst>
-        </pc:spChg>
-        <pc:picChg chg="add mod">
-          <ac:chgData name="Matthieu De Mari" userId="dfb708c9-d8dc-439f-9a3b-c772bf4a311c" providerId="ADAL" clId="{D2FDBEB2-E663-41FC-8A3C-AC79657DF6AB}" dt="2023-02-03T06:50:11.938" v="2380" actId="14100"/>
-          <ac:picMkLst>
-            <pc:docMk/>
-            <pc:sldMk cId="4145254973" sldId="423"/>
-            <ac:picMk id="5" creationId="{F6D4CA45-334A-7101-22BC-2B329A4C4387}"/>
-          </ac:picMkLst>
-        </pc:picChg>
       </pc:sldChg>
       <pc:sldChg chg="addSp delSp modSp add mod">
         <pc:chgData name="Matthieu De Mari" userId="dfb708c9-d8dc-439f-9a3b-c772bf4a311c" providerId="ADAL" clId="{D2FDBEB2-E663-41FC-8A3C-AC79657DF6AB}" dt="2023-02-03T06:51:22.484" v="2410" actId="20577"/>
@@ -1814,38 +616,6 @@
           <pc:docMk/>
           <pc:sldMk cId="1513778887" sldId="424"/>
         </pc:sldMkLst>
-        <pc:spChg chg="mod">
-          <ac:chgData name="Matthieu De Mari" userId="dfb708c9-d8dc-439f-9a3b-c772bf4a311c" providerId="ADAL" clId="{D2FDBEB2-E663-41FC-8A3C-AC79657DF6AB}" dt="2023-02-03T06:49:40.222" v="2371"/>
-          <ac:spMkLst>
-            <pc:docMk/>
-            <pc:sldMk cId="1513778887" sldId="424"/>
-            <ac:spMk id="3" creationId="{FA1F1CE6-06FF-6DD6-265C-39A26CC7DB57}"/>
-          </ac:spMkLst>
-        </pc:spChg>
-        <pc:spChg chg="mod">
-          <ac:chgData name="Matthieu De Mari" userId="dfb708c9-d8dc-439f-9a3b-c772bf4a311c" providerId="ADAL" clId="{D2FDBEB2-E663-41FC-8A3C-AC79657DF6AB}" dt="2023-02-03T06:51:22.484" v="2410" actId="20577"/>
-          <ac:spMkLst>
-            <pc:docMk/>
-            <pc:sldMk cId="1513778887" sldId="424"/>
-            <ac:spMk id="4" creationId="{E64791F5-A404-78DF-C026-D4C294EB6D13}"/>
-          </ac:spMkLst>
-        </pc:spChg>
-        <pc:picChg chg="add del mod modCrop">
-          <ac:chgData name="Matthieu De Mari" userId="dfb708c9-d8dc-439f-9a3b-c772bf4a311c" providerId="ADAL" clId="{D2FDBEB2-E663-41FC-8A3C-AC79657DF6AB}" dt="2023-02-03T06:50:38.792" v="2386" actId="478"/>
-          <ac:picMkLst>
-            <pc:docMk/>
-            <pc:sldMk cId="1513778887" sldId="424"/>
-            <ac:picMk id="6" creationId="{DA719D5C-F926-019C-A83E-0C4DFF147004}"/>
-          </ac:picMkLst>
-        </pc:picChg>
-        <pc:picChg chg="add mod">
-          <ac:chgData name="Matthieu De Mari" userId="dfb708c9-d8dc-439f-9a3b-c772bf4a311c" providerId="ADAL" clId="{D2FDBEB2-E663-41FC-8A3C-AC79657DF6AB}" dt="2023-02-03T06:50:58.458" v="2395" actId="1076"/>
-          <ac:picMkLst>
-            <pc:docMk/>
-            <pc:sldMk cId="1513778887" sldId="424"/>
-            <ac:picMk id="8" creationId="{65211D6B-6ABB-A3D9-3EA0-559457E53E30}"/>
-          </ac:picMkLst>
-        </pc:picChg>
       </pc:sldChg>
       <pc:sldChg chg="addSp delSp modSp add mod">
         <pc:chgData name="Matthieu De Mari" userId="dfb708c9-d8dc-439f-9a3b-c772bf4a311c" providerId="ADAL" clId="{D2FDBEB2-E663-41FC-8A3C-AC79657DF6AB}" dt="2023-02-03T06:50:07.197" v="2378" actId="1076"/>
@@ -1853,46 +623,6 @@
           <pc:docMk/>
           <pc:sldMk cId="548772636" sldId="425"/>
         </pc:sldMkLst>
-        <pc:spChg chg="mod">
-          <ac:chgData name="Matthieu De Mari" userId="dfb708c9-d8dc-439f-9a3b-c772bf4a311c" providerId="ADAL" clId="{D2FDBEB2-E663-41FC-8A3C-AC79657DF6AB}" dt="2023-02-03T06:49:31.713" v="2370" actId="20577"/>
-          <ac:spMkLst>
-            <pc:docMk/>
-            <pc:sldMk cId="548772636" sldId="425"/>
-            <ac:spMk id="3" creationId="{FA1F1CE6-06FF-6DD6-265C-39A26CC7DB57}"/>
-          </ac:spMkLst>
-        </pc:spChg>
-        <pc:spChg chg="del">
-          <ac:chgData name="Matthieu De Mari" userId="dfb708c9-d8dc-439f-9a3b-c772bf4a311c" providerId="ADAL" clId="{D2FDBEB2-E663-41FC-8A3C-AC79657DF6AB}" dt="2023-02-03T06:48:58.254" v="2361" actId="478"/>
-          <ac:spMkLst>
-            <pc:docMk/>
-            <pc:sldMk cId="548772636" sldId="425"/>
-            <ac:spMk id="4" creationId="{E64791F5-A404-78DF-C026-D4C294EB6D13}"/>
-          </ac:spMkLst>
-        </pc:spChg>
-        <pc:spChg chg="add del mod">
-          <ac:chgData name="Matthieu De Mari" userId="dfb708c9-d8dc-439f-9a3b-c772bf4a311c" providerId="ADAL" clId="{D2FDBEB2-E663-41FC-8A3C-AC79657DF6AB}" dt="2023-02-03T06:48:58.819" v="2362" actId="478"/>
-          <ac:spMkLst>
-            <pc:docMk/>
-            <pc:sldMk cId="548772636" sldId="425"/>
-            <ac:spMk id="6" creationId="{EB4BC416-2C35-FF0F-141A-D7D9C0B83BFB}"/>
-          </ac:spMkLst>
-        </pc:spChg>
-        <pc:picChg chg="add del mod">
-          <ac:chgData name="Matthieu De Mari" userId="dfb708c9-d8dc-439f-9a3b-c772bf4a311c" providerId="ADAL" clId="{D2FDBEB2-E663-41FC-8A3C-AC79657DF6AB}" dt="2023-02-03T06:49:50.252" v="2373" actId="21"/>
-          <ac:picMkLst>
-            <pc:docMk/>
-            <pc:sldMk cId="548772636" sldId="425"/>
-            <ac:picMk id="8" creationId="{2CD2AF1E-1512-7239-B2FC-D80FFD4B4C8D}"/>
-          </ac:picMkLst>
-        </pc:picChg>
-        <pc:picChg chg="add mod">
-          <ac:chgData name="Matthieu De Mari" userId="dfb708c9-d8dc-439f-9a3b-c772bf4a311c" providerId="ADAL" clId="{D2FDBEB2-E663-41FC-8A3C-AC79657DF6AB}" dt="2023-02-03T06:50:07.197" v="2378" actId="1076"/>
-          <ac:picMkLst>
-            <pc:docMk/>
-            <pc:sldMk cId="548772636" sldId="425"/>
-            <ac:picMk id="10" creationId="{FB8FD1AB-C7BC-2282-E03B-0783B8994BE6}"/>
-          </ac:picMkLst>
-        </pc:picChg>
       </pc:sldChg>
       <pc:sldChg chg="addSp delSp modSp add mod modClrScheme chgLayout">
         <pc:chgData name="Matthieu De Mari" userId="dfb708c9-d8dc-439f-9a3b-c772bf4a311c" providerId="ADAL" clId="{D2FDBEB2-E663-41FC-8A3C-AC79657DF6AB}" dt="2023-02-03T06:52:56.286" v="2468" actId="20577"/>
@@ -1900,46 +630,6 @@
           <pc:docMk/>
           <pc:sldMk cId="995336806" sldId="426"/>
         </pc:sldMkLst>
-        <pc:spChg chg="mod ord">
-          <ac:chgData name="Matthieu De Mari" userId="dfb708c9-d8dc-439f-9a3b-c772bf4a311c" providerId="ADAL" clId="{D2FDBEB2-E663-41FC-8A3C-AC79657DF6AB}" dt="2023-02-03T06:52:34.480" v="2436" actId="700"/>
-          <ac:spMkLst>
-            <pc:docMk/>
-            <pc:sldMk cId="995336806" sldId="426"/>
-            <ac:spMk id="2" creationId="{C3F2713C-FE07-816E-6FFD-E2674D11721D}"/>
-          </ac:spMkLst>
-        </pc:spChg>
-        <pc:spChg chg="mod ord">
-          <ac:chgData name="Matthieu De Mari" userId="dfb708c9-d8dc-439f-9a3b-c772bf4a311c" providerId="ADAL" clId="{D2FDBEB2-E663-41FC-8A3C-AC79657DF6AB}" dt="2023-02-03T06:52:56.286" v="2468" actId="20577"/>
-          <ac:spMkLst>
-            <pc:docMk/>
-            <pc:sldMk cId="995336806" sldId="426"/>
-            <ac:spMk id="3" creationId="{FA1F1CE6-06FF-6DD6-265C-39A26CC7DB57}"/>
-          </ac:spMkLst>
-        </pc:spChg>
-        <pc:spChg chg="del mod ord">
-          <ac:chgData name="Matthieu De Mari" userId="dfb708c9-d8dc-439f-9a3b-c772bf4a311c" providerId="ADAL" clId="{D2FDBEB2-E663-41FC-8A3C-AC79657DF6AB}" dt="2023-02-03T06:52:41.189" v="2441" actId="478"/>
-          <ac:spMkLst>
-            <pc:docMk/>
-            <pc:sldMk cId="995336806" sldId="426"/>
-            <ac:spMk id="4" creationId="{E64791F5-A404-78DF-C026-D4C294EB6D13}"/>
-          </ac:spMkLst>
-        </pc:spChg>
-        <pc:picChg chg="add mod">
-          <ac:chgData name="Matthieu De Mari" userId="dfb708c9-d8dc-439f-9a3b-c772bf4a311c" providerId="ADAL" clId="{D2FDBEB2-E663-41FC-8A3C-AC79657DF6AB}" dt="2023-02-03T06:52:49.074" v="2444" actId="1076"/>
-          <ac:picMkLst>
-            <pc:docMk/>
-            <pc:sldMk cId="995336806" sldId="426"/>
-            <ac:picMk id="6" creationId="{7E2FF5A8-41F2-D417-514A-60422BEB1F37}"/>
-          </ac:picMkLst>
-        </pc:picChg>
-        <pc:picChg chg="del">
-          <ac:chgData name="Matthieu De Mari" userId="dfb708c9-d8dc-439f-9a3b-c772bf4a311c" providerId="ADAL" clId="{D2FDBEB2-E663-41FC-8A3C-AC79657DF6AB}" dt="2023-02-03T06:51:24.512" v="2411" actId="478"/>
-          <ac:picMkLst>
-            <pc:docMk/>
-            <pc:sldMk cId="995336806" sldId="426"/>
-            <ac:picMk id="8" creationId="{65211D6B-6ABB-A3D9-3EA0-559457E53E30}"/>
-          </ac:picMkLst>
-        </pc:picChg>
       </pc:sldChg>
       <pc:sldChg chg="add">
         <pc:chgData name="Matthieu De Mari" userId="dfb708c9-d8dc-439f-9a3b-c772bf4a311c" providerId="ADAL" clId="{D2FDBEB2-E663-41FC-8A3C-AC79657DF6AB}" dt="2023-02-03T07:27:21.109" v="3778"/>
@@ -1954,14 +644,6 @@
           <pc:docMk/>
           <pc:sldMk cId="1098360026" sldId="646"/>
         </pc:sldMkLst>
-        <pc:spChg chg="mod">
-          <ac:chgData name="Matthieu De Mari" userId="dfb708c9-d8dc-439f-9a3b-c772bf4a311c" providerId="ADAL" clId="{D2FDBEB2-E663-41FC-8A3C-AC79657DF6AB}" dt="2023-02-03T07:04:16.986" v="2681" actId="20577"/>
-          <ac:spMkLst>
-            <pc:docMk/>
-            <pc:sldMk cId="1098360026" sldId="646"/>
-            <ac:spMk id="2" creationId="{C6EDB95A-6F54-1C8E-C7BF-34F5ECB6A00A}"/>
-          </ac:spMkLst>
-        </pc:spChg>
       </pc:sldChg>
       <pc:sldChg chg="modSp new mod">
         <pc:chgData name="Matthieu De Mari" userId="dfb708c9-d8dc-439f-9a3b-c772bf4a311c" providerId="ADAL" clId="{D2FDBEB2-E663-41FC-8A3C-AC79657DF6AB}" dt="2023-02-03T07:07:22.338" v="2871" actId="207"/>
@@ -1969,22 +651,6 @@
           <pc:docMk/>
           <pc:sldMk cId="3471904534" sldId="647"/>
         </pc:sldMkLst>
-        <pc:spChg chg="mod">
-          <ac:chgData name="Matthieu De Mari" userId="dfb708c9-d8dc-439f-9a3b-c772bf4a311c" providerId="ADAL" clId="{D2FDBEB2-E663-41FC-8A3C-AC79657DF6AB}" dt="2023-02-03T07:05:05.247" v="2719" actId="20577"/>
-          <ac:spMkLst>
-            <pc:docMk/>
-            <pc:sldMk cId="3471904534" sldId="647"/>
-            <ac:spMk id="2" creationId="{E4F27A2B-D462-CFC8-D30B-A409AFF0AF82}"/>
-          </ac:spMkLst>
-        </pc:spChg>
-        <pc:spChg chg="mod">
-          <ac:chgData name="Matthieu De Mari" userId="dfb708c9-d8dc-439f-9a3b-c772bf4a311c" providerId="ADAL" clId="{D2FDBEB2-E663-41FC-8A3C-AC79657DF6AB}" dt="2023-02-03T07:07:22.338" v="2871" actId="207"/>
-          <ac:spMkLst>
-            <pc:docMk/>
-            <pc:sldMk cId="3471904534" sldId="647"/>
-            <ac:spMk id="3" creationId="{DC9D8363-826B-D189-78FB-CCD945BC5477}"/>
-          </ac:spMkLst>
-        </pc:spChg>
       </pc:sldChg>
       <pc:sldChg chg="addSp delSp modSp add mod">
         <pc:chgData name="Matthieu De Mari" userId="dfb708c9-d8dc-439f-9a3b-c772bf4a311c" providerId="ADAL" clId="{D2FDBEB2-E663-41FC-8A3C-AC79657DF6AB}" dt="2023-02-03T08:26:52.576" v="6104" actId="14100"/>
@@ -1992,54 +658,6 @@
           <pc:docMk/>
           <pc:sldMk cId="1172112343" sldId="648"/>
         </pc:sldMkLst>
-        <pc:spChg chg="add mod">
-          <ac:chgData name="Matthieu De Mari" userId="dfb708c9-d8dc-439f-9a3b-c772bf4a311c" providerId="ADAL" clId="{D2FDBEB2-E663-41FC-8A3C-AC79657DF6AB}" dt="2023-02-03T08:26:52.576" v="6104" actId="14100"/>
-          <ac:spMkLst>
-            <pc:docMk/>
-            <pc:sldMk cId="1172112343" sldId="648"/>
-            <ac:spMk id="2" creationId="{BF958211-6E53-C1D5-D2C3-2AA446FBEE3E}"/>
-          </ac:spMkLst>
-        </pc:spChg>
-        <pc:spChg chg="del">
-          <ac:chgData name="Matthieu De Mari" userId="dfb708c9-d8dc-439f-9a3b-c772bf4a311c" providerId="ADAL" clId="{D2FDBEB2-E663-41FC-8A3C-AC79657DF6AB}" dt="2023-02-03T07:07:52.109" v="2877" actId="478"/>
-          <ac:spMkLst>
-            <pc:docMk/>
-            <pc:sldMk cId="1172112343" sldId="648"/>
-            <ac:spMk id="2" creationId="{E4F27A2B-D462-CFC8-D30B-A409AFF0AF82}"/>
-          </ac:spMkLst>
-        </pc:spChg>
-        <pc:spChg chg="del mod">
-          <ac:chgData name="Matthieu De Mari" userId="dfb708c9-d8dc-439f-9a3b-c772bf4a311c" providerId="ADAL" clId="{D2FDBEB2-E663-41FC-8A3C-AC79657DF6AB}" dt="2023-02-03T07:07:47.610" v="2874" actId="478"/>
-          <ac:spMkLst>
-            <pc:docMk/>
-            <pc:sldMk cId="1172112343" sldId="648"/>
-            <ac:spMk id="3" creationId="{DC9D8363-826B-D189-78FB-CCD945BC5477}"/>
-          </ac:spMkLst>
-        </pc:spChg>
-        <pc:spChg chg="add del mod">
-          <ac:chgData name="Matthieu De Mari" userId="dfb708c9-d8dc-439f-9a3b-c772bf4a311c" providerId="ADAL" clId="{D2FDBEB2-E663-41FC-8A3C-AC79657DF6AB}" dt="2023-02-03T07:07:50.464" v="2876" actId="478"/>
-          <ac:spMkLst>
-            <pc:docMk/>
-            <pc:sldMk cId="1172112343" sldId="648"/>
-            <ac:spMk id="5" creationId="{6E22BBAE-117E-B1DB-83D6-43BBFFC88B23}"/>
-          </ac:spMkLst>
-        </pc:spChg>
-        <pc:spChg chg="add del mod">
-          <ac:chgData name="Matthieu De Mari" userId="dfb708c9-d8dc-439f-9a3b-c772bf4a311c" providerId="ADAL" clId="{D2FDBEB2-E663-41FC-8A3C-AC79657DF6AB}" dt="2023-02-03T07:07:52.669" v="2878" actId="478"/>
-          <ac:spMkLst>
-            <pc:docMk/>
-            <pc:sldMk cId="1172112343" sldId="648"/>
-            <ac:spMk id="9" creationId="{F1630916-9516-9897-1A89-5A574CEDA84C}"/>
-          </ac:spMkLst>
-        </pc:spChg>
-        <pc:picChg chg="add">
-          <ac:chgData name="Matthieu De Mari" userId="dfb708c9-d8dc-439f-9a3b-c772bf4a311c" providerId="ADAL" clId="{D2FDBEB2-E663-41FC-8A3C-AC79657DF6AB}" dt="2023-02-03T07:07:48.080" v="2875" actId="22"/>
-          <ac:picMkLst>
-            <pc:docMk/>
-            <pc:sldMk cId="1172112343" sldId="648"/>
-            <ac:picMk id="7" creationId="{24CC0564-4705-2D37-8595-2DA1E59BE29D}"/>
-          </ac:picMkLst>
-        </pc:picChg>
       </pc:sldChg>
       <pc:sldChg chg="addSp delSp modSp add mod ord">
         <pc:chgData name="Matthieu De Mari" userId="dfb708c9-d8dc-439f-9a3b-c772bf4a311c" providerId="ADAL" clId="{D2FDBEB2-E663-41FC-8A3C-AC79657DF6AB}" dt="2023-02-03T07:12:02.061" v="3217" actId="20577"/>
@@ -2047,22 +665,6 @@
           <pc:docMk/>
           <pc:sldMk cId="1146881653" sldId="649"/>
         </pc:sldMkLst>
-        <pc:spChg chg="mod">
-          <ac:chgData name="Matthieu De Mari" userId="dfb708c9-d8dc-439f-9a3b-c772bf4a311c" providerId="ADAL" clId="{D2FDBEB2-E663-41FC-8A3C-AC79657DF6AB}" dt="2023-02-03T07:12:02.061" v="3217" actId="20577"/>
-          <ac:spMkLst>
-            <pc:docMk/>
-            <pc:sldMk cId="1146881653" sldId="649"/>
-            <ac:spMk id="3" creationId="{DC9D8363-826B-D189-78FB-CCD945BC5477}"/>
-          </ac:spMkLst>
-        </pc:spChg>
-        <pc:spChg chg="add del">
-          <ac:chgData name="Matthieu De Mari" userId="dfb708c9-d8dc-439f-9a3b-c772bf4a311c" providerId="ADAL" clId="{D2FDBEB2-E663-41FC-8A3C-AC79657DF6AB}" dt="2023-02-03T07:08:57.536" v="2883"/>
-          <ac:spMkLst>
-            <pc:docMk/>
-            <pc:sldMk cId="1146881653" sldId="649"/>
-            <ac:spMk id="4" creationId="{4B52DA4E-3999-A2A5-0FDA-84C5092CB280}"/>
-          </ac:spMkLst>
-        </pc:spChg>
       </pc:sldChg>
       <pc:sldChg chg="addSp delSp modSp add mod">
         <pc:chgData name="Matthieu De Mari" userId="dfb708c9-d8dc-439f-9a3b-c772bf4a311c" providerId="ADAL" clId="{D2FDBEB2-E663-41FC-8A3C-AC79657DF6AB}" dt="2023-02-03T07:18:45.380" v="3575" actId="22"/>
@@ -2070,54 +672,6 @@
           <pc:docMk/>
           <pc:sldMk cId="2437975891" sldId="650"/>
         </pc:sldMkLst>
-        <pc:spChg chg="del">
-          <ac:chgData name="Matthieu De Mari" userId="dfb708c9-d8dc-439f-9a3b-c772bf4a311c" providerId="ADAL" clId="{D2FDBEB2-E663-41FC-8A3C-AC79657DF6AB}" dt="2023-02-03T07:18:43.959" v="3573" actId="478"/>
-          <ac:spMkLst>
-            <pc:docMk/>
-            <pc:sldMk cId="2437975891" sldId="650"/>
-            <ac:spMk id="2" creationId="{D7697535-1088-B797-5883-502EDFA1C675}"/>
-          </ac:spMkLst>
-        </pc:spChg>
-        <pc:spChg chg="del">
-          <ac:chgData name="Matthieu De Mari" userId="dfb708c9-d8dc-439f-9a3b-c772bf4a311c" providerId="ADAL" clId="{D2FDBEB2-E663-41FC-8A3C-AC79657DF6AB}" dt="2023-02-03T07:18:37.052" v="3569" actId="478"/>
-          <ac:spMkLst>
-            <pc:docMk/>
-            <pc:sldMk cId="2437975891" sldId="650"/>
-            <ac:spMk id="3" creationId="{BA745D00-1AA4-E710-F652-A7E165C17CC6}"/>
-          </ac:spMkLst>
-        </pc:spChg>
-        <pc:spChg chg="add del mod">
-          <ac:chgData name="Matthieu De Mari" userId="dfb708c9-d8dc-439f-9a3b-c772bf4a311c" providerId="ADAL" clId="{D2FDBEB2-E663-41FC-8A3C-AC79657DF6AB}" dt="2023-02-03T07:18:42.629" v="3572" actId="478"/>
-          <ac:spMkLst>
-            <pc:docMk/>
-            <pc:sldMk cId="2437975891" sldId="650"/>
-            <ac:spMk id="6" creationId="{C5D8EDF9-06C9-23BC-E6AF-D13AB3915235}"/>
-          </ac:spMkLst>
-        </pc:spChg>
-        <pc:spChg chg="add del mod">
-          <ac:chgData name="Matthieu De Mari" userId="dfb708c9-d8dc-439f-9a3b-c772bf4a311c" providerId="ADAL" clId="{D2FDBEB2-E663-41FC-8A3C-AC79657DF6AB}" dt="2023-02-03T07:18:44.496" v="3574" actId="478"/>
-          <ac:spMkLst>
-            <pc:docMk/>
-            <pc:sldMk cId="2437975891" sldId="650"/>
-            <ac:spMk id="8" creationId="{D6FA1ED2-8FA4-E868-B7B6-AEE1104B8103}"/>
-          </ac:spMkLst>
-        </pc:spChg>
-        <pc:picChg chg="del">
-          <ac:chgData name="Matthieu De Mari" userId="dfb708c9-d8dc-439f-9a3b-c772bf4a311c" providerId="ADAL" clId="{D2FDBEB2-E663-41FC-8A3C-AC79657DF6AB}" dt="2023-02-03T07:18:35.932" v="3568" actId="478"/>
-          <ac:picMkLst>
-            <pc:docMk/>
-            <pc:sldMk cId="2437975891" sldId="650"/>
-            <ac:picMk id="5" creationId="{D46F7538-0929-9C7F-4437-2EFA2BF34CB6}"/>
-          </ac:picMkLst>
-        </pc:picChg>
-        <pc:picChg chg="add">
-          <ac:chgData name="Matthieu De Mari" userId="dfb708c9-d8dc-439f-9a3b-c772bf4a311c" providerId="ADAL" clId="{D2FDBEB2-E663-41FC-8A3C-AC79657DF6AB}" dt="2023-02-03T07:18:45.380" v="3575" actId="22"/>
-          <ac:picMkLst>
-            <pc:docMk/>
-            <pc:sldMk cId="2437975891" sldId="650"/>
-            <ac:picMk id="10" creationId="{F60D675C-F808-15BD-95C2-87052D57C061}"/>
-          </ac:picMkLst>
-        </pc:picChg>
       </pc:sldChg>
       <pc:sldChg chg="addSp delSp modSp add mod chgLayout">
         <pc:chgData name="Matthieu De Mari" userId="dfb708c9-d8dc-439f-9a3b-c772bf4a311c" providerId="ADAL" clId="{D2FDBEB2-E663-41FC-8A3C-AC79657DF6AB}" dt="2023-02-03T08:28:04.146" v="6124" actId="14100"/>
@@ -2125,46 +679,6 @@
           <pc:docMk/>
           <pc:sldMk cId="2710721176" sldId="651"/>
         </pc:sldMkLst>
-        <pc:spChg chg="add mod">
-          <ac:chgData name="Matthieu De Mari" userId="dfb708c9-d8dc-439f-9a3b-c772bf4a311c" providerId="ADAL" clId="{D2FDBEB2-E663-41FC-8A3C-AC79657DF6AB}" dt="2023-02-03T07:19:27.361" v="3617" actId="20577"/>
-          <ac:spMkLst>
-            <pc:docMk/>
-            <pc:sldMk cId="2710721176" sldId="651"/>
-            <ac:spMk id="2" creationId="{12EF2AAA-4A37-008C-E7D6-37C0D48B6120}"/>
-          </ac:spMkLst>
-        </pc:spChg>
-        <pc:spChg chg="add mod">
-          <ac:chgData name="Matthieu De Mari" userId="dfb708c9-d8dc-439f-9a3b-c772bf4a311c" providerId="ADAL" clId="{D2FDBEB2-E663-41FC-8A3C-AC79657DF6AB}" dt="2023-02-03T07:20:04.938" v="3629" actId="122"/>
-          <ac:spMkLst>
-            <pc:docMk/>
-            <pc:sldMk cId="2710721176" sldId="651"/>
-            <ac:spMk id="3" creationId="{B616E96C-A3A7-C270-6E1D-F90C9FE6BDDB}"/>
-          </ac:spMkLst>
-        </pc:spChg>
-        <pc:spChg chg="add mod">
-          <ac:chgData name="Matthieu De Mari" userId="dfb708c9-d8dc-439f-9a3b-c772bf4a311c" providerId="ADAL" clId="{D2FDBEB2-E663-41FC-8A3C-AC79657DF6AB}" dt="2023-02-03T08:28:04.146" v="6124" actId="14100"/>
-          <ac:spMkLst>
-            <pc:docMk/>
-            <pc:sldMk cId="2710721176" sldId="651"/>
-            <ac:spMk id="4" creationId="{B3978380-2A86-3DD8-97EC-1CCEAE7AE11C}"/>
-          </ac:spMkLst>
-        </pc:spChg>
-        <pc:picChg chg="add mod">
-          <ac:chgData name="Matthieu De Mari" userId="dfb708c9-d8dc-439f-9a3b-c772bf4a311c" providerId="ADAL" clId="{D2FDBEB2-E663-41FC-8A3C-AC79657DF6AB}" dt="2023-02-03T07:20:08.405" v="3630" actId="1076"/>
-          <ac:picMkLst>
-            <pc:docMk/>
-            <pc:sldMk cId="2710721176" sldId="651"/>
-            <ac:picMk id="5" creationId="{35FDCF4F-119C-C0DE-4989-887667465AF0}"/>
-          </ac:picMkLst>
-        </pc:picChg>
-        <pc:picChg chg="del">
-          <ac:chgData name="Matthieu De Mari" userId="dfb708c9-d8dc-439f-9a3b-c772bf4a311c" providerId="ADAL" clId="{D2FDBEB2-E663-41FC-8A3C-AC79657DF6AB}" dt="2023-02-03T07:19:13.997" v="3577" actId="478"/>
-          <ac:picMkLst>
-            <pc:docMk/>
-            <pc:sldMk cId="2710721176" sldId="651"/>
-            <ac:picMk id="10" creationId="{F60D675C-F808-15BD-95C2-87052D57C061}"/>
-          </ac:picMkLst>
-        </pc:picChg>
       </pc:sldChg>
       <pc:sldChg chg="addSp delSp modSp add mod">
         <pc:chgData name="Matthieu De Mari" userId="dfb708c9-d8dc-439f-9a3b-c772bf4a311c" providerId="ADAL" clId="{D2FDBEB2-E663-41FC-8A3C-AC79657DF6AB}" dt="2023-02-03T07:22:56.178" v="3713" actId="1076"/>
@@ -2172,30 +686,6 @@
           <pc:docMk/>
           <pc:sldMk cId="2596538432" sldId="652"/>
         </pc:sldMkLst>
-        <pc:spChg chg="del">
-          <ac:chgData name="Matthieu De Mari" userId="dfb708c9-d8dc-439f-9a3b-c772bf4a311c" providerId="ADAL" clId="{D2FDBEB2-E663-41FC-8A3C-AC79657DF6AB}" dt="2023-02-03T07:22:39.562" v="3705" actId="478"/>
-          <ac:spMkLst>
-            <pc:docMk/>
-            <pc:sldMk cId="2596538432" sldId="652"/>
-            <ac:spMk id="3" creationId="{44608F03-1D5E-5E62-5A70-1B8EB17DF397}"/>
-          </ac:spMkLst>
-        </pc:spChg>
-        <pc:spChg chg="add del mod">
-          <ac:chgData name="Matthieu De Mari" userId="dfb708c9-d8dc-439f-9a3b-c772bf4a311c" providerId="ADAL" clId="{D2FDBEB2-E663-41FC-8A3C-AC79657DF6AB}" dt="2023-02-03T07:22:40.164" v="3706" actId="478"/>
-          <ac:spMkLst>
-            <pc:docMk/>
-            <pc:sldMk cId="2596538432" sldId="652"/>
-            <ac:spMk id="5" creationId="{527BDAC6-57FC-4E9E-4B91-81CC3EC6DF0C}"/>
-          </ac:spMkLst>
-        </pc:spChg>
-        <pc:picChg chg="mod modCrop">
-          <ac:chgData name="Matthieu De Mari" userId="dfb708c9-d8dc-439f-9a3b-c772bf4a311c" providerId="ADAL" clId="{D2FDBEB2-E663-41FC-8A3C-AC79657DF6AB}" dt="2023-02-03T07:22:56.178" v="3713" actId="1076"/>
-          <ac:picMkLst>
-            <pc:docMk/>
-            <pc:sldMk cId="2596538432" sldId="652"/>
-            <ac:picMk id="6" creationId="{E646E1A0-EF8B-8076-F40B-06546F4B9B9C}"/>
-          </ac:picMkLst>
-        </pc:picChg>
       </pc:sldChg>
       <pc:sldChg chg="add del">
         <pc:chgData name="Matthieu De Mari" userId="dfb708c9-d8dc-439f-9a3b-c772bf4a311c" providerId="ADAL" clId="{D2FDBEB2-E663-41FC-8A3C-AC79657DF6AB}" dt="2023-02-03T07:20:41.487" v="3632" actId="47"/>
@@ -2238,70 +728,6 @@
           <pc:docMk/>
           <pc:sldMk cId="3339699406" sldId="761"/>
         </pc:sldMkLst>
-        <pc:spChg chg="del mod">
-          <ac:chgData name="Matthieu De Mari" userId="dfb708c9-d8dc-439f-9a3b-c772bf4a311c" providerId="ADAL" clId="{D2FDBEB2-E663-41FC-8A3C-AC79657DF6AB}" dt="2023-02-03T07:52:07.593" v="3931" actId="478"/>
-          <ac:spMkLst>
-            <pc:docMk/>
-            <pc:sldMk cId="3339699406" sldId="761"/>
-            <ac:spMk id="2" creationId="{917AFA90-DB7E-A390-9716-D81708D85130}"/>
-          </ac:spMkLst>
-        </pc:spChg>
-        <pc:spChg chg="del">
-          <ac:chgData name="Matthieu De Mari" userId="dfb708c9-d8dc-439f-9a3b-c772bf4a311c" providerId="ADAL" clId="{D2FDBEB2-E663-41FC-8A3C-AC79657DF6AB}" dt="2023-02-03T07:52:05.843" v="3928" actId="478"/>
-          <ac:spMkLst>
-            <pc:docMk/>
-            <pc:sldMk cId="3339699406" sldId="761"/>
-            <ac:spMk id="3" creationId="{C7732CA9-163D-B4B0-71B2-AEA1EC81E0E6}"/>
-          </ac:spMkLst>
-        </pc:spChg>
-        <pc:spChg chg="add del mod">
-          <ac:chgData name="Matthieu De Mari" userId="dfb708c9-d8dc-439f-9a3b-c772bf4a311c" providerId="ADAL" clId="{D2FDBEB2-E663-41FC-8A3C-AC79657DF6AB}" dt="2023-02-03T07:52:06.419" v="3929" actId="478"/>
-          <ac:spMkLst>
-            <pc:docMk/>
-            <pc:sldMk cId="3339699406" sldId="761"/>
-            <ac:spMk id="5" creationId="{4E0BF71D-8249-1775-6DCA-220106ACA520}"/>
-          </ac:spMkLst>
-        </pc:spChg>
-        <pc:spChg chg="add del mod">
-          <ac:chgData name="Matthieu De Mari" userId="dfb708c9-d8dc-439f-9a3b-c772bf4a311c" providerId="ADAL" clId="{D2FDBEB2-E663-41FC-8A3C-AC79657DF6AB}" dt="2023-02-03T07:52:09.006" v="3932" actId="478"/>
-          <ac:spMkLst>
-            <pc:docMk/>
-            <pc:sldMk cId="3339699406" sldId="761"/>
-            <ac:spMk id="7" creationId="{269A4365-1B75-DDC0-DAC6-18CB0088715B}"/>
-          </ac:spMkLst>
-        </pc:spChg>
-        <pc:spChg chg="add mod ord">
-          <ac:chgData name="Matthieu De Mari" userId="dfb708c9-d8dc-439f-9a3b-c772bf4a311c" providerId="ADAL" clId="{D2FDBEB2-E663-41FC-8A3C-AC79657DF6AB}" dt="2023-02-03T07:52:29.662" v="3949" actId="700"/>
-          <ac:spMkLst>
-            <pc:docMk/>
-            <pc:sldMk cId="3339699406" sldId="761"/>
-            <ac:spMk id="10" creationId="{75788055-7509-D8B6-6340-57C1A2023FA1}"/>
-          </ac:spMkLst>
-        </pc:spChg>
-        <pc:spChg chg="add mod ord">
-          <ac:chgData name="Matthieu De Mari" userId="dfb708c9-d8dc-439f-9a3b-c772bf4a311c" providerId="ADAL" clId="{D2FDBEB2-E663-41FC-8A3C-AC79657DF6AB}" dt="2023-02-03T07:55:26.347" v="4284" actId="20577"/>
-          <ac:spMkLst>
-            <pc:docMk/>
-            <pc:sldMk cId="3339699406" sldId="761"/>
-            <ac:spMk id="11" creationId="{0EEC07FE-D839-07DF-7C1A-CDBE72FE6BB9}"/>
-          </ac:spMkLst>
-        </pc:spChg>
-        <pc:spChg chg="add del mod ord">
-          <ac:chgData name="Matthieu De Mari" userId="dfb708c9-d8dc-439f-9a3b-c772bf4a311c" providerId="ADAL" clId="{D2FDBEB2-E663-41FC-8A3C-AC79657DF6AB}" dt="2023-02-03T07:52:34.072" v="3952" actId="478"/>
-          <ac:spMkLst>
-            <pc:docMk/>
-            <pc:sldMk cId="3339699406" sldId="761"/>
-            <ac:spMk id="12" creationId="{88D4BFB2-AC0E-87E8-0C3D-6AC8E0FB3147}"/>
-          </ac:spMkLst>
-        </pc:spChg>
-        <pc:picChg chg="add del mod">
-          <ac:chgData name="Matthieu De Mari" userId="dfb708c9-d8dc-439f-9a3b-c772bf4a311c" providerId="ADAL" clId="{D2FDBEB2-E663-41FC-8A3C-AC79657DF6AB}" dt="2023-02-03T07:54:51.316" v="4254" actId="1038"/>
-          <ac:picMkLst>
-            <pc:docMk/>
-            <pc:sldMk cId="3339699406" sldId="761"/>
-            <ac:picMk id="9" creationId="{423131A8-4BB8-05EA-55DF-8D5EE17B8509}"/>
-          </ac:picMkLst>
-        </pc:picChg>
       </pc:sldChg>
       <pc:sldChg chg="addSp delSp modSp add mod">
         <pc:chgData name="Matthieu De Mari" userId="dfb708c9-d8dc-439f-9a3b-c772bf4a311c" providerId="ADAL" clId="{D2FDBEB2-E663-41FC-8A3C-AC79657DF6AB}" dt="2023-02-03T07:57:48.123" v="4393" actId="1076"/>
@@ -2309,30 +735,6 @@
           <pc:docMk/>
           <pc:sldMk cId="1546007078" sldId="762"/>
         </pc:sldMkLst>
-        <pc:spChg chg="mod">
-          <ac:chgData name="Matthieu De Mari" userId="dfb708c9-d8dc-439f-9a3b-c772bf4a311c" providerId="ADAL" clId="{D2FDBEB2-E663-41FC-8A3C-AC79657DF6AB}" dt="2023-02-03T07:57:26.717" v="4389" actId="20577"/>
-          <ac:spMkLst>
-            <pc:docMk/>
-            <pc:sldMk cId="1546007078" sldId="762"/>
-            <ac:spMk id="11" creationId="{0EEC07FE-D839-07DF-7C1A-CDBE72FE6BB9}"/>
-          </ac:spMkLst>
-        </pc:spChg>
-        <pc:picChg chg="add mod">
-          <ac:chgData name="Matthieu De Mari" userId="dfb708c9-d8dc-439f-9a3b-c772bf4a311c" providerId="ADAL" clId="{D2FDBEB2-E663-41FC-8A3C-AC79657DF6AB}" dt="2023-02-03T07:57:48.123" v="4393" actId="1076"/>
-          <ac:picMkLst>
-            <pc:docMk/>
-            <pc:sldMk cId="1546007078" sldId="762"/>
-            <ac:picMk id="3" creationId="{519EBF6A-6012-A4A4-6E3E-826320F51D1E}"/>
-          </ac:picMkLst>
-        </pc:picChg>
-        <pc:picChg chg="del">
-          <ac:chgData name="Matthieu De Mari" userId="dfb708c9-d8dc-439f-9a3b-c772bf4a311c" providerId="ADAL" clId="{D2FDBEB2-E663-41FC-8A3C-AC79657DF6AB}" dt="2023-02-03T07:57:24.975" v="4388" actId="478"/>
-          <ac:picMkLst>
-            <pc:docMk/>
-            <pc:sldMk cId="1546007078" sldId="762"/>
-            <ac:picMk id="9" creationId="{423131A8-4BB8-05EA-55DF-8D5EE17B8509}"/>
-          </ac:picMkLst>
-        </pc:picChg>
       </pc:sldChg>
       <pc:sldChg chg="addSp delSp modSp new mod modClrScheme chgLayout">
         <pc:chgData name="Matthieu De Mari" userId="dfb708c9-d8dc-439f-9a3b-c772bf4a311c" providerId="ADAL" clId="{D2FDBEB2-E663-41FC-8A3C-AC79657DF6AB}" dt="2023-02-03T07:59:23.778" v="4443" actId="20577"/>
@@ -2340,38 +742,6 @@
           <pc:docMk/>
           <pc:sldMk cId="2580175991" sldId="763"/>
         </pc:sldMkLst>
-        <pc:spChg chg="mod ord">
-          <ac:chgData name="Matthieu De Mari" userId="dfb708c9-d8dc-439f-9a3b-c772bf4a311c" providerId="ADAL" clId="{D2FDBEB2-E663-41FC-8A3C-AC79657DF6AB}" dt="2023-02-03T07:58:44.196" v="4413" actId="700"/>
-          <ac:spMkLst>
-            <pc:docMk/>
-            <pc:sldMk cId="2580175991" sldId="763"/>
-            <ac:spMk id="2" creationId="{219F4681-3E05-3370-3E46-11417BFE0CA3}"/>
-          </ac:spMkLst>
-        </pc:spChg>
-        <pc:spChg chg="del mod ord">
-          <ac:chgData name="Matthieu De Mari" userId="dfb708c9-d8dc-439f-9a3b-c772bf4a311c" providerId="ADAL" clId="{D2FDBEB2-E663-41FC-8A3C-AC79657DF6AB}" dt="2023-02-03T07:58:44.196" v="4413" actId="700"/>
-          <ac:spMkLst>
-            <pc:docMk/>
-            <pc:sldMk cId="2580175991" sldId="763"/>
-            <ac:spMk id="3" creationId="{D5C60BE0-D41B-59A3-67FE-EE8B0533B9E2}"/>
-          </ac:spMkLst>
-        </pc:spChg>
-        <pc:spChg chg="del">
-          <ac:chgData name="Matthieu De Mari" userId="dfb708c9-d8dc-439f-9a3b-c772bf4a311c" providerId="ADAL" clId="{D2FDBEB2-E663-41FC-8A3C-AC79657DF6AB}" dt="2023-02-03T07:58:44.196" v="4413" actId="700"/>
-          <ac:spMkLst>
-            <pc:docMk/>
-            <pc:sldMk cId="2580175991" sldId="763"/>
-            <ac:spMk id="4" creationId="{A458EE03-650E-3695-1FFE-B80334971326}"/>
-          </ac:spMkLst>
-        </pc:spChg>
-        <pc:spChg chg="add mod ord">
-          <ac:chgData name="Matthieu De Mari" userId="dfb708c9-d8dc-439f-9a3b-c772bf4a311c" providerId="ADAL" clId="{D2FDBEB2-E663-41FC-8A3C-AC79657DF6AB}" dt="2023-02-03T07:59:23.778" v="4443" actId="20577"/>
-          <ac:spMkLst>
-            <pc:docMk/>
-            <pc:sldMk cId="2580175991" sldId="763"/>
-            <ac:spMk id="5" creationId="{1A87BA25-5926-816A-6E16-0F90D4B62FB8}"/>
-          </ac:spMkLst>
-        </pc:spChg>
       </pc:sldChg>
       <pc:sldChg chg="addSp modSp add mod">
         <pc:chgData name="Matthieu De Mari" userId="dfb708c9-d8dc-439f-9a3b-c772bf4a311c" providerId="ADAL" clId="{D2FDBEB2-E663-41FC-8A3C-AC79657DF6AB}" dt="2023-02-03T08:30:06.264" v="6207"/>
@@ -2379,62 +749,6 @@
           <pc:docMk/>
           <pc:sldMk cId="1879463264" sldId="764"/>
         </pc:sldMkLst>
-        <pc:spChg chg="mod">
-          <ac:chgData name="Matthieu De Mari" userId="dfb708c9-d8dc-439f-9a3b-c772bf4a311c" providerId="ADAL" clId="{D2FDBEB2-E663-41FC-8A3C-AC79657DF6AB}" dt="2023-02-03T08:00:28.087" v="4465" actId="20577"/>
-          <ac:spMkLst>
-            <pc:docMk/>
-            <pc:sldMk cId="1879463264" sldId="764"/>
-            <ac:spMk id="2" creationId="{219F4681-3E05-3370-3E46-11417BFE0CA3}"/>
-          </ac:spMkLst>
-        </pc:spChg>
-        <pc:spChg chg="mod">
-          <ac:chgData name="Matthieu De Mari" userId="dfb708c9-d8dc-439f-9a3b-c772bf4a311c" providerId="ADAL" clId="{D2FDBEB2-E663-41FC-8A3C-AC79657DF6AB}" dt="2023-02-03T08:30:06.264" v="6207"/>
-          <ac:spMkLst>
-            <pc:docMk/>
-            <pc:sldMk cId="1879463264" sldId="764"/>
-            <ac:spMk id="5" creationId="{1A87BA25-5926-816A-6E16-0F90D4B62FB8}"/>
-          </ac:spMkLst>
-        </pc:spChg>
-        <pc:spChg chg="add mod">
-          <ac:chgData name="Matthieu De Mari" userId="dfb708c9-d8dc-439f-9a3b-c772bf4a311c" providerId="ADAL" clId="{D2FDBEB2-E663-41FC-8A3C-AC79657DF6AB}" dt="2023-02-03T08:28:44.816" v="6128" actId="14100"/>
-          <ac:spMkLst>
-            <pc:docMk/>
-            <pc:sldMk cId="1879463264" sldId="764"/>
-            <ac:spMk id="6" creationId="{B71B8432-2941-E985-296B-548380048287}"/>
-          </ac:spMkLst>
-        </pc:spChg>
-        <pc:spChg chg="add mod">
-          <ac:chgData name="Matthieu De Mari" userId="dfb708c9-d8dc-439f-9a3b-c772bf4a311c" providerId="ADAL" clId="{D2FDBEB2-E663-41FC-8A3C-AC79657DF6AB}" dt="2023-02-03T08:28:56.447" v="6133" actId="14100"/>
-          <ac:spMkLst>
-            <pc:docMk/>
-            <pc:sldMk cId="1879463264" sldId="764"/>
-            <ac:spMk id="7" creationId="{6F218B3D-3CEC-F710-D995-1AFFD1565B4A}"/>
-          </ac:spMkLst>
-        </pc:spChg>
-        <pc:spChg chg="add mod">
-          <ac:chgData name="Matthieu De Mari" userId="dfb708c9-d8dc-439f-9a3b-c772bf4a311c" providerId="ADAL" clId="{D2FDBEB2-E663-41FC-8A3C-AC79657DF6AB}" dt="2023-02-03T08:29:11.080" v="6139" actId="14100"/>
-          <ac:spMkLst>
-            <pc:docMk/>
-            <pc:sldMk cId="1879463264" sldId="764"/>
-            <ac:spMk id="8" creationId="{48FBEB34-F974-353C-F986-6F7C897CC38D}"/>
-          </ac:spMkLst>
-        </pc:spChg>
-        <pc:spChg chg="add mod">
-          <ac:chgData name="Matthieu De Mari" userId="dfb708c9-d8dc-439f-9a3b-c772bf4a311c" providerId="ADAL" clId="{D2FDBEB2-E663-41FC-8A3C-AC79657DF6AB}" dt="2023-02-03T08:29:28.164" v="6144" actId="14100"/>
-          <ac:spMkLst>
-            <pc:docMk/>
-            <pc:sldMk cId="1879463264" sldId="764"/>
-            <ac:spMk id="9" creationId="{EA98C24F-C098-48AA-2AEA-65A891013313}"/>
-          </ac:spMkLst>
-        </pc:spChg>
-        <pc:picChg chg="add mod">
-          <ac:chgData name="Matthieu De Mari" userId="dfb708c9-d8dc-439f-9a3b-c772bf4a311c" providerId="ADAL" clId="{D2FDBEB2-E663-41FC-8A3C-AC79657DF6AB}" dt="2023-02-03T08:00:19.061" v="4448" actId="1076"/>
-          <ac:picMkLst>
-            <pc:docMk/>
-            <pc:sldMk cId="1879463264" sldId="764"/>
-            <ac:picMk id="4" creationId="{11D096F0-0255-2417-C5F6-A8EFB107AF87}"/>
-          </ac:picMkLst>
-        </pc:picChg>
       </pc:sldChg>
       <pc:sldChg chg="addSp delSp modSp add mod modClrScheme chgLayout">
         <pc:chgData name="Matthieu De Mari" userId="dfb708c9-d8dc-439f-9a3b-c772bf4a311c" providerId="ADAL" clId="{D2FDBEB2-E663-41FC-8A3C-AC79657DF6AB}" dt="2023-02-03T08:07:21.637" v="4960" actId="115"/>
@@ -2442,38 +756,6 @@
           <pc:docMk/>
           <pc:sldMk cId="1996337912" sldId="765"/>
         </pc:sldMkLst>
-        <pc:spChg chg="mod ord">
-          <ac:chgData name="Matthieu De Mari" userId="dfb708c9-d8dc-439f-9a3b-c772bf4a311c" providerId="ADAL" clId="{D2FDBEB2-E663-41FC-8A3C-AC79657DF6AB}" dt="2023-02-03T08:06:39.647" v="4931" actId="700"/>
-          <ac:spMkLst>
-            <pc:docMk/>
-            <pc:sldMk cId="1996337912" sldId="765"/>
-            <ac:spMk id="2" creationId="{408CA521-96F3-C600-A042-370E3F36CE6B}"/>
-          </ac:spMkLst>
-        </pc:spChg>
-        <pc:spChg chg="mod ord">
-          <ac:chgData name="Matthieu De Mari" userId="dfb708c9-d8dc-439f-9a3b-c772bf4a311c" providerId="ADAL" clId="{D2FDBEB2-E663-41FC-8A3C-AC79657DF6AB}" dt="2023-02-03T08:07:21.637" v="4960" actId="115"/>
-          <ac:spMkLst>
-            <pc:docMk/>
-            <pc:sldMk cId="1996337912" sldId="765"/>
-            <ac:spMk id="3" creationId="{46D88AA4-084D-50F6-7F5E-69051FD9A887}"/>
-          </ac:spMkLst>
-        </pc:spChg>
-        <pc:spChg chg="add del mod ord">
-          <ac:chgData name="Matthieu De Mari" userId="dfb708c9-d8dc-439f-9a3b-c772bf4a311c" providerId="ADAL" clId="{D2FDBEB2-E663-41FC-8A3C-AC79657DF6AB}" dt="2023-02-03T08:06:41.627" v="4934" actId="478"/>
-          <ac:spMkLst>
-            <pc:docMk/>
-            <pc:sldMk cId="1996337912" sldId="765"/>
-            <ac:spMk id="4" creationId="{A2D14F3C-FDC4-4024-9BEE-A7DFFC115BB5}"/>
-          </ac:spMkLst>
-        </pc:spChg>
-        <pc:picChg chg="add mod">
-          <ac:chgData name="Matthieu De Mari" userId="dfb708c9-d8dc-439f-9a3b-c772bf4a311c" providerId="ADAL" clId="{D2FDBEB2-E663-41FC-8A3C-AC79657DF6AB}" dt="2023-02-03T08:06:44.788" v="4936" actId="1076"/>
-          <ac:picMkLst>
-            <pc:docMk/>
-            <pc:sldMk cId="1996337912" sldId="765"/>
-            <ac:picMk id="6" creationId="{F7E65437-829A-FD0E-34DF-B7C5610B8C99}"/>
-          </ac:picMkLst>
-        </pc:picChg>
       </pc:sldChg>
       <pc:sldChg chg="addSp delSp modSp add mod modClrScheme chgLayout">
         <pc:chgData name="Matthieu De Mari" userId="dfb708c9-d8dc-439f-9a3b-c772bf4a311c" providerId="ADAL" clId="{D2FDBEB2-E663-41FC-8A3C-AC79657DF6AB}" dt="2023-02-03T08:15:31.961" v="5774" actId="20577"/>
@@ -2481,38 +763,6 @@
           <pc:docMk/>
           <pc:sldMk cId="1554669076" sldId="766"/>
         </pc:sldMkLst>
-        <pc:spChg chg="mod ord">
-          <ac:chgData name="Matthieu De Mari" userId="dfb708c9-d8dc-439f-9a3b-c772bf4a311c" providerId="ADAL" clId="{D2FDBEB2-E663-41FC-8A3C-AC79657DF6AB}" dt="2023-02-03T08:10:32.952" v="5150" actId="20577"/>
-          <ac:spMkLst>
-            <pc:docMk/>
-            <pc:sldMk cId="1554669076" sldId="766"/>
-            <ac:spMk id="2" creationId="{62DF8571-F31A-11B4-26C7-2C202A57B4A3}"/>
-          </ac:spMkLst>
-        </pc:spChg>
-        <pc:spChg chg="mod ord">
-          <ac:chgData name="Matthieu De Mari" userId="dfb708c9-d8dc-439f-9a3b-c772bf4a311c" providerId="ADAL" clId="{D2FDBEB2-E663-41FC-8A3C-AC79657DF6AB}" dt="2023-02-03T08:15:31.961" v="5774" actId="20577"/>
-          <ac:spMkLst>
-            <pc:docMk/>
-            <pc:sldMk cId="1554669076" sldId="766"/>
-            <ac:spMk id="3" creationId="{6C4142A3-3578-C842-742A-3495AD72B776}"/>
-          </ac:spMkLst>
-        </pc:spChg>
-        <pc:spChg chg="add del mod ord">
-          <ac:chgData name="Matthieu De Mari" userId="dfb708c9-d8dc-439f-9a3b-c772bf4a311c" providerId="ADAL" clId="{D2FDBEB2-E663-41FC-8A3C-AC79657DF6AB}" dt="2023-02-03T08:10:29.217" v="5134" actId="478"/>
-          <ac:spMkLst>
-            <pc:docMk/>
-            <pc:sldMk cId="1554669076" sldId="766"/>
-            <ac:spMk id="4" creationId="{ABCE8158-90FE-6E24-8A51-8624D5A8D761}"/>
-          </ac:spMkLst>
-        </pc:spChg>
-        <pc:picChg chg="add mod">
-          <ac:chgData name="Matthieu De Mari" userId="dfb708c9-d8dc-439f-9a3b-c772bf4a311c" providerId="ADAL" clId="{D2FDBEB2-E663-41FC-8A3C-AC79657DF6AB}" dt="2023-02-03T08:10:36.840" v="5152" actId="1076"/>
-          <ac:picMkLst>
-            <pc:docMk/>
-            <pc:sldMk cId="1554669076" sldId="766"/>
-            <ac:picMk id="6" creationId="{8165C00E-7E68-A320-3D25-91D5D0CBC17F}"/>
-          </ac:picMkLst>
-        </pc:picChg>
       </pc:sldChg>
       <pc:sldChg chg="modSp add mod">
         <pc:chgData name="Matthieu De Mari" userId="dfb708c9-d8dc-439f-9a3b-c772bf4a311c" providerId="ADAL" clId="{D2FDBEB2-E663-41FC-8A3C-AC79657DF6AB}" dt="2023-02-03T08:14:24.478" v="5655" actId="113"/>
@@ -2520,14 +770,6 @@
           <pc:docMk/>
           <pc:sldMk cId="887698529" sldId="767"/>
         </pc:sldMkLst>
-        <pc:spChg chg="mod">
-          <ac:chgData name="Matthieu De Mari" userId="dfb708c9-d8dc-439f-9a3b-c772bf4a311c" providerId="ADAL" clId="{D2FDBEB2-E663-41FC-8A3C-AC79657DF6AB}" dt="2023-02-03T08:14:24.478" v="5655" actId="113"/>
-          <ac:spMkLst>
-            <pc:docMk/>
-            <pc:sldMk cId="887698529" sldId="767"/>
-            <ac:spMk id="3" creationId="{6C4142A3-3578-C842-742A-3495AD72B776}"/>
-          </ac:spMkLst>
-        </pc:spChg>
       </pc:sldChg>
       <pc:sldChg chg="modSp add mod">
         <pc:chgData name="Matthieu De Mari" userId="dfb708c9-d8dc-439f-9a3b-c772bf4a311c" providerId="ADAL" clId="{D2FDBEB2-E663-41FC-8A3C-AC79657DF6AB}" dt="2023-02-03T08:15:19.361" v="5773" actId="20577"/>
@@ -2535,14 +777,6 @@
           <pc:docMk/>
           <pc:sldMk cId="3101493777" sldId="768"/>
         </pc:sldMkLst>
-        <pc:spChg chg="mod">
-          <ac:chgData name="Matthieu De Mari" userId="dfb708c9-d8dc-439f-9a3b-c772bf4a311c" providerId="ADAL" clId="{D2FDBEB2-E663-41FC-8A3C-AC79657DF6AB}" dt="2023-02-03T08:15:19.361" v="5773" actId="20577"/>
-          <ac:spMkLst>
-            <pc:docMk/>
-            <pc:sldMk cId="3101493777" sldId="768"/>
-            <ac:spMk id="3" creationId="{6C4142A3-3578-C842-742A-3495AD72B776}"/>
-          </ac:spMkLst>
-        </pc:spChg>
       </pc:sldChg>
       <pc:sldChg chg="modSp new mod">
         <pc:chgData name="Matthieu De Mari" userId="dfb708c9-d8dc-439f-9a3b-c772bf4a311c" providerId="ADAL" clId="{D2FDBEB2-E663-41FC-8A3C-AC79657DF6AB}" dt="2023-02-03T08:22:57.233" v="6026" actId="20577"/>
@@ -2550,22 +784,6 @@
           <pc:docMk/>
           <pc:sldMk cId="2909899754" sldId="769"/>
         </pc:sldMkLst>
-        <pc:spChg chg="mod">
-          <ac:chgData name="Matthieu De Mari" userId="dfb708c9-d8dc-439f-9a3b-c772bf4a311c" providerId="ADAL" clId="{D2FDBEB2-E663-41FC-8A3C-AC79657DF6AB}" dt="2023-02-03T08:21:26.131" v="5871" actId="20577"/>
-          <ac:spMkLst>
-            <pc:docMk/>
-            <pc:sldMk cId="2909899754" sldId="769"/>
-            <ac:spMk id="2" creationId="{F73E479C-D045-DD74-CA6E-A60F94A36E18}"/>
-          </ac:spMkLst>
-        </pc:spChg>
-        <pc:spChg chg="mod">
-          <ac:chgData name="Matthieu De Mari" userId="dfb708c9-d8dc-439f-9a3b-c772bf4a311c" providerId="ADAL" clId="{D2FDBEB2-E663-41FC-8A3C-AC79657DF6AB}" dt="2023-02-03T08:22:57.233" v="6026" actId="20577"/>
-          <ac:spMkLst>
-            <pc:docMk/>
-            <pc:sldMk cId="2909899754" sldId="769"/>
-            <ac:spMk id="3" creationId="{70FF8A92-BFB5-623C-CBC8-C3AB284F9C4F}"/>
-          </ac:spMkLst>
-        </pc:spChg>
       </pc:sldChg>
       <pc:sldChg chg="add del">
         <pc:chgData name="Matthieu De Mari" userId="dfb708c9-d8dc-439f-9a3b-c772bf4a311c" providerId="ADAL" clId="{D2FDBEB2-E663-41FC-8A3C-AC79657DF6AB}" dt="2023-02-03T08:14:32.531" v="5657" actId="47"/>
@@ -2580,22 +798,6 @@
           <pc:docMk/>
           <pc:sldMk cId="581091786" sldId="770"/>
         </pc:sldMkLst>
-        <pc:picChg chg="add mod">
-          <ac:chgData name="Matthieu De Mari" userId="dfb708c9-d8dc-439f-9a3b-c772bf4a311c" providerId="ADAL" clId="{D2FDBEB2-E663-41FC-8A3C-AC79657DF6AB}" dt="2023-02-03T08:16:53.633" v="5816" actId="1076"/>
-          <ac:picMkLst>
-            <pc:docMk/>
-            <pc:sldMk cId="581091786" sldId="770"/>
-            <ac:picMk id="4" creationId="{DB513CD6-1CBE-A3B1-1E6F-41F285705A04}"/>
-          </ac:picMkLst>
-        </pc:picChg>
-        <pc:picChg chg="del">
-          <ac:chgData name="Matthieu De Mari" userId="dfb708c9-d8dc-439f-9a3b-c772bf4a311c" providerId="ADAL" clId="{D2FDBEB2-E663-41FC-8A3C-AC79657DF6AB}" dt="2023-02-03T08:16:45.123" v="5811" actId="478"/>
-          <ac:picMkLst>
-            <pc:docMk/>
-            <pc:sldMk cId="581091786" sldId="770"/>
-            <ac:picMk id="5" creationId="{4A8B1291-A554-8B80-6FA0-9146AA644C29}"/>
-          </ac:picMkLst>
-        </pc:picChg>
       </pc:sldChg>
       <pc:sldChg chg="addSp delSp modSp add mod">
         <pc:chgData name="Matthieu De Mari" userId="dfb708c9-d8dc-439f-9a3b-c772bf4a311c" providerId="ADAL" clId="{D2FDBEB2-E663-41FC-8A3C-AC79657DF6AB}" dt="2023-02-03T08:17:21.113" v="5822" actId="1076"/>
@@ -2603,22 +805,6 @@
           <pc:docMk/>
           <pc:sldMk cId="2768410648" sldId="771"/>
         </pc:sldMkLst>
-        <pc:picChg chg="del">
-          <ac:chgData name="Matthieu De Mari" userId="dfb708c9-d8dc-439f-9a3b-c772bf4a311c" providerId="ADAL" clId="{D2FDBEB2-E663-41FC-8A3C-AC79657DF6AB}" dt="2023-02-03T08:17:14.217" v="5818" actId="478"/>
-          <ac:picMkLst>
-            <pc:docMk/>
-            <pc:sldMk cId="2768410648" sldId="771"/>
-            <ac:picMk id="4" creationId="{DB513CD6-1CBE-A3B1-1E6F-41F285705A04}"/>
-          </ac:picMkLst>
-        </pc:picChg>
-        <pc:picChg chg="add mod">
-          <ac:chgData name="Matthieu De Mari" userId="dfb708c9-d8dc-439f-9a3b-c772bf4a311c" providerId="ADAL" clId="{D2FDBEB2-E663-41FC-8A3C-AC79657DF6AB}" dt="2023-02-03T08:17:21.113" v="5822" actId="1076"/>
-          <ac:picMkLst>
-            <pc:docMk/>
-            <pc:sldMk cId="2768410648" sldId="771"/>
-            <ac:picMk id="5" creationId="{0B55E7AB-B38B-DC28-57B5-D4F3CA5543A9}"/>
-          </ac:picMkLst>
-        </pc:picChg>
       </pc:sldChg>
       <pc:sldChg chg="addSp delSp modSp add mod">
         <pc:chgData name="Matthieu De Mari" userId="dfb708c9-d8dc-439f-9a3b-c772bf4a311c" providerId="ADAL" clId="{D2FDBEB2-E663-41FC-8A3C-AC79657DF6AB}" dt="2023-02-03T08:24:00.796" v="6040" actId="693"/>
@@ -2626,54 +812,6 @@
           <pc:docMk/>
           <pc:sldMk cId="2791462929" sldId="772"/>
         </pc:sldMkLst>
-        <pc:spChg chg="del">
-          <ac:chgData name="Matthieu De Mari" userId="dfb708c9-d8dc-439f-9a3b-c772bf4a311c" providerId="ADAL" clId="{D2FDBEB2-E663-41FC-8A3C-AC79657DF6AB}" dt="2023-02-03T08:23:39.331" v="6033" actId="478"/>
-          <ac:spMkLst>
-            <pc:docMk/>
-            <pc:sldMk cId="2791462929" sldId="772"/>
-            <ac:spMk id="2" creationId="{F73E479C-D045-DD74-CA6E-A60F94A36E18}"/>
-          </ac:spMkLst>
-        </pc:spChg>
-        <pc:spChg chg="del">
-          <ac:chgData name="Matthieu De Mari" userId="dfb708c9-d8dc-439f-9a3b-c772bf4a311c" providerId="ADAL" clId="{D2FDBEB2-E663-41FC-8A3C-AC79657DF6AB}" dt="2023-02-03T08:23:29.499" v="6029" actId="478"/>
-          <ac:spMkLst>
-            <pc:docMk/>
-            <pc:sldMk cId="2791462929" sldId="772"/>
-            <ac:spMk id="3" creationId="{70FF8A92-BFB5-623C-CBC8-C3AB284F9C4F}"/>
-          </ac:spMkLst>
-        </pc:spChg>
-        <pc:spChg chg="add del mod">
-          <ac:chgData name="Matthieu De Mari" userId="dfb708c9-d8dc-439f-9a3b-c772bf4a311c" providerId="ADAL" clId="{D2FDBEB2-E663-41FC-8A3C-AC79657DF6AB}" dt="2023-02-03T08:23:30.402" v="6030" actId="478"/>
-          <ac:spMkLst>
-            <pc:docMk/>
-            <pc:sldMk cId="2791462929" sldId="772"/>
-            <ac:spMk id="5" creationId="{3DD61136-8249-FB02-12AF-1593CC1FF5D8}"/>
-          </ac:spMkLst>
-        </pc:spChg>
-        <pc:spChg chg="add del mod">
-          <ac:chgData name="Matthieu De Mari" userId="dfb708c9-d8dc-439f-9a3b-c772bf4a311c" providerId="ADAL" clId="{D2FDBEB2-E663-41FC-8A3C-AC79657DF6AB}" dt="2023-02-03T08:23:39.846" v="6034" actId="478"/>
-          <ac:spMkLst>
-            <pc:docMk/>
-            <pc:sldMk cId="2791462929" sldId="772"/>
-            <ac:spMk id="9" creationId="{FFB59F14-5BBC-0746-BF94-EA6C66BE9A0B}"/>
-          </ac:spMkLst>
-        </pc:spChg>
-        <pc:spChg chg="add mod">
-          <ac:chgData name="Matthieu De Mari" userId="dfb708c9-d8dc-439f-9a3b-c772bf4a311c" providerId="ADAL" clId="{D2FDBEB2-E663-41FC-8A3C-AC79657DF6AB}" dt="2023-02-03T08:24:00.796" v="6040" actId="693"/>
-          <ac:spMkLst>
-            <pc:docMk/>
-            <pc:sldMk cId="2791462929" sldId="772"/>
-            <ac:spMk id="10" creationId="{05D2C95D-2B70-B440-975A-04C4967C6B36}"/>
-          </ac:spMkLst>
-        </pc:spChg>
-        <pc:picChg chg="add mod">
-          <ac:chgData name="Matthieu De Mari" userId="dfb708c9-d8dc-439f-9a3b-c772bf4a311c" providerId="ADAL" clId="{D2FDBEB2-E663-41FC-8A3C-AC79657DF6AB}" dt="2023-02-03T08:23:43.814" v="6035" actId="1076"/>
-          <ac:picMkLst>
-            <pc:docMk/>
-            <pc:sldMk cId="2791462929" sldId="772"/>
-            <ac:picMk id="7" creationId="{8A22C389-6C54-9099-6A64-828E4E151972}"/>
-          </ac:picMkLst>
-        </pc:picChg>
       </pc:sldChg>
       <pc:sldChg chg="addSp delSp modSp add mod">
         <pc:chgData name="Matthieu De Mari" userId="dfb708c9-d8dc-439f-9a3b-c772bf4a311c" providerId="ADAL" clId="{D2FDBEB2-E663-41FC-8A3C-AC79657DF6AB}" dt="2023-02-03T08:25:06.211" v="6051" actId="14100"/>
@@ -2681,62 +819,6 @@
           <pc:docMk/>
           <pc:sldMk cId="3544439591" sldId="773"/>
         </pc:sldMkLst>
-        <pc:spChg chg="del">
-          <ac:chgData name="Matthieu De Mari" userId="dfb708c9-d8dc-439f-9a3b-c772bf4a311c" providerId="ADAL" clId="{D2FDBEB2-E663-41FC-8A3C-AC79657DF6AB}" dt="2023-02-03T08:24:07.770" v="6042" actId="478"/>
-          <ac:spMkLst>
-            <pc:docMk/>
-            <pc:sldMk cId="3544439591" sldId="773"/>
-            <ac:spMk id="2" creationId="{F73E479C-D045-DD74-CA6E-A60F94A36E18}"/>
-          </ac:spMkLst>
-        </pc:spChg>
-        <pc:spChg chg="del">
-          <ac:chgData name="Matthieu De Mari" userId="dfb708c9-d8dc-439f-9a3b-c772bf4a311c" providerId="ADAL" clId="{D2FDBEB2-E663-41FC-8A3C-AC79657DF6AB}" dt="2023-02-03T08:24:06.105" v="6041" actId="478"/>
-          <ac:spMkLst>
-            <pc:docMk/>
-            <pc:sldMk cId="3544439591" sldId="773"/>
-            <ac:spMk id="3" creationId="{70FF8A92-BFB5-623C-CBC8-C3AB284F9C4F}"/>
-          </ac:spMkLst>
-        </pc:spChg>
-        <pc:spChg chg="add del mod">
-          <ac:chgData name="Matthieu De Mari" userId="dfb708c9-d8dc-439f-9a3b-c772bf4a311c" providerId="ADAL" clId="{D2FDBEB2-E663-41FC-8A3C-AC79657DF6AB}" dt="2023-02-03T08:24:10.221" v="6044" actId="478"/>
-          <ac:spMkLst>
-            <pc:docMk/>
-            <pc:sldMk cId="3544439591" sldId="773"/>
-            <ac:spMk id="5" creationId="{AE319490-EE7A-7727-9750-A567680B8BCF}"/>
-          </ac:spMkLst>
-        </pc:spChg>
-        <pc:spChg chg="add del mod">
-          <ac:chgData name="Matthieu De Mari" userId="dfb708c9-d8dc-439f-9a3b-c772bf4a311c" providerId="ADAL" clId="{D2FDBEB2-E663-41FC-8A3C-AC79657DF6AB}" dt="2023-02-03T08:24:09.501" v="6043" actId="478"/>
-          <ac:spMkLst>
-            <pc:docMk/>
-            <pc:sldMk cId="3544439591" sldId="773"/>
-            <ac:spMk id="7" creationId="{F3BE0FB6-8065-C95F-CC16-20591A2BF2C4}"/>
-          </ac:spMkLst>
-        </pc:spChg>
-        <pc:spChg chg="add mod">
-          <ac:chgData name="Matthieu De Mari" userId="dfb708c9-d8dc-439f-9a3b-c772bf4a311c" providerId="ADAL" clId="{D2FDBEB2-E663-41FC-8A3C-AC79657DF6AB}" dt="2023-02-03T08:24:54.399" v="6048" actId="14100"/>
-          <ac:spMkLst>
-            <pc:docMk/>
-            <pc:sldMk cId="3544439591" sldId="773"/>
-            <ac:spMk id="10" creationId="{40C8C131-441A-C680-9DA7-9EFCD7CB8648}"/>
-          </ac:spMkLst>
-        </pc:spChg>
-        <pc:spChg chg="add mod">
-          <ac:chgData name="Matthieu De Mari" userId="dfb708c9-d8dc-439f-9a3b-c772bf4a311c" providerId="ADAL" clId="{D2FDBEB2-E663-41FC-8A3C-AC79657DF6AB}" dt="2023-02-03T08:25:06.211" v="6051" actId="14100"/>
-          <ac:spMkLst>
-            <pc:docMk/>
-            <pc:sldMk cId="3544439591" sldId="773"/>
-            <ac:spMk id="11" creationId="{CCF19188-331C-56E9-DDFD-E1D8F2293637}"/>
-          </ac:spMkLst>
-        </pc:spChg>
-        <pc:picChg chg="add">
-          <ac:chgData name="Matthieu De Mari" userId="dfb708c9-d8dc-439f-9a3b-c772bf4a311c" providerId="ADAL" clId="{D2FDBEB2-E663-41FC-8A3C-AC79657DF6AB}" dt="2023-02-03T08:24:39.775" v="6045" actId="22"/>
-          <ac:picMkLst>
-            <pc:docMk/>
-            <pc:sldMk cId="3544439591" sldId="773"/>
-            <ac:picMk id="9" creationId="{F74376F7-0E3A-4AAD-EC53-B5CDCF5F5761}"/>
-          </ac:picMkLst>
-        </pc:picChg>
       </pc:sldChg>
       <pc:sldChg chg="addSp delSp modSp add mod">
         <pc:chgData name="Matthieu De Mari" userId="dfb708c9-d8dc-439f-9a3b-c772bf4a311c" providerId="ADAL" clId="{D2FDBEB2-E663-41FC-8A3C-AC79657DF6AB}" dt="2023-02-03T08:25:30.434" v="6061" actId="478"/>
@@ -2744,38 +826,6 @@
           <pc:docMk/>
           <pc:sldMk cId="2831341972" sldId="774"/>
         </pc:sldMkLst>
-        <pc:spChg chg="del">
-          <ac:chgData name="Matthieu De Mari" userId="dfb708c9-d8dc-439f-9a3b-c772bf4a311c" providerId="ADAL" clId="{D2FDBEB2-E663-41FC-8A3C-AC79657DF6AB}" dt="2023-02-03T08:25:28.859" v="6060" actId="478"/>
-          <ac:spMkLst>
-            <pc:docMk/>
-            <pc:sldMk cId="2831341972" sldId="774"/>
-            <ac:spMk id="10" creationId="{40C8C131-441A-C680-9DA7-9EFCD7CB8648}"/>
-          </ac:spMkLst>
-        </pc:spChg>
-        <pc:spChg chg="del">
-          <ac:chgData name="Matthieu De Mari" userId="dfb708c9-d8dc-439f-9a3b-c772bf4a311c" providerId="ADAL" clId="{D2FDBEB2-E663-41FC-8A3C-AC79657DF6AB}" dt="2023-02-03T08:25:30.434" v="6061" actId="478"/>
-          <ac:spMkLst>
-            <pc:docMk/>
-            <pc:sldMk cId="2831341972" sldId="774"/>
-            <ac:spMk id="11" creationId="{CCF19188-331C-56E9-DDFD-E1D8F2293637}"/>
-          </ac:spMkLst>
-        </pc:spChg>
-        <pc:picChg chg="add ord">
-          <ac:chgData name="Matthieu De Mari" userId="dfb708c9-d8dc-439f-9a3b-c772bf4a311c" providerId="ADAL" clId="{D2FDBEB2-E663-41FC-8A3C-AC79657DF6AB}" dt="2023-02-03T08:25:26.871" v="6059" actId="171"/>
-          <ac:picMkLst>
-            <pc:docMk/>
-            <pc:sldMk cId="2831341972" sldId="774"/>
-            <ac:picMk id="3" creationId="{837C229A-616F-199B-C751-22C64F2D23AF}"/>
-          </ac:picMkLst>
-        </pc:picChg>
-        <pc:picChg chg="del">
-          <ac:chgData name="Matthieu De Mari" userId="dfb708c9-d8dc-439f-9a3b-c772bf4a311c" providerId="ADAL" clId="{D2FDBEB2-E663-41FC-8A3C-AC79657DF6AB}" dt="2023-02-03T08:25:11.983" v="6053" actId="478"/>
-          <ac:picMkLst>
-            <pc:docMk/>
-            <pc:sldMk cId="2831341972" sldId="774"/>
-            <ac:picMk id="9" creationId="{F74376F7-0E3A-4AAD-EC53-B5CDCF5F5761}"/>
-          </ac:picMkLst>
-        </pc:picChg>
       </pc:sldChg>
       <pc:sldChg chg="addSp delSp modSp add mod">
         <pc:chgData name="Matthieu De Mari" userId="dfb708c9-d8dc-439f-9a3b-c772bf4a311c" providerId="ADAL" clId="{D2FDBEB2-E663-41FC-8A3C-AC79657DF6AB}" dt="2023-02-03T08:35:42.751" v="6590" actId="20577"/>
@@ -2783,46 +833,6 @@
           <pc:docMk/>
           <pc:sldMk cId="743119883" sldId="775"/>
         </pc:sldMkLst>
-        <pc:spChg chg="mod">
-          <ac:chgData name="Matthieu De Mari" userId="dfb708c9-d8dc-439f-9a3b-c772bf4a311c" providerId="ADAL" clId="{D2FDBEB2-E663-41FC-8A3C-AC79657DF6AB}" dt="2023-02-03T08:35:42.751" v="6590" actId="20577"/>
-          <ac:spMkLst>
-            <pc:docMk/>
-            <pc:sldMk cId="743119883" sldId="775"/>
-            <ac:spMk id="3" creationId="{EDC87932-752D-FABC-76EF-38023409D8D8}"/>
-          </ac:spMkLst>
-        </pc:spChg>
-        <pc:spChg chg="del mod">
-          <ac:chgData name="Matthieu De Mari" userId="dfb708c9-d8dc-439f-9a3b-c772bf4a311c" providerId="ADAL" clId="{D2FDBEB2-E663-41FC-8A3C-AC79657DF6AB}" dt="2023-02-03T08:32:49.483" v="6389" actId="478"/>
-          <ac:spMkLst>
-            <pc:docMk/>
-            <pc:sldMk cId="743119883" sldId="775"/>
-            <ac:spMk id="4" creationId="{2A4C576B-2ED6-0560-5E76-758168B5FF17}"/>
-          </ac:spMkLst>
-        </pc:spChg>
-        <pc:spChg chg="add del">
-          <ac:chgData name="Matthieu De Mari" userId="dfb708c9-d8dc-439f-9a3b-c772bf4a311c" providerId="ADAL" clId="{D2FDBEB2-E663-41FC-8A3C-AC79657DF6AB}" dt="2023-02-03T08:33:34.303" v="6430"/>
-          <ac:spMkLst>
-            <pc:docMk/>
-            <pc:sldMk cId="743119883" sldId="775"/>
-            <ac:spMk id="5" creationId="{AFF69E5F-801B-0C46-BA7C-6F246C173675}"/>
-          </ac:spMkLst>
-        </pc:spChg>
-        <pc:spChg chg="add del">
-          <ac:chgData name="Matthieu De Mari" userId="dfb708c9-d8dc-439f-9a3b-c772bf4a311c" providerId="ADAL" clId="{D2FDBEB2-E663-41FC-8A3C-AC79657DF6AB}" dt="2023-02-03T08:33:57.224" v="6440"/>
-          <ac:spMkLst>
-            <pc:docMk/>
-            <pc:sldMk cId="743119883" sldId="775"/>
-            <ac:spMk id="6" creationId="{C6A063D2-50CF-1A51-4CAB-971191EB54DD}"/>
-          </ac:spMkLst>
-        </pc:spChg>
-        <pc:spChg chg="add del">
-          <ac:chgData name="Matthieu De Mari" userId="dfb708c9-d8dc-439f-9a3b-c772bf4a311c" providerId="ADAL" clId="{D2FDBEB2-E663-41FC-8A3C-AC79657DF6AB}" dt="2023-02-03T08:34:27.329" v="6456"/>
-          <ac:spMkLst>
-            <pc:docMk/>
-            <pc:sldMk cId="743119883" sldId="775"/>
-            <ac:spMk id="7" creationId="{B0D6C9DC-EF97-E61A-C0C6-AFDF71BE7987}"/>
-          </ac:spMkLst>
-        </pc:spChg>
       </pc:sldChg>
       <pc:sldChg chg="addSp delSp modSp add mod modClrScheme chgLayout">
         <pc:chgData name="Matthieu De Mari" userId="dfb708c9-d8dc-439f-9a3b-c772bf4a311c" providerId="ADAL" clId="{D2FDBEB2-E663-41FC-8A3C-AC79657DF6AB}" dt="2023-02-03T08:38:18.521" v="6716" actId="14100"/>
@@ -2830,62 +840,6 @@
           <pc:docMk/>
           <pc:sldMk cId="1966383991" sldId="776"/>
         </pc:sldMkLst>
-        <pc:spChg chg="del mod ord">
-          <ac:chgData name="Matthieu De Mari" userId="dfb708c9-d8dc-439f-9a3b-c772bf4a311c" providerId="ADAL" clId="{D2FDBEB2-E663-41FC-8A3C-AC79657DF6AB}" dt="2023-02-03T08:37:08.521" v="6696" actId="478"/>
-          <ac:spMkLst>
-            <pc:docMk/>
-            <pc:sldMk cId="1966383991" sldId="776"/>
-            <ac:spMk id="2" creationId="{9E92E9E4-1AEF-6408-1465-D1DC917DE2AF}"/>
-          </ac:spMkLst>
-        </pc:spChg>
-        <pc:spChg chg="del mod ord">
-          <ac:chgData name="Matthieu De Mari" userId="dfb708c9-d8dc-439f-9a3b-c772bf4a311c" providerId="ADAL" clId="{D2FDBEB2-E663-41FC-8A3C-AC79657DF6AB}" dt="2023-02-03T08:37:07.261" v="6695" actId="478"/>
-          <ac:spMkLst>
-            <pc:docMk/>
-            <pc:sldMk cId="1966383991" sldId="776"/>
-            <ac:spMk id="3" creationId="{EDC87932-752D-FABC-76EF-38023409D8D8}"/>
-          </ac:spMkLst>
-        </pc:spChg>
-        <pc:spChg chg="add mod">
-          <ac:chgData name="Matthieu De Mari" userId="dfb708c9-d8dc-439f-9a3b-c772bf4a311c" providerId="ADAL" clId="{D2FDBEB2-E663-41FC-8A3C-AC79657DF6AB}" dt="2023-02-03T08:37:44.231" v="6704" actId="14100"/>
-          <ac:spMkLst>
-            <pc:docMk/>
-            <pc:sldMk cId="1966383991" sldId="776"/>
-            <ac:spMk id="6" creationId="{B81BF3B3-CE84-481C-BA68-D4C15AEFD0C8}"/>
-          </ac:spMkLst>
-        </pc:spChg>
-        <pc:spChg chg="add mod">
-          <ac:chgData name="Matthieu De Mari" userId="dfb708c9-d8dc-439f-9a3b-c772bf4a311c" providerId="ADAL" clId="{D2FDBEB2-E663-41FC-8A3C-AC79657DF6AB}" dt="2023-02-03T08:37:51.859" v="6707" actId="14100"/>
-          <ac:spMkLst>
-            <pc:docMk/>
-            <pc:sldMk cId="1966383991" sldId="776"/>
-            <ac:spMk id="7" creationId="{19BF4F18-8542-0DC3-D74A-719630C157EC}"/>
-          </ac:spMkLst>
-        </pc:spChg>
-        <pc:spChg chg="add mod">
-          <ac:chgData name="Matthieu De Mari" userId="dfb708c9-d8dc-439f-9a3b-c772bf4a311c" providerId="ADAL" clId="{D2FDBEB2-E663-41FC-8A3C-AC79657DF6AB}" dt="2023-02-03T08:38:09.319" v="6712" actId="14100"/>
-          <ac:spMkLst>
-            <pc:docMk/>
-            <pc:sldMk cId="1966383991" sldId="776"/>
-            <ac:spMk id="8" creationId="{88F7E578-F57B-3DA6-91CB-FDA0B5ADDE28}"/>
-          </ac:spMkLst>
-        </pc:spChg>
-        <pc:spChg chg="add mod">
-          <ac:chgData name="Matthieu De Mari" userId="dfb708c9-d8dc-439f-9a3b-c772bf4a311c" providerId="ADAL" clId="{D2FDBEB2-E663-41FC-8A3C-AC79657DF6AB}" dt="2023-02-03T08:38:18.521" v="6716" actId="14100"/>
-          <ac:spMkLst>
-            <pc:docMk/>
-            <pc:sldMk cId="1966383991" sldId="776"/>
-            <ac:spMk id="9" creationId="{2EC6039F-E579-454C-DF0C-2DA2980864E5}"/>
-          </ac:spMkLst>
-        </pc:spChg>
-        <pc:picChg chg="add mod">
-          <ac:chgData name="Matthieu De Mari" userId="dfb708c9-d8dc-439f-9a3b-c772bf4a311c" providerId="ADAL" clId="{D2FDBEB2-E663-41FC-8A3C-AC79657DF6AB}" dt="2023-02-03T08:37:38.470" v="6703" actId="14100"/>
-          <ac:picMkLst>
-            <pc:docMk/>
-            <pc:sldMk cId="1966383991" sldId="776"/>
-            <ac:picMk id="5" creationId="{8B96114E-5630-8F4B-7F34-8E0B7043DE39}"/>
-          </ac:picMkLst>
-        </pc:picChg>
       </pc:sldChg>
       <pc:sldChg chg="modSp add mod">
         <pc:chgData name="Matthieu De Mari" userId="dfb708c9-d8dc-439f-9a3b-c772bf4a311c" providerId="ADAL" clId="{D2FDBEB2-E663-41FC-8A3C-AC79657DF6AB}" dt="2023-02-03T08:44:33.674" v="7137" actId="14100"/>
@@ -2893,14 +847,6 @@
           <pc:docMk/>
           <pc:sldMk cId="3349972987" sldId="777"/>
         </pc:sldMkLst>
-        <pc:spChg chg="mod">
-          <ac:chgData name="Matthieu De Mari" userId="dfb708c9-d8dc-439f-9a3b-c772bf4a311c" providerId="ADAL" clId="{D2FDBEB2-E663-41FC-8A3C-AC79657DF6AB}" dt="2023-02-03T08:44:33.674" v="7137" actId="14100"/>
-          <ac:spMkLst>
-            <pc:docMk/>
-            <pc:sldMk cId="3349972987" sldId="777"/>
-            <ac:spMk id="3" creationId="{EDC87932-752D-FABC-76EF-38023409D8D8}"/>
-          </ac:spMkLst>
-        </pc:spChg>
       </pc:sldChg>
       <pc:sldChg chg="modSp new mod ord">
         <pc:chgData name="Matthieu De Mari" userId="dfb708c9-d8dc-439f-9a3b-c772bf4a311c" providerId="ADAL" clId="{D2FDBEB2-E663-41FC-8A3C-AC79657DF6AB}" dt="2023-02-03T08:51:08.222" v="7382"/>
@@ -2908,22 +854,6 @@
           <pc:docMk/>
           <pc:sldMk cId="4008937125" sldId="778"/>
         </pc:sldMkLst>
-        <pc:spChg chg="mod">
-          <ac:chgData name="Matthieu De Mari" userId="dfb708c9-d8dc-439f-9a3b-c772bf4a311c" providerId="ADAL" clId="{D2FDBEB2-E663-41FC-8A3C-AC79657DF6AB}" dt="2023-02-03T08:44:54.903" v="7177" actId="20577"/>
-          <ac:spMkLst>
-            <pc:docMk/>
-            <pc:sldMk cId="4008937125" sldId="778"/>
-            <ac:spMk id="2" creationId="{71E1A1F8-8179-2E4B-0559-23E67A65BC3B}"/>
-          </ac:spMkLst>
-        </pc:spChg>
-        <pc:spChg chg="mod">
-          <ac:chgData name="Matthieu De Mari" userId="dfb708c9-d8dc-439f-9a3b-c772bf4a311c" providerId="ADAL" clId="{D2FDBEB2-E663-41FC-8A3C-AC79657DF6AB}" dt="2023-02-03T08:48:53.159" v="7372" actId="113"/>
-          <ac:spMkLst>
-            <pc:docMk/>
-            <pc:sldMk cId="4008937125" sldId="778"/>
-            <ac:spMk id="3" creationId="{434F9CC2-454D-E009-C2D1-3A775BEB1B4B}"/>
-          </ac:spMkLst>
-        </pc:spChg>
       </pc:sldChg>
       <pc:sldChg chg="addSp delSp modSp add mod ord modClrScheme chgLayout">
         <pc:chgData name="Matthieu De Mari" userId="dfb708c9-d8dc-439f-9a3b-c772bf4a311c" providerId="ADAL" clId="{D2FDBEB2-E663-41FC-8A3C-AC79657DF6AB}" dt="2023-02-03T08:51:08.222" v="7382"/>
@@ -2931,62 +861,6 @@
           <pc:docMk/>
           <pc:sldMk cId="1689794110" sldId="779"/>
         </pc:sldMkLst>
-        <pc:spChg chg="del mod ord">
-          <ac:chgData name="Matthieu De Mari" userId="dfb708c9-d8dc-439f-9a3b-c772bf4a311c" providerId="ADAL" clId="{D2FDBEB2-E663-41FC-8A3C-AC79657DF6AB}" dt="2023-02-03T08:47:18.323" v="7334" actId="478"/>
-          <ac:spMkLst>
-            <pc:docMk/>
-            <pc:sldMk cId="1689794110" sldId="779"/>
-            <ac:spMk id="2" creationId="{71E1A1F8-8179-2E4B-0559-23E67A65BC3B}"/>
-          </ac:spMkLst>
-        </pc:spChg>
-        <pc:spChg chg="del mod ord">
-          <ac:chgData name="Matthieu De Mari" userId="dfb708c9-d8dc-439f-9a3b-c772bf4a311c" providerId="ADAL" clId="{D2FDBEB2-E663-41FC-8A3C-AC79657DF6AB}" dt="2023-02-03T08:47:16.564" v="7333" actId="478"/>
-          <ac:spMkLst>
-            <pc:docMk/>
-            <pc:sldMk cId="1689794110" sldId="779"/>
-            <ac:spMk id="3" creationId="{434F9CC2-454D-E009-C2D1-3A775BEB1B4B}"/>
-          </ac:spMkLst>
-        </pc:spChg>
-        <pc:spChg chg="add mod">
-          <ac:chgData name="Matthieu De Mari" userId="dfb708c9-d8dc-439f-9a3b-c772bf4a311c" providerId="ADAL" clId="{D2FDBEB2-E663-41FC-8A3C-AC79657DF6AB}" dt="2023-02-03T08:48:37.824" v="7355" actId="14100"/>
-          <ac:spMkLst>
-            <pc:docMk/>
-            <pc:sldMk cId="1689794110" sldId="779"/>
-            <ac:spMk id="6" creationId="{DBBF2456-0C4C-AE76-B6E2-E7FC45D9E3BA}"/>
-          </ac:spMkLst>
-        </pc:spChg>
-        <pc:spChg chg="add mod">
-          <ac:chgData name="Matthieu De Mari" userId="dfb708c9-d8dc-439f-9a3b-c772bf4a311c" providerId="ADAL" clId="{D2FDBEB2-E663-41FC-8A3C-AC79657DF6AB}" dt="2023-02-03T08:47:45.050" v="7345" actId="14100"/>
-          <ac:spMkLst>
-            <pc:docMk/>
-            <pc:sldMk cId="1689794110" sldId="779"/>
-            <ac:spMk id="7" creationId="{B95ADA31-58FD-5500-8618-8D30D831D8B0}"/>
-          </ac:spMkLst>
-        </pc:spChg>
-        <pc:spChg chg="add mod">
-          <ac:chgData name="Matthieu De Mari" userId="dfb708c9-d8dc-439f-9a3b-c772bf4a311c" providerId="ADAL" clId="{D2FDBEB2-E663-41FC-8A3C-AC79657DF6AB}" dt="2023-02-03T08:47:59.551" v="7349" actId="14100"/>
-          <ac:spMkLst>
-            <pc:docMk/>
-            <pc:sldMk cId="1689794110" sldId="779"/>
-            <ac:spMk id="8" creationId="{8ED13D18-8BEB-F9E2-EF97-FA30C2C1287A}"/>
-          </ac:spMkLst>
-        </pc:spChg>
-        <pc:spChg chg="add mod">
-          <ac:chgData name="Matthieu De Mari" userId="dfb708c9-d8dc-439f-9a3b-c772bf4a311c" providerId="ADAL" clId="{D2FDBEB2-E663-41FC-8A3C-AC79657DF6AB}" dt="2023-02-03T08:48:25.474" v="7354" actId="14100"/>
-          <ac:spMkLst>
-            <pc:docMk/>
-            <pc:sldMk cId="1689794110" sldId="779"/>
-            <ac:spMk id="9" creationId="{38E02E82-D7E5-732A-71C4-3745B6604D4C}"/>
-          </ac:spMkLst>
-        </pc:spChg>
-        <pc:picChg chg="add">
-          <ac:chgData name="Matthieu De Mari" userId="dfb708c9-d8dc-439f-9a3b-c772bf4a311c" providerId="ADAL" clId="{D2FDBEB2-E663-41FC-8A3C-AC79657DF6AB}" dt="2023-02-03T08:47:20.281" v="7335" actId="22"/>
-          <ac:picMkLst>
-            <pc:docMk/>
-            <pc:sldMk cId="1689794110" sldId="779"/>
-            <ac:picMk id="5" creationId="{8E1B965F-64B9-04CD-4638-0890D97D57DE}"/>
-          </ac:picMkLst>
-        </pc:picChg>
       </pc:sldChg>
       <pc:sldChg chg="addSp delSp modSp add mod">
         <pc:chgData name="Matthieu De Mari" userId="dfb708c9-d8dc-439f-9a3b-c772bf4a311c" providerId="ADAL" clId="{D2FDBEB2-E663-41FC-8A3C-AC79657DF6AB}" dt="2023-02-03T08:55:14.765" v="7629" actId="20577"/>
@@ -2994,38 +868,6 @@
           <pc:docMk/>
           <pc:sldMk cId="2678238830" sldId="780"/>
         </pc:sldMkLst>
-        <pc:spChg chg="mod">
-          <ac:chgData name="Matthieu De Mari" userId="dfb708c9-d8dc-439f-9a3b-c772bf4a311c" providerId="ADAL" clId="{D2FDBEB2-E663-41FC-8A3C-AC79657DF6AB}" dt="2023-02-03T08:55:14.765" v="7629" actId="20577"/>
-          <ac:spMkLst>
-            <pc:docMk/>
-            <pc:sldMk cId="2678238830" sldId="780"/>
-            <ac:spMk id="4" creationId="{7B27ED01-4B43-7115-3D3C-53FF72E7590A}"/>
-          </ac:spMkLst>
-        </pc:spChg>
-        <pc:spChg chg="mod">
-          <ac:chgData name="Matthieu De Mari" userId="dfb708c9-d8dc-439f-9a3b-c772bf4a311c" providerId="ADAL" clId="{D2FDBEB2-E663-41FC-8A3C-AC79657DF6AB}" dt="2023-02-03T08:54:33.588" v="7588" actId="1038"/>
-          <ac:spMkLst>
-            <pc:docMk/>
-            <pc:sldMk cId="2678238830" sldId="780"/>
-            <ac:spMk id="8" creationId="{AD6ED9A1-3116-CE4C-FF7F-F3A141ACF6CB}"/>
-          </ac:spMkLst>
-        </pc:spChg>
-        <pc:picChg chg="add mod ord">
-          <ac:chgData name="Matthieu De Mari" userId="dfb708c9-d8dc-439f-9a3b-c772bf4a311c" providerId="ADAL" clId="{D2FDBEB2-E663-41FC-8A3C-AC79657DF6AB}" dt="2023-02-03T08:54:20.686" v="7584" actId="171"/>
-          <ac:picMkLst>
-            <pc:docMk/>
-            <pc:sldMk cId="2678238830" sldId="780"/>
-            <ac:picMk id="5" creationId="{F9B5E18C-3841-3FEA-69B5-359FC902D27F}"/>
-          </ac:picMkLst>
-        </pc:picChg>
-        <pc:picChg chg="del">
-          <ac:chgData name="Matthieu De Mari" userId="dfb708c9-d8dc-439f-9a3b-c772bf4a311c" providerId="ADAL" clId="{D2FDBEB2-E663-41FC-8A3C-AC79657DF6AB}" dt="2023-02-03T08:54:11.674" v="7576" actId="478"/>
-          <ac:picMkLst>
-            <pc:docMk/>
-            <pc:sldMk cId="2678238830" sldId="780"/>
-            <ac:picMk id="7" creationId="{FA82CB6F-957A-39D7-F6F0-4ED02FB8462B}"/>
-          </ac:picMkLst>
-        </pc:picChg>
       </pc:sldChg>
       <pc:sldChg chg="addSp delSp new mod">
         <pc:chgData name="Matthieu De Mari" userId="dfb708c9-d8dc-439f-9a3b-c772bf4a311c" providerId="ADAL" clId="{D2FDBEB2-E663-41FC-8A3C-AC79657DF6AB}" dt="2023-02-03T09:13:37.539" v="8349" actId="22"/>
@@ -3033,54 +875,6 @@
           <pc:docMk/>
           <pc:sldMk cId="3029045816" sldId="781"/>
         </pc:sldMkLst>
-        <pc:spChg chg="del">
-          <ac:chgData name="Matthieu De Mari" userId="dfb708c9-d8dc-439f-9a3b-c772bf4a311c" providerId="ADAL" clId="{D2FDBEB2-E663-41FC-8A3C-AC79657DF6AB}" dt="2023-02-03T09:00:36.374" v="7631" actId="478"/>
-          <ac:spMkLst>
-            <pc:docMk/>
-            <pc:sldMk cId="3029045816" sldId="781"/>
-            <ac:spMk id="2" creationId="{2811B94F-D42B-639B-F579-89FB0EEFE42C}"/>
-          </ac:spMkLst>
-        </pc:spChg>
-        <pc:spChg chg="del">
-          <ac:chgData name="Matthieu De Mari" userId="dfb708c9-d8dc-439f-9a3b-c772bf4a311c" providerId="ADAL" clId="{D2FDBEB2-E663-41FC-8A3C-AC79657DF6AB}" dt="2023-02-03T09:00:37.185" v="7632" actId="478"/>
-          <ac:spMkLst>
-            <pc:docMk/>
-            <pc:sldMk cId="3029045816" sldId="781"/>
-            <ac:spMk id="3" creationId="{4C6E163F-DC3F-A550-AB78-8FBBA2764417}"/>
-          </ac:spMkLst>
-        </pc:spChg>
-        <pc:spChg chg="add del">
-          <ac:chgData name="Matthieu De Mari" userId="dfb708c9-d8dc-439f-9a3b-c772bf4a311c" providerId="ADAL" clId="{D2FDBEB2-E663-41FC-8A3C-AC79657DF6AB}" dt="2023-02-03T09:13:20.835" v="8348" actId="22"/>
-          <ac:spMkLst>
-            <pc:docMk/>
-            <pc:sldMk cId="3029045816" sldId="781"/>
-            <ac:spMk id="3" creationId="{ED51446F-04AB-17E5-A48B-5197937CC7C4}"/>
-          </ac:spMkLst>
-        </pc:spChg>
-        <pc:picChg chg="add del">
-          <ac:chgData name="Matthieu De Mari" userId="dfb708c9-d8dc-439f-9a3b-c772bf4a311c" providerId="ADAL" clId="{D2FDBEB2-E663-41FC-8A3C-AC79657DF6AB}" dt="2023-02-03T09:01:24.187" v="7634" actId="478"/>
-          <ac:picMkLst>
-            <pc:docMk/>
-            <pc:sldMk cId="3029045816" sldId="781"/>
-            <ac:picMk id="5" creationId="{058B2FB9-2C02-B894-58C8-8678DF318062}"/>
-          </ac:picMkLst>
-        </pc:picChg>
-        <pc:picChg chg="add">
-          <ac:chgData name="Matthieu De Mari" userId="dfb708c9-d8dc-439f-9a3b-c772bf4a311c" providerId="ADAL" clId="{D2FDBEB2-E663-41FC-8A3C-AC79657DF6AB}" dt="2023-02-03T09:13:37.539" v="8349" actId="22"/>
-          <ac:picMkLst>
-            <pc:docMk/>
-            <pc:sldMk cId="3029045816" sldId="781"/>
-            <ac:picMk id="5" creationId="{3E023E11-7496-BE2E-7A45-955789BC0F1F}"/>
-          </ac:picMkLst>
-        </pc:picChg>
-        <pc:picChg chg="add del">
-          <ac:chgData name="Matthieu De Mari" userId="dfb708c9-d8dc-439f-9a3b-c772bf4a311c" providerId="ADAL" clId="{D2FDBEB2-E663-41FC-8A3C-AC79657DF6AB}" dt="2023-02-03T09:13:19.376" v="8346" actId="478"/>
-          <ac:picMkLst>
-            <pc:docMk/>
-            <pc:sldMk cId="3029045816" sldId="781"/>
-            <ac:picMk id="7" creationId="{D090B30F-C885-33CE-949D-6C1E8B0697F2}"/>
-          </ac:picMkLst>
-        </pc:picChg>
       </pc:sldChg>
       <pc:sldChg chg="addSp delSp modSp new mod modClrScheme chgLayout">
         <pc:chgData name="Matthieu De Mari" userId="dfb708c9-d8dc-439f-9a3b-c772bf4a311c" providerId="ADAL" clId="{D2FDBEB2-E663-41FC-8A3C-AC79657DF6AB}" dt="2023-02-03T09:09:53.026" v="8345" actId="20577"/>
@@ -3088,46 +882,6 @@
           <pc:docMk/>
           <pc:sldMk cId="278531271" sldId="782"/>
         </pc:sldMkLst>
-        <pc:spChg chg="del mod ord">
-          <ac:chgData name="Matthieu De Mari" userId="dfb708c9-d8dc-439f-9a3b-c772bf4a311c" providerId="ADAL" clId="{D2FDBEB2-E663-41FC-8A3C-AC79657DF6AB}" dt="2023-02-03T09:04:29.324" v="7832" actId="700"/>
-          <ac:spMkLst>
-            <pc:docMk/>
-            <pc:sldMk cId="278531271" sldId="782"/>
-            <ac:spMk id="2" creationId="{05DDA3F6-97D2-4A7C-CC82-6AB16E153C9D}"/>
-          </ac:spMkLst>
-        </pc:spChg>
-        <pc:spChg chg="del mod ord">
-          <ac:chgData name="Matthieu De Mari" userId="dfb708c9-d8dc-439f-9a3b-c772bf4a311c" providerId="ADAL" clId="{D2FDBEB2-E663-41FC-8A3C-AC79657DF6AB}" dt="2023-02-03T09:04:29.324" v="7832" actId="700"/>
-          <ac:spMkLst>
-            <pc:docMk/>
-            <pc:sldMk cId="278531271" sldId="782"/>
-            <ac:spMk id="3" creationId="{D2564279-4EF0-6C29-D9F1-8EF1BAD565CA}"/>
-          </ac:spMkLst>
-        </pc:spChg>
-        <pc:spChg chg="del">
-          <ac:chgData name="Matthieu De Mari" userId="dfb708c9-d8dc-439f-9a3b-c772bf4a311c" providerId="ADAL" clId="{D2FDBEB2-E663-41FC-8A3C-AC79657DF6AB}" dt="2023-02-03T09:04:29.324" v="7832" actId="700"/>
-          <ac:spMkLst>
-            <pc:docMk/>
-            <pc:sldMk cId="278531271" sldId="782"/>
-            <ac:spMk id="4" creationId="{05552E7A-21EB-5748-CBD4-0DA5370F121B}"/>
-          </ac:spMkLst>
-        </pc:spChg>
-        <pc:spChg chg="add mod ord">
-          <ac:chgData name="Matthieu De Mari" userId="dfb708c9-d8dc-439f-9a3b-c772bf4a311c" providerId="ADAL" clId="{D2FDBEB2-E663-41FC-8A3C-AC79657DF6AB}" dt="2023-02-03T09:09:05.130" v="8246" actId="20577"/>
-          <ac:spMkLst>
-            <pc:docMk/>
-            <pc:sldMk cId="278531271" sldId="782"/>
-            <ac:spMk id="5" creationId="{FD86860C-A975-6A1D-2657-944DB1F94C8A}"/>
-          </ac:spMkLst>
-        </pc:spChg>
-        <pc:spChg chg="add mod ord">
-          <ac:chgData name="Matthieu De Mari" userId="dfb708c9-d8dc-439f-9a3b-c772bf4a311c" providerId="ADAL" clId="{D2FDBEB2-E663-41FC-8A3C-AC79657DF6AB}" dt="2023-02-03T09:09:53.026" v="8345" actId="20577"/>
-          <ac:spMkLst>
-            <pc:docMk/>
-            <pc:sldMk cId="278531271" sldId="782"/>
-            <ac:spMk id="6" creationId="{5282BC02-8C8A-BDB1-A192-B4E530ACD8B1}"/>
-          </ac:spMkLst>
-        </pc:spChg>
       </pc:sldChg>
     </pc:docChg>
   </pc:docChgLst>
@@ -3284,22 +1038,6 @@
           <pc:docMk/>
           <pc:sldMk cId="2917324732" sldId="760"/>
         </pc:sldMkLst>
-        <pc:spChg chg="mod">
-          <ac:chgData name="Matthieu De Mari" userId="dfb708c9-d8dc-439f-9a3b-c772bf4a311c" providerId="ADAL" clId="{9F6B3B9D-AADD-4622-81D6-CCF135E845F6}" dt="2023-02-06T02:18:50.915" v="22" actId="20577"/>
-          <ac:spMkLst>
-            <pc:docMk/>
-            <pc:sldMk cId="2917324732" sldId="760"/>
-            <ac:spMk id="2" creationId="{3F88AB3E-DF60-4411-7415-7A8708334829}"/>
-          </ac:spMkLst>
-        </pc:spChg>
-        <pc:spChg chg="mod">
-          <ac:chgData name="Matthieu De Mari" userId="dfb708c9-d8dc-439f-9a3b-c772bf4a311c" providerId="ADAL" clId="{9F6B3B9D-AADD-4622-81D6-CCF135E845F6}" dt="2023-02-06T02:21:45.191" v="676" actId="113"/>
-          <ac:spMkLst>
-            <pc:docMk/>
-            <pc:sldMk cId="2917324732" sldId="760"/>
-            <ac:spMk id="3" creationId="{65B58308-C101-BC04-E972-00C74DE5080B}"/>
-          </ac:spMkLst>
-        </pc:spChg>
       </pc:sldChg>
       <pc:sldChg chg="del">
         <pc:chgData name="Matthieu De Mari" userId="dfb708c9-d8dc-439f-9a3b-c772bf4a311c" providerId="ADAL" clId="{9F6B3B9D-AADD-4622-81D6-CCF135E845F6}" dt="2023-02-06T02:27:15.094" v="1832" actId="47"/>
@@ -3461,14 +1199,6 @@
           <pc:docMk/>
           <pc:sldMk cId="2670805330" sldId="783"/>
         </pc:sldMkLst>
-        <pc:spChg chg="mod">
-          <ac:chgData name="Matthieu De Mari" userId="dfb708c9-d8dc-439f-9a3b-c772bf4a311c" providerId="ADAL" clId="{9F6B3B9D-AADD-4622-81D6-CCF135E845F6}" dt="2023-02-06T02:24:41.655" v="1266" actId="113"/>
-          <ac:spMkLst>
-            <pc:docMk/>
-            <pc:sldMk cId="2670805330" sldId="783"/>
-            <ac:spMk id="3" creationId="{65B58308-C101-BC04-E972-00C74DE5080B}"/>
-          </ac:spMkLst>
-        </pc:spChg>
       </pc:sldChg>
       <pc:sldChg chg="modSp add mod">
         <pc:chgData name="Matthieu De Mari" userId="dfb708c9-d8dc-439f-9a3b-c772bf4a311c" providerId="ADAL" clId="{9F6B3B9D-AADD-4622-81D6-CCF135E845F6}" dt="2023-02-06T02:27:03.468" v="1831" actId="113"/>
@@ -3476,14 +1206,6 @@
           <pc:docMk/>
           <pc:sldMk cId="636279122" sldId="784"/>
         </pc:sldMkLst>
-        <pc:spChg chg="mod">
-          <ac:chgData name="Matthieu De Mari" userId="dfb708c9-d8dc-439f-9a3b-c772bf4a311c" providerId="ADAL" clId="{9F6B3B9D-AADD-4622-81D6-CCF135E845F6}" dt="2023-02-06T02:27:03.468" v="1831" actId="113"/>
-          <ac:spMkLst>
-            <pc:docMk/>
-            <pc:sldMk cId="636279122" sldId="784"/>
-            <ac:spMk id="3" creationId="{65B58308-C101-BC04-E972-00C74DE5080B}"/>
-          </ac:spMkLst>
-        </pc:spChg>
       </pc:sldChg>
     </pc:docChg>
   </pc:docChgLst>
@@ -3500,22 +1222,6 @@
           <pc:docMk/>
           <pc:sldMk cId="3442501962" sldId="257"/>
         </pc:sldMkLst>
-        <pc:spChg chg="mod">
-          <ac:chgData name="Matthieu De Mari" userId="dfb708c9-d8dc-439f-9a3b-c772bf4a311c" providerId="ADAL" clId="{8EE40018-26BD-4A7B-8D17-70AC8417C2D0}" dt="2022-11-16T06:53:53.988" v="14" actId="20577"/>
-          <ac:spMkLst>
-            <pc:docMk/>
-            <pc:sldMk cId="3442501962" sldId="257"/>
-            <ac:spMk id="2" creationId="{49D40417-A4D3-4CE8-96E7-708E2439AE7B}"/>
-          </ac:spMkLst>
-        </pc:spChg>
-        <pc:spChg chg="mod">
-          <ac:chgData name="Matthieu De Mari" userId="dfb708c9-d8dc-439f-9a3b-c772bf4a311c" providerId="ADAL" clId="{8EE40018-26BD-4A7B-8D17-70AC8417C2D0}" dt="2022-11-16T06:55:04.205" v="66" actId="20577"/>
-          <ac:spMkLst>
-            <pc:docMk/>
-            <pc:sldMk cId="3442501962" sldId="257"/>
-            <ac:spMk id="3" creationId="{35995840-A9D9-479A-A34F-EA7DC229D38E}"/>
-          </ac:spMkLst>
-        </pc:spChg>
       </pc:sldChg>
       <pc:sldChg chg="del">
         <pc:chgData name="Matthieu De Mari" userId="dfb708c9-d8dc-439f-9a3b-c772bf4a311c" providerId="ADAL" clId="{8EE40018-26BD-4A7B-8D17-70AC8417C2D0}" dt="2022-11-16T06:54:01.441" v="17" actId="47"/>
@@ -3530,14 +1236,6 @@
           <pc:docMk/>
           <pc:sldMk cId="1893873068" sldId="266"/>
         </pc:sldMkLst>
-        <pc:spChg chg="mod">
-          <ac:chgData name="Matthieu De Mari" userId="dfb708c9-d8dc-439f-9a3b-c772bf4a311c" providerId="ADAL" clId="{8EE40018-26BD-4A7B-8D17-70AC8417C2D0}" dt="2022-11-16T06:54:47.612" v="47" actId="20577"/>
-          <ac:spMkLst>
-            <pc:docMk/>
-            <pc:sldMk cId="1893873068" sldId="266"/>
-            <ac:spMk id="5" creationId="{7D0CB248-82F3-414A-84E4-14EF63C7FB27}"/>
-          </ac:spMkLst>
-        </pc:spChg>
       </pc:sldChg>
       <pc:sldChg chg="modSp mod">
         <pc:chgData name="Matthieu De Mari" userId="dfb708c9-d8dc-439f-9a3b-c772bf4a311c" providerId="ADAL" clId="{8EE40018-26BD-4A7B-8D17-70AC8417C2D0}" dt="2022-11-16T06:54:56.797" v="60" actId="20577"/>
@@ -3545,14 +1243,6 @@
           <pc:docMk/>
           <pc:sldMk cId="3880949074" sldId="267"/>
         </pc:sldMkLst>
-        <pc:spChg chg="mod">
-          <ac:chgData name="Matthieu De Mari" userId="dfb708c9-d8dc-439f-9a3b-c772bf4a311c" providerId="ADAL" clId="{8EE40018-26BD-4A7B-8D17-70AC8417C2D0}" dt="2022-11-16T06:54:56.797" v="60" actId="20577"/>
-          <ac:spMkLst>
-            <pc:docMk/>
-            <pc:sldMk cId="3880949074" sldId="267"/>
-            <ac:spMk id="3" creationId="{C71C8DD6-14D1-44DF-9843-EFEDF44E39A2}"/>
-          </ac:spMkLst>
-        </pc:spChg>
       </pc:sldChg>
       <pc:sldChg chg="del">
         <pc:chgData name="Matthieu De Mari" userId="dfb708c9-d8dc-439f-9a3b-c772bf4a311c" providerId="ADAL" clId="{8EE40018-26BD-4A7B-8D17-70AC8417C2D0}" dt="2022-11-16T06:54:02.421" v="18" actId="47"/>
@@ -3616,22 +1306,6 @@
           <pc:docMk/>
           <pc:sldMk cId="2071167148" sldId="284"/>
         </pc:sldMkLst>
-        <pc:spChg chg="mod">
-          <ac:chgData name="Matthieu De Mari" userId="dfb708c9-d8dc-439f-9a3b-c772bf4a311c" providerId="ADAL" clId="{8EE40018-26BD-4A7B-8D17-70AC8417C2D0}" dt="2022-11-16T06:53:55.915" v="16" actId="20577"/>
-          <ac:spMkLst>
-            <pc:docMk/>
-            <pc:sldMk cId="2071167148" sldId="284"/>
-            <ac:spMk id="2" creationId="{49D40417-A4D3-4CE8-96E7-708E2439AE7B}"/>
-          </ac:spMkLst>
-        </pc:spChg>
-        <pc:spChg chg="mod">
-          <ac:chgData name="Matthieu De Mari" userId="dfb708c9-d8dc-439f-9a3b-c772bf4a311c" providerId="ADAL" clId="{8EE40018-26BD-4A7B-8D17-70AC8417C2D0}" dt="2022-11-16T06:55:01.339" v="63" actId="20577"/>
-          <ac:spMkLst>
-            <pc:docMk/>
-            <pc:sldMk cId="2071167148" sldId="284"/>
-            <ac:spMk id="3" creationId="{35995840-A9D9-479A-A34F-EA7DC229D38E}"/>
-          </ac:spMkLst>
-        </pc:spChg>
       </pc:sldChg>
       <pc:sldChg chg="del">
         <pc:chgData name="Matthieu De Mari" userId="dfb708c9-d8dc-439f-9a3b-c772bf4a311c" providerId="ADAL" clId="{8EE40018-26BD-4A7B-8D17-70AC8417C2D0}" dt="2022-11-16T06:54:14.637" v="28" actId="47"/>
@@ -3975,30 +1649,6 @@
           <pc:docMk/>
           <pc:sldMk cId="1036081419" sldId="346"/>
         </pc:sldMkLst>
-        <pc:spChg chg="mod">
-          <ac:chgData name="Matthieu De Mari" userId="dfb708c9-d8dc-439f-9a3b-c772bf4a311c" providerId="ADAL" clId="{8EE40018-26BD-4A7B-8D17-70AC8417C2D0}" dt="2022-11-16T06:54:19.175" v="32" actId="20577"/>
-          <ac:spMkLst>
-            <pc:docMk/>
-            <pc:sldMk cId="1036081419" sldId="346"/>
-            <ac:spMk id="2" creationId="{11A08BA8-9DEC-4471-8590-434E8D8BB4A0}"/>
-          </ac:spMkLst>
-        </pc:spChg>
-        <pc:spChg chg="mod">
-          <ac:chgData name="Matthieu De Mari" userId="dfb708c9-d8dc-439f-9a3b-c772bf4a311c" providerId="ADAL" clId="{8EE40018-26BD-4A7B-8D17-70AC8417C2D0}" dt="2022-11-16T06:54:21.725" v="35" actId="20577"/>
-          <ac:spMkLst>
-            <pc:docMk/>
-            <pc:sldMk cId="1036081419" sldId="346"/>
-            <ac:spMk id="3" creationId="{47E3549C-D723-41E6-8478-270ACE043694}"/>
-          </ac:spMkLst>
-        </pc:spChg>
-        <pc:spChg chg="mod">
-          <ac:chgData name="Matthieu De Mari" userId="dfb708c9-d8dc-439f-9a3b-c772bf4a311c" providerId="ADAL" clId="{8EE40018-26BD-4A7B-8D17-70AC8417C2D0}" dt="2022-11-16T06:54:26.067" v="39" actId="20577"/>
-          <ac:spMkLst>
-            <pc:docMk/>
-            <pc:sldMk cId="1036081419" sldId="346"/>
-            <ac:spMk id="4" creationId="{7E420A50-DCDA-4FEF-986F-775F53063E3A}"/>
-          </ac:spMkLst>
-        </pc:spChg>
       </pc:sldChg>
       <pc:sldChg chg="del">
         <pc:chgData name="Matthieu De Mari" userId="dfb708c9-d8dc-439f-9a3b-c772bf4a311c" providerId="ADAL" clId="{8EE40018-26BD-4A7B-8D17-70AC8417C2D0}" dt="2022-11-16T06:54:11.293" v="25" actId="47"/>
@@ -4153,14 +1803,6 @@
           <pc:docMk/>
           <pc:sldMk cId="1040156172" sldId="377"/>
         </pc:sldMkLst>
-        <pc:spChg chg="mod">
-          <ac:chgData name="Matthieu De Mari" userId="dfb708c9-d8dc-439f-9a3b-c772bf4a311c" providerId="ADAL" clId="{8EE40018-26BD-4A7B-8D17-70AC8417C2D0}" dt="2022-11-16T06:53:49.572" v="12" actId="20577"/>
-          <ac:spMkLst>
-            <pc:docMk/>
-            <pc:sldMk cId="1040156172" sldId="377"/>
-            <ac:spMk id="2" creationId="{080CEB46-CC16-4D19-8C2C-AEE9471D8168}"/>
-          </ac:spMkLst>
-        </pc:spChg>
       </pc:sldChg>
       <pc:sldChg chg="del">
         <pc:chgData name="Matthieu De Mari" userId="dfb708c9-d8dc-439f-9a3b-c772bf4a311c" providerId="ADAL" clId="{8EE40018-26BD-4A7B-8D17-70AC8417C2D0}" dt="2022-11-16T06:54:08.404" v="23" actId="47"/>
@@ -4268,14 +1910,6 @@
           <pc:docMk/>
           <pc:sldMk cId="4221035150" sldId="256"/>
         </pc:sldMkLst>
-        <pc:spChg chg="mod">
-          <ac:chgData name="Matthieu De Mari" userId="dfb708c9-d8dc-439f-9a3b-c772bf4a311c" providerId="ADAL" clId="{1002CE28-12E1-453F-8E06-90F32FAF9697}" dt="2022-10-19T06:31:01.123" v="4" actId="20577"/>
-          <ac:spMkLst>
-            <pc:docMk/>
-            <pc:sldMk cId="4221035150" sldId="256"/>
-            <ac:spMk id="3" creationId="{816ABDE1-A047-4B53-92F2-67282914DD77}"/>
-          </ac:spMkLst>
-        </pc:spChg>
       </pc:sldChg>
       <pc:sldChg chg="del">
         <pc:chgData name="Matthieu De Mari" userId="dfb708c9-d8dc-439f-9a3b-c772bf4a311c" providerId="ADAL" clId="{1002CE28-12E1-453F-8E06-90F32FAF9697}" dt="2022-10-19T06:32:06.571" v="5" actId="47"/>
@@ -4311,14 +1945,6 @@
           <pc:docMk/>
           <pc:sldMk cId="1040156172" sldId="377"/>
         </pc:sldMkLst>
-        <pc:spChg chg="mod">
-          <ac:chgData name="Matthieu De Mari" userId="dfb708c9-d8dc-439f-9a3b-c772bf4a311c" providerId="ADAL" clId="{1002CE28-12E1-453F-8E06-90F32FAF9697}" dt="2022-10-19T06:32:13.307" v="17" actId="20577"/>
-          <ac:spMkLst>
-            <pc:docMk/>
-            <pc:sldMk cId="1040156172" sldId="377"/>
-            <ac:spMk id="3" creationId="{816ABDE1-A047-4B53-92F2-67282914DD77}"/>
-          </ac:spMkLst>
-        </pc:spChg>
       </pc:sldChg>
       <pc:sldMasterChg chg="addSp mod">
         <pc:chgData name="Matthieu De Mari" userId="dfb708c9-d8dc-439f-9a3b-c772bf4a311c" providerId="ADAL" clId="{1002CE28-12E1-453F-8E06-90F32FAF9697}" dt="2022-10-19T06:30:58.618" v="0" actId="33475"/>
@@ -4326,23 +1952,31 @@
           <pc:docMk/>
           <pc:sldMasterMk cId="2168708284" sldId="2147483648"/>
         </pc:sldMasterMkLst>
-        <pc:spChg chg="add">
-          <ac:chgData name="Matthieu De Mari" userId="dfb708c9-d8dc-439f-9a3b-c772bf4a311c" providerId="ADAL" clId="{1002CE28-12E1-453F-8E06-90F32FAF9697}" dt="2022-10-19T06:30:58.618" v="0" actId="33475"/>
+      </pc:sldMasterChg>
+    </pc:docChg>
+  </pc:docChgLst>
+  <pc:docChgLst>
+    <pc:chgData name="Matthieu De Mari" userId="dfb708c9-d8dc-439f-9a3b-c772bf4a311c" providerId="ADAL" clId="{9130EED9-EBEA-4A94-A045-33A4BBD98118}"/>
+    <pc:docChg chg="modSld">
+      <pc:chgData name="Matthieu De Mari" userId="dfb708c9-d8dc-439f-9a3b-c772bf4a311c" providerId="ADAL" clId="{9130EED9-EBEA-4A94-A045-33A4BBD98118}" dt="2024-12-16T01:30:16.444" v="5" actId="14100"/>
+      <pc:docMkLst>
+        <pc:docMk/>
+      </pc:docMkLst>
+      <pc:sldChg chg="modSp mod">
+        <pc:chgData name="Matthieu De Mari" userId="dfb708c9-d8dc-439f-9a3b-c772bf4a311c" providerId="ADAL" clId="{9130EED9-EBEA-4A94-A045-33A4BBD98118}" dt="2024-12-16T01:30:16.444" v="5" actId="14100"/>
+        <pc:sldMkLst>
+          <pc:docMk/>
+          <pc:sldMk cId="2710721176" sldId="651"/>
+        </pc:sldMkLst>
+        <pc:spChg chg="mod">
+          <ac:chgData name="Matthieu De Mari" userId="dfb708c9-d8dc-439f-9a3b-c772bf4a311c" providerId="ADAL" clId="{9130EED9-EBEA-4A94-A045-33A4BBD98118}" dt="2024-12-16T01:30:16.444" v="5" actId="14100"/>
           <ac:spMkLst>
             <pc:docMk/>
-            <pc:sldMasterMk cId="2168708284" sldId="2147483648"/>
-            <ac:spMk id="9" creationId="{27504F79-603A-6F7A-93E7-C9CABA0FF303}"/>
+            <pc:sldMk cId="2710721176" sldId="651"/>
+            <ac:spMk id="3" creationId="{B616E96C-A3A7-C270-6E1D-F90C9FE6BDDB}"/>
           </ac:spMkLst>
         </pc:spChg>
-        <pc:spChg chg="add">
-          <ac:chgData name="Matthieu De Mari" userId="dfb708c9-d8dc-439f-9a3b-c772bf4a311c" providerId="ADAL" clId="{1002CE28-12E1-453F-8E06-90F32FAF9697}" dt="2022-10-19T06:30:58.618" v="0" actId="33475"/>
-          <ac:spMkLst>
-            <pc:docMk/>
-            <pc:sldMasterMk cId="2168708284" sldId="2147483648"/>
-            <ac:spMk id="10" creationId="{99872183-7F29-FB0F-D3D7-53204406A33F}"/>
-          </ac:spMkLst>
-        </pc:spChg>
-      </pc:sldMasterChg>
+      </pc:sldChg>
     </pc:docChg>
   </pc:docChgLst>
   <pc:docChgLst>
@@ -4358,30 +1992,6 @@
           <pc:docMk/>
           <pc:sldMk cId="380766058" sldId="378"/>
         </pc:sldMkLst>
-        <pc:spChg chg="mod ord">
-          <ac:chgData name="Matthieu De Mari" userId="dfb708c9-d8dc-439f-9a3b-c772bf4a311c" providerId="ADAL" clId="{44ABFB41-BEA6-4DBA-BBB4-11FE1C0F0B9A}" dt="2023-06-16T07:10:47.411" v="15" actId="14100"/>
-          <ac:spMkLst>
-            <pc:docMk/>
-            <pc:sldMk cId="380766058" sldId="378"/>
-            <ac:spMk id="3" creationId="{65399E50-9E84-8D67-B55F-073C06C3D10E}"/>
-          </ac:spMkLst>
-        </pc:spChg>
-        <pc:spChg chg="mod ord">
-          <ac:chgData name="Matthieu De Mari" userId="dfb708c9-d8dc-439f-9a3b-c772bf4a311c" providerId="ADAL" clId="{44ABFB41-BEA6-4DBA-BBB4-11FE1C0F0B9A}" dt="2023-06-16T07:10:19.722" v="2" actId="700"/>
-          <ac:spMkLst>
-            <pc:docMk/>
-            <pc:sldMk cId="380766058" sldId="378"/>
-            <ac:spMk id="4" creationId="{0DC6A3F0-334F-9B7D-CECA-321756F77DD7}"/>
-          </ac:spMkLst>
-        </pc:spChg>
-        <pc:spChg chg="del mod ord">
-          <ac:chgData name="Matthieu De Mari" userId="dfb708c9-d8dc-439f-9a3b-c772bf4a311c" providerId="ADAL" clId="{44ABFB41-BEA6-4DBA-BBB4-11FE1C0F0B9A}" dt="2023-06-16T07:10:22.139" v="4" actId="478"/>
-          <ac:spMkLst>
-            <pc:docMk/>
-            <pc:sldMk cId="380766058" sldId="378"/>
-            <ac:spMk id="5" creationId="{E85979EA-F014-A9DE-13D1-EA9A2099FCA3}"/>
-          </ac:spMkLst>
-        </pc:spChg>
       </pc:sldChg>
       <pc:sldChg chg="modSp mod">
         <pc:chgData name="Matthieu De Mari" userId="dfb708c9-d8dc-439f-9a3b-c772bf4a311c" providerId="ADAL" clId="{44ABFB41-BEA6-4DBA-BBB4-11FE1C0F0B9A}" dt="2023-06-22T04:21:57.417" v="55" actId="113"/>
@@ -4389,22 +1999,6 @@
           <pc:docMk/>
           <pc:sldMk cId="3251402422" sldId="381"/>
         </pc:sldMkLst>
-        <pc:spChg chg="mod">
-          <ac:chgData name="Matthieu De Mari" userId="dfb708c9-d8dc-439f-9a3b-c772bf4a311c" providerId="ADAL" clId="{44ABFB41-BEA6-4DBA-BBB4-11FE1C0F0B9A}" dt="2023-06-22T04:21:38.832" v="52" actId="115"/>
-          <ac:spMkLst>
-            <pc:docMk/>
-            <pc:sldMk cId="3251402422" sldId="381"/>
-            <ac:spMk id="3" creationId="{EB875A09-F649-0453-782D-77AD08503234}"/>
-          </ac:spMkLst>
-        </pc:spChg>
-        <pc:spChg chg="mod">
-          <ac:chgData name="Matthieu De Mari" userId="dfb708c9-d8dc-439f-9a3b-c772bf4a311c" providerId="ADAL" clId="{44ABFB41-BEA6-4DBA-BBB4-11FE1C0F0B9A}" dt="2023-06-22T04:21:57.417" v="55" actId="113"/>
-          <ac:spMkLst>
-            <pc:docMk/>
-            <pc:sldMk cId="3251402422" sldId="381"/>
-            <ac:spMk id="4" creationId="{953DB814-D545-5828-A2A0-FEEF73BDC2D8}"/>
-          </ac:spMkLst>
-        </pc:spChg>
       </pc:sldChg>
       <pc:sldChg chg="modSp mod">
         <pc:chgData name="Matthieu De Mari" userId="dfb708c9-d8dc-439f-9a3b-c772bf4a311c" providerId="ADAL" clId="{44ABFB41-BEA6-4DBA-BBB4-11FE1C0F0B9A}" dt="2023-07-06T02:53:13.881" v="653" actId="113"/>
@@ -4412,14 +2006,6 @@
           <pc:docMk/>
           <pc:sldMk cId="1921397945" sldId="383"/>
         </pc:sldMkLst>
-        <pc:spChg chg="mod">
-          <ac:chgData name="Matthieu De Mari" userId="dfb708c9-d8dc-439f-9a3b-c772bf4a311c" providerId="ADAL" clId="{44ABFB41-BEA6-4DBA-BBB4-11FE1C0F0B9A}" dt="2023-07-06T02:53:13.881" v="653" actId="113"/>
-          <ac:spMkLst>
-            <pc:docMk/>
-            <pc:sldMk cId="1921397945" sldId="383"/>
-            <ac:spMk id="3" creationId="{4E3EB5A2-1EBE-6555-85E5-4CA6DEF3845D}"/>
-          </ac:spMkLst>
-        </pc:spChg>
       </pc:sldChg>
       <pc:sldChg chg="modSp mod">
         <pc:chgData name="Matthieu De Mari" userId="dfb708c9-d8dc-439f-9a3b-c772bf4a311c" providerId="ADAL" clId="{44ABFB41-BEA6-4DBA-BBB4-11FE1C0F0B9A}" dt="2023-06-22T04:23:23.153" v="83" actId="20577"/>
@@ -4427,14 +2013,6 @@
           <pc:docMk/>
           <pc:sldMk cId="1420298135" sldId="384"/>
         </pc:sldMkLst>
-        <pc:spChg chg="mod">
-          <ac:chgData name="Matthieu De Mari" userId="dfb708c9-d8dc-439f-9a3b-c772bf4a311c" providerId="ADAL" clId="{44ABFB41-BEA6-4DBA-BBB4-11FE1C0F0B9A}" dt="2023-06-22T04:23:23.153" v="83" actId="20577"/>
-          <ac:spMkLst>
-            <pc:docMk/>
-            <pc:sldMk cId="1420298135" sldId="384"/>
-            <ac:spMk id="5" creationId="{CBDF5152-8165-F342-BDF9-7CF1D911D8E8}"/>
-          </ac:spMkLst>
-        </pc:spChg>
       </pc:sldChg>
       <pc:sldChg chg="modSp mod">
         <pc:chgData name="Matthieu De Mari" userId="dfb708c9-d8dc-439f-9a3b-c772bf4a311c" providerId="ADAL" clId="{44ABFB41-BEA6-4DBA-BBB4-11FE1C0F0B9A}" dt="2023-06-22T04:23:28.994" v="84" actId="5793"/>
@@ -4442,14 +2020,6 @@
           <pc:docMk/>
           <pc:sldMk cId="2560511070" sldId="385"/>
         </pc:sldMkLst>
-        <pc:spChg chg="mod">
-          <ac:chgData name="Matthieu De Mari" userId="dfb708c9-d8dc-439f-9a3b-c772bf4a311c" providerId="ADAL" clId="{44ABFB41-BEA6-4DBA-BBB4-11FE1C0F0B9A}" dt="2023-06-22T04:23:28.994" v="84" actId="5793"/>
-          <ac:spMkLst>
-            <pc:docMk/>
-            <pc:sldMk cId="2560511070" sldId="385"/>
-            <ac:spMk id="3" creationId="{BA745D00-1AA4-E710-F652-A7E165C17CC6}"/>
-          </ac:spMkLst>
-        </pc:spChg>
       </pc:sldChg>
       <pc:sldChg chg="modSp mod">
         <pc:chgData name="Matthieu De Mari" userId="dfb708c9-d8dc-439f-9a3b-c772bf4a311c" providerId="ADAL" clId="{44ABFB41-BEA6-4DBA-BBB4-11FE1C0F0B9A}" dt="2023-06-22T04:24:52.798" v="132" actId="1076"/>
@@ -4457,22 +2027,6 @@
           <pc:docMk/>
           <pc:sldMk cId="1116470923" sldId="386"/>
         </pc:sldMkLst>
-        <pc:spChg chg="mod">
-          <ac:chgData name="Matthieu De Mari" userId="dfb708c9-d8dc-439f-9a3b-c772bf4a311c" providerId="ADAL" clId="{44ABFB41-BEA6-4DBA-BBB4-11FE1C0F0B9A}" dt="2023-06-22T04:24:46.137" v="130" actId="114"/>
-          <ac:spMkLst>
-            <pc:docMk/>
-            <pc:sldMk cId="1116470923" sldId="386"/>
-            <ac:spMk id="3" creationId="{44608F03-1D5E-5E62-5A70-1B8EB17DF397}"/>
-          </ac:spMkLst>
-        </pc:spChg>
-        <pc:picChg chg="mod">
-          <ac:chgData name="Matthieu De Mari" userId="dfb708c9-d8dc-439f-9a3b-c772bf4a311c" providerId="ADAL" clId="{44ABFB41-BEA6-4DBA-BBB4-11FE1C0F0B9A}" dt="2023-06-22T04:24:52.798" v="132" actId="1076"/>
-          <ac:picMkLst>
-            <pc:docMk/>
-            <pc:sldMk cId="1116470923" sldId="386"/>
-            <ac:picMk id="7" creationId="{ECC234CE-D676-ECD3-D2E7-52357BDE961D}"/>
-          </ac:picMkLst>
-        </pc:picChg>
       </pc:sldChg>
       <pc:sldChg chg="modSp mod ord">
         <pc:chgData name="Matthieu De Mari" userId="dfb708c9-d8dc-439f-9a3b-c772bf4a311c" providerId="ADAL" clId="{44ABFB41-BEA6-4DBA-BBB4-11FE1C0F0B9A}" dt="2023-06-22T05:13:32.876" v="585" actId="20577"/>
@@ -4480,22 +2034,6 @@
           <pc:docMk/>
           <pc:sldMk cId="3140288791" sldId="404"/>
         </pc:sldMkLst>
-        <pc:spChg chg="mod">
-          <ac:chgData name="Matthieu De Mari" userId="dfb708c9-d8dc-439f-9a3b-c772bf4a311c" providerId="ADAL" clId="{44ABFB41-BEA6-4DBA-BBB4-11FE1C0F0B9A}" dt="2023-06-22T05:13:32.876" v="585" actId="20577"/>
-          <ac:spMkLst>
-            <pc:docMk/>
-            <pc:sldMk cId="3140288791" sldId="404"/>
-            <ac:spMk id="2" creationId="{581B7E6E-252F-1AB6-6445-27D0020E0280}"/>
-          </ac:spMkLst>
-        </pc:spChg>
-        <pc:spChg chg="mod">
-          <ac:chgData name="Matthieu De Mari" userId="dfb708c9-d8dc-439f-9a3b-c772bf4a311c" providerId="ADAL" clId="{44ABFB41-BEA6-4DBA-BBB4-11FE1C0F0B9A}" dt="2023-06-22T05:13:23.696" v="577" actId="20577"/>
-          <ac:spMkLst>
-            <pc:docMk/>
-            <pc:sldMk cId="3140288791" sldId="404"/>
-            <ac:spMk id="3" creationId="{088657BF-BB53-D488-1F2B-77F25EDE3A56}"/>
-          </ac:spMkLst>
-        </pc:spChg>
       </pc:sldChg>
       <pc:sldChg chg="modSp mod">
         <pc:chgData name="Matthieu De Mari" userId="dfb708c9-d8dc-439f-9a3b-c772bf4a311c" providerId="ADAL" clId="{44ABFB41-BEA6-4DBA-BBB4-11FE1C0F0B9A}" dt="2023-06-16T07:11:42.352" v="44" actId="20577"/>
@@ -4503,14 +2041,6 @@
           <pc:docMk/>
           <pc:sldMk cId="1178350440" sldId="410"/>
         </pc:sldMkLst>
-        <pc:spChg chg="mod">
-          <ac:chgData name="Matthieu De Mari" userId="dfb708c9-d8dc-439f-9a3b-c772bf4a311c" providerId="ADAL" clId="{44ABFB41-BEA6-4DBA-BBB4-11FE1C0F0B9A}" dt="2023-06-16T07:11:42.352" v="44" actId="20577"/>
-          <ac:spMkLst>
-            <pc:docMk/>
-            <pc:sldMk cId="1178350440" sldId="410"/>
-            <ac:spMk id="3" creationId="{A2C1AD02-2B23-3037-9908-FF09B3499297}"/>
-          </ac:spMkLst>
-        </pc:spChg>
       </pc:sldChg>
       <pc:sldChg chg="modSp mod">
         <pc:chgData name="Matthieu De Mari" userId="dfb708c9-d8dc-439f-9a3b-c772bf4a311c" providerId="ADAL" clId="{44ABFB41-BEA6-4DBA-BBB4-11FE1C0F0B9A}" dt="2023-06-16T07:11:40.732" v="43" actId="20577"/>
@@ -4518,14 +2048,6 @@
           <pc:docMk/>
           <pc:sldMk cId="2149409242" sldId="411"/>
         </pc:sldMkLst>
-        <pc:spChg chg="mod">
-          <ac:chgData name="Matthieu De Mari" userId="dfb708c9-d8dc-439f-9a3b-c772bf4a311c" providerId="ADAL" clId="{44ABFB41-BEA6-4DBA-BBB4-11FE1C0F0B9A}" dt="2023-06-16T07:11:40.732" v="43" actId="20577"/>
-          <ac:spMkLst>
-            <pc:docMk/>
-            <pc:sldMk cId="2149409242" sldId="411"/>
-            <ac:spMk id="3" creationId="{A2C1AD02-2B23-3037-9908-FF09B3499297}"/>
-          </ac:spMkLst>
-        </pc:spChg>
       </pc:sldChg>
       <pc:sldChg chg="modSp mod">
         <pc:chgData name="Matthieu De Mari" userId="dfb708c9-d8dc-439f-9a3b-c772bf4a311c" providerId="ADAL" clId="{44ABFB41-BEA6-4DBA-BBB4-11FE1C0F0B9A}" dt="2023-07-06T02:51:45.547" v="600" actId="20577"/>
@@ -4533,14 +2055,6 @@
           <pc:docMk/>
           <pc:sldMk cId="4145254973" sldId="423"/>
         </pc:sldMkLst>
-        <pc:spChg chg="mod">
-          <ac:chgData name="Matthieu De Mari" userId="dfb708c9-d8dc-439f-9a3b-c772bf4a311c" providerId="ADAL" clId="{44ABFB41-BEA6-4DBA-BBB4-11FE1C0F0B9A}" dt="2023-07-06T02:51:45.547" v="600" actId="20577"/>
-          <ac:spMkLst>
-            <pc:docMk/>
-            <pc:sldMk cId="4145254973" sldId="423"/>
-            <ac:spMk id="3" creationId="{FA1F1CE6-06FF-6DD6-265C-39A26CC7DB57}"/>
-          </ac:spMkLst>
-        </pc:spChg>
       </pc:sldChg>
       <pc:sldChg chg="modSp mod">
         <pc:chgData name="Matthieu De Mari" userId="dfb708c9-d8dc-439f-9a3b-c772bf4a311c" providerId="ADAL" clId="{44ABFB41-BEA6-4DBA-BBB4-11FE1C0F0B9A}" dt="2023-07-06T02:51:27.282" v="592" actId="20577"/>
@@ -4548,14 +2062,6 @@
           <pc:docMk/>
           <pc:sldMk cId="1513778887" sldId="424"/>
         </pc:sldMkLst>
-        <pc:spChg chg="mod">
-          <ac:chgData name="Matthieu De Mari" userId="dfb708c9-d8dc-439f-9a3b-c772bf4a311c" providerId="ADAL" clId="{44ABFB41-BEA6-4DBA-BBB4-11FE1C0F0B9A}" dt="2023-07-06T02:51:27.282" v="592" actId="20577"/>
-          <ac:spMkLst>
-            <pc:docMk/>
-            <pc:sldMk cId="1513778887" sldId="424"/>
-            <ac:spMk id="3" creationId="{FA1F1CE6-06FF-6DD6-265C-39A26CC7DB57}"/>
-          </ac:spMkLst>
-        </pc:spChg>
       </pc:sldChg>
       <pc:sldChg chg="modSp mod">
         <pc:chgData name="Matthieu De Mari" userId="dfb708c9-d8dc-439f-9a3b-c772bf4a311c" providerId="ADAL" clId="{44ABFB41-BEA6-4DBA-BBB4-11FE1C0F0B9A}" dt="2023-07-06T02:51:39.838" v="596" actId="20577"/>
@@ -4563,14 +2069,6 @@
           <pc:docMk/>
           <pc:sldMk cId="548772636" sldId="425"/>
         </pc:sldMkLst>
-        <pc:spChg chg="mod">
-          <ac:chgData name="Matthieu De Mari" userId="dfb708c9-d8dc-439f-9a3b-c772bf4a311c" providerId="ADAL" clId="{44ABFB41-BEA6-4DBA-BBB4-11FE1C0F0B9A}" dt="2023-07-06T02:51:39.838" v="596" actId="20577"/>
-          <ac:spMkLst>
-            <pc:docMk/>
-            <pc:sldMk cId="548772636" sldId="425"/>
-            <ac:spMk id="3" creationId="{FA1F1CE6-06FF-6DD6-265C-39A26CC7DB57}"/>
-          </ac:spMkLst>
-        </pc:spChg>
       </pc:sldChg>
       <pc:sldChg chg="modSp mod">
         <pc:chgData name="Matthieu De Mari" userId="dfb708c9-d8dc-439f-9a3b-c772bf4a311c" providerId="ADAL" clId="{44ABFB41-BEA6-4DBA-BBB4-11FE1C0F0B9A}" dt="2023-07-06T02:52:04.084" v="618" actId="20577"/>
@@ -4578,14 +2076,6 @@
           <pc:docMk/>
           <pc:sldMk cId="995336806" sldId="426"/>
         </pc:sldMkLst>
-        <pc:spChg chg="mod">
-          <ac:chgData name="Matthieu De Mari" userId="dfb708c9-d8dc-439f-9a3b-c772bf4a311c" providerId="ADAL" clId="{44ABFB41-BEA6-4DBA-BBB4-11FE1C0F0B9A}" dt="2023-07-06T02:52:04.084" v="618" actId="20577"/>
-          <ac:spMkLst>
-            <pc:docMk/>
-            <pc:sldMk cId="995336806" sldId="426"/>
-            <ac:spMk id="3" creationId="{FA1F1CE6-06FF-6DD6-265C-39A26CC7DB57}"/>
-          </ac:spMkLst>
-        </pc:spChg>
       </pc:sldChg>
       <pc:sldChg chg="del">
         <pc:chgData name="Matthieu De Mari" userId="dfb708c9-d8dc-439f-9a3b-c772bf4a311c" providerId="ADAL" clId="{44ABFB41-BEA6-4DBA-BBB4-11FE1C0F0B9A}" dt="2023-06-16T07:10:04.549" v="0" actId="47"/>
@@ -4600,14 +2090,6 @@
           <pc:docMk/>
           <pc:sldMk cId="1146881653" sldId="649"/>
         </pc:sldMkLst>
-        <pc:spChg chg="mod">
-          <ac:chgData name="Matthieu De Mari" userId="dfb708c9-d8dc-439f-9a3b-c772bf4a311c" providerId="ADAL" clId="{44ABFB41-BEA6-4DBA-BBB4-11FE1C0F0B9A}" dt="2023-06-22T04:23:11.719" v="81" actId="20577"/>
-          <ac:spMkLst>
-            <pc:docMk/>
-            <pc:sldMk cId="1146881653" sldId="649"/>
-            <ac:spMk id="3" creationId="{DC9D8363-826B-D189-78FB-CCD945BC5477}"/>
-          </ac:spMkLst>
-        </pc:spChg>
       </pc:sldChg>
       <pc:sldChg chg="modSp mod">
         <pc:chgData name="Matthieu De Mari" userId="dfb708c9-d8dc-439f-9a3b-c772bf4a311c" providerId="ADAL" clId="{44ABFB41-BEA6-4DBA-BBB4-11FE1C0F0B9A}" dt="2023-06-22T04:23:47.334" v="92" actId="120"/>
@@ -4615,14 +2097,6 @@
           <pc:docMk/>
           <pc:sldMk cId="2710721176" sldId="651"/>
         </pc:sldMkLst>
-        <pc:spChg chg="mod">
-          <ac:chgData name="Matthieu De Mari" userId="dfb708c9-d8dc-439f-9a3b-c772bf4a311c" providerId="ADAL" clId="{44ABFB41-BEA6-4DBA-BBB4-11FE1C0F0B9A}" dt="2023-06-22T04:23:47.334" v="92" actId="120"/>
-          <ac:spMkLst>
-            <pc:docMk/>
-            <pc:sldMk cId="2710721176" sldId="651"/>
-            <ac:spMk id="3" creationId="{B616E96C-A3A7-C270-6E1D-F90C9FE6BDDB}"/>
-          </ac:spMkLst>
-        </pc:spChg>
       </pc:sldChg>
       <pc:sldChg chg="del">
         <pc:chgData name="Matthieu De Mari" userId="dfb708c9-d8dc-439f-9a3b-c772bf4a311c" providerId="ADAL" clId="{44ABFB41-BEA6-4DBA-BBB4-11FE1C0F0B9A}" dt="2023-06-16T07:10:04.549" v="0" actId="47"/>
@@ -4651,30 +2125,6 @@
           <pc:docMk/>
           <pc:sldMk cId="557429466" sldId="785"/>
         </pc:sldMkLst>
-        <pc:spChg chg="mod ord">
-          <ac:chgData name="Matthieu De Mari" userId="dfb708c9-d8dc-439f-9a3b-c772bf4a311c" providerId="ADAL" clId="{44ABFB41-BEA6-4DBA-BBB4-11FE1C0F0B9A}" dt="2023-06-16T07:11:14.835" v="42" actId="20577"/>
-          <ac:spMkLst>
-            <pc:docMk/>
-            <pc:sldMk cId="557429466" sldId="785"/>
-            <ac:spMk id="3" creationId="{65399E50-9E84-8D67-B55F-073C06C3D10E}"/>
-          </ac:spMkLst>
-        </pc:spChg>
-        <pc:spChg chg="mod ord">
-          <ac:chgData name="Matthieu De Mari" userId="dfb708c9-d8dc-439f-9a3b-c772bf4a311c" providerId="ADAL" clId="{44ABFB41-BEA6-4DBA-BBB4-11FE1C0F0B9A}" dt="2023-06-16T07:10:32.764" v="8" actId="700"/>
-          <ac:spMkLst>
-            <pc:docMk/>
-            <pc:sldMk cId="557429466" sldId="785"/>
-            <ac:spMk id="4" creationId="{0DC6A3F0-334F-9B7D-CECA-321756F77DD7}"/>
-          </ac:spMkLst>
-        </pc:spChg>
-        <pc:spChg chg="del mod">
-          <ac:chgData name="Matthieu De Mari" userId="dfb708c9-d8dc-439f-9a3b-c772bf4a311c" providerId="ADAL" clId="{44ABFB41-BEA6-4DBA-BBB4-11FE1C0F0B9A}" dt="2023-06-16T07:10:29.587" v="7" actId="478"/>
-          <ac:spMkLst>
-            <pc:docMk/>
-            <pc:sldMk cId="557429466" sldId="785"/>
-            <ac:spMk id="5" creationId="{E85979EA-F014-A9DE-13D1-EA9A2099FCA3}"/>
-          </ac:spMkLst>
-        </pc:spChg>
       </pc:sldChg>
       <pc:sldChg chg="modSp add mod">
         <pc:chgData name="Matthieu De Mari" userId="dfb708c9-d8dc-439f-9a3b-c772bf4a311c" providerId="ADAL" clId="{44ABFB41-BEA6-4DBA-BBB4-11FE1C0F0B9A}" dt="2023-07-06T02:56:04.856" v="671" actId="20577"/>
@@ -4682,22 +2132,6 @@
           <pc:docMk/>
           <pc:sldMk cId="2509505199" sldId="786"/>
         </pc:sldMkLst>
-        <pc:spChg chg="mod">
-          <ac:chgData name="Matthieu De Mari" userId="dfb708c9-d8dc-439f-9a3b-c772bf4a311c" providerId="ADAL" clId="{44ABFB41-BEA6-4DBA-BBB4-11FE1C0F0B9A}" dt="2023-06-22T05:13:36.642" v="588" actId="20577"/>
-          <ac:spMkLst>
-            <pc:docMk/>
-            <pc:sldMk cId="2509505199" sldId="786"/>
-            <ac:spMk id="2" creationId="{581B7E6E-252F-1AB6-6445-27D0020E0280}"/>
-          </ac:spMkLst>
-        </pc:spChg>
-        <pc:spChg chg="mod">
-          <ac:chgData name="Matthieu De Mari" userId="dfb708c9-d8dc-439f-9a3b-c772bf4a311c" providerId="ADAL" clId="{44ABFB41-BEA6-4DBA-BBB4-11FE1C0F0B9A}" dt="2023-07-06T02:56:04.856" v="671" actId="20577"/>
-          <ac:spMkLst>
-            <pc:docMk/>
-            <pc:sldMk cId="2509505199" sldId="786"/>
-            <ac:spMk id="3" creationId="{088657BF-BB53-D488-1F2B-77F25EDE3A56}"/>
-          </ac:spMkLst>
-        </pc:spChg>
       </pc:sldChg>
     </pc:docChg>
   </pc:docChgLst>
@@ -4714,273 +2148,153 @@
           <pc:docMk/>
           <pc:sldMk cId="1970187575" sldId="379"/>
         </pc:sldMkLst>
-        <pc:spChg chg="mod">
-          <ac:chgData name="Matthieu De Mari" userId="dfb708c9-d8dc-439f-9a3b-c772bf4a311c" providerId="ADAL" clId="{247D1BAE-CADF-480A-BB5E-27902C69550B}" dt="2024-01-21T10:00:56.720" v="4" actId="20577"/>
+      </pc:sldChg>
+      <pc:sldChg chg="addSp delSp modSp mod">
+        <pc:chgData name="Matthieu De Mari" userId="dfb708c9-d8dc-439f-9a3b-c772bf4a311c" providerId="ADAL" clId="{247D1BAE-CADF-480A-BB5E-27902C69550B}" dt="2024-01-21T10:04:29.079" v="174" actId="20577"/>
+        <pc:sldMkLst>
+          <pc:docMk/>
+          <pc:sldMk cId="2100436947" sldId="380"/>
+        </pc:sldMkLst>
+      </pc:sldChg>
+      <pc:sldChg chg="modSp mod">
+        <pc:chgData name="Matthieu De Mari" userId="dfb708c9-d8dc-439f-9a3b-c772bf4a311c" providerId="ADAL" clId="{247D1BAE-CADF-480A-BB5E-27902C69550B}" dt="2024-02-02T09:05:10.759" v="225" actId="20577"/>
+        <pc:sldMkLst>
+          <pc:docMk/>
+          <pc:sldMk cId="1420298135" sldId="384"/>
+        </pc:sldMkLst>
+      </pc:sldChg>
+      <pc:sldChg chg="modSp mod">
+        <pc:chgData name="Matthieu De Mari" userId="dfb708c9-d8dc-439f-9a3b-c772bf4a311c" providerId="ADAL" clId="{247D1BAE-CADF-480A-BB5E-27902C69550B}" dt="2024-02-02T09:06:20.966" v="230" actId="5793"/>
+        <pc:sldMkLst>
+          <pc:docMk/>
+          <pc:sldMk cId="1116470923" sldId="386"/>
+        </pc:sldMkLst>
+      </pc:sldChg>
+      <pc:sldChg chg="modSp mod">
+        <pc:chgData name="Matthieu De Mari" userId="dfb708c9-d8dc-439f-9a3b-c772bf4a311c" providerId="ADAL" clId="{247D1BAE-CADF-480A-BB5E-27902C69550B}" dt="2024-02-05T00:12:40.043" v="234" actId="20577"/>
+        <pc:sldMkLst>
+          <pc:docMk/>
+          <pc:sldMk cId="3358927626" sldId="406"/>
+        </pc:sldMkLst>
+      </pc:sldChg>
+      <pc:sldChg chg="modSp mod">
+        <pc:chgData name="Matthieu De Mari" userId="dfb708c9-d8dc-439f-9a3b-c772bf4a311c" providerId="ADAL" clId="{247D1BAE-CADF-480A-BB5E-27902C69550B}" dt="2024-01-21T10:01:54.988" v="85" actId="5793"/>
+        <pc:sldMkLst>
+          <pc:docMk/>
+          <pc:sldMk cId="3179138343" sldId="413"/>
+        </pc:sldMkLst>
+      </pc:sldChg>
+      <pc:sldChg chg="modSp mod">
+        <pc:chgData name="Matthieu De Mari" userId="dfb708c9-d8dc-439f-9a3b-c772bf4a311c" providerId="ADAL" clId="{247D1BAE-CADF-480A-BB5E-27902C69550B}" dt="2024-01-21T10:02:29.240" v="96"/>
+        <pc:sldMkLst>
+          <pc:docMk/>
+          <pc:sldMk cId="1324969895" sldId="414"/>
+        </pc:sldMkLst>
+      </pc:sldChg>
+      <pc:sldChg chg="modSp mod">
+        <pc:chgData name="Matthieu De Mari" userId="dfb708c9-d8dc-439f-9a3b-c772bf4a311c" providerId="ADAL" clId="{247D1BAE-CADF-480A-BB5E-27902C69550B}" dt="2024-01-21T10:02:25.292" v="95" actId="20577"/>
+        <pc:sldMkLst>
+          <pc:docMk/>
+          <pc:sldMk cId="481166971" sldId="415"/>
+        </pc:sldMkLst>
+      </pc:sldChg>
+      <pc:sldChg chg="modSp mod">
+        <pc:chgData name="Matthieu De Mari" userId="dfb708c9-d8dc-439f-9a3b-c772bf4a311c" providerId="ADAL" clId="{247D1BAE-CADF-480A-BB5E-27902C69550B}" dt="2024-01-21T10:02:33.099" v="97"/>
+        <pc:sldMkLst>
+          <pc:docMk/>
+          <pc:sldMk cId="4050702309" sldId="416"/>
+        </pc:sldMkLst>
+      </pc:sldChg>
+      <pc:sldChg chg="modSp mod">
+        <pc:chgData name="Matthieu De Mari" userId="dfb708c9-d8dc-439f-9a3b-c772bf4a311c" providerId="ADAL" clId="{247D1BAE-CADF-480A-BB5E-27902C69550B}" dt="2024-01-21T10:02:37.066" v="98"/>
+        <pc:sldMkLst>
+          <pc:docMk/>
+          <pc:sldMk cId="4249457938" sldId="417"/>
+        </pc:sldMkLst>
+      </pc:sldChg>
+      <pc:sldChg chg="addSp delSp modSp mod">
+        <pc:chgData name="Matthieu De Mari" userId="dfb708c9-d8dc-439f-9a3b-c772bf4a311c" providerId="ADAL" clId="{247D1BAE-CADF-480A-BB5E-27902C69550B}" dt="2024-01-21T10:04:19.807" v="170" actId="20577"/>
+        <pc:sldMkLst>
+          <pc:docMk/>
+          <pc:sldMk cId="3310153579" sldId="418"/>
+        </pc:sldMkLst>
+      </pc:sldChg>
+      <pc:sldChg chg="addSp delSp modSp mod">
+        <pc:chgData name="Matthieu De Mari" userId="dfb708c9-d8dc-439f-9a3b-c772bf4a311c" providerId="ADAL" clId="{247D1BAE-CADF-480A-BB5E-27902C69550B}" dt="2024-01-21T10:04:03.136" v="160" actId="20577"/>
+        <pc:sldMkLst>
+          <pc:docMk/>
+          <pc:sldMk cId="1163891923" sldId="419"/>
+        </pc:sldMkLst>
+      </pc:sldChg>
+      <pc:sldChg chg="modSp mod">
+        <pc:chgData name="Matthieu De Mari" userId="dfb708c9-d8dc-439f-9a3b-c772bf4a311c" providerId="ADAL" clId="{247D1BAE-CADF-480A-BB5E-27902C69550B}" dt="2024-01-21T10:04:42.295" v="194" actId="20577"/>
+        <pc:sldMkLst>
+          <pc:docMk/>
+          <pc:sldMk cId="1773283043" sldId="420"/>
+        </pc:sldMkLst>
+      </pc:sldChg>
+      <pc:sldChg chg="modSp mod">
+        <pc:chgData name="Matthieu De Mari" userId="dfb708c9-d8dc-439f-9a3b-c772bf4a311c" providerId="ADAL" clId="{247D1BAE-CADF-480A-BB5E-27902C69550B}" dt="2024-02-05T00:16:00.404" v="274" actId="20577"/>
+        <pc:sldMkLst>
+          <pc:docMk/>
+          <pc:sldMk cId="1146881653" sldId="649"/>
+        </pc:sldMkLst>
+      </pc:sldChg>
+    </pc:docChg>
+  </pc:docChgLst>
+  <pc:docChgLst>
+    <pc:chgData name="Matthieu De Mari" userId="dfb708c9-d8dc-439f-9a3b-c772bf4a311c" providerId="ADAL" clId="{6A0148FC-2914-4FD1-A37F-A0E704A4DFFC}"/>
+    <pc:docChg chg="custSel addSld modSld sldOrd modSection">
+      <pc:chgData name="Matthieu De Mari" userId="dfb708c9-d8dc-439f-9a3b-c772bf4a311c" providerId="ADAL" clId="{6A0148FC-2914-4FD1-A37F-A0E704A4DFFC}" dt="2025-02-10T03:42:56.968" v="403" actId="27636"/>
+      <pc:docMkLst>
+        <pc:docMk/>
+      </pc:docMkLst>
+      <pc:sldChg chg="addSp delSp modSp add mod ord modClrScheme chgLayout">
+        <pc:chgData name="Matthieu De Mari" userId="dfb708c9-d8dc-439f-9a3b-c772bf4a311c" providerId="ADAL" clId="{6A0148FC-2914-4FD1-A37F-A0E704A4DFFC}" dt="2025-02-10T03:42:56.968" v="403" actId="27636"/>
+        <pc:sldMkLst>
+          <pc:docMk/>
+          <pc:sldMk cId="4225424130" sldId="787"/>
+        </pc:sldMkLst>
+        <pc:spChg chg="mod ord">
+          <ac:chgData name="Matthieu De Mari" userId="dfb708c9-d8dc-439f-9a3b-c772bf4a311c" providerId="ADAL" clId="{6A0148FC-2914-4FD1-A37F-A0E704A4DFFC}" dt="2025-02-10T03:41:40.018" v="146" actId="700"/>
           <ac:spMkLst>
             <pc:docMk/>
-            <pc:sldMk cId="1970187575" sldId="379"/>
-            <ac:spMk id="5" creationId="{DF664FFA-9452-2803-1619-F2562904679D}"/>
+            <pc:sldMk cId="4225424130" sldId="787"/>
+            <ac:spMk id="2" creationId="{3D270156-A29B-F996-8AA8-5C78B66D5810}"/>
           </ac:spMkLst>
         </pc:spChg>
-      </pc:sldChg>
-      <pc:sldChg chg="addSp delSp modSp mod">
-        <pc:chgData name="Matthieu De Mari" userId="dfb708c9-d8dc-439f-9a3b-c772bf4a311c" providerId="ADAL" clId="{247D1BAE-CADF-480A-BB5E-27902C69550B}" dt="2024-01-21T10:04:29.079" v="174" actId="20577"/>
-        <pc:sldMkLst>
-          <pc:docMk/>
-          <pc:sldMk cId="2100436947" sldId="380"/>
-        </pc:sldMkLst>
-        <pc:spChg chg="del mod">
-          <ac:chgData name="Matthieu De Mari" userId="dfb708c9-d8dc-439f-9a3b-c772bf4a311c" providerId="ADAL" clId="{247D1BAE-CADF-480A-BB5E-27902C69550B}" dt="2024-01-21T10:04:23.801" v="171" actId="478"/>
+        <pc:spChg chg="mod ord">
+          <ac:chgData name="Matthieu De Mari" userId="dfb708c9-d8dc-439f-9a3b-c772bf4a311c" providerId="ADAL" clId="{6A0148FC-2914-4FD1-A37F-A0E704A4DFFC}" dt="2025-02-10T03:42:56.968" v="403" actId="27636"/>
           <ac:spMkLst>
             <pc:docMk/>
-            <pc:sldMk cId="2100436947" sldId="380"/>
-            <ac:spMk id="4" creationId="{11F8287B-68F9-6307-9899-F1C2672A4FC6}"/>
+            <pc:sldMk cId="4225424130" sldId="787"/>
+            <ac:spMk id="3" creationId="{811BFAB2-CE03-4B19-15B7-5D788C13B2FA}"/>
           </ac:spMkLst>
         </pc:spChg>
-        <pc:spChg chg="add del mod">
-          <ac:chgData name="Matthieu De Mari" userId="dfb708c9-d8dc-439f-9a3b-c772bf4a311c" providerId="ADAL" clId="{247D1BAE-CADF-480A-BB5E-27902C69550B}" dt="2024-01-21T10:04:26.223" v="172" actId="478"/>
+        <pc:spChg chg="add del mod ord">
+          <ac:chgData name="Matthieu De Mari" userId="dfb708c9-d8dc-439f-9a3b-c772bf4a311c" providerId="ADAL" clId="{6A0148FC-2914-4FD1-A37F-A0E704A4DFFC}" dt="2025-02-10T03:41:41.993" v="148" actId="478"/>
           <ac:spMkLst>
             <pc:docMk/>
-            <pc:sldMk cId="2100436947" sldId="380"/>
-            <ac:spMk id="5" creationId="{894FF218-8442-21A9-7DB0-48B57745EF16}"/>
+            <pc:sldMk cId="4225424130" sldId="787"/>
+            <ac:spMk id="4" creationId="{3EB2BA6E-CDF3-10FA-A2F4-2C1B526D01E9}"/>
           </ac:spMkLst>
         </pc:spChg>
-        <pc:spChg chg="add mod">
-          <ac:chgData name="Matthieu De Mari" userId="dfb708c9-d8dc-439f-9a3b-c772bf4a311c" providerId="ADAL" clId="{247D1BAE-CADF-480A-BB5E-27902C69550B}" dt="2024-01-21T10:04:29.079" v="174" actId="20577"/>
-          <ac:spMkLst>
-            <pc:docMk/>
-            <pc:sldMk cId="2100436947" sldId="380"/>
-            <ac:spMk id="6" creationId="{D7DD82EB-95E2-C9DB-F4EA-EEAA4EF9034D}"/>
-          </ac:spMkLst>
-        </pc:spChg>
-      </pc:sldChg>
-      <pc:sldChg chg="modSp mod">
-        <pc:chgData name="Matthieu De Mari" userId="dfb708c9-d8dc-439f-9a3b-c772bf4a311c" providerId="ADAL" clId="{247D1BAE-CADF-480A-BB5E-27902C69550B}" dt="2024-02-02T09:05:10.759" v="225" actId="20577"/>
-        <pc:sldMkLst>
-          <pc:docMk/>
-          <pc:sldMk cId="1420298135" sldId="384"/>
-        </pc:sldMkLst>
-        <pc:spChg chg="mod">
-          <ac:chgData name="Matthieu De Mari" userId="dfb708c9-d8dc-439f-9a3b-c772bf4a311c" providerId="ADAL" clId="{247D1BAE-CADF-480A-BB5E-27902C69550B}" dt="2024-02-02T09:05:10.759" v="225" actId="20577"/>
-          <ac:spMkLst>
-            <pc:docMk/>
-            <pc:sldMk cId="1420298135" sldId="384"/>
-            <ac:spMk id="5" creationId="{CBDF5152-8165-F342-BDF9-7CF1D911D8E8}"/>
-          </ac:spMkLst>
-        </pc:spChg>
-      </pc:sldChg>
-      <pc:sldChg chg="modSp mod">
-        <pc:chgData name="Matthieu De Mari" userId="dfb708c9-d8dc-439f-9a3b-c772bf4a311c" providerId="ADAL" clId="{247D1BAE-CADF-480A-BB5E-27902C69550B}" dt="2024-02-02T09:06:20.966" v="230" actId="5793"/>
-        <pc:sldMkLst>
-          <pc:docMk/>
-          <pc:sldMk cId="1116470923" sldId="386"/>
-        </pc:sldMkLst>
-        <pc:spChg chg="mod">
-          <ac:chgData name="Matthieu De Mari" userId="dfb708c9-d8dc-439f-9a3b-c772bf4a311c" providerId="ADAL" clId="{247D1BAE-CADF-480A-BB5E-27902C69550B}" dt="2024-02-02T09:06:20.966" v="230" actId="5793"/>
-          <ac:spMkLst>
-            <pc:docMk/>
-            <pc:sldMk cId="1116470923" sldId="386"/>
-            <ac:spMk id="3" creationId="{44608F03-1D5E-5E62-5A70-1B8EB17DF397}"/>
-          </ac:spMkLst>
-        </pc:spChg>
-      </pc:sldChg>
-      <pc:sldChg chg="modSp mod">
-        <pc:chgData name="Matthieu De Mari" userId="dfb708c9-d8dc-439f-9a3b-c772bf4a311c" providerId="ADAL" clId="{247D1BAE-CADF-480A-BB5E-27902C69550B}" dt="2024-02-05T00:12:40.043" v="234" actId="20577"/>
-        <pc:sldMkLst>
-          <pc:docMk/>
-          <pc:sldMk cId="3358927626" sldId="406"/>
-        </pc:sldMkLst>
-        <pc:spChg chg="mod">
-          <ac:chgData name="Matthieu De Mari" userId="dfb708c9-d8dc-439f-9a3b-c772bf4a311c" providerId="ADAL" clId="{247D1BAE-CADF-480A-BB5E-27902C69550B}" dt="2024-02-05T00:12:40.043" v="234" actId="20577"/>
-          <ac:spMkLst>
-            <pc:docMk/>
-            <pc:sldMk cId="3358927626" sldId="406"/>
-            <ac:spMk id="3" creationId="{40B01D2C-4BE4-C6CD-31D7-3F2E182779DF}"/>
-          </ac:spMkLst>
-        </pc:spChg>
-      </pc:sldChg>
-      <pc:sldChg chg="modSp mod">
-        <pc:chgData name="Matthieu De Mari" userId="dfb708c9-d8dc-439f-9a3b-c772bf4a311c" providerId="ADAL" clId="{247D1BAE-CADF-480A-BB5E-27902C69550B}" dt="2024-01-21T10:01:54.988" v="85" actId="5793"/>
-        <pc:sldMkLst>
-          <pc:docMk/>
-          <pc:sldMk cId="3179138343" sldId="413"/>
-        </pc:sldMkLst>
-        <pc:spChg chg="mod">
-          <ac:chgData name="Matthieu De Mari" userId="dfb708c9-d8dc-439f-9a3b-c772bf4a311c" providerId="ADAL" clId="{247D1BAE-CADF-480A-BB5E-27902C69550B}" dt="2024-01-21T10:01:54.988" v="85" actId="5793"/>
-          <ac:spMkLst>
-            <pc:docMk/>
-            <pc:sldMk cId="3179138343" sldId="413"/>
-            <ac:spMk id="5" creationId="{4BC25369-B12F-4AC1-0A2A-B7362924B819}"/>
-          </ac:spMkLst>
-        </pc:spChg>
-        <pc:picChg chg="mod">
-          <ac:chgData name="Matthieu De Mari" userId="dfb708c9-d8dc-439f-9a3b-c772bf4a311c" providerId="ADAL" clId="{247D1BAE-CADF-480A-BB5E-27902C69550B}" dt="2024-01-21T10:01:39.198" v="6" actId="14100"/>
+        <pc:picChg chg="add mod">
+          <ac:chgData name="Matthieu De Mari" userId="dfb708c9-d8dc-439f-9a3b-c772bf4a311c" providerId="ADAL" clId="{6A0148FC-2914-4FD1-A37F-A0E704A4DFFC}" dt="2025-02-10T03:41:57.567" v="160" actId="14100"/>
           <ac:picMkLst>
             <pc:docMk/>
-            <pc:sldMk cId="3179138343" sldId="413"/>
-            <ac:picMk id="7" creationId="{8A2A851B-519D-6246-1325-49AE148D423B}"/>
+            <pc:sldMk cId="4225424130" sldId="787"/>
+            <ac:picMk id="6" creationId="{F6FB43C8-3C29-BA06-BBF8-541C3A943BFF}"/>
           </ac:picMkLst>
         </pc:picChg>
-      </pc:sldChg>
-      <pc:sldChg chg="modSp mod">
-        <pc:chgData name="Matthieu De Mari" userId="dfb708c9-d8dc-439f-9a3b-c772bf4a311c" providerId="ADAL" clId="{247D1BAE-CADF-480A-BB5E-27902C69550B}" dt="2024-01-21T10:02:29.240" v="96"/>
-        <pc:sldMkLst>
-          <pc:docMk/>
-          <pc:sldMk cId="1324969895" sldId="414"/>
-        </pc:sldMkLst>
-        <pc:spChg chg="mod">
-          <ac:chgData name="Matthieu De Mari" userId="dfb708c9-d8dc-439f-9a3b-c772bf4a311c" providerId="ADAL" clId="{247D1BAE-CADF-480A-BB5E-27902C69550B}" dt="2024-01-21T10:02:29.240" v="96"/>
-          <ac:spMkLst>
+        <pc:picChg chg="del">
+          <ac:chgData name="Matthieu De Mari" userId="dfb708c9-d8dc-439f-9a3b-c772bf4a311c" providerId="ADAL" clId="{6A0148FC-2914-4FD1-A37F-A0E704A4DFFC}" dt="2025-02-10T03:41:41.139" v="147" actId="478"/>
+          <ac:picMkLst>
             <pc:docMk/>
-            <pc:sldMk cId="1324969895" sldId="414"/>
-            <ac:spMk id="5" creationId="{60D93335-8A92-D60B-8902-7A5CD0AD4E90}"/>
-          </ac:spMkLst>
-        </pc:spChg>
-      </pc:sldChg>
-      <pc:sldChg chg="modSp mod">
-        <pc:chgData name="Matthieu De Mari" userId="dfb708c9-d8dc-439f-9a3b-c772bf4a311c" providerId="ADAL" clId="{247D1BAE-CADF-480A-BB5E-27902C69550B}" dt="2024-01-21T10:02:25.292" v="95" actId="20577"/>
-        <pc:sldMkLst>
-          <pc:docMk/>
-          <pc:sldMk cId="481166971" sldId="415"/>
-        </pc:sldMkLst>
-        <pc:spChg chg="mod">
-          <ac:chgData name="Matthieu De Mari" userId="dfb708c9-d8dc-439f-9a3b-c772bf4a311c" providerId="ADAL" clId="{247D1BAE-CADF-480A-BB5E-27902C69550B}" dt="2024-01-21T10:02:25.292" v="95" actId="20577"/>
-          <ac:spMkLst>
-            <pc:docMk/>
-            <pc:sldMk cId="481166971" sldId="415"/>
-            <ac:spMk id="5" creationId="{60D93335-8A92-D60B-8902-7A5CD0AD4E90}"/>
-          </ac:spMkLst>
-        </pc:spChg>
-      </pc:sldChg>
-      <pc:sldChg chg="modSp mod">
-        <pc:chgData name="Matthieu De Mari" userId="dfb708c9-d8dc-439f-9a3b-c772bf4a311c" providerId="ADAL" clId="{247D1BAE-CADF-480A-BB5E-27902C69550B}" dt="2024-01-21T10:02:33.099" v="97"/>
-        <pc:sldMkLst>
-          <pc:docMk/>
-          <pc:sldMk cId="4050702309" sldId="416"/>
-        </pc:sldMkLst>
-        <pc:spChg chg="mod">
-          <ac:chgData name="Matthieu De Mari" userId="dfb708c9-d8dc-439f-9a3b-c772bf4a311c" providerId="ADAL" clId="{247D1BAE-CADF-480A-BB5E-27902C69550B}" dt="2024-01-21T10:02:33.099" v="97"/>
-          <ac:spMkLst>
-            <pc:docMk/>
-            <pc:sldMk cId="4050702309" sldId="416"/>
-            <ac:spMk id="5" creationId="{60D93335-8A92-D60B-8902-7A5CD0AD4E90}"/>
-          </ac:spMkLst>
-        </pc:spChg>
-      </pc:sldChg>
-      <pc:sldChg chg="modSp mod">
-        <pc:chgData name="Matthieu De Mari" userId="dfb708c9-d8dc-439f-9a3b-c772bf4a311c" providerId="ADAL" clId="{247D1BAE-CADF-480A-BB5E-27902C69550B}" dt="2024-01-21T10:02:37.066" v="98"/>
-        <pc:sldMkLst>
-          <pc:docMk/>
-          <pc:sldMk cId="4249457938" sldId="417"/>
-        </pc:sldMkLst>
-        <pc:spChg chg="mod">
-          <ac:chgData name="Matthieu De Mari" userId="dfb708c9-d8dc-439f-9a3b-c772bf4a311c" providerId="ADAL" clId="{247D1BAE-CADF-480A-BB5E-27902C69550B}" dt="2024-01-21T10:02:37.066" v="98"/>
-          <ac:spMkLst>
-            <pc:docMk/>
-            <pc:sldMk cId="4249457938" sldId="417"/>
-            <ac:spMk id="5" creationId="{60D93335-8A92-D60B-8902-7A5CD0AD4E90}"/>
-          </ac:spMkLst>
-        </pc:spChg>
-      </pc:sldChg>
-      <pc:sldChg chg="addSp delSp modSp mod">
-        <pc:chgData name="Matthieu De Mari" userId="dfb708c9-d8dc-439f-9a3b-c772bf4a311c" providerId="ADAL" clId="{247D1BAE-CADF-480A-BB5E-27902C69550B}" dt="2024-01-21T10:04:19.807" v="170" actId="20577"/>
-        <pc:sldMkLst>
-          <pc:docMk/>
-          <pc:sldMk cId="3310153579" sldId="418"/>
-        </pc:sldMkLst>
-        <pc:spChg chg="del">
-          <ac:chgData name="Matthieu De Mari" userId="dfb708c9-d8dc-439f-9a3b-c772bf4a311c" providerId="ADAL" clId="{247D1BAE-CADF-480A-BB5E-27902C69550B}" dt="2024-01-21T10:04:07.839" v="161" actId="478"/>
-          <ac:spMkLst>
-            <pc:docMk/>
-            <pc:sldMk cId="3310153579" sldId="418"/>
-            <ac:spMk id="4" creationId="{11F8287B-68F9-6307-9899-F1C2672A4FC6}"/>
-          </ac:spMkLst>
-        </pc:spChg>
-        <pc:spChg chg="add del mod">
-          <ac:chgData name="Matthieu De Mari" userId="dfb708c9-d8dc-439f-9a3b-c772bf4a311c" providerId="ADAL" clId="{247D1BAE-CADF-480A-BB5E-27902C69550B}" dt="2024-01-21T10:04:14.521" v="166" actId="478"/>
-          <ac:spMkLst>
-            <pc:docMk/>
-            <pc:sldMk cId="3310153579" sldId="418"/>
-            <ac:spMk id="6" creationId="{A1D98473-16F0-9097-13BA-873990780752}"/>
-          </ac:spMkLst>
-        </pc:spChg>
-        <pc:spChg chg="add mod">
-          <ac:chgData name="Matthieu De Mari" userId="dfb708c9-d8dc-439f-9a3b-c772bf4a311c" providerId="ADAL" clId="{247D1BAE-CADF-480A-BB5E-27902C69550B}" dt="2024-01-21T10:04:11.110" v="165"/>
-          <ac:spMkLst>
-            <pc:docMk/>
-            <pc:sldMk cId="3310153579" sldId="418"/>
-            <ac:spMk id="7" creationId="{6F8136A8-3359-28EA-0AF2-830A6E8E4F5A}"/>
-          </ac:spMkLst>
-        </pc:spChg>
-        <pc:spChg chg="add mod">
-          <ac:chgData name="Matthieu De Mari" userId="dfb708c9-d8dc-439f-9a3b-c772bf4a311c" providerId="ADAL" clId="{247D1BAE-CADF-480A-BB5E-27902C69550B}" dt="2024-01-21T10:04:19.807" v="170" actId="20577"/>
-          <ac:spMkLst>
-            <pc:docMk/>
-            <pc:sldMk cId="3310153579" sldId="418"/>
-            <ac:spMk id="8" creationId="{95E6B02B-00D1-4B97-B7BC-916C0CB69899}"/>
-          </ac:spMkLst>
-        </pc:spChg>
-      </pc:sldChg>
-      <pc:sldChg chg="addSp delSp modSp mod">
-        <pc:chgData name="Matthieu De Mari" userId="dfb708c9-d8dc-439f-9a3b-c772bf4a311c" providerId="ADAL" clId="{247D1BAE-CADF-480A-BB5E-27902C69550B}" dt="2024-01-21T10:04:03.136" v="160" actId="20577"/>
-        <pc:sldMkLst>
-          <pc:docMk/>
-          <pc:sldMk cId="1163891923" sldId="419"/>
-        </pc:sldMkLst>
-        <pc:spChg chg="del">
-          <ac:chgData name="Matthieu De Mari" userId="dfb708c9-d8dc-439f-9a3b-c772bf4a311c" providerId="ADAL" clId="{247D1BAE-CADF-480A-BB5E-27902C69550B}" dt="2024-01-21T10:03:56.893" v="157" actId="478"/>
-          <ac:spMkLst>
-            <pc:docMk/>
-            <pc:sldMk cId="1163891923" sldId="419"/>
-            <ac:spMk id="4" creationId="{11F8287B-68F9-6307-9899-F1C2672A4FC6}"/>
-          </ac:spMkLst>
-        </pc:spChg>
-        <pc:spChg chg="add del mod">
-          <ac:chgData name="Matthieu De Mari" userId="dfb708c9-d8dc-439f-9a3b-c772bf4a311c" providerId="ADAL" clId="{247D1BAE-CADF-480A-BB5E-27902C69550B}" dt="2024-01-21T10:03:58.583" v="158" actId="478"/>
-          <ac:spMkLst>
-            <pc:docMk/>
-            <pc:sldMk cId="1163891923" sldId="419"/>
-            <ac:spMk id="6" creationId="{DAF49DD2-B687-5986-5756-5570DD6B1DB0}"/>
-          </ac:spMkLst>
-        </pc:spChg>
-        <pc:spChg chg="add mod">
-          <ac:chgData name="Matthieu De Mari" userId="dfb708c9-d8dc-439f-9a3b-c772bf4a311c" providerId="ADAL" clId="{247D1BAE-CADF-480A-BB5E-27902C69550B}" dt="2024-01-21T10:04:03.136" v="160" actId="20577"/>
-          <ac:spMkLst>
-            <pc:docMk/>
-            <pc:sldMk cId="1163891923" sldId="419"/>
-            <ac:spMk id="7" creationId="{0BFBA435-DBD0-76FC-67E1-9A809C6F4DB4}"/>
-          </ac:spMkLst>
-        </pc:spChg>
-      </pc:sldChg>
-      <pc:sldChg chg="modSp mod">
-        <pc:chgData name="Matthieu De Mari" userId="dfb708c9-d8dc-439f-9a3b-c772bf4a311c" providerId="ADAL" clId="{247D1BAE-CADF-480A-BB5E-27902C69550B}" dt="2024-01-21T10:04:42.295" v="194" actId="20577"/>
-        <pc:sldMkLst>
-          <pc:docMk/>
-          <pc:sldMk cId="1773283043" sldId="420"/>
-        </pc:sldMkLst>
-        <pc:spChg chg="mod">
-          <ac:chgData name="Matthieu De Mari" userId="dfb708c9-d8dc-439f-9a3b-c772bf4a311c" providerId="ADAL" clId="{247D1BAE-CADF-480A-BB5E-27902C69550B}" dt="2024-01-21T10:04:42.295" v="194" actId="20577"/>
-          <ac:spMkLst>
-            <pc:docMk/>
-            <pc:sldMk cId="1773283043" sldId="420"/>
-            <ac:spMk id="4" creationId="{11F8287B-68F9-6307-9899-F1C2672A4FC6}"/>
-          </ac:spMkLst>
-        </pc:spChg>
-      </pc:sldChg>
-      <pc:sldChg chg="modSp mod">
-        <pc:chgData name="Matthieu De Mari" userId="dfb708c9-d8dc-439f-9a3b-c772bf4a311c" providerId="ADAL" clId="{247D1BAE-CADF-480A-BB5E-27902C69550B}" dt="2024-02-05T00:16:00.404" v="274" actId="20577"/>
-        <pc:sldMkLst>
-          <pc:docMk/>
-          <pc:sldMk cId="1146881653" sldId="649"/>
-        </pc:sldMkLst>
-        <pc:spChg chg="mod">
-          <ac:chgData name="Matthieu De Mari" userId="dfb708c9-d8dc-439f-9a3b-c772bf4a311c" providerId="ADAL" clId="{247D1BAE-CADF-480A-BB5E-27902C69550B}" dt="2024-02-05T00:16:00.404" v="274" actId="20577"/>
-          <ac:spMkLst>
-            <pc:docMk/>
-            <pc:sldMk cId="1146881653" sldId="649"/>
-            <ac:spMk id="3" creationId="{DC9D8363-826B-D189-78FB-CCD945BC5477}"/>
-          </ac:spMkLst>
-        </pc:spChg>
+            <pc:sldMk cId="4225424130" sldId="787"/>
+            <ac:picMk id="7" creationId="{49549816-7C20-FDC1-1407-4FA787A7305D}"/>
+          </ac:picMkLst>
+        </pc:picChg>
       </pc:sldChg>
     </pc:docChg>
   </pc:docChgLst>
@@ -5069,7 +2383,7 @@
           <a:p>
             <a:fld id="{61478373-EB31-4867-8CF0-FA31364748A5}" type="datetimeFigureOut">
               <a:rPr lang="en-GB" smtClean="0"/>
-              <a:t>05/02/2024</a:t>
+              <a:t>10/02/2025</a:t>
             </a:fld>
             <a:endParaRPr lang="en-GB"/>
           </a:p>
@@ -5486,7 +2800,7 @@
           <a:p>
             <a:fld id="{E85DF616-B21E-4EF6-A6A5-95E2FB3EB1A1}" type="datetimeFigureOut">
               <a:rPr lang="en-GB" smtClean="0"/>
-              <a:t>05/02/2024</a:t>
+              <a:t>10/02/2025</a:t>
             </a:fld>
             <a:endParaRPr lang="en-GB"/>
           </a:p>
@@ -5686,7 +3000,7 @@
           <a:p>
             <a:fld id="{E85DF616-B21E-4EF6-A6A5-95E2FB3EB1A1}" type="datetimeFigureOut">
               <a:rPr lang="en-GB" smtClean="0"/>
-              <a:t>05/02/2024</a:t>
+              <a:t>10/02/2025</a:t>
             </a:fld>
             <a:endParaRPr lang="en-GB"/>
           </a:p>
@@ -5896,7 +3210,7 @@
           <a:p>
             <a:fld id="{E85DF616-B21E-4EF6-A6A5-95E2FB3EB1A1}" type="datetimeFigureOut">
               <a:rPr lang="en-GB" smtClean="0"/>
-              <a:t>05/02/2024</a:t>
+              <a:t>10/02/2025</a:t>
             </a:fld>
             <a:endParaRPr lang="en-GB"/>
           </a:p>
@@ -6096,7 +3410,7 @@
           <a:p>
             <a:fld id="{E85DF616-B21E-4EF6-A6A5-95E2FB3EB1A1}" type="datetimeFigureOut">
               <a:rPr lang="en-GB" smtClean="0"/>
-              <a:t>05/02/2024</a:t>
+              <a:t>10/02/2025</a:t>
             </a:fld>
             <a:endParaRPr lang="en-GB"/>
           </a:p>
@@ -6372,7 +3686,7 @@
           <a:p>
             <a:fld id="{E85DF616-B21E-4EF6-A6A5-95E2FB3EB1A1}" type="datetimeFigureOut">
               <a:rPr lang="en-GB" smtClean="0"/>
-              <a:t>05/02/2024</a:t>
+              <a:t>10/02/2025</a:t>
             </a:fld>
             <a:endParaRPr lang="en-GB"/>
           </a:p>
@@ -6640,7 +3954,7 @@
           <a:p>
             <a:fld id="{E85DF616-B21E-4EF6-A6A5-95E2FB3EB1A1}" type="datetimeFigureOut">
               <a:rPr lang="en-GB" smtClean="0"/>
-              <a:t>05/02/2024</a:t>
+              <a:t>10/02/2025</a:t>
             </a:fld>
             <a:endParaRPr lang="en-GB"/>
           </a:p>
@@ -7055,7 +4369,7 @@
           <a:p>
             <a:fld id="{E85DF616-B21E-4EF6-A6A5-95E2FB3EB1A1}" type="datetimeFigureOut">
               <a:rPr lang="en-GB" smtClean="0"/>
-              <a:t>05/02/2024</a:t>
+              <a:t>10/02/2025</a:t>
             </a:fld>
             <a:endParaRPr lang="en-GB"/>
           </a:p>
@@ -7197,7 +4511,7 @@
           <a:p>
             <a:fld id="{E85DF616-B21E-4EF6-A6A5-95E2FB3EB1A1}" type="datetimeFigureOut">
               <a:rPr lang="en-GB" smtClean="0"/>
-              <a:t>05/02/2024</a:t>
+              <a:t>10/02/2025</a:t>
             </a:fld>
             <a:endParaRPr lang="en-GB"/>
           </a:p>
@@ -7310,7 +4624,7 @@
           <a:p>
             <a:fld id="{E85DF616-B21E-4EF6-A6A5-95E2FB3EB1A1}" type="datetimeFigureOut">
               <a:rPr lang="en-GB" smtClean="0"/>
-              <a:t>05/02/2024</a:t>
+              <a:t>10/02/2025</a:t>
             </a:fld>
             <a:endParaRPr lang="en-GB"/>
           </a:p>
@@ -7623,7 +4937,7 @@
           <a:p>
             <a:fld id="{E85DF616-B21E-4EF6-A6A5-95E2FB3EB1A1}" type="datetimeFigureOut">
               <a:rPr lang="en-GB" smtClean="0"/>
-              <a:t>05/02/2024</a:t>
+              <a:t>10/02/2025</a:t>
             </a:fld>
             <a:endParaRPr lang="en-GB"/>
           </a:p>
@@ -7912,7 +5226,7 @@
           <a:p>
             <a:fld id="{E85DF616-B21E-4EF6-A6A5-95E2FB3EB1A1}" type="datetimeFigureOut">
               <a:rPr lang="en-GB" smtClean="0"/>
-              <a:t>05/02/2024</a:t>
+              <a:t>10/02/2025</a:t>
             </a:fld>
             <a:endParaRPr lang="en-GB"/>
           </a:p>
@@ -8155,7 +5469,7 @@
           <a:p>
             <a:fld id="{E85DF616-B21E-4EF6-A6A5-95E2FB3EB1A1}" type="datetimeFigureOut">
               <a:rPr lang="en-GB" smtClean="0"/>
-              <a:t>05/02/2024</a:t>
+              <a:t>10/02/2025</a:t>
             </a:fld>
             <a:endParaRPr lang="en-GB"/>
           </a:p>
@@ -16599,8 +13913,8 @@
         </p:nvSpPr>
         <p:spPr>
           <a:xfrm>
-            <a:off x="838200" y="1567717"/>
-            <a:ext cx="10515600" cy="4351338"/>
+            <a:off x="838199" y="1567717"/>
+            <a:ext cx="10730219" cy="4351338"/>
           </a:xfrm>
         </p:spPr>
         <p:txBody>
@@ -16612,7 +13926,7 @@
             </a:pPr>
             <a:r>
               <a:rPr lang="en-GB" dirty="0"/>
-              <a:t>Before using this Neural Network on our dataset, we need to convert samples to </a:t>
+              <a:t>Before using this Neural Network on our dataset, we need to convert our samples to </a:t>
             </a:r>
             <a:r>
               <a:rPr lang="en-GB" dirty="0" err="1"/>
@@ -16980,6 +14294,195 @@
   <p:cSld>
     <p:spTree>
       <p:nvGrpSpPr>
+        <p:cNvPr id="1" name="">
+          <a:extLst>
+            <a:ext uri="{FF2B5EF4-FFF2-40B4-BE49-F238E27FC236}">
+              <a16:creationId xmlns:a16="http://schemas.microsoft.com/office/drawing/2014/main" id="{1FE3C55E-8D40-892D-CA0E-25C9EA18FB5E}"/>
+            </a:ext>
+          </a:extLst>
+        </p:cNvPr>
+        <p:cNvGrpSpPr/>
+        <p:nvPr/>
+      </p:nvGrpSpPr>
+      <p:grpSpPr>
+        <a:xfrm>
+          <a:off x="0" y="0"/>
+          <a:ext cx="0" cy="0"/>
+          <a:chOff x="0" y="0"/>
+          <a:chExt cx="0" cy="0"/>
+        </a:xfrm>
+      </p:grpSpPr>
+      <p:sp>
+        <p:nvSpPr>
+          <p:cNvPr id="2" name="Title 1">
+            <a:extLst>
+              <a:ext uri="{FF2B5EF4-FFF2-40B4-BE49-F238E27FC236}">
+                <a16:creationId xmlns:a16="http://schemas.microsoft.com/office/drawing/2014/main" id="{3D270156-A29B-F996-8AA8-5C78B66D5810}"/>
+              </a:ext>
+            </a:extLst>
+          </p:cNvPr>
+          <p:cNvSpPr>
+            <a:spLocks noGrp="1"/>
+          </p:cNvSpPr>
+          <p:nvPr>
+            <p:ph type="title"/>
+          </p:nvPr>
+        </p:nvSpPr>
+        <p:spPr/>
+        <p:txBody>
+          <a:bodyPr/>
+          <a:lstStyle/>
+          <a:p>
+            <a:r>
+              <a:rPr lang="en-GB" dirty="0"/>
+              <a:t>A note for those of you running on MacOS</a:t>
+            </a:r>
+            <a:endParaRPr lang="en-SG" dirty="0"/>
+          </a:p>
+        </p:txBody>
+      </p:sp>
+      <p:sp>
+        <p:nvSpPr>
+          <p:cNvPr id="3" name="Content Placeholder 2">
+            <a:extLst>
+              <a:ext uri="{FF2B5EF4-FFF2-40B4-BE49-F238E27FC236}">
+                <a16:creationId xmlns:a16="http://schemas.microsoft.com/office/drawing/2014/main" id="{811BFAB2-CE03-4B19-15B7-5D788C13B2FA}"/>
+              </a:ext>
+            </a:extLst>
+          </p:cNvPr>
+          <p:cNvSpPr>
+            <a:spLocks noGrp="1"/>
+          </p:cNvSpPr>
+          <p:nvPr>
+            <p:ph sz="half" idx="1"/>
+          </p:nvPr>
+        </p:nvSpPr>
+        <p:spPr>
+          <a:xfrm>
+            <a:off x="838200" y="1825624"/>
+            <a:ext cx="5181600" cy="5032375"/>
+          </a:xfrm>
+        </p:spPr>
+        <p:txBody>
+          <a:bodyPr>
+            <a:normAutofit/>
+          </a:bodyPr>
+          <a:lstStyle/>
+          <a:p>
+            <a:pPr marL="0" indent="0">
+              <a:buNone/>
+            </a:pPr>
+            <a:r>
+              <a:rPr lang="en-GB" dirty="0"/>
+              <a:t>Use Google </a:t>
+            </a:r>
+            <a:r>
+              <a:rPr lang="en-GB" dirty="0" err="1"/>
+              <a:t>Colab</a:t>
+            </a:r>
+            <a:r>
+              <a:rPr lang="en-GB" dirty="0"/>
+              <a:t>, but remember to select GPUs are runtime hardware (by default CPU).</a:t>
+            </a:r>
+            <a:endParaRPr lang="en-GB" i="1" dirty="0"/>
+          </a:p>
+          <a:p>
+            <a:pPr marL="0" indent="0">
+              <a:buNone/>
+            </a:pPr>
+            <a:r>
+              <a:rPr lang="en-GB" b="1" i="1" dirty="0"/>
+              <a:t>Also the option of using </a:t>
+            </a:r>
+            <a:r>
+              <a:rPr lang="en-GB" b="1" i="1" u="sng" dirty="0"/>
+              <a:t>MPS</a:t>
+            </a:r>
+            <a:br>
+              <a:rPr lang="en-GB" b="1" i="1" u="sng" dirty="0"/>
+            </a:br>
+            <a:r>
+              <a:rPr lang="en-GB" b="1" i="1" dirty="0"/>
+              <a:t>(but </a:t>
+            </a:r>
+            <a:r>
+              <a:rPr lang="en-GB" b="1" i="1"/>
+              <a:t>you have </a:t>
+            </a:r>
+            <a:r>
+              <a:rPr lang="en-GB" b="1" i="1" dirty="0"/>
+              <a:t>to figure it out!)</a:t>
+            </a:r>
+          </a:p>
+          <a:p>
+            <a:pPr marL="0" indent="0">
+              <a:buNone/>
+            </a:pPr>
+            <a:r>
+              <a:rPr lang="en-GB" b="1" i="1" dirty="0"/>
+              <a:t>Careful, as of Feb 2025, float64 is not a valid datatype in MPS, might need to use float32 in notebooks instead.</a:t>
+            </a:r>
+          </a:p>
+          <a:p>
+            <a:pPr marL="0" indent="0">
+              <a:buNone/>
+            </a:pPr>
+            <a:r>
+              <a:rPr lang="en-GB" b="1" i="1" dirty="0"/>
+              <a:t>Possibly more adjustments needed…</a:t>
+            </a:r>
+            <a:endParaRPr lang="en-SG" b="1" i="1" dirty="0"/>
+          </a:p>
+        </p:txBody>
+      </p:sp>
+      <p:pic>
+        <p:nvPicPr>
+          <p:cNvPr id="6" name="Picture 5">
+            <a:extLst>
+              <a:ext uri="{FF2B5EF4-FFF2-40B4-BE49-F238E27FC236}">
+                <a16:creationId xmlns:a16="http://schemas.microsoft.com/office/drawing/2014/main" id="{F6FB43C8-3C29-BA06-BBF8-541C3A943BFF}"/>
+              </a:ext>
+            </a:extLst>
+          </p:cNvPr>
+          <p:cNvPicPr>
+            <a:picLocks noChangeAspect="1"/>
+          </p:cNvPicPr>
+          <p:nvPr/>
+        </p:nvPicPr>
+        <p:blipFill>
+          <a:blip r:embed="rId2"/>
+          <a:stretch>
+            <a:fillRect/>
+          </a:stretch>
+        </p:blipFill>
+        <p:spPr>
+          <a:xfrm>
+            <a:off x="6096000" y="1773380"/>
+            <a:ext cx="5856514" cy="4356085"/>
+          </a:xfrm>
+          <a:prstGeom prst="rect">
+            <a:avLst/>
+          </a:prstGeom>
+        </p:spPr>
+      </p:pic>
+    </p:spTree>
+    <p:extLst>
+      <p:ext uri="{BB962C8B-B14F-4D97-AF65-F5344CB8AC3E}">
+        <p14:creationId xmlns:p14="http://schemas.microsoft.com/office/powerpoint/2010/main" val="4225424130"/>
+      </p:ext>
+    </p:extLst>
+  </p:cSld>
+  <p:clrMapOvr>
+    <a:masterClrMapping/>
+  </p:clrMapOvr>
+</p:sld>
+</file>
+
+<file path=ppt/slides/slide45.xml><?xml version="1.0" encoding="utf-8"?>
+<p:sld xmlns:a="http://schemas.openxmlformats.org/drawingml/2006/main" xmlns:r="http://schemas.openxmlformats.org/officeDocument/2006/relationships" xmlns:p="http://schemas.openxmlformats.org/presentationml/2006/main">
+  <p:cSld>
+    <p:spTree>
+      <p:nvGrpSpPr>
         <p:cNvPr id="1" name=""/>
         <p:cNvGrpSpPr/>
         <p:nvPr/>
@@ -17108,7 +14611,7 @@
 </p:sld>
 </file>
 
-<file path=ppt/slides/slide45.xml><?xml version="1.0" encoding="utf-8"?>
+<file path=ppt/slides/slide46.xml><?xml version="1.0" encoding="utf-8"?>
 <p:sld xmlns:a="http://schemas.openxmlformats.org/drawingml/2006/main" xmlns:r="http://schemas.openxmlformats.org/officeDocument/2006/relationships" xmlns:p="http://schemas.openxmlformats.org/presentationml/2006/main">
   <p:cSld>
     <p:spTree>
